--- a/Slides/Module 5 - Security.pptx
+++ b/Slides/Module 5 - Security.pptx
@@ -5,28 +5,37 @@
     <p:sldMasterId id="2147483660" r:id="rId4"/>
   </p:sldMasterIdLst>
   <p:notesMasterIdLst>
-    <p:notesMasterId r:id="rId21"/>
+    <p:notesMasterId r:id="rId30"/>
   </p:notesMasterIdLst>
   <p:handoutMasterIdLst>
-    <p:handoutMasterId r:id="rId22"/>
+    <p:handoutMasterId r:id="rId31"/>
   </p:handoutMasterIdLst>
   <p:sldIdLst>
     <p:sldId id="277" r:id="rId5"/>
     <p:sldId id="278" r:id="rId6"/>
     <p:sldId id="303" r:id="rId7"/>
-    <p:sldId id="282" r:id="rId8"/>
-    <p:sldId id="310" r:id="rId9"/>
-    <p:sldId id="301" r:id="rId10"/>
-    <p:sldId id="305" r:id="rId11"/>
-    <p:sldId id="307" r:id="rId12"/>
-    <p:sldId id="302" r:id="rId13"/>
-    <p:sldId id="311" r:id="rId14"/>
-    <p:sldId id="312" r:id="rId15"/>
-    <p:sldId id="300" r:id="rId16"/>
-    <p:sldId id="304" r:id="rId17"/>
-    <p:sldId id="308" r:id="rId18"/>
-    <p:sldId id="309" r:id="rId19"/>
-    <p:sldId id="269" r:id="rId20"/>
+    <p:sldId id="319" r:id="rId8"/>
+    <p:sldId id="282" r:id="rId9"/>
+    <p:sldId id="310" r:id="rId10"/>
+    <p:sldId id="301" r:id="rId11"/>
+    <p:sldId id="305" r:id="rId12"/>
+    <p:sldId id="307" r:id="rId13"/>
+    <p:sldId id="302" r:id="rId14"/>
+    <p:sldId id="311" r:id="rId15"/>
+    <p:sldId id="312" r:id="rId16"/>
+    <p:sldId id="300" r:id="rId17"/>
+    <p:sldId id="315" r:id="rId18"/>
+    <p:sldId id="304" r:id="rId19"/>
+    <p:sldId id="314" r:id="rId20"/>
+    <p:sldId id="316" r:id="rId21"/>
+    <p:sldId id="308" r:id="rId22"/>
+    <p:sldId id="317" r:id="rId23"/>
+    <p:sldId id="318" r:id="rId24"/>
+    <p:sldId id="309" r:id="rId25"/>
+    <p:sldId id="320" r:id="rId26"/>
+    <p:sldId id="322" r:id="rId27"/>
+    <p:sldId id="321" r:id="rId28"/>
+    <p:sldId id="269" r:id="rId29"/>
   </p:sldIdLst>
   <p:sldSz cx="12192000" cy="6858000"/>
   <p:notesSz cx="6858000" cy="9144000"/>
@@ -136,6 +145,5296 @@
 </p:presentation>
 </file>
 
+<file path=ppt/diagrams/colors1.xml><?xml version="1.0" encoding="utf-8"?>
+<dgm:colorsDef xmlns:dgm="http://schemas.openxmlformats.org/drawingml/2006/diagram" xmlns:a="http://schemas.openxmlformats.org/drawingml/2006/main" uniqueId="urn:microsoft.com/office/officeart/2005/8/colors/colorful4">
+  <dgm:title val=""/>
+  <dgm:desc val=""/>
+  <dgm:catLst>
+    <dgm:cat type="colorful" pri="10400"/>
+  </dgm:catLst>
+  <dgm:styleLbl name="node0">
+    <dgm:fillClrLst meth="repeat">
+      <a:schemeClr val="accent3"/>
+    </dgm:fillClrLst>
+    <dgm:linClrLst meth="repeat">
+      <a:schemeClr val="lt1"/>
+    </dgm:linClrLst>
+    <dgm:effectClrLst/>
+    <dgm:txLinClrLst/>
+    <dgm:txFillClrLst/>
+    <dgm:txEffectClrLst/>
+  </dgm:styleLbl>
+  <dgm:styleLbl name="node1">
+    <dgm:fillClrLst>
+      <a:schemeClr val="accent4"/>
+      <a:schemeClr val="accent5"/>
+    </dgm:fillClrLst>
+    <dgm:linClrLst meth="repeat">
+      <a:schemeClr val="lt1"/>
+    </dgm:linClrLst>
+    <dgm:effectClrLst/>
+    <dgm:txLinClrLst/>
+    <dgm:txFillClrLst/>
+    <dgm:txEffectClrLst/>
+  </dgm:styleLbl>
+  <dgm:styleLbl name="alignNode1">
+    <dgm:fillClrLst>
+      <a:schemeClr val="accent4"/>
+      <a:schemeClr val="accent5"/>
+    </dgm:fillClrLst>
+    <dgm:linClrLst>
+      <a:schemeClr val="accent4"/>
+      <a:schemeClr val="accent5"/>
+    </dgm:linClrLst>
+    <dgm:effectClrLst/>
+    <dgm:txLinClrLst/>
+    <dgm:txFillClrLst/>
+    <dgm:txEffectClrLst/>
+  </dgm:styleLbl>
+  <dgm:styleLbl name="lnNode1">
+    <dgm:fillClrLst>
+      <a:schemeClr val="accent4"/>
+      <a:schemeClr val="accent5"/>
+    </dgm:fillClrLst>
+    <dgm:linClrLst meth="repeat">
+      <a:schemeClr val="lt1"/>
+    </dgm:linClrLst>
+    <dgm:effectClrLst/>
+    <dgm:txLinClrLst/>
+    <dgm:txFillClrLst/>
+    <dgm:txEffectClrLst/>
+  </dgm:styleLbl>
+  <dgm:styleLbl name="vennNode1">
+    <dgm:fillClrLst>
+      <a:schemeClr val="accent4">
+        <a:alpha val="50000"/>
+      </a:schemeClr>
+      <a:schemeClr val="accent5">
+        <a:alpha val="50000"/>
+      </a:schemeClr>
+    </dgm:fillClrLst>
+    <dgm:linClrLst meth="repeat">
+      <a:schemeClr val="lt1"/>
+    </dgm:linClrLst>
+    <dgm:effectClrLst/>
+    <dgm:txLinClrLst/>
+    <dgm:txFillClrLst/>
+    <dgm:txEffectClrLst/>
+  </dgm:styleLbl>
+  <dgm:styleLbl name="node2">
+    <dgm:fillClrLst>
+      <a:schemeClr val="accent5"/>
+    </dgm:fillClrLst>
+    <dgm:linClrLst meth="repeat">
+      <a:schemeClr val="lt1"/>
+    </dgm:linClrLst>
+    <dgm:effectClrLst/>
+    <dgm:txLinClrLst/>
+    <dgm:txFillClrLst/>
+    <dgm:txEffectClrLst/>
+  </dgm:styleLbl>
+  <dgm:styleLbl name="node3">
+    <dgm:fillClrLst>
+      <a:schemeClr val="accent6"/>
+    </dgm:fillClrLst>
+    <dgm:linClrLst meth="repeat">
+      <a:schemeClr val="lt1"/>
+    </dgm:linClrLst>
+    <dgm:effectClrLst/>
+    <dgm:txLinClrLst/>
+    <dgm:txFillClrLst/>
+    <dgm:txEffectClrLst/>
+  </dgm:styleLbl>
+  <dgm:styleLbl name="node4">
+    <dgm:fillClrLst>
+      <a:schemeClr val="accent1"/>
+    </dgm:fillClrLst>
+    <dgm:linClrLst meth="repeat">
+      <a:schemeClr val="lt1"/>
+    </dgm:linClrLst>
+    <dgm:effectClrLst/>
+    <dgm:txLinClrLst/>
+    <dgm:txFillClrLst/>
+    <dgm:txEffectClrLst/>
+  </dgm:styleLbl>
+  <dgm:styleLbl name="fgImgPlace1">
+    <dgm:fillClrLst>
+      <a:schemeClr val="accent4">
+        <a:tint val="50000"/>
+      </a:schemeClr>
+      <a:schemeClr val="accent5">
+        <a:tint val="50000"/>
+      </a:schemeClr>
+    </dgm:fillClrLst>
+    <dgm:linClrLst meth="repeat">
+      <a:schemeClr val="lt1"/>
+    </dgm:linClrLst>
+    <dgm:effectClrLst/>
+    <dgm:txLinClrLst/>
+    <dgm:txFillClrLst meth="repeat">
+      <a:schemeClr val="lt1"/>
+    </dgm:txFillClrLst>
+    <dgm:txEffectClrLst/>
+  </dgm:styleLbl>
+  <dgm:styleLbl name="alignImgPlace1">
+    <dgm:fillClrLst>
+      <a:schemeClr val="accent4">
+        <a:tint val="50000"/>
+      </a:schemeClr>
+      <a:schemeClr val="accent5">
+        <a:tint val="20000"/>
+      </a:schemeClr>
+    </dgm:fillClrLst>
+    <dgm:linClrLst meth="repeat">
+      <a:schemeClr val="lt1"/>
+    </dgm:linClrLst>
+    <dgm:effectClrLst/>
+    <dgm:txLinClrLst/>
+    <dgm:txFillClrLst meth="repeat">
+      <a:schemeClr val="lt1"/>
+    </dgm:txFillClrLst>
+    <dgm:txEffectClrLst/>
+  </dgm:styleLbl>
+  <dgm:styleLbl name="bgImgPlace1">
+    <dgm:fillClrLst>
+      <a:schemeClr val="accent4">
+        <a:tint val="50000"/>
+      </a:schemeClr>
+      <a:schemeClr val="accent5">
+        <a:tint val="20000"/>
+      </a:schemeClr>
+    </dgm:fillClrLst>
+    <dgm:linClrLst meth="repeat">
+      <a:schemeClr val="lt1"/>
+    </dgm:linClrLst>
+    <dgm:effectClrLst/>
+    <dgm:txLinClrLst/>
+    <dgm:txFillClrLst meth="repeat">
+      <a:schemeClr val="lt1"/>
+    </dgm:txFillClrLst>
+    <dgm:txEffectClrLst/>
+  </dgm:styleLbl>
+  <dgm:styleLbl name="sibTrans2D1">
+    <dgm:fillClrLst>
+      <a:schemeClr val="accent4"/>
+      <a:schemeClr val="accent5"/>
+    </dgm:fillClrLst>
+    <dgm:linClrLst meth="repeat">
+      <a:schemeClr val="lt1"/>
+    </dgm:linClrLst>
+    <dgm:effectClrLst/>
+    <dgm:txLinClrLst/>
+    <dgm:txFillClrLst/>
+    <dgm:txEffectClrLst/>
+  </dgm:styleLbl>
+  <dgm:styleLbl name="fgSibTrans2D1">
+    <dgm:fillClrLst>
+      <a:schemeClr val="accent4"/>
+      <a:schemeClr val="accent5"/>
+    </dgm:fillClrLst>
+    <dgm:linClrLst meth="repeat">
+      <a:schemeClr val="lt1"/>
+    </dgm:linClrLst>
+    <dgm:effectClrLst/>
+    <dgm:txLinClrLst/>
+    <dgm:txFillClrLst meth="repeat">
+      <a:schemeClr val="lt1"/>
+    </dgm:txFillClrLst>
+    <dgm:txEffectClrLst/>
+  </dgm:styleLbl>
+  <dgm:styleLbl name="bgSibTrans2D1">
+    <dgm:fillClrLst>
+      <a:schemeClr val="accent4"/>
+      <a:schemeClr val="accent5"/>
+    </dgm:fillClrLst>
+    <dgm:linClrLst meth="repeat">
+      <a:schemeClr val="lt1"/>
+    </dgm:linClrLst>
+    <dgm:effectClrLst/>
+    <dgm:txLinClrLst/>
+    <dgm:txFillClrLst meth="repeat">
+      <a:schemeClr val="lt1"/>
+    </dgm:txFillClrLst>
+    <dgm:txEffectClrLst/>
+  </dgm:styleLbl>
+  <dgm:styleLbl name="sibTrans1D1">
+    <dgm:fillClrLst/>
+    <dgm:linClrLst>
+      <a:schemeClr val="accent4"/>
+      <a:schemeClr val="accent5"/>
+    </dgm:linClrLst>
+    <dgm:effectClrLst/>
+    <dgm:txLinClrLst/>
+    <dgm:txFillClrLst meth="repeat">
+      <a:schemeClr val="tx1"/>
+    </dgm:txFillClrLst>
+    <dgm:txEffectClrLst/>
+  </dgm:styleLbl>
+  <dgm:styleLbl name="callout">
+    <dgm:fillClrLst meth="repeat">
+      <a:schemeClr val="accent4"/>
+    </dgm:fillClrLst>
+    <dgm:linClrLst meth="repeat">
+      <a:schemeClr val="accent4">
+        <a:tint val="50000"/>
+      </a:schemeClr>
+    </dgm:linClrLst>
+    <dgm:effectClrLst/>
+    <dgm:txLinClrLst/>
+    <dgm:txFillClrLst meth="repeat">
+      <a:schemeClr val="tx1"/>
+    </dgm:txFillClrLst>
+    <dgm:txEffectClrLst/>
+  </dgm:styleLbl>
+  <dgm:styleLbl name="asst0">
+    <dgm:fillClrLst meth="repeat">
+      <a:schemeClr val="accent4"/>
+    </dgm:fillClrLst>
+    <dgm:linClrLst meth="repeat">
+      <a:schemeClr val="lt1">
+        <a:shade val="80000"/>
+      </a:schemeClr>
+    </dgm:linClrLst>
+    <dgm:effectClrLst/>
+    <dgm:txLinClrLst/>
+    <dgm:txFillClrLst/>
+    <dgm:txEffectClrLst/>
+  </dgm:styleLbl>
+  <dgm:styleLbl name="asst1">
+    <dgm:fillClrLst meth="repeat">
+      <a:schemeClr val="accent5"/>
+    </dgm:fillClrLst>
+    <dgm:linClrLst meth="repeat">
+      <a:schemeClr val="lt1">
+        <a:shade val="80000"/>
+      </a:schemeClr>
+    </dgm:linClrLst>
+    <dgm:effectClrLst/>
+    <dgm:txLinClrLst/>
+    <dgm:txFillClrLst/>
+    <dgm:txEffectClrLst/>
+  </dgm:styleLbl>
+  <dgm:styleLbl name="asst2">
+    <dgm:fillClrLst>
+      <a:schemeClr val="accent6"/>
+    </dgm:fillClrLst>
+    <dgm:linClrLst meth="repeat">
+      <a:schemeClr val="lt1"/>
+    </dgm:linClrLst>
+    <dgm:effectClrLst/>
+    <dgm:txLinClrLst/>
+    <dgm:txFillClrLst/>
+    <dgm:txEffectClrLst/>
+  </dgm:styleLbl>
+  <dgm:styleLbl name="asst3">
+    <dgm:fillClrLst>
+      <a:schemeClr val="accent1"/>
+    </dgm:fillClrLst>
+    <dgm:linClrLst meth="repeat">
+      <a:schemeClr val="lt1"/>
+    </dgm:linClrLst>
+    <dgm:effectClrLst/>
+    <dgm:txLinClrLst/>
+    <dgm:txFillClrLst/>
+    <dgm:txEffectClrLst/>
+  </dgm:styleLbl>
+  <dgm:styleLbl name="asst4">
+    <dgm:fillClrLst>
+      <a:schemeClr val="accent2"/>
+    </dgm:fillClrLst>
+    <dgm:linClrLst meth="repeat">
+      <a:schemeClr val="lt1"/>
+    </dgm:linClrLst>
+    <dgm:effectClrLst/>
+    <dgm:txLinClrLst/>
+    <dgm:txFillClrLst/>
+    <dgm:txEffectClrLst/>
+  </dgm:styleLbl>
+  <dgm:styleLbl name="parChTrans2D1">
+    <dgm:fillClrLst meth="repeat">
+      <a:schemeClr val="accent4"/>
+    </dgm:fillClrLst>
+    <dgm:linClrLst meth="repeat">
+      <a:schemeClr val="lt1"/>
+    </dgm:linClrLst>
+    <dgm:effectClrLst/>
+    <dgm:txLinClrLst/>
+    <dgm:txFillClrLst meth="repeat">
+      <a:schemeClr val="lt1"/>
+    </dgm:txFillClrLst>
+    <dgm:txEffectClrLst/>
+  </dgm:styleLbl>
+  <dgm:styleLbl name="parChTrans2D2">
+    <dgm:fillClrLst meth="repeat">
+      <a:schemeClr val="accent5"/>
+    </dgm:fillClrLst>
+    <dgm:linClrLst meth="repeat">
+      <a:schemeClr val="lt1"/>
+    </dgm:linClrLst>
+    <dgm:effectClrLst/>
+    <dgm:txLinClrLst/>
+    <dgm:txFillClrLst/>
+    <dgm:txEffectClrLst/>
+  </dgm:styleLbl>
+  <dgm:styleLbl name="parChTrans2D3">
+    <dgm:fillClrLst meth="repeat">
+      <a:schemeClr val="accent5"/>
+    </dgm:fillClrLst>
+    <dgm:linClrLst meth="repeat">
+      <a:schemeClr val="lt1"/>
+    </dgm:linClrLst>
+    <dgm:effectClrLst/>
+    <dgm:txLinClrLst/>
+    <dgm:txFillClrLst/>
+    <dgm:txEffectClrLst/>
+  </dgm:styleLbl>
+  <dgm:styleLbl name="parChTrans2D4">
+    <dgm:fillClrLst meth="repeat">
+      <a:schemeClr val="accent6"/>
+    </dgm:fillClrLst>
+    <dgm:linClrLst meth="repeat">
+      <a:schemeClr val="lt1"/>
+    </dgm:linClrLst>
+    <dgm:effectClrLst/>
+    <dgm:txLinClrLst/>
+    <dgm:txFillClrLst meth="repeat">
+      <a:schemeClr val="lt1"/>
+    </dgm:txFillClrLst>
+    <dgm:txEffectClrLst/>
+  </dgm:styleLbl>
+  <dgm:styleLbl name="parChTrans1D1">
+    <dgm:fillClrLst meth="repeat">
+      <a:schemeClr val="accent4"/>
+    </dgm:fillClrLst>
+    <dgm:linClrLst meth="repeat">
+      <a:schemeClr val="accent4"/>
+    </dgm:linClrLst>
+    <dgm:effectClrLst/>
+    <dgm:txLinClrLst/>
+    <dgm:txFillClrLst meth="repeat">
+      <a:schemeClr val="tx1"/>
+    </dgm:txFillClrLst>
+    <dgm:txEffectClrLst/>
+  </dgm:styleLbl>
+  <dgm:styleLbl name="parChTrans1D2">
+    <dgm:fillClrLst meth="repeat">
+      <a:schemeClr val="accent4">
+        <a:tint val="90000"/>
+      </a:schemeClr>
+    </dgm:fillClrLst>
+    <dgm:linClrLst meth="repeat">
+      <a:schemeClr val="accent5"/>
+    </dgm:linClrLst>
+    <dgm:effectClrLst/>
+    <dgm:txLinClrLst/>
+    <dgm:txFillClrLst meth="repeat">
+      <a:schemeClr val="tx1"/>
+    </dgm:txFillClrLst>
+    <dgm:txEffectClrLst/>
+  </dgm:styleLbl>
+  <dgm:styleLbl name="parChTrans1D3">
+    <dgm:fillClrLst meth="repeat">
+      <a:schemeClr val="accent4">
+        <a:tint val="70000"/>
+      </a:schemeClr>
+    </dgm:fillClrLst>
+    <dgm:linClrLst meth="repeat">
+      <a:schemeClr val="accent6"/>
+    </dgm:linClrLst>
+    <dgm:effectClrLst/>
+    <dgm:txLinClrLst/>
+    <dgm:txFillClrLst meth="repeat">
+      <a:schemeClr val="tx1"/>
+    </dgm:txFillClrLst>
+    <dgm:txEffectClrLst/>
+  </dgm:styleLbl>
+  <dgm:styleLbl name="parChTrans1D4">
+    <dgm:fillClrLst meth="repeat">
+      <a:schemeClr val="accent4">
+        <a:tint val="50000"/>
+      </a:schemeClr>
+    </dgm:fillClrLst>
+    <dgm:linClrLst meth="repeat">
+      <a:schemeClr val="accent1"/>
+    </dgm:linClrLst>
+    <dgm:effectClrLst/>
+    <dgm:txLinClrLst/>
+    <dgm:txFillClrLst meth="repeat">
+      <a:schemeClr val="tx1"/>
+    </dgm:txFillClrLst>
+    <dgm:txEffectClrLst/>
+  </dgm:styleLbl>
+  <dgm:styleLbl name="fgAcc1">
+    <dgm:fillClrLst meth="repeat">
+      <a:schemeClr val="lt1">
+        <a:alpha val="90000"/>
+      </a:schemeClr>
+    </dgm:fillClrLst>
+    <dgm:linClrLst>
+      <a:schemeClr val="accent4"/>
+      <a:schemeClr val="accent5"/>
+    </dgm:linClrLst>
+    <dgm:effectClrLst/>
+    <dgm:txLinClrLst/>
+    <dgm:txFillClrLst meth="repeat">
+      <a:schemeClr val="dk1"/>
+    </dgm:txFillClrLst>
+    <dgm:txEffectClrLst/>
+  </dgm:styleLbl>
+  <dgm:styleLbl name="conFgAcc1">
+    <dgm:fillClrLst meth="repeat">
+      <a:schemeClr val="lt1">
+        <a:alpha val="90000"/>
+      </a:schemeClr>
+    </dgm:fillClrLst>
+    <dgm:linClrLst>
+      <a:schemeClr val="accent4"/>
+      <a:schemeClr val="accent5"/>
+    </dgm:linClrLst>
+    <dgm:effectClrLst/>
+    <dgm:txLinClrLst/>
+    <dgm:txFillClrLst meth="repeat">
+      <a:schemeClr val="dk1"/>
+    </dgm:txFillClrLst>
+    <dgm:txEffectClrLst/>
+  </dgm:styleLbl>
+  <dgm:styleLbl name="alignAcc1">
+    <dgm:fillClrLst meth="repeat">
+      <a:schemeClr val="lt1">
+        <a:alpha val="90000"/>
+      </a:schemeClr>
+    </dgm:fillClrLst>
+    <dgm:linClrLst>
+      <a:schemeClr val="accent4"/>
+      <a:schemeClr val="accent5"/>
+    </dgm:linClrLst>
+    <dgm:effectClrLst/>
+    <dgm:txLinClrLst/>
+    <dgm:txFillClrLst meth="repeat">
+      <a:schemeClr val="dk1"/>
+    </dgm:txFillClrLst>
+    <dgm:txEffectClrLst/>
+  </dgm:styleLbl>
+  <dgm:styleLbl name="trAlignAcc1">
+    <dgm:fillClrLst meth="repeat">
+      <a:schemeClr val="lt1">
+        <a:alpha val="40000"/>
+      </a:schemeClr>
+    </dgm:fillClrLst>
+    <dgm:linClrLst meth="repeat">
+      <a:schemeClr val="accent4"/>
+    </dgm:linClrLst>
+    <dgm:effectClrLst/>
+    <dgm:txLinClrLst/>
+    <dgm:txFillClrLst meth="repeat">
+      <a:schemeClr val="dk1"/>
+    </dgm:txFillClrLst>
+    <dgm:txEffectClrLst/>
+  </dgm:styleLbl>
+  <dgm:styleLbl name="bgAcc1">
+    <dgm:fillClrLst meth="repeat">
+      <a:schemeClr val="lt1">
+        <a:alpha val="90000"/>
+      </a:schemeClr>
+    </dgm:fillClrLst>
+    <dgm:linClrLst>
+      <a:schemeClr val="accent4"/>
+      <a:schemeClr val="accent5"/>
+    </dgm:linClrLst>
+    <dgm:effectClrLst/>
+    <dgm:txLinClrLst/>
+    <dgm:txFillClrLst meth="repeat">
+      <a:schemeClr val="dk1"/>
+    </dgm:txFillClrLst>
+    <dgm:txEffectClrLst/>
+  </dgm:styleLbl>
+  <dgm:styleLbl name="solidFgAcc1">
+    <dgm:fillClrLst meth="repeat">
+      <a:schemeClr val="lt1"/>
+    </dgm:fillClrLst>
+    <dgm:linClrLst>
+      <a:schemeClr val="accent4"/>
+      <a:schemeClr val="accent5"/>
+    </dgm:linClrLst>
+    <dgm:effectClrLst/>
+    <dgm:txLinClrLst/>
+    <dgm:txFillClrLst meth="repeat">
+      <a:schemeClr val="dk1"/>
+    </dgm:txFillClrLst>
+    <dgm:txEffectClrLst/>
+  </dgm:styleLbl>
+  <dgm:styleLbl name="solidAlignAcc1">
+    <dgm:fillClrLst meth="repeat">
+      <a:schemeClr val="lt1"/>
+    </dgm:fillClrLst>
+    <dgm:linClrLst>
+      <a:schemeClr val="accent4"/>
+      <a:schemeClr val="accent5"/>
+    </dgm:linClrLst>
+    <dgm:effectClrLst/>
+    <dgm:txLinClrLst/>
+    <dgm:txFillClrLst meth="repeat">
+      <a:schemeClr val="dk1"/>
+    </dgm:txFillClrLst>
+    <dgm:txEffectClrLst/>
+  </dgm:styleLbl>
+  <dgm:styleLbl name="solidBgAcc1">
+    <dgm:fillClrLst meth="repeat">
+      <a:schemeClr val="lt1"/>
+    </dgm:fillClrLst>
+    <dgm:linClrLst>
+      <a:schemeClr val="accent4"/>
+      <a:schemeClr val="accent5"/>
+    </dgm:linClrLst>
+    <dgm:effectClrLst/>
+    <dgm:txLinClrLst/>
+    <dgm:txFillClrLst meth="repeat">
+      <a:schemeClr val="dk1"/>
+    </dgm:txFillClrLst>
+    <dgm:txEffectClrLst/>
+  </dgm:styleLbl>
+  <dgm:styleLbl name="fgAccFollowNode1">
+    <dgm:fillClrLst>
+      <a:schemeClr val="accent4">
+        <a:tint val="40000"/>
+        <a:alpha val="90000"/>
+      </a:schemeClr>
+      <a:schemeClr val="accent5">
+        <a:tint val="40000"/>
+        <a:alpha val="90000"/>
+      </a:schemeClr>
+    </dgm:fillClrLst>
+    <dgm:linClrLst>
+      <a:schemeClr val="accent4">
+        <a:tint val="40000"/>
+        <a:alpha val="90000"/>
+      </a:schemeClr>
+      <a:schemeClr val="accent5">
+        <a:tint val="40000"/>
+        <a:alpha val="90000"/>
+      </a:schemeClr>
+    </dgm:linClrLst>
+    <dgm:effectClrLst/>
+    <dgm:txLinClrLst/>
+    <dgm:txFillClrLst meth="repeat">
+      <a:schemeClr val="dk1"/>
+    </dgm:txFillClrLst>
+    <dgm:txEffectClrLst/>
+  </dgm:styleLbl>
+  <dgm:styleLbl name="alignAccFollowNode1">
+    <dgm:fillClrLst>
+      <a:schemeClr val="accent4">
+        <a:tint val="40000"/>
+        <a:alpha val="90000"/>
+      </a:schemeClr>
+      <a:schemeClr val="accent5">
+        <a:tint val="40000"/>
+        <a:alpha val="90000"/>
+      </a:schemeClr>
+    </dgm:fillClrLst>
+    <dgm:linClrLst>
+      <a:schemeClr val="accent4">
+        <a:tint val="40000"/>
+        <a:alpha val="90000"/>
+      </a:schemeClr>
+      <a:schemeClr val="accent5">
+        <a:tint val="40000"/>
+        <a:alpha val="90000"/>
+      </a:schemeClr>
+    </dgm:linClrLst>
+    <dgm:effectClrLst/>
+    <dgm:txLinClrLst/>
+    <dgm:txFillClrLst meth="repeat">
+      <a:schemeClr val="dk1"/>
+    </dgm:txFillClrLst>
+    <dgm:txEffectClrLst/>
+  </dgm:styleLbl>
+  <dgm:styleLbl name="bgAccFollowNode1">
+    <dgm:fillClrLst>
+      <a:schemeClr val="accent4">
+        <a:tint val="40000"/>
+        <a:alpha val="90000"/>
+      </a:schemeClr>
+      <a:schemeClr val="accent5">
+        <a:tint val="40000"/>
+        <a:alpha val="90000"/>
+      </a:schemeClr>
+    </dgm:fillClrLst>
+    <dgm:linClrLst>
+      <a:schemeClr val="accent4">
+        <a:tint val="40000"/>
+        <a:alpha val="90000"/>
+      </a:schemeClr>
+      <a:schemeClr val="accent5">
+        <a:tint val="40000"/>
+        <a:alpha val="90000"/>
+      </a:schemeClr>
+    </dgm:linClrLst>
+    <dgm:effectClrLst/>
+    <dgm:txLinClrLst/>
+    <dgm:txFillClrLst meth="repeat">
+      <a:schemeClr val="dk1"/>
+    </dgm:txFillClrLst>
+    <dgm:txEffectClrLst/>
+  </dgm:styleLbl>
+  <dgm:styleLbl name="fgAcc0">
+    <dgm:fillClrLst meth="repeat">
+      <a:schemeClr val="lt1">
+        <a:alpha val="90000"/>
+      </a:schemeClr>
+    </dgm:fillClrLst>
+    <dgm:linClrLst>
+      <a:schemeClr val="accent3"/>
+    </dgm:linClrLst>
+    <dgm:effectClrLst/>
+    <dgm:txLinClrLst/>
+    <dgm:txFillClrLst meth="repeat">
+      <a:schemeClr val="dk1"/>
+    </dgm:txFillClrLst>
+    <dgm:txEffectClrLst/>
+  </dgm:styleLbl>
+  <dgm:styleLbl name="fgAcc2">
+    <dgm:fillClrLst meth="repeat">
+      <a:schemeClr val="lt1">
+        <a:alpha val="90000"/>
+      </a:schemeClr>
+    </dgm:fillClrLst>
+    <dgm:linClrLst>
+      <a:schemeClr val="accent5"/>
+    </dgm:linClrLst>
+    <dgm:effectClrLst/>
+    <dgm:txLinClrLst/>
+    <dgm:txFillClrLst meth="repeat">
+      <a:schemeClr val="dk1"/>
+    </dgm:txFillClrLst>
+    <dgm:txEffectClrLst/>
+  </dgm:styleLbl>
+  <dgm:styleLbl name="fgAcc3">
+    <dgm:fillClrLst meth="repeat">
+      <a:schemeClr val="lt1">
+        <a:alpha val="90000"/>
+      </a:schemeClr>
+    </dgm:fillClrLst>
+    <dgm:linClrLst>
+      <a:schemeClr val="accent6"/>
+    </dgm:linClrLst>
+    <dgm:effectClrLst/>
+    <dgm:txLinClrLst/>
+    <dgm:txFillClrLst meth="repeat">
+      <a:schemeClr val="dk1"/>
+    </dgm:txFillClrLst>
+    <dgm:txEffectClrLst/>
+  </dgm:styleLbl>
+  <dgm:styleLbl name="fgAcc4">
+    <dgm:fillClrLst meth="repeat">
+      <a:schemeClr val="lt1">
+        <a:alpha val="90000"/>
+      </a:schemeClr>
+    </dgm:fillClrLst>
+    <dgm:linClrLst>
+      <a:schemeClr val="accent1"/>
+    </dgm:linClrLst>
+    <dgm:effectClrLst/>
+    <dgm:txLinClrLst/>
+    <dgm:txFillClrLst meth="repeat">
+      <a:schemeClr val="dk1"/>
+    </dgm:txFillClrLst>
+    <dgm:txEffectClrLst/>
+  </dgm:styleLbl>
+  <dgm:styleLbl name="bgShp">
+    <dgm:fillClrLst meth="repeat">
+      <a:schemeClr val="accent4">
+        <a:tint val="40000"/>
+      </a:schemeClr>
+    </dgm:fillClrLst>
+    <dgm:linClrLst meth="repeat">
+      <a:schemeClr val="dk1"/>
+    </dgm:linClrLst>
+    <dgm:effectClrLst/>
+    <dgm:txLinClrLst/>
+    <dgm:txFillClrLst meth="repeat">
+      <a:schemeClr val="dk1"/>
+    </dgm:txFillClrLst>
+    <dgm:txEffectClrLst/>
+  </dgm:styleLbl>
+  <dgm:styleLbl name="dkBgShp">
+    <dgm:fillClrLst meth="repeat">
+      <a:schemeClr val="accent4">
+        <a:shade val="90000"/>
+      </a:schemeClr>
+    </dgm:fillClrLst>
+    <dgm:linClrLst meth="repeat">
+      <a:schemeClr val="dk1"/>
+    </dgm:linClrLst>
+    <dgm:effectClrLst/>
+    <dgm:txLinClrLst/>
+    <dgm:txFillClrLst meth="repeat">
+      <a:schemeClr val="lt1"/>
+    </dgm:txFillClrLst>
+    <dgm:txEffectClrLst/>
+  </dgm:styleLbl>
+  <dgm:styleLbl name="trBgShp">
+    <dgm:fillClrLst meth="repeat">
+      <a:schemeClr val="accent4">
+        <a:tint val="50000"/>
+        <a:alpha val="40000"/>
+      </a:schemeClr>
+    </dgm:fillClrLst>
+    <dgm:linClrLst meth="repeat">
+      <a:schemeClr val="accent4"/>
+    </dgm:linClrLst>
+    <dgm:effectClrLst/>
+    <dgm:txLinClrLst/>
+    <dgm:txFillClrLst meth="repeat">
+      <a:schemeClr val="lt1"/>
+    </dgm:txFillClrLst>
+    <dgm:txEffectClrLst/>
+  </dgm:styleLbl>
+  <dgm:styleLbl name="fgShp">
+    <dgm:fillClrLst meth="repeat">
+      <a:schemeClr val="accent4">
+        <a:tint val="40000"/>
+      </a:schemeClr>
+    </dgm:fillClrLst>
+    <dgm:linClrLst meth="repeat">
+      <a:schemeClr val="lt1"/>
+    </dgm:linClrLst>
+    <dgm:effectClrLst/>
+    <dgm:txLinClrLst/>
+    <dgm:txFillClrLst meth="repeat">
+      <a:schemeClr val="dk1"/>
+    </dgm:txFillClrLst>
+    <dgm:txEffectClrLst/>
+  </dgm:styleLbl>
+  <dgm:styleLbl name="revTx">
+    <dgm:fillClrLst meth="repeat">
+      <a:schemeClr val="lt1">
+        <a:alpha val="0"/>
+      </a:schemeClr>
+    </dgm:fillClrLst>
+    <dgm:linClrLst meth="repeat">
+      <a:schemeClr val="dk1">
+        <a:alpha val="0"/>
+      </a:schemeClr>
+    </dgm:linClrLst>
+    <dgm:effectClrLst/>
+    <dgm:txLinClrLst/>
+    <dgm:txFillClrLst meth="repeat">
+      <a:schemeClr val="tx1"/>
+    </dgm:txFillClrLst>
+    <dgm:txEffectClrLst/>
+  </dgm:styleLbl>
+</dgm:colorsDef>
+</file>
+
+<file path=ppt/diagrams/colors2.xml><?xml version="1.0" encoding="utf-8"?>
+<dgm:colorsDef xmlns:dgm="http://schemas.openxmlformats.org/drawingml/2006/diagram" xmlns:a="http://schemas.openxmlformats.org/drawingml/2006/main" uniqueId="urn:microsoft.com/office/officeart/2005/8/colors/colorful4">
+  <dgm:title val=""/>
+  <dgm:desc val=""/>
+  <dgm:catLst>
+    <dgm:cat type="colorful" pri="10400"/>
+  </dgm:catLst>
+  <dgm:styleLbl name="node0">
+    <dgm:fillClrLst meth="repeat">
+      <a:schemeClr val="accent3"/>
+    </dgm:fillClrLst>
+    <dgm:linClrLst meth="repeat">
+      <a:schemeClr val="lt1"/>
+    </dgm:linClrLst>
+    <dgm:effectClrLst/>
+    <dgm:txLinClrLst/>
+    <dgm:txFillClrLst/>
+    <dgm:txEffectClrLst/>
+  </dgm:styleLbl>
+  <dgm:styleLbl name="node1">
+    <dgm:fillClrLst>
+      <a:schemeClr val="accent4"/>
+      <a:schemeClr val="accent5"/>
+    </dgm:fillClrLst>
+    <dgm:linClrLst meth="repeat">
+      <a:schemeClr val="lt1"/>
+    </dgm:linClrLst>
+    <dgm:effectClrLst/>
+    <dgm:txLinClrLst/>
+    <dgm:txFillClrLst/>
+    <dgm:txEffectClrLst/>
+  </dgm:styleLbl>
+  <dgm:styleLbl name="alignNode1">
+    <dgm:fillClrLst>
+      <a:schemeClr val="accent4"/>
+      <a:schemeClr val="accent5"/>
+    </dgm:fillClrLst>
+    <dgm:linClrLst>
+      <a:schemeClr val="accent4"/>
+      <a:schemeClr val="accent5"/>
+    </dgm:linClrLst>
+    <dgm:effectClrLst/>
+    <dgm:txLinClrLst/>
+    <dgm:txFillClrLst/>
+    <dgm:txEffectClrLst/>
+  </dgm:styleLbl>
+  <dgm:styleLbl name="lnNode1">
+    <dgm:fillClrLst>
+      <a:schemeClr val="accent4"/>
+      <a:schemeClr val="accent5"/>
+    </dgm:fillClrLst>
+    <dgm:linClrLst meth="repeat">
+      <a:schemeClr val="lt1"/>
+    </dgm:linClrLst>
+    <dgm:effectClrLst/>
+    <dgm:txLinClrLst/>
+    <dgm:txFillClrLst/>
+    <dgm:txEffectClrLst/>
+  </dgm:styleLbl>
+  <dgm:styleLbl name="vennNode1">
+    <dgm:fillClrLst>
+      <a:schemeClr val="accent4">
+        <a:alpha val="50000"/>
+      </a:schemeClr>
+      <a:schemeClr val="accent5">
+        <a:alpha val="50000"/>
+      </a:schemeClr>
+    </dgm:fillClrLst>
+    <dgm:linClrLst meth="repeat">
+      <a:schemeClr val="lt1"/>
+    </dgm:linClrLst>
+    <dgm:effectClrLst/>
+    <dgm:txLinClrLst/>
+    <dgm:txFillClrLst/>
+    <dgm:txEffectClrLst/>
+  </dgm:styleLbl>
+  <dgm:styleLbl name="node2">
+    <dgm:fillClrLst>
+      <a:schemeClr val="accent5"/>
+    </dgm:fillClrLst>
+    <dgm:linClrLst meth="repeat">
+      <a:schemeClr val="lt1"/>
+    </dgm:linClrLst>
+    <dgm:effectClrLst/>
+    <dgm:txLinClrLst/>
+    <dgm:txFillClrLst/>
+    <dgm:txEffectClrLst/>
+  </dgm:styleLbl>
+  <dgm:styleLbl name="node3">
+    <dgm:fillClrLst>
+      <a:schemeClr val="accent6"/>
+    </dgm:fillClrLst>
+    <dgm:linClrLst meth="repeat">
+      <a:schemeClr val="lt1"/>
+    </dgm:linClrLst>
+    <dgm:effectClrLst/>
+    <dgm:txLinClrLst/>
+    <dgm:txFillClrLst/>
+    <dgm:txEffectClrLst/>
+  </dgm:styleLbl>
+  <dgm:styleLbl name="node4">
+    <dgm:fillClrLst>
+      <a:schemeClr val="accent1"/>
+    </dgm:fillClrLst>
+    <dgm:linClrLst meth="repeat">
+      <a:schemeClr val="lt1"/>
+    </dgm:linClrLst>
+    <dgm:effectClrLst/>
+    <dgm:txLinClrLst/>
+    <dgm:txFillClrLst/>
+    <dgm:txEffectClrLst/>
+  </dgm:styleLbl>
+  <dgm:styleLbl name="fgImgPlace1">
+    <dgm:fillClrLst>
+      <a:schemeClr val="accent4">
+        <a:tint val="50000"/>
+      </a:schemeClr>
+      <a:schemeClr val="accent5">
+        <a:tint val="50000"/>
+      </a:schemeClr>
+    </dgm:fillClrLst>
+    <dgm:linClrLst meth="repeat">
+      <a:schemeClr val="lt1"/>
+    </dgm:linClrLst>
+    <dgm:effectClrLst/>
+    <dgm:txLinClrLst/>
+    <dgm:txFillClrLst meth="repeat">
+      <a:schemeClr val="lt1"/>
+    </dgm:txFillClrLst>
+    <dgm:txEffectClrLst/>
+  </dgm:styleLbl>
+  <dgm:styleLbl name="alignImgPlace1">
+    <dgm:fillClrLst>
+      <a:schemeClr val="accent4">
+        <a:tint val="50000"/>
+      </a:schemeClr>
+      <a:schemeClr val="accent5">
+        <a:tint val="20000"/>
+      </a:schemeClr>
+    </dgm:fillClrLst>
+    <dgm:linClrLst meth="repeat">
+      <a:schemeClr val="lt1"/>
+    </dgm:linClrLst>
+    <dgm:effectClrLst/>
+    <dgm:txLinClrLst/>
+    <dgm:txFillClrLst meth="repeat">
+      <a:schemeClr val="lt1"/>
+    </dgm:txFillClrLst>
+    <dgm:txEffectClrLst/>
+  </dgm:styleLbl>
+  <dgm:styleLbl name="bgImgPlace1">
+    <dgm:fillClrLst>
+      <a:schemeClr val="accent4">
+        <a:tint val="50000"/>
+      </a:schemeClr>
+      <a:schemeClr val="accent5">
+        <a:tint val="20000"/>
+      </a:schemeClr>
+    </dgm:fillClrLst>
+    <dgm:linClrLst meth="repeat">
+      <a:schemeClr val="lt1"/>
+    </dgm:linClrLst>
+    <dgm:effectClrLst/>
+    <dgm:txLinClrLst/>
+    <dgm:txFillClrLst meth="repeat">
+      <a:schemeClr val="lt1"/>
+    </dgm:txFillClrLst>
+    <dgm:txEffectClrLst/>
+  </dgm:styleLbl>
+  <dgm:styleLbl name="sibTrans2D1">
+    <dgm:fillClrLst>
+      <a:schemeClr val="accent4"/>
+      <a:schemeClr val="accent5"/>
+    </dgm:fillClrLst>
+    <dgm:linClrLst meth="repeat">
+      <a:schemeClr val="lt1"/>
+    </dgm:linClrLst>
+    <dgm:effectClrLst/>
+    <dgm:txLinClrLst/>
+    <dgm:txFillClrLst/>
+    <dgm:txEffectClrLst/>
+  </dgm:styleLbl>
+  <dgm:styleLbl name="fgSibTrans2D1">
+    <dgm:fillClrLst>
+      <a:schemeClr val="accent4"/>
+      <a:schemeClr val="accent5"/>
+    </dgm:fillClrLst>
+    <dgm:linClrLst meth="repeat">
+      <a:schemeClr val="lt1"/>
+    </dgm:linClrLst>
+    <dgm:effectClrLst/>
+    <dgm:txLinClrLst/>
+    <dgm:txFillClrLst meth="repeat">
+      <a:schemeClr val="lt1"/>
+    </dgm:txFillClrLst>
+    <dgm:txEffectClrLst/>
+  </dgm:styleLbl>
+  <dgm:styleLbl name="bgSibTrans2D1">
+    <dgm:fillClrLst>
+      <a:schemeClr val="accent4"/>
+      <a:schemeClr val="accent5"/>
+    </dgm:fillClrLst>
+    <dgm:linClrLst meth="repeat">
+      <a:schemeClr val="lt1"/>
+    </dgm:linClrLst>
+    <dgm:effectClrLst/>
+    <dgm:txLinClrLst/>
+    <dgm:txFillClrLst meth="repeat">
+      <a:schemeClr val="lt1"/>
+    </dgm:txFillClrLst>
+    <dgm:txEffectClrLst/>
+  </dgm:styleLbl>
+  <dgm:styleLbl name="sibTrans1D1">
+    <dgm:fillClrLst/>
+    <dgm:linClrLst>
+      <a:schemeClr val="accent4"/>
+      <a:schemeClr val="accent5"/>
+    </dgm:linClrLst>
+    <dgm:effectClrLst/>
+    <dgm:txLinClrLst/>
+    <dgm:txFillClrLst meth="repeat">
+      <a:schemeClr val="tx1"/>
+    </dgm:txFillClrLst>
+    <dgm:txEffectClrLst/>
+  </dgm:styleLbl>
+  <dgm:styleLbl name="callout">
+    <dgm:fillClrLst meth="repeat">
+      <a:schemeClr val="accent4"/>
+    </dgm:fillClrLst>
+    <dgm:linClrLst meth="repeat">
+      <a:schemeClr val="accent4">
+        <a:tint val="50000"/>
+      </a:schemeClr>
+    </dgm:linClrLst>
+    <dgm:effectClrLst/>
+    <dgm:txLinClrLst/>
+    <dgm:txFillClrLst meth="repeat">
+      <a:schemeClr val="tx1"/>
+    </dgm:txFillClrLst>
+    <dgm:txEffectClrLst/>
+  </dgm:styleLbl>
+  <dgm:styleLbl name="asst0">
+    <dgm:fillClrLst meth="repeat">
+      <a:schemeClr val="accent4"/>
+    </dgm:fillClrLst>
+    <dgm:linClrLst meth="repeat">
+      <a:schemeClr val="lt1">
+        <a:shade val="80000"/>
+      </a:schemeClr>
+    </dgm:linClrLst>
+    <dgm:effectClrLst/>
+    <dgm:txLinClrLst/>
+    <dgm:txFillClrLst/>
+    <dgm:txEffectClrLst/>
+  </dgm:styleLbl>
+  <dgm:styleLbl name="asst1">
+    <dgm:fillClrLst meth="repeat">
+      <a:schemeClr val="accent5"/>
+    </dgm:fillClrLst>
+    <dgm:linClrLst meth="repeat">
+      <a:schemeClr val="lt1">
+        <a:shade val="80000"/>
+      </a:schemeClr>
+    </dgm:linClrLst>
+    <dgm:effectClrLst/>
+    <dgm:txLinClrLst/>
+    <dgm:txFillClrLst/>
+    <dgm:txEffectClrLst/>
+  </dgm:styleLbl>
+  <dgm:styleLbl name="asst2">
+    <dgm:fillClrLst>
+      <a:schemeClr val="accent6"/>
+    </dgm:fillClrLst>
+    <dgm:linClrLst meth="repeat">
+      <a:schemeClr val="lt1"/>
+    </dgm:linClrLst>
+    <dgm:effectClrLst/>
+    <dgm:txLinClrLst/>
+    <dgm:txFillClrLst/>
+    <dgm:txEffectClrLst/>
+  </dgm:styleLbl>
+  <dgm:styleLbl name="asst3">
+    <dgm:fillClrLst>
+      <a:schemeClr val="accent1"/>
+    </dgm:fillClrLst>
+    <dgm:linClrLst meth="repeat">
+      <a:schemeClr val="lt1"/>
+    </dgm:linClrLst>
+    <dgm:effectClrLst/>
+    <dgm:txLinClrLst/>
+    <dgm:txFillClrLst/>
+    <dgm:txEffectClrLst/>
+  </dgm:styleLbl>
+  <dgm:styleLbl name="asst4">
+    <dgm:fillClrLst>
+      <a:schemeClr val="accent2"/>
+    </dgm:fillClrLst>
+    <dgm:linClrLst meth="repeat">
+      <a:schemeClr val="lt1"/>
+    </dgm:linClrLst>
+    <dgm:effectClrLst/>
+    <dgm:txLinClrLst/>
+    <dgm:txFillClrLst/>
+    <dgm:txEffectClrLst/>
+  </dgm:styleLbl>
+  <dgm:styleLbl name="parChTrans2D1">
+    <dgm:fillClrLst meth="repeat">
+      <a:schemeClr val="accent4"/>
+    </dgm:fillClrLst>
+    <dgm:linClrLst meth="repeat">
+      <a:schemeClr val="lt1"/>
+    </dgm:linClrLst>
+    <dgm:effectClrLst/>
+    <dgm:txLinClrLst/>
+    <dgm:txFillClrLst meth="repeat">
+      <a:schemeClr val="lt1"/>
+    </dgm:txFillClrLst>
+    <dgm:txEffectClrLst/>
+  </dgm:styleLbl>
+  <dgm:styleLbl name="parChTrans2D2">
+    <dgm:fillClrLst meth="repeat">
+      <a:schemeClr val="accent5"/>
+    </dgm:fillClrLst>
+    <dgm:linClrLst meth="repeat">
+      <a:schemeClr val="lt1"/>
+    </dgm:linClrLst>
+    <dgm:effectClrLst/>
+    <dgm:txLinClrLst/>
+    <dgm:txFillClrLst/>
+    <dgm:txEffectClrLst/>
+  </dgm:styleLbl>
+  <dgm:styleLbl name="parChTrans2D3">
+    <dgm:fillClrLst meth="repeat">
+      <a:schemeClr val="accent5"/>
+    </dgm:fillClrLst>
+    <dgm:linClrLst meth="repeat">
+      <a:schemeClr val="lt1"/>
+    </dgm:linClrLst>
+    <dgm:effectClrLst/>
+    <dgm:txLinClrLst/>
+    <dgm:txFillClrLst/>
+    <dgm:txEffectClrLst/>
+  </dgm:styleLbl>
+  <dgm:styleLbl name="parChTrans2D4">
+    <dgm:fillClrLst meth="repeat">
+      <a:schemeClr val="accent6"/>
+    </dgm:fillClrLst>
+    <dgm:linClrLst meth="repeat">
+      <a:schemeClr val="lt1"/>
+    </dgm:linClrLst>
+    <dgm:effectClrLst/>
+    <dgm:txLinClrLst/>
+    <dgm:txFillClrLst meth="repeat">
+      <a:schemeClr val="lt1"/>
+    </dgm:txFillClrLst>
+    <dgm:txEffectClrLst/>
+  </dgm:styleLbl>
+  <dgm:styleLbl name="parChTrans1D1">
+    <dgm:fillClrLst meth="repeat">
+      <a:schemeClr val="accent4"/>
+    </dgm:fillClrLst>
+    <dgm:linClrLst meth="repeat">
+      <a:schemeClr val="accent4"/>
+    </dgm:linClrLst>
+    <dgm:effectClrLst/>
+    <dgm:txLinClrLst/>
+    <dgm:txFillClrLst meth="repeat">
+      <a:schemeClr val="tx1"/>
+    </dgm:txFillClrLst>
+    <dgm:txEffectClrLst/>
+  </dgm:styleLbl>
+  <dgm:styleLbl name="parChTrans1D2">
+    <dgm:fillClrLst meth="repeat">
+      <a:schemeClr val="accent4">
+        <a:tint val="90000"/>
+      </a:schemeClr>
+    </dgm:fillClrLst>
+    <dgm:linClrLst meth="repeat">
+      <a:schemeClr val="accent5"/>
+    </dgm:linClrLst>
+    <dgm:effectClrLst/>
+    <dgm:txLinClrLst/>
+    <dgm:txFillClrLst meth="repeat">
+      <a:schemeClr val="tx1"/>
+    </dgm:txFillClrLst>
+    <dgm:txEffectClrLst/>
+  </dgm:styleLbl>
+  <dgm:styleLbl name="parChTrans1D3">
+    <dgm:fillClrLst meth="repeat">
+      <a:schemeClr val="accent4">
+        <a:tint val="70000"/>
+      </a:schemeClr>
+    </dgm:fillClrLst>
+    <dgm:linClrLst meth="repeat">
+      <a:schemeClr val="accent6"/>
+    </dgm:linClrLst>
+    <dgm:effectClrLst/>
+    <dgm:txLinClrLst/>
+    <dgm:txFillClrLst meth="repeat">
+      <a:schemeClr val="tx1"/>
+    </dgm:txFillClrLst>
+    <dgm:txEffectClrLst/>
+  </dgm:styleLbl>
+  <dgm:styleLbl name="parChTrans1D4">
+    <dgm:fillClrLst meth="repeat">
+      <a:schemeClr val="accent4">
+        <a:tint val="50000"/>
+      </a:schemeClr>
+    </dgm:fillClrLst>
+    <dgm:linClrLst meth="repeat">
+      <a:schemeClr val="accent1"/>
+    </dgm:linClrLst>
+    <dgm:effectClrLst/>
+    <dgm:txLinClrLst/>
+    <dgm:txFillClrLst meth="repeat">
+      <a:schemeClr val="tx1"/>
+    </dgm:txFillClrLst>
+    <dgm:txEffectClrLst/>
+  </dgm:styleLbl>
+  <dgm:styleLbl name="fgAcc1">
+    <dgm:fillClrLst meth="repeat">
+      <a:schemeClr val="lt1">
+        <a:alpha val="90000"/>
+      </a:schemeClr>
+    </dgm:fillClrLst>
+    <dgm:linClrLst>
+      <a:schemeClr val="accent4"/>
+      <a:schemeClr val="accent5"/>
+    </dgm:linClrLst>
+    <dgm:effectClrLst/>
+    <dgm:txLinClrLst/>
+    <dgm:txFillClrLst meth="repeat">
+      <a:schemeClr val="dk1"/>
+    </dgm:txFillClrLst>
+    <dgm:txEffectClrLst/>
+  </dgm:styleLbl>
+  <dgm:styleLbl name="conFgAcc1">
+    <dgm:fillClrLst meth="repeat">
+      <a:schemeClr val="lt1">
+        <a:alpha val="90000"/>
+      </a:schemeClr>
+    </dgm:fillClrLst>
+    <dgm:linClrLst>
+      <a:schemeClr val="accent4"/>
+      <a:schemeClr val="accent5"/>
+    </dgm:linClrLst>
+    <dgm:effectClrLst/>
+    <dgm:txLinClrLst/>
+    <dgm:txFillClrLst meth="repeat">
+      <a:schemeClr val="dk1"/>
+    </dgm:txFillClrLst>
+    <dgm:txEffectClrLst/>
+  </dgm:styleLbl>
+  <dgm:styleLbl name="alignAcc1">
+    <dgm:fillClrLst meth="repeat">
+      <a:schemeClr val="lt1">
+        <a:alpha val="90000"/>
+      </a:schemeClr>
+    </dgm:fillClrLst>
+    <dgm:linClrLst>
+      <a:schemeClr val="accent4"/>
+      <a:schemeClr val="accent5"/>
+    </dgm:linClrLst>
+    <dgm:effectClrLst/>
+    <dgm:txLinClrLst/>
+    <dgm:txFillClrLst meth="repeat">
+      <a:schemeClr val="dk1"/>
+    </dgm:txFillClrLst>
+    <dgm:txEffectClrLst/>
+  </dgm:styleLbl>
+  <dgm:styleLbl name="trAlignAcc1">
+    <dgm:fillClrLst meth="repeat">
+      <a:schemeClr val="lt1">
+        <a:alpha val="40000"/>
+      </a:schemeClr>
+    </dgm:fillClrLst>
+    <dgm:linClrLst meth="repeat">
+      <a:schemeClr val="accent4"/>
+    </dgm:linClrLst>
+    <dgm:effectClrLst/>
+    <dgm:txLinClrLst/>
+    <dgm:txFillClrLst meth="repeat">
+      <a:schemeClr val="dk1"/>
+    </dgm:txFillClrLst>
+    <dgm:txEffectClrLst/>
+  </dgm:styleLbl>
+  <dgm:styleLbl name="bgAcc1">
+    <dgm:fillClrLst meth="repeat">
+      <a:schemeClr val="lt1">
+        <a:alpha val="90000"/>
+      </a:schemeClr>
+    </dgm:fillClrLst>
+    <dgm:linClrLst>
+      <a:schemeClr val="accent4"/>
+      <a:schemeClr val="accent5"/>
+    </dgm:linClrLst>
+    <dgm:effectClrLst/>
+    <dgm:txLinClrLst/>
+    <dgm:txFillClrLst meth="repeat">
+      <a:schemeClr val="dk1"/>
+    </dgm:txFillClrLst>
+    <dgm:txEffectClrLst/>
+  </dgm:styleLbl>
+  <dgm:styleLbl name="solidFgAcc1">
+    <dgm:fillClrLst meth="repeat">
+      <a:schemeClr val="lt1"/>
+    </dgm:fillClrLst>
+    <dgm:linClrLst>
+      <a:schemeClr val="accent4"/>
+      <a:schemeClr val="accent5"/>
+    </dgm:linClrLst>
+    <dgm:effectClrLst/>
+    <dgm:txLinClrLst/>
+    <dgm:txFillClrLst meth="repeat">
+      <a:schemeClr val="dk1"/>
+    </dgm:txFillClrLst>
+    <dgm:txEffectClrLst/>
+  </dgm:styleLbl>
+  <dgm:styleLbl name="solidAlignAcc1">
+    <dgm:fillClrLst meth="repeat">
+      <a:schemeClr val="lt1"/>
+    </dgm:fillClrLst>
+    <dgm:linClrLst>
+      <a:schemeClr val="accent4"/>
+      <a:schemeClr val="accent5"/>
+    </dgm:linClrLst>
+    <dgm:effectClrLst/>
+    <dgm:txLinClrLst/>
+    <dgm:txFillClrLst meth="repeat">
+      <a:schemeClr val="dk1"/>
+    </dgm:txFillClrLst>
+    <dgm:txEffectClrLst/>
+  </dgm:styleLbl>
+  <dgm:styleLbl name="solidBgAcc1">
+    <dgm:fillClrLst meth="repeat">
+      <a:schemeClr val="lt1"/>
+    </dgm:fillClrLst>
+    <dgm:linClrLst>
+      <a:schemeClr val="accent4"/>
+      <a:schemeClr val="accent5"/>
+    </dgm:linClrLst>
+    <dgm:effectClrLst/>
+    <dgm:txLinClrLst/>
+    <dgm:txFillClrLst meth="repeat">
+      <a:schemeClr val="dk1"/>
+    </dgm:txFillClrLst>
+    <dgm:txEffectClrLst/>
+  </dgm:styleLbl>
+  <dgm:styleLbl name="fgAccFollowNode1">
+    <dgm:fillClrLst>
+      <a:schemeClr val="accent4">
+        <a:tint val="40000"/>
+        <a:alpha val="90000"/>
+      </a:schemeClr>
+      <a:schemeClr val="accent5">
+        <a:tint val="40000"/>
+        <a:alpha val="90000"/>
+      </a:schemeClr>
+    </dgm:fillClrLst>
+    <dgm:linClrLst>
+      <a:schemeClr val="accent4">
+        <a:tint val="40000"/>
+        <a:alpha val="90000"/>
+      </a:schemeClr>
+      <a:schemeClr val="accent5">
+        <a:tint val="40000"/>
+        <a:alpha val="90000"/>
+      </a:schemeClr>
+    </dgm:linClrLst>
+    <dgm:effectClrLst/>
+    <dgm:txLinClrLst/>
+    <dgm:txFillClrLst meth="repeat">
+      <a:schemeClr val="dk1"/>
+    </dgm:txFillClrLst>
+    <dgm:txEffectClrLst/>
+  </dgm:styleLbl>
+  <dgm:styleLbl name="alignAccFollowNode1">
+    <dgm:fillClrLst>
+      <a:schemeClr val="accent4">
+        <a:tint val="40000"/>
+        <a:alpha val="90000"/>
+      </a:schemeClr>
+      <a:schemeClr val="accent5">
+        <a:tint val="40000"/>
+        <a:alpha val="90000"/>
+      </a:schemeClr>
+    </dgm:fillClrLst>
+    <dgm:linClrLst>
+      <a:schemeClr val="accent4">
+        <a:tint val="40000"/>
+        <a:alpha val="90000"/>
+      </a:schemeClr>
+      <a:schemeClr val="accent5">
+        <a:tint val="40000"/>
+        <a:alpha val="90000"/>
+      </a:schemeClr>
+    </dgm:linClrLst>
+    <dgm:effectClrLst/>
+    <dgm:txLinClrLst/>
+    <dgm:txFillClrLst meth="repeat">
+      <a:schemeClr val="dk1"/>
+    </dgm:txFillClrLst>
+    <dgm:txEffectClrLst/>
+  </dgm:styleLbl>
+  <dgm:styleLbl name="bgAccFollowNode1">
+    <dgm:fillClrLst>
+      <a:schemeClr val="accent4">
+        <a:tint val="40000"/>
+        <a:alpha val="90000"/>
+      </a:schemeClr>
+      <a:schemeClr val="accent5">
+        <a:tint val="40000"/>
+        <a:alpha val="90000"/>
+      </a:schemeClr>
+    </dgm:fillClrLst>
+    <dgm:linClrLst>
+      <a:schemeClr val="accent4">
+        <a:tint val="40000"/>
+        <a:alpha val="90000"/>
+      </a:schemeClr>
+      <a:schemeClr val="accent5">
+        <a:tint val="40000"/>
+        <a:alpha val="90000"/>
+      </a:schemeClr>
+    </dgm:linClrLst>
+    <dgm:effectClrLst/>
+    <dgm:txLinClrLst/>
+    <dgm:txFillClrLst meth="repeat">
+      <a:schemeClr val="dk1"/>
+    </dgm:txFillClrLst>
+    <dgm:txEffectClrLst/>
+  </dgm:styleLbl>
+  <dgm:styleLbl name="fgAcc0">
+    <dgm:fillClrLst meth="repeat">
+      <a:schemeClr val="lt1">
+        <a:alpha val="90000"/>
+      </a:schemeClr>
+    </dgm:fillClrLst>
+    <dgm:linClrLst>
+      <a:schemeClr val="accent3"/>
+    </dgm:linClrLst>
+    <dgm:effectClrLst/>
+    <dgm:txLinClrLst/>
+    <dgm:txFillClrLst meth="repeat">
+      <a:schemeClr val="dk1"/>
+    </dgm:txFillClrLst>
+    <dgm:txEffectClrLst/>
+  </dgm:styleLbl>
+  <dgm:styleLbl name="fgAcc2">
+    <dgm:fillClrLst meth="repeat">
+      <a:schemeClr val="lt1">
+        <a:alpha val="90000"/>
+      </a:schemeClr>
+    </dgm:fillClrLst>
+    <dgm:linClrLst>
+      <a:schemeClr val="accent5"/>
+    </dgm:linClrLst>
+    <dgm:effectClrLst/>
+    <dgm:txLinClrLst/>
+    <dgm:txFillClrLst meth="repeat">
+      <a:schemeClr val="dk1"/>
+    </dgm:txFillClrLst>
+    <dgm:txEffectClrLst/>
+  </dgm:styleLbl>
+  <dgm:styleLbl name="fgAcc3">
+    <dgm:fillClrLst meth="repeat">
+      <a:schemeClr val="lt1">
+        <a:alpha val="90000"/>
+      </a:schemeClr>
+    </dgm:fillClrLst>
+    <dgm:linClrLst>
+      <a:schemeClr val="accent6"/>
+    </dgm:linClrLst>
+    <dgm:effectClrLst/>
+    <dgm:txLinClrLst/>
+    <dgm:txFillClrLst meth="repeat">
+      <a:schemeClr val="dk1"/>
+    </dgm:txFillClrLst>
+    <dgm:txEffectClrLst/>
+  </dgm:styleLbl>
+  <dgm:styleLbl name="fgAcc4">
+    <dgm:fillClrLst meth="repeat">
+      <a:schemeClr val="lt1">
+        <a:alpha val="90000"/>
+      </a:schemeClr>
+    </dgm:fillClrLst>
+    <dgm:linClrLst>
+      <a:schemeClr val="accent1"/>
+    </dgm:linClrLst>
+    <dgm:effectClrLst/>
+    <dgm:txLinClrLst/>
+    <dgm:txFillClrLst meth="repeat">
+      <a:schemeClr val="dk1"/>
+    </dgm:txFillClrLst>
+    <dgm:txEffectClrLst/>
+  </dgm:styleLbl>
+  <dgm:styleLbl name="bgShp">
+    <dgm:fillClrLst meth="repeat">
+      <a:schemeClr val="accent4">
+        <a:tint val="40000"/>
+      </a:schemeClr>
+    </dgm:fillClrLst>
+    <dgm:linClrLst meth="repeat">
+      <a:schemeClr val="dk1"/>
+    </dgm:linClrLst>
+    <dgm:effectClrLst/>
+    <dgm:txLinClrLst/>
+    <dgm:txFillClrLst meth="repeat">
+      <a:schemeClr val="dk1"/>
+    </dgm:txFillClrLst>
+    <dgm:txEffectClrLst/>
+  </dgm:styleLbl>
+  <dgm:styleLbl name="dkBgShp">
+    <dgm:fillClrLst meth="repeat">
+      <a:schemeClr val="accent4">
+        <a:shade val="90000"/>
+      </a:schemeClr>
+    </dgm:fillClrLst>
+    <dgm:linClrLst meth="repeat">
+      <a:schemeClr val="dk1"/>
+    </dgm:linClrLst>
+    <dgm:effectClrLst/>
+    <dgm:txLinClrLst/>
+    <dgm:txFillClrLst meth="repeat">
+      <a:schemeClr val="lt1"/>
+    </dgm:txFillClrLst>
+    <dgm:txEffectClrLst/>
+  </dgm:styleLbl>
+  <dgm:styleLbl name="trBgShp">
+    <dgm:fillClrLst meth="repeat">
+      <a:schemeClr val="accent4">
+        <a:tint val="50000"/>
+        <a:alpha val="40000"/>
+      </a:schemeClr>
+    </dgm:fillClrLst>
+    <dgm:linClrLst meth="repeat">
+      <a:schemeClr val="accent4"/>
+    </dgm:linClrLst>
+    <dgm:effectClrLst/>
+    <dgm:txLinClrLst/>
+    <dgm:txFillClrLst meth="repeat">
+      <a:schemeClr val="lt1"/>
+    </dgm:txFillClrLst>
+    <dgm:txEffectClrLst/>
+  </dgm:styleLbl>
+  <dgm:styleLbl name="fgShp">
+    <dgm:fillClrLst meth="repeat">
+      <a:schemeClr val="accent4">
+        <a:tint val="40000"/>
+      </a:schemeClr>
+    </dgm:fillClrLst>
+    <dgm:linClrLst meth="repeat">
+      <a:schemeClr val="lt1"/>
+    </dgm:linClrLst>
+    <dgm:effectClrLst/>
+    <dgm:txLinClrLst/>
+    <dgm:txFillClrLst meth="repeat">
+      <a:schemeClr val="dk1"/>
+    </dgm:txFillClrLst>
+    <dgm:txEffectClrLst/>
+  </dgm:styleLbl>
+  <dgm:styleLbl name="revTx">
+    <dgm:fillClrLst meth="repeat">
+      <a:schemeClr val="lt1">
+        <a:alpha val="0"/>
+      </a:schemeClr>
+    </dgm:fillClrLst>
+    <dgm:linClrLst meth="repeat">
+      <a:schemeClr val="dk1">
+        <a:alpha val="0"/>
+      </a:schemeClr>
+    </dgm:linClrLst>
+    <dgm:effectClrLst/>
+    <dgm:txLinClrLst/>
+    <dgm:txFillClrLst meth="repeat">
+      <a:schemeClr val="tx1"/>
+    </dgm:txFillClrLst>
+    <dgm:txEffectClrLst/>
+  </dgm:styleLbl>
+</dgm:colorsDef>
+</file>
+
+<file path=ppt/diagrams/data1.xml><?xml version="1.0" encoding="utf-8"?>
+<dgm:dataModel xmlns:dgm="http://schemas.openxmlformats.org/drawingml/2006/diagram" xmlns:a="http://schemas.openxmlformats.org/drawingml/2006/main">
+  <dgm:ptLst>
+    <dgm:pt modelId="{27811450-7AC5-41F0-999A-8C470E18F47A}" type="doc">
+      <dgm:prSet loTypeId="urn:microsoft.com/office/officeart/2005/8/layout/hList1" loCatId="list" qsTypeId="urn:microsoft.com/office/officeart/2005/8/quickstyle/simple1" qsCatId="simple" csTypeId="urn:microsoft.com/office/officeart/2005/8/colors/colorful4" csCatId="colorful" phldr="1"/>
+      <dgm:spPr/>
+      <dgm:t>
+        <a:bodyPr/>
+        <a:lstStyle/>
+        <a:p>
+          <a:endParaRPr lang="en-US"/>
+        </a:p>
+      </dgm:t>
+    </dgm:pt>
+    <dgm:pt modelId="{AFA071F6-7EF2-4F74-B5EE-DD52C72114F1}">
+      <dgm:prSet phldrT="[Text]"/>
+      <dgm:spPr/>
+      <dgm:t>
+        <a:bodyPr/>
+        <a:lstStyle/>
+        <a:p>
+          <a:r>
+            <a:rPr lang="en-US" dirty="0" smtClean="0"/>
+            <a:t>Authentication</a:t>
+          </a:r>
+          <a:endParaRPr lang="en-US" dirty="0"/>
+        </a:p>
+      </dgm:t>
+    </dgm:pt>
+    <dgm:pt modelId="{6C88D73B-0099-48B1-AA31-8260D9F4657E}" type="parTrans" cxnId="{541D5544-6996-4FD4-A012-F6B5E1F5E1C2}">
+      <dgm:prSet/>
+      <dgm:spPr/>
+      <dgm:t>
+        <a:bodyPr/>
+        <a:lstStyle/>
+        <a:p>
+          <a:endParaRPr lang="en-US"/>
+        </a:p>
+      </dgm:t>
+    </dgm:pt>
+    <dgm:pt modelId="{6B3D8A41-D3BF-4EC0-9F42-B060D171D558}" type="sibTrans" cxnId="{541D5544-6996-4FD4-A012-F6B5E1F5E1C2}">
+      <dgm:prSet/>
+      <dgm:spPr/>
+      <dgm:t>
+        <a:bodyPr/>
+        <a:lstStyle/>
+        <a:p>
+          <a:endParaRPr lang="en-US"/>
+        </a:p>
+      </dgm:t>
+    </dgm:pt>
+    <dgm:pt modelId="{BA23EB45-F1B7-436B-98FB-2539014A0F3A}">
+      <dgm:prSet phldrT="[Text]"/>
+      <dgm:spPr/>
+      <dgm:t>
+        <a:bodyPr/>
+        <a:lstStyle/>
+        <a:p>
+          <a:r>
+            <a:rPr lang="en-US" dirty="0" smtClean="0"/>
+            <a:t>Who are you?</a:t>
+          </a:r>
+          <a:endParaRPr lang="en-US" dirty="0"/>
+        </a:p>
+      </dgm:t>
+    </dgm:pt>
+    <dgm:pt modelId="{F46D7761-55B4-4102-896D-0322E9B593EE}" type="parTrans" cxnId="{B5F39BAE-6A09-4379-976F-A890437E335C}">
+      <dgm:prSet/>
+      <dgm:spPr/>
+      <dgm:t>
+        <a:bodyPr/>
+        <a:lstStyle/>
+        <a:p>
+          <a:endParaRPr lang="en-US"/>
+        </a:p>
+      </dgm:t>
+    </dgm:pt>
+    <dgm:pt modelId="{15FF9EC6-700E-46D6-8136-0651A88BBF2F}" type="sibTrans" cxnId="{B5F39BAE-6A09-4379-976F-A890437E335C}">
+      <dgm:prSet/>
+      <dgm:spPr/>
+      <dgm:t>
+        <a:bodyPr/>
+        <a:lstStyle/>
+        <a:p>
+          <a:endParaRPr lang="en-US"/>
+        </a:p>
+      </dgm:t>
+    </dgm:pt>
+    <dgm:pt modelId="{B1BEE06B-3BEE-4C75-8FDB-48B98ECBCBE8}">
+      <dgm:prSet phldrT="[Text]"/>
+      <dgm:spPr/>
+      <dgm:t>
+        <a:bodyPr/>
+        <a:lstStyle/>
+        <a:p>
+          <a:r>
+            <a:rPr lang="en-US" dirty="0" smtClean="0"/>
+            <a:t>Authorization</a:t>
+          </a:r>
+          <a:endParaRPr lang="en-US" dirty="0"/>
+        </a:p>
+      </dgm:t>
+    </dgm:pt>
+    <dgm:pt modelId="{B2A02638-00A2-44FD-BFD8-14292C4F21DB}" type="parTrans" cxnId="{7A08EDC1-FB72-4AB0-84B2-5D88A89DA7A1}">
+      <dgm:prSet/>
+      <dgm:spPr/>
+      <dgm:t>
+        <a:bodyPr/>
+        <a:lstStyle/>
+        <a:p>
+          <a:endParaRPr lang="en-US"/>
+        </a:p>
+      </dgm:t>
+    </dgm:pt>
+    <dgm:pt modelId="{BE93465C-A638-4705-9773-CD7FCBF0455B}" type="sibTrans" cxnId="{7A08EDC1-FB72-4AB0-84B2-5D88A89DA7A1}">
+      <dgm:prSet/>
+      <dgm:spPr/>
+      <dgm:t>
+        <a:bodyPr/>
+        <a:lstStyle/>
+        <a:p>
+          <a:endParaRPr lang="en-US"/>
+        </a:p>
+      </dgm:t>
+    </dgm:pt>
+    <dgm:pt modelId="{DCA56374-9D24-48E9-BF2B-ED93C40D22F7}">
+      <dgm:prSet phldrT="[Text]"/>
+      <dgm:spPr/>
+      <dgm:t>
+        <a:bodyPr/>
+        <a:lstStyle/>
+        <a:p>
+          <a:r>
+            <a:rPr lang="en-US" dirty="0" smtClean="0"/>
+            <a:t>What are you allowed to do?</a:t>
+          </a:r>
+          <a:endParaRPr lang="en-US" dirty="0"/>
+        </a:p>
+      </dgm:t>
+    </dgm:pt>
+    <dgm:pt modelId="{0BFF1D5C-6C53-435C-8367-8340DD3EDE88}" type="parTrans" cxnId="{6E91A267-90F6-46BD-A690-7EAF0AE69C23}">
+      <dgm:prSet/>
+      <dgm:spPr/>
+      <dgm:t>
+        <a:bodyPr/>
+        <a:lstStyle/>
+        <a:p>
+          <a:endParaRPr lang="en-US"/>
+        </a:p>
+      </dgm:t>
+    </dgm:pt>
+    <dgm:pt modelId="{0CD076A2-AB80-437B-BF3E-F479F4A80DB2}" type="sibTrans" cxnId="{6E91A267-90F6-46BD-A690-7EAF0AE69C23}">
+      <dgm:prSet/>
+      <dgm:spPr/>
+      <dgm:t>
+        <a:bodyPr/>
+        <a:lstStyle/>
+        <a:p>
+          <a:endParaRPr lang="en-US"/>
+        </a:p>
+      </dgm:t>
+    </dgm:pt>
+    <dgm:pt modelId="{E43BAD91-7CED-4EAB-8DF0-4A825615657B}">
+      <dgm:prSet phldrT="[Text]"/>
+      <dgm:spPr/>
+      <dgm:t>
+        <a:bodyPr/>
+        <a:lstStyle/>
+        <a:p>
+          <a:r>
+            <a:rPr lang="en-US" dirty="0" smtClean="0"/>
+            <a:t>Identity</a:t>
+          </a:r>
+          <a:endParaRPr lang="en-US" dirty="0"/>
+        </a:p>
+      </dgm:t>
+    </dgm:pt>
+    <dgm:pt modelId="{A75C05D3-8C2B-4E28-A85D-524EC888B882}" type="parTrans" cxnId="{EC2B5C1C-60B1-4C22-AB48-164404DA036E}">
+      <dgm:prSet/>
+      <dgm:spPr/>
+      <dgm:t>
+        <a:bodyPr/>
+        <a:lstStyle/>
+        <a:p>
+          <a:endParaRPr lang="en-US"/>
+        </a:p>
+      </dgm:t>
+    </dgm:pt>
+    <dgm:pt modelId="{F75BE70E-5C3D-49F5-AC32-F0E716CA7DDF}" type="sibTrans" cxnId="{EC2B5C1C-60B1-4C22-AB48-164404DA036E}">
+      <dgm:prSet/>
+      <dgm:spPr/>
+      <dgm:t>
+        <a:bodyPr/>
+        <a:lstStyle/>
+        <a:p>
+          <a:endParaRPr lang="en-US"/>
+        </a:p>
+      </dgm:t>
+    </dgm:pt>
+    <dgm:pt modelId="{481A1CCF-B158-4714-B633-DB4E2D50A228}">
+      <dgm:prSet phldrT="[Text]"/>
+      <dgm:spPr/>
+      <dgm:t>
+        <a:bodyPr/>
+        <a:lstStyle/>
+        <a:p>
+          <a:r>
+            <a:rPr lang="en-US" dirty="0" smtClean="0"/>
+            <a:t>Permissions</a:t>
+          </a:r>
+          <a:endParaRPr lang="en-US" dirty="0"/>
+        </a:p>
+      </dgm:t>
+    </dgm:pt>
+    <dgm:pt modelId="{1790179E-8A34-40DB-B5F7-F12F41EE5798}" type="parTrans" cxnId="{09031446-D3B4-41AB-BA81-C1146C465884}">
+      <dgm:prSet/>
+      <dgm:spPr/>
+      <dgm:t>
+        <a:bodyPr/>
+        <a:lstStyle/>
+        <a:p>
+          <a:endParaRPr lang="en-US"/>
+        </a:p>
+      </dgm:t>
+    </dgm:pt>
+    <dgm:pt modelId="{A8380287-FA12-48FF-980B-684777C6D41A}" type="sibTrans" cxnId="{09031446-D3B4-41AB-BA81-C1146C465884}">
+      <dgm:prSet/>
+      <dgm:spPr/>
+      <dgm:t>
+        <a:bodyPr/>
+        <a:lstStyle/>
+        <a:p>
+          <a:endParaRPr lang="en-US"/>
+        </a:p>
+      </dgm:t>
+    </dgm:pt>
+    <dgm:pt modelId="{677B158A-961F-4309-A4AE-601C96F6B9AF}" type="pres">
+      <dgm:prSet presAssocID="{27811450-7AC5-41F0-999A-8C470E18F47A}" presName="Name0" presStyleCnt="0">
+        <dgm:presLayoutVars>
+          <dgm:dir/>
+          <dgm:animLvl val="lvl"/>
+          <dgm:resizeHandles val="exact"/>
+        </dgm:presLayoutVars>
+      </dgm:prSet>
+      <dgm:spPr/>
+    </dgm:pt>
+    <dgm:pt modelId="{818E3E3C-BF92-43DB-A208-ED261EC3C09B}" type="pres">
+      <dgm:prSet presAssocID="{AFA071F6-7EF2-4F74-B5EE-DD52C72114F1}" presName="composite" presStyleCnt="0"/>
+      <dgm:spPr/>
+    </dgm:pt>
+    <dgm:pt modelId="{D21A0A06-46F2-412A-B95C-626CD4067840}" type="pres">
+      <dgm:prSet presAssocID="{AFA071F6-7EF2-4F74-B5EE-DD52C72114F1}" presName="parTx" presStyleLbl="alignNode1" presStyleIdx="0" presStyleCnt="2" custLinFactNeighborX="-197">
+        <dgm:presLayoutVars>
+          <dgm:chMax val="0"/>
+          <dgm:chPref val="0"/>
+          <dgm:bulletEnabled val="1"/>
+        </dgm:presLayoutVars>
+      </dgm:prSet>
+      <dgm:spPr/>
+    </dgm:pt>
+    <dgm:pt modelId="{13D0EDCA-7D2E-4650-B5FB-B0703A265533}" type="pres">
+      <dgm:prSet presAssocID="{AFA071F6-7EF2-4F74-B5EE-DD52C72114F1}" presName="desTx" presStyleLbl="alignAccFollowNode1" presStyleIdx="0" presStyleCnt="2">
+        <dgm:presLayoutVars>
+          <dgm:bulletEnabled val="1"/>
+        </dgm:presLayoutVars>
+      </dgm:prSet>
+      <dgm:spPr/>
+      <dgm:t>
+        <a:bodyPr/>
+        <a:lstStyle/>
+        <a:p>
+          <a:endParaRPr lang="en-US"/>
+        </a:p>
+      </dgm:t>
+    </dgm:pt>
+    <dgm:pt modelId="{2FBC64B5-105B-478C-8A7E-8C281BFDD7C0}" type="pres">
+      <dgm:prSet presAssocID="{6B3D8A41-D3BF-4EC0-9F42-B060D171D558}" presName="space" presStyleCnt="0"/>
+      <dgm:spPr/>
+    </dgm:pt>
+    <dgm:pt modelId="{56996386-FA47-42CB-A7FD-CB7CB3E9458C}" type="pres">
+      <dgm:prSet presAssocID="{B1BEE06B-3BEE-4C75-8FDB-48B98ECBCBE8}" presName="composite" presStyleCnt="0"/>
+      <dgm:spPr/>
+    </dgm:pt>
+    <dgm:pt modelId="{145224FD-767E-4F63-89F9-0B6FFD8A37AD}" type="pres">
+      <dgm:prSet presAssocID="{B1BEE06B-3BEE-4C75-8FDB-48B98ECBCBE8}" presName="parTx" presStyleLbl="alignNode1" presStyleIdx="1" presStyleCnt="2">
+        <dgm:presLayoutVars>
+          <dgm:chMax val="0"/>
+          <dgm:chPref val="0"/>
+          <dgm:bulletEnabled val="1"/>
+        </dgm:presLayoutVars>
+      </dgm:prSet>
+      <dgm:spPr/>
+    </dgm:pt>
+    <dgm:pt modelId="{B39D1642-51E2-4813-9A53-B36BD38A6FBA}" type="pres">
+      <dgm:prSet presAssocID="{B1BEE06B-3BEE-4C75-8FDB-48B98ECBCBE8}" presName="desTx" presStyleLbl="alignAccFollowNode1" presStyleIdx="1" presStyleCnt="2">
+        <dgm:presLayoutVars>
+          <dgm:bulletEnabled val="1"/>
+        </dgm:presLayoutVars>
+      </dgm:prSet>
+      <dgm:spPr/>
+      <dgm:t>
+        <a:bodyPr/>
+        <a:lstStyle/>
+        <a:p>
+          <a:endParaRPr lang="en-US"/>
+        </a:p>
+      </dgm:t>
+    </dgm:pt>
+  </dgm:ptLst>
+  <dgm:cxnLst>
+    <dgm:cxn modelId="{541D5544-6996-4FD4-A012-F6B5E1F5E1C2}" srcId="{27811450-7AC5-41F0-999A-8C470E18F47A}" destId="{AFA071F6-7EF2-4F74-B5EE-DD52C72114F1}" srcOrd="0" destOrd="0" parTransId="{6C88D73B-0099-48B1-AA31-8260D9F4657E}" sibTransId="{6B3D8A41-D3BF-4EC0-9F42-B060D171D558}"/>
+    <dgm:cxn modelId="{0B269893-B109-48A7-8546-53F7BB263645}" type="presOf" srcId="{BA23EB45-F1B7-436B-98FB-2539014A0F3A}" destId="{13D0EDCA-7D2E-4650-B5FB-B0703A265533}" srcOrd="0" destOrd="0" presId="urn:microsoft.com/office/officeart/2005/8/layout/hList1"/>
+    <dgm:cxn modelId="{EC2B5C1C-60B1-4C22-AB48-164404DA036E}" srcId="{AFA071F6-7EF2-4F74-B5EE-DD52C72114F1}" destId="{E43BAD91-7CED-4EAB-8DF0-4A825615657B}" srcOrd="1" destOrd="0" parTransId="{A75C05D3-8C2B-4E28-A85D-524EC888B882}" sibTransId="{F75BE70E-5C3D-49F5-AC32-F0E716CA7DDF}"/>
+    <dgm:cxn modelId="{0E18997C-3901-437F-BF79-83EE88AE2265}" type="presOf" srcId="{27811450-7AC5-41F0-999A-8C470E18F47A}" destId="{677B158A-961F-4309-A4AE-601C96F6B9AF}" srcOrd="0" destOrd="0" presId="urn:microsoft.com/office/officeart/2005/8/layout/hList1"/>
+    <dgm:cxn modelId="{F29C9103-4A6E-4C1B-9A64-BEB0AA9CBF0D}" type="presOf" srcId="{481A1CCF-B158-4714-B633-DB4E2D50A228}" destId="{B39D1642-51E2-4813-9A53-B36BD38A6FBA}" srcOrd="0" destOrd="1" presId="urn:microsoft.com/office/officeart/2005/8/layout/hList1"/>
+    <dgm:cxn modelId="{91B219B9-52D5-4CD6-9681-2D2FAB33A41D}" type="presOf" srcId="{B1BEE06B-3BEE-4C75-8FDB-48B98ECBCBE8}" destId="{145224FD-767E-4F63-89F9-0B6FFD8A37AD}" srcOrd="0" destOrd="0" presId="urn:microsoft.com/office/officeart/2005/8/layout/hList1"/>
+    <dgm:cxn modelId="{B5F39BAE-6A09-4379-976F-A890437E335C}" srcId="{AFA071F6-7EF2-4F74-B5EE-DD52C72114F1}" destId="{BA23EB45-F1B7-436B-98FB-2539014A0F3A}" srcOrd="0" destOrd="0" parTransId="{F46D7761-55B4-4102-896D-0322E9B593EE}" sibTransId="{15FF9EC6-700E-46D6-8136-0651A88BBF2F}"/>
+    <dgm:cxn modelId="{A154BCE6-D07C-4C2D-940F-F3C120B15708}" type="presOf" srcId="{E43BAD91-7CED-4EAB-8DF0-4A825615657B}" destId="{13D0EDCA-7D2E-4650-B5FB-B0703A265533}" srcOrd="0" destOrd="1" presId="urn:microsoft.com/office/officeart/2005/8/layout/hList1"/>
+    <dgm:cxn modelId="{09031446-D3B4-41AB-BA81-C1146C465884}" srcId="{B1BEE06B-3BEE-4C75-8FDB-48B98ECBCBE8}" destId="{481A1CCF-B158-4714-B633-DB4E2D50A228}" srcOrd="1" destOrd="0" parTransId="{1790179E-8A34-40DB-B5F7-F12F41EE5798}" sibTransId="{A8380287-FA12-48FF-980B-684777C6D41A}"/>
+    <dgm:cxn modelId="{F63153F6-D0B1-4273-8BA2-2B74825908EB}" type="presOf" srcId="{AFA071F6-7EF2-4F74-B5EE-DD52C72114F1}" destId="{D21A0A06-46F2-412A-B95C-626CD4067840}" srcOrd="0" destOrd="0" presId="urn:microsoft.com/office/officeart/2005/8/layout/hList1"/>
+    <dgm:cxn modelId="{6E91A267-90F6-46BD-A690-7EAF0AE69C23}" srcId="{B1BEE06B-3BEE-4C75-8FDB-48B98ECBCBE8}" destId="{DCA56374-9D24-48E9-BF2B-ED93C40D22F7}" srcOrd="0" destOrd="0" parTransId="{0BFF1D5C-6C53-435C-8367-8340DD3EDE88}" sibTransId="{0CD076A2-AB80-437B-BF3E-F479F4A80DB2}"/>
+    <dgm:cxn modelId="{7A08EDC1-FB72-4AB0-84B2-5D88A89DA7A1}" srcId="{27811450-7AC5-41F0-999A-8C470E18F47A}" destId="{B1BEE06B-3BEE-4C75-8FDB-48B98ECBCBE8}" srcOrd="1" destOrd="0" parTransId="{B2A02638-00A2-44FD-BFD8-14292C4F21DB}" sibTransId="{BE93465C-A638-4705-9773-CD7FCBF0455B}"/>
+    <dgm:cxn modelId="{8013EDFE-9413-4E6B-8464-15494CA1493E}" type="presOf" srcId="{DCA56374-9D24-48E9-BF2B-ED93C40D22F7}" destId="{B39D1642-51E2-4813-9A53-B36BD38A6FBA}" srcOrd="0" destOrd="0" presId="urn:microsoft.com/office/officeart/2005/8/layout/hList1"/>
+    <dgm:cxn modelId="{5395D455-EC3A-4D2E-A585-73777149EFED}" type="presParOf" srcId="{677B158A-961F-4309-A4AE-601C96F6B9AF}" destId="{818E3E3C-BF92-43DB-A208-ED261EC3C09B}" srcOrd="0" destOrd="0" presId="urn:microsoft.com/office/officeart/2005/8/layout/hList1"/>
+    <dgm:cxn modelId="{F66A2653-AEDA-4938-B9E3-191E6493EDB7}" type="presParOf" srcId="{818E3E3C-BF92-43DB-A208-ED261EC3C09B}" destId="{D21A0A06-46F2-412A-B95C-626CD4067840}" srcOrd="0" destOrd="0" presId="urn:microsoft.com/office/officeart/2005/8/layout/hList1"/>
+    <dgm:cxn modelId="{95075647-1409-447A-B1BF-83AA427223ED}" type="presParOf" srcId="{818E3E3C-BF92-43DB-A208-ED261EC3C09B}" destId="{13D0EDCA-7D2E-4650-B5FB-B0703A265533}" srcOrd="1" destOrd="0" presId="urn:microsoft.com/office/officeart/2005/8/layout/hList1"/>
+    <dgm:cxn modelId="{73892831-1C49-424F-9A93-C397B0586536}" type="presParOf" srcId="{677B158A-961F-4309-A4AE-601C96F6B9AF}" destId="{2FBC64B5-105B-478C-8A7E-8C281BFDD7C0}" srcOrd="1" destOrd="0" presId="urn:microsoft.com/office/officeart/2005/8/layout/hList1"/>
+    <dgm:cxn modelId="{9DB4228D-A7B4-4D8D-B528-9474F9968D75}" type="presParOf" srcId="{677B158A-961F-4309-A4AE-601C96F6B9AF}" destId="{56996386-FA47-42CB-A7FD-CB7CB3E9458C}" srcOrd="2" destOrd="0" presId="urn:microsoft.com/office/officeart/2005/8/layout/hList1"/>
+    <dgm:cxn modelId="{AC8C64AD-57EC-4D1A-A554-C4EAA7273E56}" type="presParOf" srcId="{56996386-FA47-42CB-A7FD-CB7CB3E9458C}" destId="{145224FD-767E-4F63-89F9-0B6FFD8A37AD}" srcOrd="0" destOrd="0" presId="urn:microsoft.com/office/officeart/2005/8/layout/hList1"/>
+    <dgm:cxn modelId="{9A35679B-6486-49FE-BA10-94A7B64448D9}" type="presParOf" srcId="{56996386-FA47-42CB-A7FD-CB7CB3E9458C}" destId="{B39D1642-51E2-4813-9A53-B36BD38A6FBA}" srcOrd="1" destOrd="0" presId="urn:microsoft.com/office/officeart/2005/8/layout/hList1"/>
+  </dgm:cxnLst>
+  <dgm:bg/>
+  <dgm:whole/>
+  <dgm:extLst>
+    <a:ext uri="http://schemas.microsoft.com/office/drawing/2008/diagram">
+      <dsp:dataModelExt xmlns:dsp="http://schemas.microsoft.com/office/drawing/2008/diagram" relId="rId6" minVer="http://schemas.openxmlformats.org/drawingml/2006/diagram"/>
+    </a:ext>
+  </dgm:extLst>
+</dgm:dataModel>
+</file>
+
+<file path=ppt/diagrams/data2.xml><?xml version="1.0" encoding="utf-8"?>
+<dgm:dataModel xmlns:dgm="http://schemas.openxmlformats.org/drawingml/2006/diagram" xmlns:a="http://schemas.openxmlformats.org/drawingml/2006/main">
+  <dgm:ptLst>
+    <dgm:pt modelId="{1461A073-E3AF-47A6-9B32-221AD4676478}" type="doc">
+      <dgm:prSet loTypeId="urn:microsoft.com/office/officeart/2005/8/layout/process1" loCatId="process" qsTypeId="urn:microsoft.com/office/officeart/2005/8/quickstyle/simple1" qsCatId="simple" csTypeId="urn:microsoft.com/office/officeart/2005/8/colors/colorful4" csCatId="colorful" phldr="1"/>
+      <dgm:spPr/>
+    </dgm:pt>
+    <dgm:pt modelId="{C86B6D5E-A068-46A8-B79B-07CCC7D96EC1}">
+      <dgm:prSet phldrT="[Text]"/>
+      <dgm:spPr/>
+      <dgm:t>
+        <a:bodyPr/>
+        <a:lstStyle/>
+        <a:p>
+          <a:r>
+            <a:rPr lang="en-US" dirty="0" smtClean="0"/>
+            <a:t>Generate Token on Server and Send to Page</a:t>
+          </a:r>
+          <a:endParaRPr lang="en-US" dirty="0"/>
+        </a:p>
+      </dgm:t>
+    </dgm:pt>
+    <dgm:pt modelId="{E7B9B4E9-2F15-4513-9439-72304EE795F0}" type="parTrans" cxnId="{503E635C-066B-4793-B3FD-8B20E6B6A226}">
+      <dgm:prSet/>
+      <dgm:spPr/>
+      <dgm:t>
+        <a:bodyPr/>
+        <a:lstStyle/>
+        <a:p>
+          <a:endParaRPr lang="en-US"/>
+        </a:p>
+      </dgm:t>
+    </dgm:pt>
+    <dgm:pt modelId="{9B60FC5C-976B-4FEC-B170-5B695ADAF9F9}" type="sibTrans" cxnId="{503E635C-066B-4793-B3FD-8B20E6B6A226}">
+      <dgm:prSet/>
+      <dgm:spPr/>
+      <dgm:t>
+        <a:bodyPr/>
+        <a:lstStyle/>
+        <a:p>
+          <a:endParaRPr lang="en-US"/>
+        </a:p>
+      </dgm:t>
+    </dgm:pt>
+    <dgm:pt modelId="{48875C3A-2D22-4B95-B80D-A3FFE719C4FC}">
+      <dgm:prSet phldrT="[Text]"/>
+      <dgm:spPr/>
+      <dgm:t>
+        <a:bodyPr/>
+        <a:lstStyle/>
+        <a:p>
+          <a:r>
+            <a:rPr lang="en-US" dirty="0" smtClean="0"/>
+            <a:t>Add Token to Header in Requests</a:t>
+          </a:r>
+          <a:endParaRPr lang="en-US" dirty="0"/>
+        </a:p>
+      </dgm:t>
+    </dgm:pt>
+    <dgm:pt modelId="{66D5EC1C-DB66-4623-9FA0-9276D4A4438E}" type="parTrans" cxnId="{02BB50B4-31BB-4B55-A199-D63F052EE15B}">
+      <dgm:prSet/>
+      <dgm:spPr/>
+      <dgm:t>
+        <a:bodyPr/>
+        <a:lstStyle/>
+        <a:p>
+          <a:endParaRPr lang="en-US"/>
+        </a:p>
+      </dgm:t>
+    </dgm:pt>
+    <dgm:pt modelId="{4AA52FBD-E771-447D-B72A-3F16BB215228}" type="sibTrans" cxnId="{02BB50B4-31BB-4B55-A199-D63F052EE15B}">
+      <dgm:prSet/>
+      <dgm:spPr/>
+      <dgm:t>
+        <a:bodyPr/>
+        <a:lstStyle/>
+        <a:p>
+          <a:endParaRPr lang="en-US"/>
+        </a:p>
+      </dgm:t>
+    </dgm:pt>
+    <dgm:pt modelId="{035B2524-89ED-4A66-A3FF-D9E61437648A}">
+      <dgm:prSet phldrT="[Text]"/>
+      <dgm:spPr/>
+      <dgm:t>
+        <a:bodyPr/>
+        <a:lstStyle/>
+        <a:p>
+          <a:r>
+            <a:rPr lang="en-US" dirty="0" smtClean="0"/>
+            <a:t>Validate Token on Server</a:t>
+          </a:r>
+          <a:endParaRPr lang="en-US" dirty="0"/>
+        </a:p>
+      </dgm:t>
+    </dgm:pt>
+    <dgm:pt modelId="{4C20D806-436F-469A-90DD-A1135747EAE7}" type="parTrans" cxnId="{85CCC59D-D03F-4404-9EE3-AE2248C5EA91}">
+      <dgm:prSet/>
+      <dgm:spPr/>
+      <dgm:t>
+        <a:bodyPr/>
+        <a:lstStyle/>
+        <a:p>
+          <a:endParaRPr lang="en-US"/>
+        </a:p>
+      </dgm:t>
+    </dgm:pt>
+    <dgm:pt modelId="{F9FDE8CE-02DB-45DB-81AE-34B502B845FE}" type="sibTrans" cxnId="{85CCC59D-D03F-4404-9EE3-AE2248C5EA91}">
+      <dgm:prSet/>
+      <dgm:spPr/>
+      <dgm:t>
+        <a:bodyPr/>
+        <a:lstStyle/>
+        <a:p>
+          <a:endParaRPr lang="en-US"/>
+        </a:p>
+      </dgm:t>
+    </dgm:pt>
+    <dgm:pt modelId="{82229AF0-22B0-4CF3-90F8-B29B366307C6}" type="pres">
+      <dgm:prSet presAssocID="{1461A073-E3AF-47A6-9B32-221AD4676478}" presName="Name0" presStyleCnt="0">
+        <dgm:presLayoutVars>
+          <dgm:dir/>
+          <dgm:resizeHandles val="exact"/>
+        </dgm:presLayoutVars>
+      </dgm:prSet>
+      <dgm:spPr/>
+    </dgm:pt>
+    <dgm:pt modelId="{DE5201E9-963A-418D-AA1A-90B1AC79ABFC}" type="pres">
+      <dgm:prSet presAssocID="{C86B6D5E-A068-46A8-B79B-07CCC7D96EC1}" presName="node" presStyleLbl="node1" presStyleIdx="0" presStyleCnt="3">
+        <dgm:presLayoutVars>
+          <dgm:bulletEnabled val="1"/>
+        </dgm:presLayoutVars>
+      </dgm:prSet>
+      <dgm:spPr/>
+      <dgm:t>
+        <a:bodyPr/>
+        <a:lstStyle/>
+        <a:p>
+          <a:endParaRPr lang="en-US"/>
+        </a:p>
+      </dgm:t>
+    </dgm:pt>
+    <dgm:pt modelId="{7B5BEC94-FB9D-48EF-9F78-33C7ECC5A3D0}" type="pres">
+      <dgm:prSet presAssocID="{9B60FC5C-976B-4FEC-B170-5B695ADAF9F9}" presName="sibTrans" presStyleLbl="sibTrans2D1" presStyleIdx="0" presStyleCnt="2"/>
+      <dgm:spPr/>
+    </dgm:pt>
+    <dgm:pt modelId="{1D22A377-72D9-47F4-958E-503F2458C9CD}" type="pres">
+      <dgm:prSet presAssocID="{9B60FC5C-976B-4FEC-B170-5B695ADAF9F9}" presName="connectorText" presStyleLbl="sibTrans2D1" presStyleIdx="0" presStyleCnt="2"/>
+      <dgm:spPr/>
+    </dgm:pt>
+    <dgm:pt modelId="{A610DF8B-7328-4CC9-8333-D74211E77DE0}" type="pres">
+      <dgm:prSet presAssocID="{48875C3A-2D22-4B95-B80D-A3FFE719C4FC}" presName="node" presStyleLbl="node1" presStyleIdx="1" presStyleCnt="3">
+        <dgm:presLayoutVars>
+          <dgm:bulletEnabled val="1"/>
+        </dgm:presLayoutVars>
+      </dgm:prSet>
+      <dgm:spPr/>
+    </dgm:pt>
+    <dgm:pt modelId="{616397AC-10CC-4B6F-8A9F-11386032CDE8}" type="pres">
+      <dgm:prSet presAssocID="{4AA52FBD-E771-447D-B72A-3F16BB215228}" presName="sibTrans" presStyleLbl="sibTrans2D1" presStyleIdx="1" presStyleCnt="2"/>
+      <dgm:spPr/>
+    </dgm:pt>
+    <dgm:pt modelId="{2FF07BC7-AB51-42DC-9DF3-8392B8D17C15}" type="pres">
+      <dgm:prSet presAssocID="{4AA52FBD-E771-447D-B72A-3F16BB215228}" presName="connectorText" presStyleLbl="sibTrans2D1" presStyleIdx="1" presStyleCnt="2"/>
+      <dgm:spPr/>
+    </dgm:pt>
+    <dgm:pt modelId="{C15E63F9-90D9-4CBF-AB63-D817DA3BF610}" type="pres">
+      <dgm:prSet presAssocID="{035B2524-89ED-4A66-A3FF-D9E61437648A}" presName="node" presStyleLbl="node1" presStyleIdx="2" presStyleCnt="3">
+        <dgm:presLayoutVars>
+          <dgm:bulletEnabled val="1"/>
+        </dgm:presLayoutVars>
+      </dgm:prSet>
+      <dgm:spPr/>
+    </dgm:pt>
+  </dgm:ptLst>
+  <dgm:cxnLst>
+    <dgm:cxn modelId="{2F687472-B62F-49AC-8B87-82359470A056}" type="presOf" srcId="{035B2524-89ED-4A66-A3FF-D9E61437648A}" destId="{C15E63F9-90D9-4CBF-AB63-D817DA3BF610}" srcOrd="0" destOrd="0" presId="urn:microsoft.com/office/officeart/2005/8/layout/process1"/>
+    <dgm:cxn modelId="{9F8814B3-D8A8-42FD-960E-DD983DD153B8}" type="presOf" srcId="{4AA52FBD-E771-447D-B72A-3F16BB215228}" destId="{616397AC-10CC-4B6F-8A9F-11386032CDE8}" srcOrd="0" destOrd="0" presId="urn:microsoft.com/office/officeart/2005/8/layout/process1"/>
+    <dgm:cxn modelId="{A9B89775-E372-4332-9C0E-30BE7B34A326}" type="presOf" srcId="{9B60FC5C-976B-4FEC-B170-5B695ADAF9F9}" destId="{7B5BEC94-FB9D-48EF-9F78-33C7ECC5A3D0}" srcOrd="0" destOrd="0" presId="urn:microsoft.com/office/officeart/2005/8/layout/process1"/>
+    <dgm:cxn modelId="{ACA73A6E-2103-4D34-BA80-1B9C3369F65A}" type="presOf" srcId="{C86B6D5E-A068-46A8-B79B-07CCC7D96EC1}" destId="{DE5201E9-963A-418D-AA1A-90B1AC79ABFC}" srcOrd="0" destOrd="0" presId="urn:microsoft.com/office/officeart/2005/8/layout/process1"/>
+    <dgm:cxn modelId="{503E635C-066B-4793-B3FD-8B20E6B6A226}" srcId="{1461A073-E3AF-47A6-9B32-221AD4676478}" destId="{C86B6D5E-A068-46A8-B79B-07CCC7D96EC1}" srcOrd="0" destOrd="0" parTransId="{E7B9B4E9-2F15-4513-9439-72304EE795F0}" sibTransId="{9B60FC5C-976B-4FEC-B170-5B695ADAF9F9}"/>
+    <dgm:cxn modelId="{02BB50B4-31BB-4B55-A199-D63F052EE15B}" srcId="{1461A073-E3AF-47A6-9B32-221AD4676478}" destId="{48875C3A-2D22-4B95-B80D-A3FFE719C4FC}" srcOrd="1" destOrd="0" parTransId="{66D5EC1C-DB66-4623-9FA0-9276D4A4438E}" sibTransId="{4AA52FBD-E771-447D-B72A-3F16BB215228}"/>
+    <dgm:cxn modelId="{EAA8AA3C-3B88-4A88-B599-29E804E5E5CB}" type="presOf" srcId="{4AA52FBD-E771-447D-B72A-3F16BB215228}" destId="{2FF07BC7-AB51-42DC-9DF3-8392B8D17C15}" srcOrd="1" destOrd="0" presId="urn:microsoft.com/office/officeart/2005/8/layout/process1"/>
+    <dgm:cxn modelId="{B6F38C67-D91C-4272-9A4E-B3CE5E4D7D00}" type="presOf" srcId="{9B60FC5C-976B-4FEC-B170-5B695ADAF9F9}" destId="{1D22A377-72D9-47F4-958E-503F2458C9CD}" srcOrd="1" destOrd="0" presId="urn:microsoft.com/office/officeart/2005/8/layout/process1"/>
+    <dgm:cxn modelId="{85CCC59D-D03F-4404-9EE3-AE2248C5EA91}" srcId="{1461A073-E3AF-47A6-9B32-221AD4676478}" destId="{035B2524-89ED-4A66-A3FF-D9E61437648A}" srcOrd="2" destOrd="0" parTransId="{4C20D806-436F-469A-90DD-A1135747EAE7}" sibTransId="{F9FDE8CE-02DB-45DB-81AE-34B502B845FE}"/>
+    <dgm:cxn modelId="{C1698151-62C7-422F-A211-FAD712B1F61D}" type="presOf" srcId="{48875C3A-2D22-4B95-B80D-A3FFE719C4FC}" destId="{A610DF8B-7328-4CC9-8333-D74211E77DE0}" srcOrd="0" destOrd="0" presId="urn:microsoft.com/office/officeart/2005/8/layout/process1"/>
+    <dgm:cxn modelId="{6BAC266B-D897-4231-A70C-E39C55351CDA}" type="presOf" srcId="{1461A073-E3AF-47A6-9B32-221AD4676478}" destId="{82229AF0-22B0-4CF3-90F8-B29B366307C6}" srcOrd="0" destOrd="0" presId="urn:microsoft.com/office/officeart/2005/8/layout/process1"/>
+    <dgm:cxn modelId="{BFB6C65B-EFC6-4407-957B-0A0A817ED14D}" type="presParOf" srcId="{82229AF0-22B0-4CF3-90F8-B29B366307C6}" destId="{DE5201E9-963A-418D-AA1A-90B1AC79ABFC}" srcOrd="0" destOrd="0" presId="urn:microsoft.com/office/officeart/2005/8/layout/process1"/>
+    <dgm:cxn modelId="{8F481DEF-A8AC-41D9-B5B4-29FBD86D373E}" type="presParOf" srcId="{82229AF0-22B0-4CF3-90F8-B29B366307C6}" destId="{7B5BEC94-FB9D-48EF-9F78-33C7ECC5A3D0}" srcOrd="1" destOrd="0" presId="urn:microsoft.com/office/officeart/2005/8/layout/process1"/>
+    <dgm:cxn modelId="{B34C0F67-1DF6-4C7B-A750-6447D8D6B27D}" type="presParOf" srcId="{7B5BEC94-FB9D-48EF-9F78-33C7ECC5A3D0}" destId="{1D22A377-72D9-47F4-958E-503F2458C9CD}" srcOrd="0" destOrd="0" presId="urn:microsoft.com/office/officeart/2005/8/layout/process1"/>
+    <dgm:cxn modelId="{E4CDDD0A-B9ED-4884-A8DF-B91C78A68088}" type="presParOf" srcId="{82229AF0-22B0-4CF3-90F8-B29B366307C6}" destId="{A610DF8B-7328-4CC9-8333-D74211E77DE0}" srcOrd="2" destOrd="0" presId="urn:microsoft.com/office/officeart/2005/8/layout/process1"/>
+    <dgm:cxn modelId="{CF2126B2-AF19-4315-990D-155CF502DEC7}" type="presParOf" srcId="{82229AF0-22B0-4CF3-90F8-B29B366307C6}" destId="{616397AC-10CC-4B6F-8A9F-11386032CDE8}" srcOrd="3" destOrd="0" presId="urn:microsoft.com/office/officeart/2005/8/layout/process1"/>
+    <dgm:cxn modelId="{C42DB2DE-AE3D-4A60-A745-1DBF2BDF9BE5}" type="presParOf" srcId="{616397AC-10CC-4B6F-8A9F-11386032CDE8}" destId="{2FF07BC7-AB51-42DC-9DF3-8392B8D17C15}" srcOrd="0" destOrd="0" presId="urn:microsoft.com/office/officeart/2005/8/layout/process1"/>
+    <dgm:cxn modelId="{A42785BA-67D4-4ACB-A08E-4992674C0FBD}" type="presParOf" srcId="{82229AF0-22B0-4CF3-90F8-B29B366307C6}" destId="{C15E63F9-90D9-4CBF-AB63-D817DA3BF610}" srcOrd="4" destOrd="0" presId="urn:microsoft.com/office/officeart/2005/8/layout/process1"/>
+  </dgm:cxnLst>
+  <dgm:bg/>
+  <dgm:whole/>
+  <dgm:extLst>
+    <a:ext uri="http://schemas.microsoft.com/office/drawing/2008/diagram">
+      <dsp:dataModelExt xmlns:dsp="http://schemas.microsoft.com/office/drawing/2008/diagram" relId="rId6" minVer="http://schemas.openxmlformats.org/drawingml/2006/diagram"/>
+    </a:ext>
+  </dgm:extLst>
+</dgm:dataModel>
+</file>
+
+<file path=ppt/diagrams/drawing1.xml><?xml version="1.0" encoding="utf-8"?>
+<dsp:drawing xmlns:dgm="http://schemas.openxmlformats.org/drawingml/2006/diagram" xmlns:dsp="http://schemas.microsoft.com/office/drawing/2008/diagram" xmlns:a="http://schemas.openxmlformats.org/drawingml/2006/main">
+  <dsp:spTree>
+    <dsp:nvGrpSpPr>
+      <dsp:cNvPr id="0" name=""/>
+      <dsp:cNvGrpSpPr/>
+    </dsp:nvGrpSpPr>
+    <dsp:grpSpPr/>
+    <dsp:sp modelId="{D21A0A06-46F2-412A-B95C-626CD4067840}">
+      <dsp:nvSpPr>
+        <dsp:cNvPr id="0" name=""/>
+        <dsp:cNvSpPr/>
+      </dsp:nvSpPr>
+      <dsp:spPr>
+        <a:xfrm>
+          <a:off x="0" y="4616"/>
+          <a:ext cx="5178315" cy="1497600"/>
+        </a:xfrm>
+        <a:prstGeom prst="rect">
+          <a:avLst/>
+        </a:prstGeom>
+        <a:solidFill>
+          <a:schemeClr val="accent4">
+            <a:hueOff val="0"/>
+            <a:satOff val="0"/>
+            <a:lumOff val="0"/>
+            <a:alphaOff val="0"/>
+          </a:schemeClr>
+        </a:solidFill>
+        <a:ln w="25400" cap="flat" cmpd="sng" algn="ctr">
+          <a:solidFill>
+            <a:schemeClr val="accent4">
+              <a:hueOff val="0"/>
+              <a:satOff val="0"/>
+              <a:lumOff val="0"/>
+              <a:alphaOff val="0"/>
+            </a:schemeClr>
+          </a:solidFill>
+          <a:prstDash val="solid"/>
+        </a:ln>
+        <a:effectLst/>
+      </dsp:spPr>
+      <dsp:style>
+        <a:lnRef idx="2">
+          <a:scrgbClr r="0" g="0" b="0"/>
+        </a:lnRef>
+        <a:fillRef idx="1">
+          <a:scrgbClr r="0" g="0" b="0"/>
+        </a:fillRef>
+        <a:effectRef idx="0">
+          <a:scrgbClr r="0" g="0" b="0"/>
+        </a:effectRef>
+        <a:fontRef idx="minor">
+          <a:schemeClr val="lt1"/>
+        </a:fontRef>
+      </dsp:style>
+      <dsp:txBody>
+        <a:bodyPr spcFirstLastPara="0" vert="horz" wrap="square" lIns="369824" tIns="211328" rIns="369824" bIns="211328" numCol="1" spcCol="1270" anchor="ctr" anchorCtr="0">
+          <a:noAutofit/>
+        </a:bodyPr>
+        <a:lstStyle/>
+        <a:p>
+          <a:pPr lvl="0" algn="ctr" defTabSz="2311400">
+            <a:lnSpc>
+              <a:spcPct val="90000"/>
+            </a:lnSpc>
+            <a:spcBef>
+              <a:spcPct val="0"/>
+            </a:spcBef>
+            <a:spcAft>
+              <a:spcPct val="35000"/>
+            </a:spcAft>
+          </a:pPr>
+          <a:r>
+            <a:rPr lang="en-US" sz="5200" kern="1200" dirty="0" smtClean="0"/>
+            <a:t>Authentication</a:t>
+          </a:r>
+          <a:endParaRPr lang="en-US" sz="5200" kern="1200" dirty="0"/>
+        </a:p>
+      </dsp:txBody>
+      <dsp:txXfrm>
+        <a:off x="0" y="4616"/>
+        <a:ext cx="5178315" cy="1497600"/>
+      </dsp:txXfrm>
+    </dsp:sp>
+    <dsp:sp modelId="{13D0EDCA-7D2E-4650-B5FB-B0703A265533}">
+      <dsp:nvSpPr>
+        <dsp:cNvPr id="0" name=""/>
+        <dsp:cNvSpPr/>
+      </dsp:nvSpPr>
+      <dsp:spPr>
+        <a:xfrm>
+          <a:off x="54" y="1502216"/>
+          <a:ext cx="5178315" cy="2997539"/>
+        </a:xfrm>
+        <a:prstGeom prst="rect">
+          <a:avLst/>
+        </a:prstGeom>
+        <a:solidFill>
+          <a:schemeClr val="accent4">
+            <a:tint val="40000"/>
+            <a:alpha val="90000"/>
+            <a:hueOff val="0"/>
+            <a:satOff val="0"/>
+            <a:lumOff val="0"/>
+            <a:alphaOff val="0"/>
+          </a:schemeClr>
+        </a:solidFill>
+        <a:ln w="25400" cap="flat" cmpd="sng" algn="ctr">
+          <a:solidFill>
+            <a:schemeClr val="accent4">
+              <a:tint val="40000"/>
+              <a:alpha val="90000"/>
+              <a:hueOff val="0"/>
+              <a:satOff val="0"/>
+              <a:lumOff val="0"/>
+              <a:alphaOff val="0"/>
+            </a:schemeClr>
+          </a:solidFill>
+          <a:prstDash val="solid"/>
+        </a:ln>
+        <a:effectLst/>
+      </dsp:spPr>
+      <dsp:style>
+        <a:lnRef idx="2">
+          <a:scrgbClr r="0" g="0" b="0"/>
+        </a:lnRef>
+        <a:fillRef idx="1">
+          <a:scrgbClr r="0" g="0" b="0"/>
+        </a:fillRef>
+        <a:effectRef idx="0">
+          <a:scrgbClr r="0" g="0" b="0"/>
+        </a:effectRef>
+        <a:fontRef idx="minor"/>
+      </dsp:style>
+      <dsp:txBody>
+        <a:bodyPr spcFirstLastPara="0" vert="horz" wrap="square" lIns="277368" tIns="277368" rIns="369824" bIns="416052" numCol="1" spcCol="1270" anchor="t" anchorCtr="0">
+          <a:noAutofit/>
+        </a:bodyPr>
+        <a:lstStyle/>
+        <a:p>
+          <a:pPr marL="285750" lvl="1" indent="-285750" algn="l" defTabSz="2311400">
+            <a:lnSpc>
+              <a:spcPct val="90000"/>
+            </a:lnSpc>
+            <a:spcBef>
+              <a:spcPct val="0"/>
+            </a:spcBef>
+            <a:spcAft>
+              <a:spcPct val="15000"/>
+            </a:spcAft>
+            <a:buChar char="••"/>
+          </a:pPr>
+          <a:r>
+            <a:rPr lang="en-US" sz="5200" kern="1200" dirty="0" smtClean="0"/>
+            <a:t>Who are you?</a:t>
+          </a:r>
+          <a:endParaRPr lang="en-US" sz="5200" kern="1200" dirty="0"/>
+        </a:p>
+        <a:p>
+          <a:pPr marL="285750" lvl="1" indent="-285750" algn="l" defTabSz="2311400">
+            <a:lnSpc>
+              <a:spcPct val="90000"/>
+            </a:lnSpc>
+            <a:spcBef>
+              <a:spcPct val="0"/>
+            </a:spcBef>
+            <a:spcAft>
+              <a:spcPct val="15000"/>
+            </a:spcAft>
+            <a:buChar char="••"/>
+          </a:pPr>
+          <a:r>
+            <a:rPr lang="en-US" sz="5200" kern="1200" dirty="0" smtClean="0"/>
+            <a:t>Identity</a:t>
+          </a:r>
+          <a:endParaRPr lang="en-US" sz="5200" kern="1200" dirty="0"/>
+        </a:p>
+      </dsp:txBody>
+      <dsp:txXfrm>
+        <a:off x="54" y="1502216"/>
+        <a:ext cx="5178315" cy="2997539"/>
+      </dsp:txXfrm>
+    </dsp:sp>
+    <dsp:sp modelId="{145224FD-767E-4F63-89F9-0B6FFD8A37AD}">
+      <dsp:nvSpPr>
+        <dsp:cNvPr id="0" name=""/>
+        <dsp:cNvSpPr/>
+      </dsp:nvSpPr>
+      <dsp:spPr>
+        <a:xfrm>
+          <a:off x="5903333" y="4616"/>
+          <a:ext cx="5178315" cy="1497600"/>
+        </a:xfrm>
+        <a:prstGeom prst="rect">
+          <a:avLst/>
+        </a:prstGeom>
+        <a:solidFill>
+          <a:schemeClr val="accent4">
+            <a:hueOff val="-4464770"/>
+            <a:satOff val="26899"/>
+            <a:lumOff val="2156"/>
+            <a:alphaOff val="0"/>
+          </a:schemeClr>
+        </a:solidFill>
+        <a:ln w="25400" cap="flat" cmpd="sng" algn="ctr">
+          <a:solidFill>
+            <a:schemeClr val="accent4">
+              <a:hueOff val="-4464770"/>
+              <a:satOff val="26899"/>
+              <a:lumOff val="2156"/>
+              <a:alphaOff val="0"/>
+            </a:schemeClr>
+          </a:solidFill>
+          <a:prstDash val="solid"/>
+        </a:ln>
+        <a:effectLst/>
+      </dsp:spPr>
+      <dsp:style>
+        <a:lnRef idx="2">
+          <a:scrgbClr r="0" g="0" b="0"/>
+        </a:lnRef>
+        <a:fillRef idx="1">
+          <a:scrgbClr r="0" g="0" b="0"/>
+        </a:fillRef>
+        <a:effectRef idx="0">
+          <a:scrgbClr r="0" g="0" b="0"/>
+        </a:effectRef>
+        <a:fontRef idx="minor">
+          <a:schemeClr val="lt1"/>
+        </a:fontRef>
+      </dsp:style>
+      <dsp:txBody>
+        <a:bodyPr spcFirstLastPara="0" vert="horz" wrap="square" lIns="369824" tIns="211328" rIns="369824" bIns="211328" numCol="1" spcCol="1270" anchor="ctr" anchorCtr="0">
+          <a:noAutofit/>
+        </a:bodyPr>
+        <a:lstStyle/>
+        <a:p>
+          <a:pPr lvl="0" algn="ctr" defTabSz="2311400">
+            <a:lnSpc>
+              <a:spcPct val="90000"/>
+            </a:lnSpc>
+            <a:spcBef>
+              <a:spcPct val="0"/>
+            </a:spcBef>
+            <a:spcAft>
+              <a:spcPct val="35000"/>
+            </a:spcAft>
+          </a:pPr>
+          <a:r>
+            <a:rPr lang="en-US" sz="5200" kern="1200" dirty="0" smtClean="0"/>
+            <a:t>Authorization</a:t>
+          </a:r>
+          <a:endParaRPr lang="en-US" sz="5200" kern="1200" dirty="0"/>
+        </a:p>
+      </dsp:txBody>
+      <dsp:txXfrm>
+        <a:off x="5903333" y="4616"/>
+        <a:ext cx="5178315" cy="1497600"/>
+      </dsp:txXfrm>
+    </dsp:sp>
+    <dsp:sp modelId="{B39D1642-51E2-4813-9A53-B36BD38A6FBA}">
+      <dsp:nvSpPr>
+        <dsp:cNvPr id="0" name=""/>
+        <dsp:cNvSpPr/>
+      </dsp:nvSpPr>
+      <dsp:spPr>
+        <a:xfrm>
+          <a:off x="5903333" y="1502216"/>
+          <a:ext cx="5178315" cy="2997539"/>
+        </a:xfrm>
+        <a:prstGeom prst="rect">
+          <a:avLst/>
+        </a:prstGeom>
+        <a:solidFill>
+          <a:schemeClr val="accent4">
+            <a:tint val="40000"/>
+            <a:alpha val="90000"/>
+            <a:hueOff val="-3945710"/>
+            <a:satOff val="22157"/>
+            <a:lumOff val="1408"/>
+            <a:alphaOff val="0"/>
+          </a:schemeClr>
+        </a:solidFill>
+        <a:ln w="25400" cap="flat" cmpd="sng" algn="ctr">
+          <a:solidFill>
+            <a:schemeClr val="accent4">
+              <a:tint val="40000"/>
+              <a:alpha val="90000"/>
+              <a:hueOff val="-3945710"/>
+              <a:satOff val="22157"/>
+              <a:lumOff val="1408"/>
+              <a:alphaOff val="0"/>
+            </a:schemeClr>
+          </a:solidFill>
+          <a:prstDash val="solid"/>
+        </a:ln>
+        <a:effectLst/>
+      </dsp:spPr>
+      <dsp:style>
+        <a:lnRef idx="2">
+          <a:scrgbClr r="0" g="0" b="0"/>
+        </a:lnRef>
+        <a:fillRef idx="1">
+          <a:scrgbClr r="0" g="0" b="0"/>
+        </a:fillRef>
+        <a:effectRef idx="0">
+          <a:scrgbClr r="0" g="0" b="0"/>
+        </a:effectRef>
+        <a:fontRef idx="minor"/>
+      </dsp:style>
+      <dsp:txBody>
+        <a:bodyPr spcFirstLastPara="0" vert="horz" wrap="square" lIns="277368" tIns="277368" rIns="369824" bIns="416052" numCol="1" spcCol="1270" anchor="t" anchorCtr="0">
+          <a:noAutofit/>
+        </a:bodyPr>
+        <a:lstStyle/>
+        <a:p>
+          <a:pPr marL="285750" lvl="1" indent="-285750" algn="l" defTabSz="2311400">
+            <a:lnSpc>
+              <a:spcPct val="90000"/>
+            </a:lnSpc>
+            <a:spcBef>
+              <a:spcPct val="0"/>
+            </a:spcBef>
+            <a:spcAft>
+              <a:spcPct val="15000"/>
+            </a:spcAft>
+            <a:buChar char="••"/>
+          </a:pPr>
+          <a:r>
+            <a:rPr lang="en-US" sz="5200" kern="1200" dirty="0" smtClean="0"/>
+            <a:t>What are you allowed to do?</a:t>
+          </a:r>
+          <a:endParaRPr lang="en-US" sz="5200" kern="1200" dirty="0"/>
+        </a:p>
+        <a:p>
+          <a:pPr marL="285750" lvl="1" indent="-285750" algn="l" defTabSz="2311400">
+            <a:lnSpc>
+              <a:spcPct val="90000"/>
+            </a:lnSpc>
+            <a:spcBef>
+              <a:spcPct val="0"/>
+            </a:spcBef>
+            <a:spcAft>
+              <a:spcPct val="15000"/>
+            </a:spcAft>
+            <a:buChar char="••"/>
+          </a:pPr>
+          <a:r>
+            <a:rPr lang="en-US" sz="5200" kern="1200" dirty="0" smtClean="0"/>
+            <a:t>Permissions</a:t>
+          </a:r>
+          <a:endParaRPr lang="en-US" sz="5200" kern="1200" dirty="0"/>
+        </a:p>
+      </dsp:txBody>
+      <dsp:txXfrm>
+        <a:off x="5903333" y="1502216"/>
+        <a:ext cx="5178315" cy="2997539"/>
+      </dsp:txXfrm>
+    </dsp:sp>
+  </dsp:spTree>
+</dsp:drawing>
+</file>
+
+<file path=ppt/diagrams/drawing2.xml><?xml version="1.0" encoding="utf-8"?>
+<dsp:drawing xmlns:dgm="http://schemas.openxmlformats.org/drawingml/2006/diagram" xmlns:dsp="http://schemas.microsoft.com/office/drawing/2008/diagram" xmlns:a="http://schemas.openxmlformats.org/drawingml/2006/main">
+  <dsp:spTree>
+    <dsp:nvGrpSpPr>
+      <dsp:cNvPr id="0" name=""/>
+      <dsp:cNvGrpSpPr/>
+    </dsp:nvGrpSpPr>
+    <dsp:grpSpPr/>
+    <dsp:sp modelId="{DE5201E9-963A-418D-AA1A-90B1AC79ABFC}">
+      <dsp:nvSpPr>
+        <dsp:cNvPr id="0" name=""/>
+        <dsp:cNvSpPr/>
+      </dsp:nvSpPr>
+      <dsp:spPr>
+        <a:xfrm>
+          <a:off x="8831" y="1789598"/>
+          <a:ext cx="2639625" cy="1583775"/>
+        </a:xfrm>
+        <a:prstGeom prst="roundRect">
+          <a:avLst>
+            <a:gd name="adj" fmla="val 10000"/>
+          </a:avLst>
+        </a:prstGeom>
+        <a:solidFill>
+          <a:schemeClr val="accent4">
+            <a:hueOff val="0"/>
+            <a:satOff val="0"/>
+            <a:lumOff val="0"/>
+            <a:alphaOff val="0"/>
+          </a:schemeClr>
+        </a:solidFill>
+        <a:ln w="25400" cap="flat" cmpd="sng" algn="ctr">
+          <a:solidFill>
+            <a:schemeClr val="lt1">
+              <a:hueOff val="0"/>
+              <a:satOff val="0"/>
+              <a:lumOff val="0"/>
+              <a:alphaOff val="0"/>
+            </a:schemeClr>
+          </a:solidFill>
+          <a:prstDash val="solid"/>
+        </a:ln>
+        <a:effectLst/>
+      </dsp:spPr>
+      <dsp:style>
+        <a:lnRef idx="2">
+          <a:scrgbClr r="0" g="0" b="0"/>
+        </a:lnRef>
+        <a:fillRef idx="1">
+          <a:scrgbClr r="0" g="0" b="0"/>
+        </a:fillRef>
+        <a:effectRef idx="0">
+          <a:scrgbClr r="0" g="0" b="0"/>
+        </a:effectRef>
+        <a:fontRef idx="minor">
+          <a:schemeClr val="lt1"/>
+        </a:fontRef>
+      </dsp:style>
+      <dsp:txBody>
+        <a:bodyPr spcFirstLastPara="0" vert="horz" wrap="square" lIns="106680" tIns="106680" rIns="106680" bIns="106680" numCol="1" spcCol="1270" anchor="ctr" anchorCtr="0">
+          <a:noAutofit/>
+        </a:bodyPr>
+        <a:lstStyle/>
+        <a:p>
+          <a:pPr lvl="0" algn="ctr" defTabSz="1244600">
+            <a:lnSpc>
+              <a:spcPct val="90000"/>
+            </a:lnSpc>
+            <a:spcBef>
+              <a:spcPct val="0"/>
+            </a:spcBef>
+            <a:spcAft>
+              <a:spcPct val="35000"/>
+            </a:spcAft>
+          </a:pPr>
+          <a:r>
+            <a:rPr lang="en-US" sz="2800" kern="1200" dirty="0" smtClean="0"/>
+            <a:t>Generate Token on Server and Send to Page</a:t>
+          </a:r>
+          <a:endParaRPr lang="en-US" sz="2800" kern="1200" dirty="0"/>
+        </a:p>
+      </dsp:txBody>
+      <dsp:txXfrm>
+        <a:off x="55218" y="1835985"/>
+        <a:ext cx="2546851" cy="1491001"/>
+      </dsp:txXfrm>
+    </dsp:sp>
+    <dsp:sp modelId="{7B5BEC94-FB9D-48EF-9F78-33C7ECC5A3D0}">
+      <dsp:nvSpPr>
+        <dsp:cNvPr id="0" name=""/>
+        <dsp:cNvSpPr/>
+      </dsp:nvSpPr>
+      <dsp:spPr>
+        <a:xfrm>
+          <a:off x="2912419" y="2254172"/>
+          <a:ext cx="559600" cy="654627"/>
+        </a:xfrm>
+        <a:prstGeom prst="rightArrow">
+          <a:avLst>
+            <a:gd name="adj1" fmla="val 60000"/>
+            <a:gd name="adj2" fmla="val 50000"/>
+          </a:avLst>
+        </a:prstGeom>
+        <a:solidFill>
+          <a:schemeClr val="accent4">
+            <a:hueOff val="0"/>
+            <a:satOff val="0"/>
+            <a:lumOff val="0"/>
+            <a:alphaOff val="0"/>
+          </a:schemeClr>
+        </a:solidFill>
+        <a:ln>
+          <a:noFill/>
+        </a:ln>
+        <a:effectLst/>
+      </dsp:spPr>
+      <dsp:style>
+        <a:lnRef idx="0">
+          <a:scrgbClr r="0" g="0" b="0"/>
+        </a:lnRef>
+        <a:fillRef idx="1">
+          <a:scrgbClr r="0" g="0" b="0"/>
+        </a:fillRef>
+        <a:effectRef idx="0">
+          <a:scrgbClr r="0" g="0" b="0"/>
+        </a:effectRef>
+        <a:fontRef idx="minor">
+          <a:schemeClr val="lt1"/>
+        </a:fontRef>
+      </dsp:style>
+      <dsp:txBody>
+        <a:bodyPr spcFirstLastPara="0" vert="horz" wrap="square" lIns="0" tIns="0" rIns="0" bIns="0" numCol="1" spcCol="1270" anchor="ctr" anchorCtr="0">
+          <a:noAutofit/>
+        </a:bodyPr>
+        <a:lstStyle/>
+        <a:p>
+          <a:pPr lvl="0" algn="ctr" defTabSz="1022350">
+            <a:lnSpc>
+              <a:spcPct val="90000"/>
+            </a:lnSpc>
+            <a:spcBef>
+              <a:spcPct val="0"/>
+            </a:spcBef>
+            <a:spcAft>
+              <a:spcPct val="35000"/>
+            </a:spcAft>
+          </a:pPr>
+          <a:endParaRPr lang="en-US" sz="2300" kern="1200"/>
+        </a:p>
+      </dsp:txBody>
+      <dsp:txXfrm>
+        <a:off x="2912419" y="2385097"/>
+        <a:ext cx="391720" cy="392777"/>
+      </dsp:txXfrm>
+    </dsp:sp>
+    <dsp:sp modelId="{A610DF8B-7328-4CC9-8333-D74211E77DE0}">
+      <dsp:nvSpPr>
+        <dsp:cNvPr id="0" name=""/>
+        <dsp:cNvSpPr/>
+      </dsp:nvSpPr>
+      <dsp:spPr>
+        <a:xfrm>
+          <a:off x="3704307" y="1789598"/>
+          <a:ext cx="2639625" cy="1583775"/>
+        </a:xfrm>
+        <a:prstGeom prst="roundRect">
+          <a:avLst>
+            <a:gd name="adj" fmla="val 10000"/>
+          </a:avLst>
+        </a:prstGeom>
+        <a:solidFill>
+          <a:schemeClr val="accent4">
+            <a:hueOff val="-2232385"/>
+            <a:satOff val="13449"/>
+            <a:lumOff val="1078"/>
+            <a:alphaOff val="0"/>
+          </a:schemeClr>
+        </a:solidFill>
+        <a:ln w="25400" cap="flat" cmpd="sng" algn="ctr">
+          <a:solidFill>
+            <a:schemeClr val="lt1">
+              <a:hueOff val="0"/>
+              <a:satOff val="0"/>
+              <a:lumOff val="0"/>
+              <a:alphaOff val="0"/>
+            </a:schemeClr>
+          </a:solidFill>
+          <a:prstDash val="solid"/>
+        </a:ln>
+        <a:effectLst/>
+      </dsp:spPr>
+      <dsp:style>
+        <a:lnRef idx="2">
+          <a:scrgbClr r="0" g="0" b="0"/>
+        </a:lnRef>
+        <a:fillRef idx="1">
+          <a:scrgbClr r="0" g="0" b="0"/>
+        </a:fillRef>
+        <a:effectRef idx="0">
+          <a:scrgbClr r="0" g="0" b="0"/>
+        </a:effectRef>
+        <a:fontRef idx="minor">
+          <a:schemeClr val="lt1"/>
+        </a:fontRef>
+      </dsp:style>
+      <dsp:txBody>
+        <a:bodyPr spcFirstLastPara="0" vert="horz" wrap="square" lIns="106680" tIns="106680" rIns="106680" bIns="106680" numCol="1" spcCol="1270" anchor="ctr" anchorCtr="0">
+          <a:noAutofit/>
+        </a:bodyPr>
+        <a:lstStyle/>
+        <a:p>
+          <a:pPr lvl="0" algn="ctr" defTabSz="1244600">
+            <a:lnSpc>
+              <a:spcPct val="90000"/>
+            </a:lnSpc>
+            <a:spcBef>
+              <a:spcPct val="0"/>
+            </a:spcBef>
+            <a:spcAft>
+              <a:spcPct val="35000"/>
+            </a:spcAft>
+          </a:pPr>
+          <a:r>
+            <a:rPr lang="en-US" sz="2800" kern="1200" dirty="0" smtClean="0"/>
+            <a:t>Add Token to Header in Requests</a:t>
+          </a:r>
+          <a:endParaRPr lang="en-US" sz="2800" kern="1200" dirty="0"/>
+        </a:p>
+      </dsp:txBody>
+      <dsp:txXfrm>
+        <a:off x="3750694" y="1835985"/>
+        <a:ext cx="2546851" cy="1491001"/>
+      </dsp:txXfrm>
+    </dsp:sp>
+    <dsp:sp modelId="{616397AC-10CC-4B6F-8A9F-11386032CDE8}">
+      <dsp:nvSpPr>
+        <dsp:cNvPr id="0" name=""/>
+        <dsp:cNvSpPr/>
+      </dsp:nvSpPr>
+      <dsp:spPr>
+        <a:xfrm>
+          <a:off x="6607895" y="2254172"/>
+          <a:ext cx="559600" cy="654627"/>
+        </a:xfrm>
+        <a:prstGeom prst="rightArrow">
+          <a:avLst>
+            <a:gd name="adj1" fmla="val 60000"/>
+            <a:gd name="adj2" fmla="val 50000"/>
+          </a:avLst>
+        </a:prstGeom>
+        <a:solidFill>
+          <a:schemeClr val="accent4">
+            <a:hueOff val="-4464770"/>
+            <a:satOff val="26899"/>
+            <a:lumOff val="2156"/>
+            <a:alphaOff val="0"/>
+          </a:schemeClr>
+        </a:solidFill>
+        <a:ln>
+          <a:noFill/>
+        </a:ln>
+        <a:effectLst/>
+      </dsp:spPr>
+      <dsp:style>
+        <a:lnRef idx="0">
+          <a:scrgbClr r="0" g="0" b="0"/>
+        </a:lnRef>
+        <a:fillRef idx="1">
+          <a:scrgbClr r="0" g="0" b="0"/>
+        </a:fillRef>
+        <a:effectRef idx="0">
+          <a:scrgbClr r="0" g="0" b="0"/>
+        </a:effectRef>
+        <a:fontRef idx="minor">
+          <a:schemeClr val="lt1"/>
+        </a:fontRef>
+      </dsp:style>
+      <dsp:txBody>
+        <a:bodyPr spcFirstLastPara="0" vert="horz" wrap="square" lIns="0" tIns="0" rIns="0" bIns="0" numCol="1" spcCol="1270" anchor="ctr" anchorCtr="0">
+          <a:noAutofit/>
+        </a:bodyPr>
+        <a:lstStyle/>
+        <a:p>
+          <a:pPr lvl="0" algn="ctr" defTabSz="1022350">
+            <a:lnSpc>
+              <a:spcPct val="90000"/>
+            </a:lnSpc>
+            <a:spcBef>
+              <a:spcPct val="0"/>
+            </a:spcBef>
+            <a:spcAft>
+              <a:spcPct val="35000"/>
+            </a:spcAft>
+          </a:pPr>
+          <a:endParaRPr lang="en-US" sz="2300" kern="1200"/>
+        </a:p>
+      </dsp:txBody>
+      <dsp:txXfrm>
+        <a:off x="6607895" y="2385097"/>
+        <a:ext cx="391720" cy="392777"/>
+      </dsp:txXfrm>
+    </dsp:sp>
+    <dsp:sp modelId="{C15E63F9-90D9-4CBF-AB63-D817DA3BF610}">
+      <dsp:nvSpPr>
+        <dsp:cNvPr id="0" name=""/>
+        <dsp:cNvSpPr/>
+      </dsp:nvSpPr>
+      <dsp:spPr>
+        <a:xfrm>
+          <a:off x="7399782" y="1789598"/>
+          <a:ext cx="2639625" cy="1583775"/>
+        </a:xfrm>
+        <a:prstGeom prst="roundRect">
+          <a:avLst>
+            <a:gd name="adj" fmla="val 10000"/>
+          </a:avLst>
+        </a:prstGeom>
+        <a:solidFill>
+          <a:schemeClr val="accent4">
+            <a:hueOff val="-4464770"/>
+            <a:satOff val="26899"/>
+            <a:lumOff val="2156"/>
+            <a:alphaOff val="0"/>
+          </a:schemeClr>
+        </a:solidFill>
+        <a:ln w="25400" cap="flat" cmpd="sng" algn="ctr">
+          <a:solidFill>
+            <a:schemeClr val="lt1">
+              <a:hueOff val="0"/>
+              <a:satOff val="0"/>
+              <a:lumOff val="0"/>
+              <a:alphaOff val="0"/>
+            </a:schemeClr>
+          </a:solidFill>
+          <a:prstDash val="solid"/>
+        </a:ln>
+        <a:effectLst/>
+      </dsp:spPr>
+      <dsp:style>
+        <a:lnRef idx="2">
+          <a:scrgbClr r="0" g="0" b="0"/>
+        </a:lnRef>
+        <a:fillRef idx="1">
+          <a:scrgbClr r="0" g="0" b="0"/>
+        </a:fillRef>
+        <a:effectRef idx="0">
+          <a:scrgbClr r="0" g="0" b="0"/>
+        </a:effectRef>
+        <a:fontRef idx="minor">
+          <a:schemeClr val="lt1"/>
+        </a:fontRef>
+      </dsp:style>
+      <dsp:txBody>
+        <a:bodyPr spcFirstLastPara="0" vert="horz" wrap="square" lIns="106680" tIns="106680" rIns="106680" bIns="106680" numCol="1" spcCol="1270" anchor="ctr" anchorCtr="0">
+          <a:noAutofit/>
+        </a:bodyPr>
+        <a:lstStyle/>
+        <a:p>
+          <a:pPr lvl="0" algn="ctr" defTabSz="1244600">
+            <a:lnSpc>
+              <a:spcPct val="90000"/>
+            </a:lnSpc>
+            <a:spcBef>
+              <a:spcPct val="0"/>
+            </a:spcBef>
+            <a:spcAft>
+              <a:spcPct val="35000"/>
+            </a:spcAft>
+          </a:pPr>
+          <a:r>
+            <a:rPr lang="en-US" sz="2800" kern="1200" dirty="0" smtClean="0"/>
+            <a:t>Validate Token on Server</a:t>
+          </a:r>
+          <a:endParaRPr lang="en-US" sz="2800" kern="1200" dirty="0"/>
+        </a:p>
+      </dsp:txBody>
+      <dsp:txXfrm>
+        <a:off x="7446169" y="1835985"/>
+        <a:ext cx="2546851" cy="1491001"/>
+      </dsp:txXfrm>
+    </dsp:sp>
+  </dsp:spTree>
+</dsp:drawing>
+</file>
+
+<file path=ppt/diagrams/layout1.xml><?xml version="1.0" encoding="utf-8"?>
+<dgm:layoutDef xmlns:dgm="http://schemas.openxmlformats.org/drawingml/2006/diagram" xmlns:a="http://schemas.openxmlformats.org/drawingml/2006/main" uniqueId="urn:microsoft.com/office/officeart/2005/8/layout/hList1">
+  <dgm:title val=""/>
+  <dgm:desc val=""/>
+  <dgm:catLst>
+    <dgm:cat type="list" pri="5000"/>
+    <dgm:cat type="convert" pri="5000"/>
+  </dgm:catLst>
+  <dgm:sampData>
+    <dgm:dataModel>
+      <dgm:ptLst>
+        <dgm:pt modelId="0" type="doc"/>
+        <dgm:pt modelId="1">
+          <dgm:prSet phldr="1"/>
+        </dgm:pt>
+        <dgm:pt modelId="11">
+          <dgm:prSet phldr="1"/>
+        </dgm:pt>
+        <dgm:pt modelId="12">
+          <dgm:prSet phldr="1"/>
+        </dgm:pt>
+        <dgm:pt modelId="2">
+          <dgm:prSet phldr="1"/>
+        </dgm:pt>
+        <dgm:pt modelId="21">
+          <dgm:prSet phldr="1"/>
+        </dgm:pt>
+        <dgm:pt modelId="22">
+          <dgm:prSet phldr="1"/>
+        </dgm:pt>
+        <dgm:pt modelId="3">
+          <dgm:prSet phldr="1"/>
+        </dgm:pt>
+        <dgm:pt modelId="31">
+          <dgm:prSet phldr="1"/>
+        </dgm:pt>
+        <dgm:pt modelId="32">
+          <dgm:prSet phldr="1"/>
+        </dgm:pt>
+      </dgm:ptLst>
+      <dgm:cxnLst>
+        <dgm:cxn modelId="4" srcId="0" destId="1" srcOrd="0" destOrd="0"/>
+        <dgm:cxn modelId="5" srcId="0" destId="2" srcOrd="1" destOrd="0"/>
+        <dgm:cxn modelId="6" srcId="0" destId="3" srcOrd="2" destOrd="0"/>
+        <dgm:cxn modelId="13" srcId="1" destId="11" srcOrd="0" destOrd="0"/>
+        <dgm:cxn modelId="14" srcId="1" destId="12" srcOrd="1" destOrd="0"/>
+        <dgm:cxn modelId="23" srcId="2" destId="21" srcOrd="0" destOrd="0"/>
+        <dgm:cxn modelId="24" srcId="2" destId="22" srcOrd="1" destOrd="0"/>
+        <dgm:cxn modelId="33" srcId="3" destId="31" srcOrd="0" destOrd="0"/>
+        <dgm:cxn modelId="34" srcId="3" destId="32" srcOrd="1" destOrd="0"/>
+      </dgm:cxnLst>
+      <dgm:bg/>
+      <dgm:whole/>
+    </dgm:dataModel>
+  </dgm:sampData>
+  <dgm:styleData>
+    <dgm:dataModel>
+      <dgm:ptLst>
+        <dgm:pt modelId="0" type="doc"/>
+        <dgm:pt modelId="1">
+          <dgm:prSet phldr="1"/>
+        </dgm:pt>
+        <dgm:pt modelId="2">
+          <dgm:prSet phldr="1"/>
+        </dgm:pt>
+      </dgm:ptLst>
+      <dgm:cxnLst>
+        <dgm:cxn modelId="3" srcId="0" destId="1" srcOrd="0" destOrd="0"/>
+        <dgm:cxn modelId="4" srcId="0" destId="2" srcOrd="1" destOrd="0"/>
+      </dgm:cxnLst>
+      <dgm:bg/>
+      <dgm:whole/>
+    </dgm:dataModel>
+  </dgm:styleData>
+  <dgm:clrData>
+    <dgm:dataModel>
+      <dgm:ptLst>
+        <dgm:pt modelId="0" type="doc"/>
+        <dgm:pt modelId="1">
+          <dgm:prSet phldr="1"/>
+        </dgm:pt>
+        <dgm:pt modelId="2">
+          <dgm:prSet phldr="1"/>
+        </dgm:pt>
+        <dgm:pt modelId="3">
+          <dgm:prSet phldr="1"/>
+        </dgm:pt>
+        <dgm:pt modelId="4">
+          <dgm:prSet phldr="1"/>
+        </dgm:pt>
+      </dgm:ptLst>
+      <dgm:cxnLst>
+        <dgm:cxn modelId="5" srcId="0" destId="1" srcOrd="0" destOrd="0"/>
+        <dgm:cxn modelId="6" srcId="0" destId="2" srcOrd="1" destOrd="0"/>
+        <dgm:cxn modelId="7" srcId="0" destId="3" srcOrd="2" destOrd="0"/>
+        <dgm:cxn modelId="8" srcId="0" destId="4" srcOrd="3" destOrd="0"/>
+      </dgm:cxnLst>
+      <dgm:bg/>
+      <dgm:whole/>
+    </dgm:dataModel>
+  </dgm:clrData>
+  <dgm:layoutNode name="Name0">
+    <dgm:varLst>
+      <dgm:dir/>
+      <dgm:animLvl val="lvl"/>
+      <dgm:resizeHandles val="exact"/>
+    </dgm:varLst>
+    <dgm:choose name="Name1">
+      <dgm:if name="Name2" func="var" arg="dir" op="equ" val="norm">
+        <dgm:alg type="lin"/>
+      </dgm:if>
+      <dgm:else name="Name3">
+        <dgm:alg type="lin">
+          <dgm:param type="linDir" val="fromR"/>
+        </dgm:alg>
+      </dgm:else>
+    </dgm:choose>
+    <dgm:shape xmlns:r="http://schemas.openxmlformats.org/officeDocument/2006/relationships" r:blip="">
+      <dgm:adjLst/>
+    </dgm:shape>
+    <dgm:presOf/>
+    <dgm:constrLst>
+      <dgm:constr type="h" for="ch" forName="composite" refType="h"/>
+      <dgm:constr type="w" for="ch" forName="composite" refType="w"/>
+      <dgm:constr type="w" for="des" forName="parTx"/>
+      <dgm:constr type="h" for="des" forName="parTx" op="equ"/>
+      <dgm:constr type="w" for="des" forName="desTx"/>
+      <dgm:constr type="h" for="des" forName="desTx" op="equ"/>
+      <dgm:constr type="primFontSz" for="des" forName="parTx" val="65"/>
+      <dgm:constr type="secFontSz" for="des" forName="desTx" refType="primFontSz" refFor="des" refForName="parTx" op="equ"/>
+      <dgm:constr type="h" for="des" forName="parTx" refType="primFontSz" refFor="des" refForName="parTx" fact="0.8"/>
+      <dgm:constr type="h" for="des" forName="desTx" refType="primFontSz" refFor="des" refForName="parTx" fact="1.22"/>
+      <dgm:constr type="w" for="ch" forName="space" refType="w" refFor="ch" refForName="composite" op="equ" fact="0.14"/>
+    </dgm:constrLst>
+    <dgm:ruleLst>
+      <dgm:rule type="w" for="ch" forName="composite" val="0" fact="NaN" max="NaN"/>
+      <dgm:rule type="primFontSz" for="des" forName="parTx" val="5" fact="NaN" max="NaN"/>
+    </dgm:ruleLst>
+    <dgm:forEach name="Name4" axis="ch" ptType="node">
+      <dgm:layoutNode name="composite">
+        <dgm:alg type="composite"/>
+        <dgm:shape xmlns:r="http://schemas.openxmlformats.org/officeDocument/2006/relationships" r:blip="">
+          <dgm:adjLst/>
+        </dgm:shape>
+        <dgm:presOf/>
+        <dgm:constrLst>
+          <dgm:constr type="l" for="ch" forName="parTx"/>
+          <dgm:constr type="w" for="ch" forName="parTx" refType="w"/>
+          <dgm:constr type="t" for="ch" forName="parTx"/>
+          <dgm:constr type="l" for="ch" forName="desTx"/>
+          <dgm:constr type="w" for="ch" forName="desTx" refType="w" refFor="ch" refForName="parTx"/>
+          <dgm:constr type="t" for="ch" forName="desTx" refType="h" refFor="ch" refForName="parTx"/>
+        </dgm:constrLst>
+        <dgm:ruleLst>
+          <dgm:rule type="h" val="INF" fact="NaN" max="NaN"/>
+        </dgm:ruleLst>
+        <dgm:layoutNode name="parTx" styleLbl="alignNode1">
+          <dgm:varLst>
+            <dgm:chMax val="0"/>
+            <dgm:chPref val="0"/>
+            <dgm:bulletEnabled val="1"/>
+          </dgm:varLst>
+          <dgm:alg type="tx"/>
+          <dgm:shape xmlns:r="http://schemas.openxmlformats.org/officeDocument/2006/relationships" type="rect" r:blip="">
+            <dgm:adjLst/>
+          </dgm:shape>
+          <dgm:presOf axis="self" ptType="node"/>
+          <dgm:constrLst>
+            <dgm:constr type="h" refType="w" op="lte" fact="0.4"/>
+            <dgm:constr type="h"/>
+            <dgm:constr type="tMarg" refType="primFontSz" fact="0.32"/>
+            <dgm:constr type="bMarg" refType="primFontSz" fact="0.32"/>
+          </dgm:constrLst>
+          <dgm:ruleLst>
+            <dgm:rule type="h" val="INF" fact="NaN" max="NaN"/>
+          </dgm:ruleLst>
+        </dgm:layoutNode>
+        <dgm:layoutNode name="desTx" styleLbl="alignAccFollowNode1">
+          <dgm:varLst>
+            <dgm:bulletEnabled val="1"/>
+          </dgm:varLst>
+          <dgm:alg type="tx">
+            <dgm:param type="stBulletLvl" val="1"/>
+          </dgm:alg>
+          <dgm:shape xmlns:r="http://schemas.openxmlformats.org/officeDocument/2006/relationships" type="rect" r:blip="">
+            <dgm:adjLst/>
+          </dgm:shape>
+          <dgm:presOf axis="des" ptType="node"/>
+          <dgm:constrLst>
+            <dgm:constr type="secFontSz" val="65"/>
+            <dgm:constr type="primFontSz" refType="secFontSz"/>
+            <dgm:constr type="h"/>
+            <dgm:constr type="lMarg" refType="primFontSz" fact="0.42"/>
+            <dgm:constr type="tMarg" refType="primFontSz" fact="0.42"/>
+            <dgm:constr type="bMarg" refType="primFontSz" fact="0.63"/>
+          </dgm:constrLst>
+          <dgm:ruleLst>
+            <dgm:rule type="h" val="INF" fact="NaN" max="NaN"/>
+          </dgm:ruleLst>
+        </dgm:layoutNode>
+      </dgm:layoutNode>
+      <dgm:forEach name="Name5" axis="followSib" ptType="sibTrans" cnt="1">
+        <dgm:layoutNode name="space">
+          <dgm:alg type="sp"/>
+          <dgm:shape xmlns:r="http://schemas.openxmlformats.org/officeDocument/2006/relationships" r:blip="">
+            <dgm:adjLst/>
+          </dgm:shape>
+          <dgm:presOf/>
+          <dgm:constrLst/>
+          <dgm:ruleLst/>
+        </dgm:layoutNode>
+      </dgm:forEach>
+    </dgm:forEach>
+  </dgm:layoutNode>
+</dgm:layoutDef>
+</file>
+
+<file path=ppt/diagrams/layout2.xml><?xml version="1.0" encoding="utf-8"?>
+<dgm:layoutDef xmlns:dgm="http://schemas.openxmlformats.org/drawingml/2006/diagram" xmlns:a="http://schemas.openxmlformats.org/drawingml/2006/main" uniqueId="urn:microsoft.com/office/officeart/2005/8/layout/process1">
+  <dgm:title val=""/>
+  <dgm:desc val=""/>
+  <dgm:catLst>
+    <dgm:cat type="process" pri="1000"/>
+    <dgm:cat type="convert" pri="15000"/>
+  </dgm:catLst>
+  <dgm:sampData useDef="1">
+    <dgm:dataModel>
+      <dgm:ptLst/>
+      <dgm:bg/>
+      <dgm:whole/>
+    </dgm:dataModel>
+  </dgm:sampData>
+  <dgm:styleData>
+    <dgm:dataModel>
+      <dgm:ptLst>
+        <dgm:pt modelId="0" type="doc"/>
+        <dgm:pt modelId="1"/>
+        <dgm:pt modelId="2"/>
+      </dgm:ptLst>
+      <dgm:cxnLst>
+        <dgm:cxn modelId="3" srcId="0" destId="1" srcOrd="0" destOrd="0"/>
+        <dgm:cxn modelId="4" srcId="0" destId="2" srcOrd="1" destOrd="0"/>
+      </dgm:cxnLst>
+      <dgm:bg/>
+      <dgm:whole/>
+    </dgm:dataModel>
+  </dgm:styleData>
+  <dgm:clrData>
+    <dgm:dataModel>
+      <dgm:ptLst>
+        <dgm:pt modelId="0" type="doc"/>
+        <dgm:pt modelId="1"/>
+        <dgm:pt modelId="2"/>
+        <dgm:pt modelId="3"/>
+        <dgm:pt modelId="4"/>
+      </dgm:ptLst>
+      <dgm:cxnLst>
+        <dgm:cxn modelId="5" srcId="0" destId="1" srcOrd="0" destOrd="0"/>
+        <dgm:cxn modelId="6" srcId="0" destId="2" srcOrd="1" destOrd="0"/>
+        <dgm:cxn modelId="7" srcId="0" destId="3" srcOrd="2" destOrd="0"/>
+        <dgm:cxn modelId="8" srcId="0" destId="4" srcOrd="3" destOrd="0"/>
+      </dgm:cxnLst>
+      <dgm:bg/>
+      <dgm:whole/>
+    </dgm:dataModel>
+  </dgm:clrData>
+  <dgm:layoutNode name="Name0">
+    <dgm:varLst>
+      <dgm:dir/>
+      <dgm:resizeHandles val="exact"/>
+    </dgm:varLst>
+    <dgm:choose name="Name1">
+      <dgm:if name="Name2" func="var" arg="dir" op="equ" val="norm">
+        <dgm:alg type="lin"/>
+      </dgm:if>
+      <dgm:else name="Name3">
+        <dgm:alg type="lin">
+          <dgm:param type="linDir" val="fromR"/>
+        </dgm:alg>
+      </dgm:else>
+    </dgm:choose>
+    <dgm:shape xmlns:r="http://schemas.openxmlformats.org/officeDocument/2006/relationships" r:blip="">
+      <dgm:adjLst/>
+    </dgm:shape>
+    <dgm:presOf/>
+    <dgm:constrLst>
+      <dgm:constr type="w" for="ch" ptType="node" refType="w"/>
+      <dgm:constr type="h" for="ch" ptType="node" op="equ"/>
+      <dgm:constr type="primFontSz" for="ch" ptType="node" op="equ" val="65"/>
+      <dgm:constr type="w" for="ch" ptType="sibTrans" refType="w" refFor="ch" refPtType="node" op="equ" fact="0.4"/>
+      <dgm:constr type="h" for="ch" ptType="sibTrans" op="equ"/>
+      <dgm:constr type="primFontSz" for="des" forName="connectorText" op="equ" val="55"/>
+      <dgm:constr type="primFontSz" for="des" forName="connectorText" refType="primFontSz" refFor="ch" refPtType="node" op="lte" fact="0.8"/>
+    </dgm:constrLst>
+    <dgm:ruleLst/>
+    <dgm:forEach name="nodesForEach" axis="ch" ptType="node">
+      <dgm:layoutNode name="node">
+        <dgm:varLst>
+          <dgm:bulletEnabled val="1"/>
+        </dgm:varLst>
+        <dgm:alg type="tx"/>
+        <dgm:shape xmlns:r="http://schemas.openxmlformats.org/officeDocument/2006/relationships" type="roundRect" r:blip="">
+          <dgm:adjLst>
+            <dgm:adj idx="1" val="0.1"/>
+          </dgm:adjLst>
+        </dgm:shape>
+        <dgm:presOf axis="desOrSelf" ptType="node"/>
+        <dgm:constrLst>
+          <dgm:constr type="h" refType="w" fact="0.6"/>
+          <dgm:constr type="tMarg" refType="primFontSz" fact="0.3"/>
+          <dgm:constr type="bMarg" refType="primFontSz" fact="0.3"/>
+          <dgm:constr type="lMarg" refType="primFontSz" fact="0.3"/>
+          <dgm:constr type="rMarg" refType="primFontSz" fact="0.3"/>
+        </dgm:constrLst>
+        <dgm:ruleLst>
+          <dgm:rule type="primFontSz" val="18" fact="NaN" max="NaN"/>
+          <dgm:rule type="h" val="NaN" fact="1.5" max="NaN"/>
+          <dgm:rule type="primFontSz" val="5" fact="NaN" max="NaN"/>
+          <dgm:rule type="h" val="INF" fact="NaN" max="NaN"/>
+        </dgm:ruleLst>
+      </dgm:layoutNode>
+      <dgm:forEach name="sibTransForEach" axis="followSib" ptType="sibTrans" cnt="1">
+        <dgm:layoutNode name="sibTrans">
+          <dgm:alg type="conn">
+            <dgm:param type="begPts" val="auto"/>
+            <dgm:param type="endPts" val="auto"/>
+          </dgm:alg>
+          <dgm:shape xmlns:r="http://schemas.openxmlformats.org/officeDocument/2006/relationships" type="conn" r:blip="">
+            <dgm:adjLst/>
+          </dgm:shape>
+          <dgm:presOf axis="self"/>
+          <dgm:constrLst>
+            <dgm:constr type="h" refType="w" fact="0.62"/>
+            <dgm:constr type="connDist"/>
+            <dgm:constr type="begPad" refType="connDist" fact="0.25"/>
+            <dgm:constr type="endPad" refType="connDist" fact="0.22"/>
+          </dgm:constrLst>
+          <dgm:ruleLst/>
+          <dgm:layoutNode name="connectorText">
+            <dgm:alg type="tx">
+              <dgm:param type="autoTxRot" val="grav"/>
+            </dgm:alg>
+            <dgm:shape xmlns:r="http://schemas.openxmlformats.org/officeDocument/2006/relationships" type="conn" r:blip="" hideGeom="1">
+              <dgm:adjLst/>
+            </dgm:shape>
+            <dgm:presOf axis="self"/>
+            <dgm:constrLst>
+              <dgm:constr type="lMarg"/>
+              <dgm:constr type="rMarg"/>
+              <dgm:constr type="tMarg"/>
+              <dgm:constr type="bMarg"/>
+            </dgm:constrLst>
+            <dgm:ruleLst>
+              <dgm:rule type="primFontSz" val="5" fact="NaN" max="NaN"/>
+            </dgm:ruleLst>
+          </dgm:layoutNode>
+        </dgm:layoutNode>
+      </dgm:forEach>
+    </dgm:forEach>
+  </dgm:layoutNode>
+</dgm:layoutDef>
+</file>
+
+<file path=ppt/diagrams/quickStyle1.xml><?xml version="1.0" encoding="utf-8"?>
+<dgm:styleDef xmlns:dgm="http://schemas.openxmlformats.org/drawingml/2006/diagram" xmlns:a="http://schemas.openxmlformats.org/drawingml/2006/main" uniqueId="urn:microsoft.com/office/officeart/2005/8/quickstyle/simple1">
+  <dgm:title val=""/>
+  <dgm:desc val=""/>
+  <dgm:catLst>
+    <dgm:cat type="simple" pri="10100"/>
+  </dgm:catLst>
+  <dgm:scene3d>
+    <a:camera prst="orthographicFront"/>
+    <a:lightRig rig="threePt" dir="t"/>
+  </dgm:scene3d>
+  <dgm:styleLbl name="node0">
+    <dgm:scene3d>
+      <a:camera prst="orthographicFront"/>
+      <a:lightRig rig="threePt" dir="t"/>
+    </dgm:scene3d>
+    <dgm:sp3d/>
+    <dgm:txPr/>
+    <dgm:style>
+      <a:lnRef idx="2">
+        <a:scrgbClr r="0" g="0" b="0"/>
+      </a:lnRef>
+      <a:fillRef idx="1">
+        <a:scrgbClr r="0" g="0" b="0"/>
+      </a:fillRef>
+      <a:effectRef idx="0">
+        <a:scrgbClr r="0" g="0" b="0"/>
+      </a:effectRef>
+      <a:fontRef idx="minor">
+        <a:schemeClr val="lt1"/>
+      </a:fontRef>
+    </dgm:style>
+  </dgm:styleLbl>
+  <dgm:styleLbl name="lnNode1">
+    <dgm:scene3d>
+      <a:camera prst="orthographicFront"/>
+      <a:lightRig rig="threePt" dir="t"/>
+    </dgm:scene3d>
+    <dgm:sp3d/>
+    <dgm:txPr/>
+    <dgm:style>
+      <a:lnRef idx="2">
+        <a:scrgbClr r="0" g="0" b="0"/>
+      </a:lnRef>
+      <a:fillRef idx="1">
+        <a:scrgbClr r="0" g="0" b="0"/>
+      </a:fillRef>
+      <a:effectRef idx="0">
+        <a:scrgbClr r="0" g="0" b="0"/>
+      </a:effectRef>
+      <a:fontRef idx="minor">
+        <a:schemeClr val="lt1"/>
+      </a:fontRef>
+    </dgm:style>
+  </dgm:styleLbl>
+  <dgm:styleLbl name="vennNode1">
+    <dgm:scene3d>
+      <a:camera prst="orthographicFront"/>
+      <a:lightRig rig="threePt" dir="t"/>
+    </dgm:scene3d>
+    <dgm:sp3d/>
+    <dgm:txPr/>
+    <dgm:style>
+      <a:lnRef idx="2">
+        <a:scrgbClr r="0" g="0" b="0"/>
+      </a:lnRef>
+      <a:fillRef idx="1">
+        <a:scrgbClr r="0" g="0" b="0"/>
+      </a:fillRef>
+      <a:effectRef idx="0">
+        <a:scrgbClr r="0" g="0" b="0"/>
+      </a:effectRef>
+      <a:fontRef idx="minor">
+        <a:schemeClr val="tx1"/>
+      </a:fontRef>
+    </dgm:style>
+  </dgm:styleLbl>
+  <dgm:styleLbl name="alignNode1">
+    <dgm:scene3d>
+      <a:camera prst="orthographicFront"/>
+      <a:lightRig rig="threePt" dir="t"/>
+    </dgm:scene3d>
+    <dgm:sp3d/>
+    <dgm:txPr/>
+    <dgm:style>
+      <a:lnRef idx="2">
+        <a:scrgbClr r="0" g="0" b="0"/>
+      </a:lnRef>
+      <a:fillRef idx="1">
+        <a:scrgbClr r="0" g="0" b="0"/>
+      </a:fillRef>
+      <a:effectRef idx="0">
+        <a:scrgbClr r="0" g="0" b="0"/>
+      </a:effectRef>
+      <a:fontRef idx="minor">
+        <a:schemeClr val="lt1"/>
+      </a:fontRef>
+    </dgm:style>
+  </dgm:styleLbl>
+  <dgm:styleLbl name="node1">
+    <dgm:scene3d>
+      <a:camera prst="orthographicFront"/>
+      <a:lightRig rig="threePt" dir="t"/>
+    </dgm:scene3d>
+    <dgm:sp3d/>
+    <dgm:txPr/>
+    <dgm:style>
+      <a:lnRef idx="2">
+        <a:scrgbClr r="0" g="0" b="0"/>
+      </a:lnRef>
+      <a:fillRef idx="1">
+        <a:scrgbClr r="0" g="0" b="0"/>
+      </a:fillRef>
+      <a:effectRef idx="0">
+        <a:scrgbClr r="0" g="0" b="0"/>
+      </a:effectRef>
+      <a:fontRef idx="minor">
+        <a:schemeClr val="lt1"/>
+      </a:fontRef>
+    </dgm:style>
+  </dgm:styleLbl>
+  <dgm:styleLbl name="node2">
+    <dgm:scene3d>
+      <a:camera prst="orthographicFront"/>
+      <a:lightRig rig="threePt" dir="t"/>
+    </dgm:scene3d>
+    <dgm:sp3d/>
+    <dgm:txPr/>
+    <dgm:style>
+      <a:lnRef idx="2">
+        <a:scrgbClr r="0" g="0" b="0"/>
+      </a:lnRef>
+      <a:fillRef idx="1">
+        <a:scrgbClr r="0" g="0" b="0"/>
+      </a:fillRef>
+      <a:effectRef idx="0">
+        <a:scrgbClr r="0" g="0" b="0"/>
+      </a:effectRef>
+      <a:fontRef idx="minor">
+        <a:schemeClr val="lt1"/>
+      </a:fontRef>
+    </dgm:style>
+  </dgm:styleLbl>
+  <dgm:styleLbl name="node3">
+    <dgm:scene3d>
+      <a:camera prst="orthographicFront"/>
+      <a:lightRig rig="threePt" dir="t"/>
+    </dgm:scene3d>
+    <dgm:sp3d/>
+    <dgm:txPr/>
+    <dgm:style>
+      <a:lnRef idx="2">
+        <a:scrgbClr r="0" g="0" b="0"/>
+      </a:lnRef>
+      <a:fillRef idx="1">
+        <a:scrgbClr r="0" g="0" b="0"/>
+      </a:fillRef>
+      <a:effectRef idx="0">
+        <a:scrgbClr r="0" g="0" b="0"/>
+      </a:effectRef>
+      <a:fontRef idx="minor">
+        <a:schemeClr val="lt1"/>
+      </a:fontRef>
+    </dgm:style>
+  </dgm:styleLbl>
+  <dgm:styleLbl name="node4">
+    <dgm:scene3d>
+      <a:camera prst="orthographicFront"/>
+      <a:lightRig rig="threePt" dir="t"/>
+    </dgm:scene3d>
+    <dgm:sp3d/>
+    <dgm:txPr/>
+    <dgm:style>
+      <a:lnRef idx="2">
+        <a:scrgbClr r="0" g="0" b="0"/>
+      </a:lnRef>
+      <a:fillRef idx="1">
+        <a:scrgbClr r="0" g="0" b="0"/>
+      </a:fillRef>
+      <a:effectRef idx="0">
+        <a:scrgbClr r="0" g="0" b="0"/>
+      </a:effectRef>
+      <a:fontRef idx="minor">
+        <a:schemeClr val="lt1"/>
+      </a:fontRef>
+    </dgm:style>
+  </dgm:styleLbl>
+  <dgm:styleLbl name="fgImgPlace1">
+    <dgm:scene3d>
+      <a:camera prst="orthographicFront"/>
+      <a:lightRig rig="threePt" dir="t"/>
+    </dgm:scene3d>
+    <dgm:sp3d/>
+    <dgm:txPr/>
+    <dgm:style>
+      <a:lnRef idx="2">
+        <a:scrgbClr r="0" g="0" b="0"/>
+      </a:lnRef>
+      <a:fillRef idx="1">
+        <a:scrgbClr r="0" g="0" b="0"/>
+      </a:fillRef>
+      <a:effectRef idx="0">
+        <a:scrgbClr r="0" g="0" b="0"/>
+      </a:effectRef>
+      <a:fontRef idx="minor"/>
+    </dgm:style>
+  </dgm:styleLbl>
+  <dgm:styleLbl name="alignImgPlace1">
+    <dgm:scene3d>
+      <a:camera prst="orthographicFront"/>
+      <a:lightRig rig="threePt" dir="t"/>
+    </dgm:scene3d>
+    <dgm:sp3d/>
+    <dgm:txPr/>
+    <dgm:style>
+      <a:lnRef idx="2">
+        <a:scrgbClr r="0" g="0" b="0"/>
+      </a:lnRef>
+      <a:fillRef idx="1">
+        <a:scrgbClr r="0" g="0" b="0"/>
+      </a:fillRef>
+      <a:effectRef idx="0">
+        <a:scrgbClr r="0" g="0" b="0"/>
+      </a:effectRef>
+      <a:fontRef idx="minor"/>
+    </dgm:style>
+  </dgm:styleLbl>
+  <dgm:styleLbl name="bgImgPlace1">
+    <dgm:scene3d>
+      <a:camera prst="orthographicFront"/>
+      <a:lightRig rig="threePt" dir="t"/>
+    </dgm:scene3d>
+    <dgm:sp3d/>
+    <dgm:txPr/>
+    <dgm:style>
+      <a:lnRef idx="2">
+        <a:scrgbClr r="0" g="0" b="0"/>
+      </a:lnRef>
+      <a:fillRef idx="1">
+        <a:scrgbClr r="0" g="0" b="0"/>
+      </a:fillRef>
+      <a:effectRef idx="0">
+        <a:scrgbClr r="0" g="0" b="0"/>
+      </a:effectRef>
+      <a:fontRef idx="minor"/>
+    </dgm:style>
+  </dgm:styleLbl>
+  <dgm:styleLbl name="sibTrans2D1">
+    <dgm:scene3d>
+      <a:camera prst="orthographicFront"/>
+      <a:lightRig rig="threePt" dir="t"/>
+    </dgm:scene3d>
+    <dgm:sp3d/>
+    <dgm:txPr/>
+    <dgm:style>
+      <a:lnRef idx="0">
+        <a:scrgbClr r="0" g="0" b="0"/>
+      </a:lnRef>
+      <a:fillRef idx="1">
+        <a:scrgbClr r="0" g="0" b="0"/>
+      </a:fillRef>
+      <a:effectRef idx="0">
+        <a:scrgbClr r="0" g="0" b="0"/>
+      </a:effectRef>
+      <a:fontRef idx="minor">
+        <a:schemeClr val="lt1"/>
+      </a:fontRef>
+    </dgm:style>
+  </dgm:styleLbl>
+  <dgm:styleLbl name="fgSibTrans2D1">
+    <dgm:scene3d>
+      <a:camera prst="orthographicFront"/>
+      <a:lightRig rig="threePt" dir="t"/>
+    </dgm:scene3d>
+    <dgm:sp3d/>
+    <dgm:txPr/>
+    <dgm:style>
+      <a:lnRef idx="0">
+        <a:scrgbClr r="0" g="0" b="0"/>
+      </a:lnRef>
+      <a:fillRef idx="1">
+        <a:scrgbClr r="0" g="0" b="0"/>
+      </a:fillRef>
+      <a:effectRef idx="0">
+        <a:scrgbClr r="0" g="0" b="0"/>
+      </a:effectRef>
+      <a:fontRef idx="minor">
+        <a:schemeClr val="lt1"/>
+      </a:fontRef>
+    </dgm:style>
+  </dgm:styleLbl>
+  <dgm:styleLbl name="bgSibTrans2D1">
+    <dgm:scene3d>
+      <a:camera prst="orthographicFront"/>
+      <a:lightRig rig="threePt" dir="t"/>
+    </dgm:scene3d>
+    <dgm:sp3d/>
+    <dgm:txPr/>
+    <dgm:style>
+      <a:lnRef idx="0">
+        <a:scrgbClr r="0" g="0" b="0"/>
+      </a:lnRef>
+      <a:fillRef idx="1">
+        <a:scrgbClr r="0" g="0" b="0"/>
+      </a:fillRef>
+      <a:effectRef idx="0">
+        <a:scrgbClr r="0" g="0" b="0"/>
+      </a:effectRef>
+      <a:fontRef idx="minor">
+        <a:schemeClr val="lt1"/>
+      </a:fontRef>
+    </dgm:style>
+  </dgm:styleLbl>
+  <dgm:styleLbl name="sibTrans1D1">
+    <dgm:scene3d>
+      <a:camera prst="orthographicFront"/>
+      <a:lightRig rig="threePt" dir="t"/>
+    </dgm:scene3d>
+    <dgm:sp3d/>
+    <dgm:txPr/>
+    <dgm:style>
+      <a:lnRef idx="1">
+        <a:scrgbClr r="0" g="0" b="0"/>
+      </a:lnRef>
+      <a:fillRef idx="0">
+        <a:scrgbClr r="0" g="0" b="0"/>
+      </a:fillRef>
+      <a:effectRef idx="0">
+        <a:scrgbClr r="0" g="0" b="0"/>
+      </a:effectRef>
+      <a:fontRef idx="minor"/>
+    </dgm:style>
+  </dgm:styleLbl>
+  <dgm:styleLbl name="callout">
+    <dgm:scene3d>
+      <a:camera prst="orthographicFront"/>
+      <a:lightRig rig="threePt" dir="t"/>
+    </dgm:scene3d>
+    <dgm:sp3d/>
+    <dgm:txPr/>
+    <dgm:style>
+      <a:lnRef idx="2">
+        <a:scrgbClr r="0" g="0" b="0"/>
+      </a:lnRef>
+      <a:fillRef idx="1">
+        <a:scrgbClr r="0" g="0" b="0"/>
+      </a:fillRef>
+      <a:effectRef idx="0">
+        <a:scrgbClr r="0" g="0" b="0"/>
+      </a:effectRef>
+      <a:fontRef idx="minor"/>
+    </dgm:style>
+  </dgm:styleLbl>
+  <dgm:styleLbl name="asst0">
+    <dgm:scene3d>
+      <a:camera prst="orthographicFront"/>
+      <a:lightRig rig="threePt" dir="t"/>
+    </dgm:scene3d>
+    <dgm:sp3d/>
+    <dgm:txPr/>
+    <dgm:style>
+      <a:lnRef idx="2">
+        <a:scrgbClr r="0" g="0" b="0"/>
+      </a:lnRef>
+      <a:fillRef idx="1">
+        <a:scrgbClr r="0" g="0" b="0"/>
+      </a:fillRef>
+      <a:effectRef idx="0">
+        <a:scrgbClr r="0" g="0" b="0"/>
+      </a:effectRef>
+      <a:fontRef idx="minor">
+        <a:schemeClr val="lt1"/>
+      </a:fontRef>
+    </dgm:style>
+  </dgm:styleLbl>
+  <dgm:styleLbl name="asst1">
+    <dgm:scene3d>
+      <a:camera prst="orthographicFront"/>
+      <a:lightRig rig="threePt" dir="t"/>
+    </dgm:scene3d>
+    <dgm:sp3d/>
+    <dgm:txPr/>
+    <dgm:style>
+      <a:lnRef idx="2">
+        <a:scrgbClr r="0" g="0" b="0"/>
+      </a:lnRef>
+      <a:fillRef idx="1">
+        <a:scrgbClr r="0" g="0" b="0"/>
+      </a:fillRef>
+      <a:effectRef idx="0">
+        <a:scrgbClr r="0" g="0" b="0"/>
+      </a:effectRef>
+      <a:fontRef idx="minor">
+        <a:schemeClr val="lt1"/>
+      </a:fontRef>
+    </dgm:style>
+  </dgm:styleLbl>
+  <dgm:styleLbl name="asst2">
+    <dgm:scene3d>
+      <a:camera prst="orthographicFront"/>
+      <a:lightRig rig="threePt" dir="t"/>
+    </dgm:scene3d>
+    <dgm:sp3d/>
+    <dgm:txPr/>
+    <dgm:style>
+      <a:lnRef idx="2">
+        <a:scrgbClr r="0" g="0" b="0"/>
+      </a:lnRef>
+      <a:fillRef idx="1">
+        <a:scrgbClr r="0" g="0" b="0"/>
+      </a:fillRef>
+      <a:effectRef idx="0">
+        <a:scrgbClr r="0" g="0" b="0"/>
+      </a:effectRef>
+      <a:fontRef idx="minor">
+        <a:schemeClr val="lt1"/>
+      </a:fontRef>
+    </dgm:style>
+  </dgm:styleLbl>
+  <dgm:styleLbl name="asst3">
+    <dgm:scene3d>
+      <a:camera prst="orthographicFront"/>
+      <a:lightRig rig="threePt" dir="t"/>
+    </dgm:scene3d>
+    <dgm:sp3d/>
+    <dgm:txPr/>
+    <dgm:style>
+      <a:lnRef idx="2">
+        <a:scrgbClr r="0" g="0" b="0"/>
+      </a:lnRef>
+      <a:fillRef idx="1">
+        <a:scrgbClr r="0" g="0" b="0"/>
+      </a:fillRef>
+      <a:effectRef idx="0">
+        <a:scrgbClr r="0" g="0" b="0"/>
+      </a:effectRef>
+      <a:fontRef idx="minor">
+        <a:schemeClr val="lt1"/>
+      </a:fontRef>
+    </dgm:style>
+  </dgm:styleLbl>
+  <dgm:styleLbl name="asst4">
+    <dgm:scene3d>
+      <a:camera prst="orthographicFront"/>
+      <a:lightRig rig="threePt" dir="t"/>
+    </dgm:scene3d>
+    <dgm:sp3d/>
+    <dgm:txPr/>
+    <dgm:style>
+      <a:lnRef idx="2">
+        <a:scrgbClr r="0" g="0" b="0"/>
+      </a:lnRef>
+      <a:fillRef idx="1">
+        <a:scrgbClr r="0" g="0" b="0"/>
+      </a:fillRef>
+      <a:effectRef idx="0">
+        <a:scrgbClr r="0" g="0" b="0"/>
+      </a:effectRef>
+      <a:fontRef idx="minor">
+        <a:schemeClr val="lt1"/>
+      </a:fontRef>
+    </dgm:style>
+  </dgm:styleLbl>
+  <dgm:styleLbl name="parChTrans2D1">
+    <dgm:scene3d>
+      <a:camera prst="orthographicFront"/>
+      <a:lightRig rig="threePt" dir="t"/>
+    </dgm:scene3d>
+    <dgm:sp3d/>
+    <dgm:txPr/>
+    <dgm:style>
+      <a:lnRef idx="2">
+        <a:scrgbClr r="0" g="0" b="0"/>
+      </a:lnRef>
+      <a:fillRef idx="1">
+        <a:scrgbClr r="0" g="0" b="0"/>
+      </a:fillRef>
+      <a:effectRef idx="0">
+        <a:scrgbClr r="0" g="0" b="0"/>
+      </a:effectRef>
+      <a:fontRef idx="minor">
+        <a:schemeClr val="lt1"/>
+      </a:fontRef>
+    </dgm:style>
+  </dgm:styleLbl>
+  <dgm:styleLbl name="parChTrans2D2">
+    <dgm:scene3d>
+      <a:camera prst="orthographicFront"/>
+      <a:lightRig rig="threePt" dir="t"/>
+    </dgm:scene3d>
+    <dgm:sp3d/>
+    <dgm:txPr/>
+    <dgm:style>
+      <a:lnRef idx="2">
+        <a:scrgbClr r="0" g="0" b="0"/>
+      </a:lnRef>
+      <a:fillRef idx="1">
+        <a:scrgbClr r="0" g="0" b="0"/>
+      </a:fillRef>
+      <a:effectRef idx="0">
+        <a:scrgbClr r="0" g="0" b="0"/>
+      </a:effectRef>
+      <a:fontRef idx="minor">
+        <a:schemeClr val="lt1"/>
+      </a:fontRef>
+    </dgm:style>
+  </dgm:styleLbl>
+  <dgm:styleLbl name="parChTrans2D3">
+    <dgm:scene3d>
+      <a:camera prst="orthographicFront"/>
+      <a:lightRig rig="threePt" dir="t"/>
+    </dgm:scene3d>
+    <dgm:sp3d/>
+    <dgm:txPr/>
+    <dgm:style>
+      <a:lnRef idx="2">
+        <a:scrgbClr r="0" g="0" b="0"/>
+      </a:lnRef>
+      <a:fillRef idx="1">
+        <a:scrgbClr r="0" g="0" b="0"/>
+      </a:fillRef>
+      <a:effectRef idx="0">
+        <a:scrgbClr r="0" g="0" b="0"/>
+      </a:effectRef>
+      <a:fontRef idx="minor">
+        <a:schemeClr val="lt1"/>
+      </a:fontRef>
+    </dgm:style>
+  </dgm:styleLbl>
+  <dgm:styleLbl name="parChTrans2D4">
+    <dgm:scene3d>
+      <a:camera prst="orthographicFront"/>
+      <a:lightRig rig="threePt" dir="t"/>
+    </dgm:scene3d>
+    <dgm:sp3d/>
+    <dgm:txPr/>
+    <dgm:style>
+      <a:lnRef idx="2">
+        <a:scrgbClr r="0" g="0" b="0"/>
+      </a:lnRef>
+      <a:fillRef idx="1">
+        <a:scrgbClr r="0" g="0" b="0"/>
+      </a:fillRef>
+      <a:effectRef idx="0">
+        <a:scrgbClr r="0" g="0" b="0"/>
+      </a:effectRef>
+      <a:fontRef idx="minor">
+        <a:schemeClr val="lt1"/>
+      </a:fontRef>
+    </dgm:style>
+  </dgm:styleLbl>
+  <dgm:styleLbl name="parChTrans1D1">
+    <dgm:scene3d>
+      <a:camera prst="orthographicFront"/>
+      <a:lightRig rig="threePt" dir="t"/>
+    </dgm:scene3d>
+    <dgm:sp3d/>
+    <dgm:txPr/>
+    <dgm:style>
+      <a:lnRef idx="2">
+        <a:scrgbClr r="0" g="0" b="0"/>
+      </a:lnRef>
+      <a:fillRef idx="0">
+        <a:scrgbClr r="0" g="0" b="0"/>
+      </a:fillRef>
+      <a:effectRef idx="0">
+        <a:scrgbClr r="0" g="0" b="0"/>
+      </a:effectRef>
+      <a:fontRef idx="minor"/>
+    </dgm:style>
+  </dgm:styleLbl>
+  <dgm:styleLbl name="parChTrans1D2">
+    <dgm:scene3d>
+      <a:camera prst="orthographicFront"/>
+      <a:lightRig rig="threePt" dir="t"/>
+    </dgm:scene3d>
+    <dgm:sp3d/>
+    <dgm:txPr/>
+    <dgm:style>
+      <a:lnRef idx="2">
+        <a:scrgbClr r="0" g="0" b="0"/>
+      </a:lnRef>
+      <a:fillRef idx="0">
+        <a:scrgbClr r="0" g="0" b="0"/>
+      </a:fillRef>
+      <a:effectRef idx="0">
+        <a:scrgbClr r="0" g="0" b="0"/>
+      </a:effectRef>
+      <a:fontRef idx="minor"/>
+    </dgm:style>
+  </dgm:styleLbl>
+  <dgm:styleLbl name="parChTrans1D3">
+    <dgm:scene3d>
+      <a:camera prst="orthographicFront"/>
+      <a:lightRig rig="threePt" dir="t"/>
+    </dgm:scene3d>
+    <dgm:sp3d/>
+    <dgm:txPr/>
+    <dgm:style>
+      <a:lnRef idx="2">
+        <a:scrgbClr r="0" g="0" b="0"/>
+      </a:lnRef>
+      <a:fillRef idx="0">
+        <a:scrgbClr r="0" g="0" b="0"/>
+      </a:fillRef>
+      <a:effectRef idx="0">
+        <a:scrgbClr r="0" g="0" b="0"/>
+      </a:effectRef>
+      <a:fontRef idx="minor"/>
+    </dgm:style>
+  </dgm:styleLbl>
+  <dgm:styleLbl name="parChTrans1D4">
+    <dgm:scene3d>
+      <a:camera prst="orthographicFront"/>
+      <a:lightRig rig="threePt" dir="t"/>
+    </dgm:scene3d>
+    <dgm:sp3d/>
+    <dgm:txPr/>
+    <dgm:style>
+      <a:lnRef idx="2">
+        <a:scrgbClr r="0" g="0" b="0"/>
+      </a:lnRef>
+      <a:fillRef idx="0">
+        <a:scrgbClr r="0" g="0" b="0"/>
+      </a:fillRef>
+      <a:effectRef idx="0">
+        <a:scrgbClr r="0" g="0" b="0"/>
+      </a:effectRef>
+      <a:fontRef idx="minor"/>
+    </dgm:style>
+  </dgm:styleLbl>
+  <dgm:styleLbl name="fgAcc1">
+    <dgm:scene3d>
+      <a:camera prst="orthographicFront"/>
+      <a:lightRig rig="threePt" dir="t"/>
+    </dgm:scene3d>
+    <dgm:sp3d/>
+    <dgm:txPr/>
+    <dgm:style>
+      <a:lnRef idx="2">
+        <a:scrgbClr r="0" g="0" b="0"/>
+      </a:lnRef>
+      <a:fillRef idx="1">
+        <a:scrgbClr r="0" g="0" b="0"/>
+      </a:fillRef>
+      <a:effectRef idx="0">
+        <a:scrgbClr r="0" g="0" b="0"/>
+      </a:effectRef>
+      <a:fontRef idx="minor"/>
+    </dgm:style>
+  </dgm:styleLbl>
+  <dgm:styleLbl name="conFgAcc1">
+    <dgm:scene3d>
+      <a:camera prst="orthographicFront"/>
+      <a:lightRig rig="threePt" dir="t"/>
+    </dgm:scene3d>
+    <dgm:sp3d/>
+    <dgm:txPr/>
+    <dgm:style>
+      <a:lnRef idx="2">
+        <a:scrgbClr r="0" g="0" b="0"/>
+      </a:lnRef>
+      <a:fillRef idx="1">
+        <a:scrgbClr r="0" g="0" b="0"/>
+      </a:fillRef>
+      <a:effectRef idx="0">
+        <a:scrgbClr r="0" g="0" b="0"/>
+      </a:effectRef>
+      <a:fontRef idx="minor"/>
+    </dgm:style>
+  </dgm:styleLbl>
+  <dgm:styleLbl name="alignAcc1">
+    <dgm:scene3d>
+      <a:camera prst="orthographicFront"/>
+      <a:lightRig rig="threePt" dir="t"/>
+    </dgm:scene3d>
+    <dgm:sp3d/>
+    <dgm:txPr/>
+    <dgm:style>
+      <a:lnRef idx="2">
+        <a:scrgbClr r="0" g="0" b="0"/>
+      </a:lnRef>
+      <a:fillRef idx="1">
+        <a:scrgbClr r="0" g="0" b="0"/>
+      </a:fillRef>
+      <a:effectRef idx="0">
+        <a:scrgbClr r="0" g="0" b="0"/>
+      </a:effectRef>
+      <a:fontRef idx="minor"/>
+    </dgm:style>
+  </dgm:styleLbl>
+  <dgm:styleLbl name="trAlignAcc1">
+    <dgm:scene3d>
+      <a:camera prst="orthographicFront"/>
+      <a:lightRig rig="threePt" dir="t"/>
+    </dgm:scene3d>
+    <dgm:sp3d/>
+    <dgm:txPr/>
+    <dgm:style>
+      <a:lnRef idx="1">
+        <a:scrgbClr r="0" g="0" b="0"/>
+      </a:lnRef>
+      <a:fillRef idx="1">
+        <a:scrgbClr r="0" g="0" b="0"/>
+      </a:fillRef>
+      <a:effectRef idx="0">
+        <a:scrgbClr r="0" g="0" b="0"/>
+      </a:effectRef>
+      <a:fontRef idx="minor"/>
+    </dgm:style>
+  </dgm:styleLbl>
+  <dgm:styleLbl name="bgAcc1">
+    <dgm:scene3d>
+      <a:camera prst="orthographicFront"/>
+      <a:lightRig rig="threePt" dir="t"/>
+    </dgm:scene3d>
+    <dgm:sp3d/>
+    <dgm:txPr/>
+    <dgm:style>
+      <a:lnRef idx="2">
+        <a:scrgbClr r="0" g="0" b="0"/>
+      </a:lnRef>
+      <a:fillRef idx="1">
+        <a:scrgbClr r="0" g="0" b="0"/>
+      </a:fillRef>
+      <a:effectRef idx="0">
+        <a:scrgbClr r="0" g="0" b="0"/>
+      </a:effectRef>
+      <a:fontRef idx="minor"/>
+    </dgm:style>
+  </dgm:styleLbl>
+  <dgm:styleLbl name="solidFgAcc1">
+    <dgm:scene3d>
+      <a:camera prst="orthographicFront"/>
+      <a:lightRig rig="threePt" dir="t"/>
+    </dgm:scene3d>
+    <dgm:sp3d/>
+    <dgm:txPr/>
+    <dgm:style>
+      <a:lnRef idx="2">
+        <a:scrgbClr r="0" g="0" b="0"/>
+      </a:lnRef>
+      <a:fillRef idx="1">
+        <a:scrgbClr r="0" g="0" b="0"/>
+      </a:fillRef>
+      <a:effectRef idx="0">
+        <a:scrgbClr r="0" g="0" b="0"/>
+      </a:effectRef>
+      <a:fontRef idx="minor"/>
+    </dgm:style>
+  </dgm:styleLbl>
+  <dgm:styleLbl name="solidAlignAcc1">
+    <dgm:scene3d>
+      <a:camera prst="orthographicFront"/>
+      <a:lightRig rig="threePt" dir="t"/>
+    </dgm:scene3d>
+    <dgm:sp3d/>
+    <dgm:txPr/>
+    <dgm:style>
+      <a:lnRef idx="2">
+        <a:scrgbClr r="0" g="0" b="0"/>
+      </a:lnRef>
+      <a:fillRef idx="1">
+        <a:scrgbClr r="0" g="0" b="0"/>
+      </a:fillRef>
+      <a:effectRef idx="0">
+        <a:scrgbClr r="0" g="0" b="0"/>
+      </a:effectRef>
+      <a:fontRef idx="minor"/>
+    </dgm:style>
+  </dgm:styleLbl>
+  <dgm:styleLbl name="solidBgAcc1">
+    <dgm:scene3d>
+      <a:camera prst="orthographicFront"/>
+      <a:lightRig rig="threePt" dir="t"/>
+    </dgm:scene3d>
+    <dgm:sp3d/>
+    <dgm:txPr/>
+    <dgm:style>
+      <a:lnRef idx="2">
+        <a:scrgbClr r="0" g="0" b="0"/>
+      </a:lnRef>
+      <a:fillRef idx="1">
+        <a:scrgbClr r="0" g="0" b="0"/>
+      </a:fillRef>
+      <a:effectRef idx="0">
+        <a:scrgbClr r="0" g="0" b="0"/>
+      </a:effectRef>
+      <a:fontRef idx="minor"/>
+    </dgm:style>
+  </dgm:styleLbl>
+  <dgm:styleLbl name="fgAccFollowNode1">
+    <dgm:scene3d>
+      <a:camera prst="orthographicFront"/>
+      <a:lightRig rig="threePt" dir="t"/>
+    </dgm:scene3d>
+    <dgm:sp3d/>
+    <dgm:txPr/>
+    <dgm:style>
+      <a:lnRef idx="2">
+        <a:scrgbClr r="0" g="0" b="0"/>
+      </a:lnRef>
+      <a:fillRef idx="1">
+        <a:scrgbClr r="0" g="0" b="0"/>
+      </a:fillRef>
+      <a:effectRef idx="0">
+        <a:scrgbClr r="0" g="0" b="0"/>
+      </a:effectRef>
+      <a:fontRef idx="minor"/>
+    </dgm:style>
+  </dgm:styleLbl>
+  <dgm:styleLbl name="alignAccFollowNode1">
+    <dgm:scene3d>
+      <a:camera prst="orthographicFront"/>
+      <a:lightRig rig="threePt" dir="t"/>
+    </dgm:scene3d>
+    <dgm:sp3d/>
+    <dgm:txPr/>
+    <dgm:style>
+      <a:lnRef idx="2">
+        <a:scrgbClr r="0" g="0" b="0"/>
+      </a:lnRef>
+      <a:fillRef idx="1">
+        <a:scrgbClr r="0" g="0" b="0"/>
+      </a:fillRef>
+      <a:effectRef idx="0">
+        <a:scrgbClr r="0" g="0" b="0"/>
+      </a:effectRef>
+      <a:fontRef idx="minor"/>
+    </dgm:style>
+  </dgm:styleLbl>
+  <dgm:styleLbl name="bgAccFollowNode1">
+    <dgm:scene3d>
+      <a:camera prst="orthographicFront"/>
+      <a:lightRig rig="threePt" dir="t"/>
+    </dgm:scene3d>
+    <dgm:sp3d/>
+    <dgm:txPr/>
+    <dgm:style>
+      <a:lnRef idx="2">
+        <a:scrgbClr r="0" g="0" b="0"/>
+      </a:lnRef>
+      <a:fillRef idx="1">
+        <a:scrgbClr r="0" g="0" b="0"/>
+      </a:fillRef>
+      <a:effectRef idx="0">
+        <a:scrgbClr r="0" g="0" b="0"/>
+      </a:effectRef>
+      <a:fontRef idx="minor"/>
+    </dgm:style>
+  </dgm:styleLbl>
+  <dgm:styleLbl name="fgAcc0">
+    <dgm:scene3d>
+      <a:camera prst="orthographicFront"/>
+      <a:lightRig rig="threePt" dir="t"/>
+    </dgm:scene3d>
+    <dgm:sp3d/>
+    <dgm:txPr/>
+    <dgm:style>
+      <a:lnRef idx="2">
+        <a:scrgbClr r="0" g="0" b="0"/>
+      </a:lnRef>
+      <a:fillRef idx="1">
+        <a:scrgbClr r="0" g="0" b="0"/>
+      </a:fillRef>
+      <a:effectRef idx="0">
+        <a:scrgbClr r="0" g="0" b="0"/>
+      </a:effectRef>
+      <a:fontRef idx="minor"/>
+    </dgm:style>
+  </dgm:styleLbl>
+  <dgm:styleLbl name="fgAcc2">
+    <dgm:scene3d>
+      <a:camera prst="orthographicFront"/>
+      <a:lightRig rig="threePt" dir="t"/>
+    </dgm:scene3d>
+    <dgm:sp3d/>
+    <dgm:txPr/>
+    <dgm:style>
+      <a:lnRef idx="2">
+        <a:scrgbClr r="0" g="0" b="0"/>
+      </a:lnRef>
+      <a:fillRef idx="1">
+        <a:scrgbClr r="0" g="0" b="0"/>
+      </a:fillRef>
+      <a:effectRef idx="0">
+        <a:scrgbClr r="0" g="0" b="0"/>
+      </a:effectRef>
+      <a:fontRef idx="minor"/>
+    </dgm:style>
+  </dgm:styleLbl>
+  <dgm:styleLbl name="fgAcc3">
+    <dgm:scene3d>
+      <a:camera prst="orthographicFront"/>
+      <a:lightRig rig="threePt" dir="t"/>
+    </dgm:scene3d>
+    <dgm:sp3d/>
+    <dgm:txPr/>
+    <dgm:style>
+      <a:lnRef idx="2">
+        <a:scrgbClr r="0" g="0" b="0"/>
+      </a:lnRef>
+      <a:fillRef idx="1">
+        <a:scrgbClr r="0" g="0" b="0"/>
+      </a:fillRef>
+      <a:effectRef idx="0">
+        <a:scrgbClr r="0" g="0" b="0"/>
+      </a:effectRef>
+      <a:fontRef idx="minor"/>
+    </dgm:style>
+  </dgm:styleLbl>
+  <dgm:styleLbl name="fgAcc4">
+    <dgm:scene3d>
+      <a:camera prst="orthographicFront"/>
+      <a:lightRig rig="threePt" dir="t"/>
+    </dgm:scene3d>
+    <dgm:sp3d/>
+    <dgm:txPr/>
+    <dgm:style>
+      <a:lnRef idx="2">
+        <a:scrgbClr r="0" g="0" b="0"/>
+      </a:lnRef>
+      <a:fillRef idx="1">
+        <a:scrgbClr r="0" g="0" b="0"/>
+      </a:fillRef>
+      <a:effectRef idx="0">
+        <a:scrgbClr r="0" g="0" b="0"/>
+      </a:effectRef>
+      <a:fontRef idx="minor"/>
+    </dgm:style>
+  </dgm:styleLbl>
+  <dgm:styleLbl name="bgShp">
+    <dgm:scene3d>
+      <a:camera prst="orthographicFront"/>
+      <a:lightRig rig="threePt" dir="t"/>
+    </dgm:scene3d>
+    <dgm:sp3d/>
+    <dgm:txPr/>
+    <dgm:style>
+      <a:lnRef idx="0">
+        <a:scrgbClr r="0" g="0" b="0"/>
+      </a:lnRef>
+      <a:fillRef idx="1">
+        <a:scrgbClr r="0" g="0" b="0"/>
+      </a:fillRef>
+      <a:effectRef idx="0">
+        <a:scrgbClr r="0" g="0" b="0"/>
+      </a:effectRef>
+      <a:fontRef idx="minor"/>
+    </dgm:style>
+  </dgm:styleLbl>
+  <dgm:styleLbl name="dkBgShp">
+    <dgm:scene3d>
+      <a:camera prst="orthographicFront"/>
+      <a:lightRig rig="threePt" dir="t"/>
+    </dgm:scene3d>
+    <dgm:sp3d/>
+    <dgm:txPr/>
+    <dgm:style>
+      <a:lnRef idx="0">
+        <a:scrgbClr r="0" g="0" b="0"/>
+      </a:lnRef>
+      <a:fillRef idx="1">
+        <a:scrgbClr r="0" g="0" b="0"/>
+      </a:fillRef>
+      <a:effectRef idx="0">
+        <a:scrgbClr r="0" g="0" b="0"/>
+      </a:effectRef>
+      <a:fontRef idx="minor"/>
+    </dgm:style>
+  </dgm:styleLbl>
+  <dgm:styleLbl name="trBgShp">
+    <dgm:scene3d>
+      <a:camera prst="orthographicFront"/>
+      <a:lightRig rig="threePt" dir="t"/>
+    </dgm:scene3d>
+    <dgm:sp3d/>
+    <dgm:txPr/>
+    <dgm:style>
+      <a:lnRef idx="0">
+        <a:scrgbClr r="0" g="0" b="0"/>
+      </a:lnRef>
+      <a:fillRef idx="1">
+        <a:scrgbClr r="0" g="0" b="0"/>
+      </a:fillRef>
+      <a:effectRef idx="0">
+        <a:scrgbClr r="0" g="0" b="0"/>
+      </a:effectRef>
+      <a:fontRef idx="minor"/>
+    </dgm:style>
+  </dgm:styleLbl>
+  <dgm:styleLbl name="fgShp">
+    <dgm:scene3d>
+      <a:camera prst="orthographicFront"/>
+      <a:lightRig rig="threePt" dir="t"/>
+    </dgm:scene3d>
+    <dgm:sp3d/>
+    <dgm:txPr/>
+    <dgm:style>
+      <a:lnRef idx="2">
+        <a:scrgbClr r="0" g="0" b="0"/>
+      </a:lnRef>
+      <a:fillRef idx="1">
+        <a:scrgbClr r="0" g="0" b="0"/>
+      </a:fillRef>
+      <a:effectRef idx="0">
+        <a:scrgbClr r="0" g="0" b="0"/>
+      </a:effectRef>
+      <a:fontRef idx="minor"/>
+    </dgm:style>
+  </dgm:styleLbl>
+  <dgm:styleLbl name="revTx">
+    <dgm:scene3d>
+      <a:camera prst="orthographicFront"/>
+      <a:lightRig rig="threePt" dir="t"/>
+    </dgm:scene3d>
+    <dgm:sp3d/>
+    <dgm:txPr/>
+    <dgm:style>
+      <a:lnRef idx="0">
+        <a:scrgbClr r="0" g="0" b="0"/>
+      </a:lnRef>
+      <a:fillRef idx="0">
+        <a:scrgbClr r="0" g="0" b="0"/>
+      </a:fillRef>
+      <a:effectRef idx="0">
+        <a:scrgbClr r="0" g="0" b="0"/>
+      </a:effectRef>
+      <a:fontRef idx="minor"/>
+    </dgm:style>
+  </dgm:styleLbl>
+</dgm:styleDef>
+</file>
+
+<file path=ppt/diagrams/quickStyle2.xml><?xml version="1.0" encoding="utf-8"?>
+<dgm:styleDef xmlns:dgm="http://schemas.openxmlformats.org/drawingml/2006/diagram" xmlns:a="http://schemas.openxmlformats.org/drawingml/2006/main" uniqueId="urn:microsoft.com/office/officeart/2005/8/quickstyle/simple1">
+  <dgm:title val=""/>
+  <dgm:desc val=""/>
+  <dgm:catLst>
+    <dgm:cat type="simple" pri="10100"/>
+  </dgm:catLst>
+  <dgm:scene3d>
+    <a:camera prst="orthographicFront"/>
+    <a:lightRig rig="threePt" dir="t"/>
+  </dgm:scene3d>
+  <dgm:styleLbl name="node0">
+    <dgm:scene3d>
+      <a:camera prst="orthographicFront"/>
+      <a:lightRig rig="threePt" dir="t"/>
+    </dgm:scene3d>
+    <dgm:sp3d/>
+    <dgm:txPr/>
+    <dgm:style>
+      <a:lnRef idx="2">
+        <a:scrgbClr r="0" g="0" b="0"/>
+      </a:lnRef>
+      <a:fillRef idx="1">
+        <a:scrgbClr r="0" g="0" b="0"/>
+      </a:fillRef>
+      <a:effectRef idx="0">
+        <a:scrgbClr r="0" g="0" b="0"/>
+      </a:effectRef>
+      <a:fontRef idx="minor">
+        <a:schemeClr val="lt1"/>
+      </a:fontRef>
+    </dgm:style>
+  </dgm:styleLbl>
+  <dgm:styleLbl name="lnNode1">
+    <dgm:scene3d>
+      <a:camera prst="orthographicFront"/>
+      <a:lightRig rig="threePt" dir="t"/>
+    </dgm:scene3d>
+    <dgm:sp3d/>
+    <dgm:txPr/>
+    <dgm:style>
+      <a:lnRef idx="2">
+        <a:scrgbClr r="0" g="0" b="0"/>
+      </a:lnRef>
+      <a:fillRef idx="1">
+        <a:scrgbClr r="0" g="0" b="0"/>
+      </a:fillRef>
+      <a:effectRef idx="0">
+        <a:scrgbClr r="0" g="0" b="0"/>
+      </a:effectRef>
+      <a:fontRef idx="minor">
+        <a:schemeClr val="lt1"/>
+      </a:fontRef>
+    </dgm:style>
+  </dgm:styleLbl>
+  <dgm:styleLbl name="vennNode1">
+    <dgm:scene3d>
+      <a:camera prst="orthographicFront"/>
+      <a:lightRig rig="threePt" dir="t"/>
+    </dgm:scene3d>
+    <dgm:sp3d/>
+    <dgm:txPr/>
+    <dgm:style>
+      <a:lnRef idx="2">
+        <a:scrgbClr r="0" g="0" b="0"/>
+      </a:lnRef>
+      <a:fillRef idx="1">
+        <a:scrgbClr r="0" g="0" b="0"/>
+      </a:fillRef>
+      <a:effectRef idx="0">
+        <a:scrgbClr r="0" g="0" b="0"/>
+      </a:effectRef>
+      <a:fontRef idx="minor">
+        <a:schemeClr val="tx1"/>
+      </a:fontRef>
+    </dgm:style>
+  </dgm:styleLbl>
+  <dgm:styleLbl name="alignNode1">
+    <dgm:scene3d>
+      <a:camera prst="orthographicFront"/>
+      <a:lightRig rig="threePt" dir="t"/>
+    </dgm:scene3d>
+    <dgm:sp3d/>
+    <dgm:txPr/>
+    <dgm:style>
+      <a:lnRef idx="2">
+        <a:scrgbClr r="0" g="0" b="0"/>
+      </a:lnRef>
+      <a:fillRef idx="1">
+        <a:scrgbClr r="0" g="0" b="0"/>
+      </a:fillRef>
+      <a:effectRef idx="0">
+        <a:scrgbClr r="0" g="0" b="0"/>
+      </a:effectRef>
+      <a:fontRef idx="minor">
+        <a:schemeClr val="lt1"/>
+      </a:fontRef>
+    </dgm:style>
+  </dgm:styleLbl>
+  <dgm:styleLbl name="node1">
+    <dgm:scene3d>
+      <a:camera prst="orthographicFront"/>
+      <a:lightRig rig="threePt" dir="t"/>
+    </dgm:scene3d>
+    <dgm:sp3d/>
+    <dgm:txPr/>
+    <dgm:style>
+      <a:lnRef idx="2">
+        <a:scrgbClr r="0" g="0" b="0"/>
+      </a:lnRef>
+      <a:fillRef idx="1">
+        <a:scrgbClr r="0" g="0" b="0"/>
+      </a:fillRef>
+      <a:effectRef idx="0">
+        <a:scrgbClr r="0" g="0" b="0"/>
+      </a:effectRef>
+      <a:fontRef idx="minor">
+        <a:schemeClr val="lt1"/>
+      </a:fontRef>
+    </dgm:style>
+  </dgm:styleLbl>
+  <dgm:styleLbl name="node2">
+    <dgm:scene3d>
+      <a:camera prst="orthographicFront"/>
+      <a:lightRig rig="threePt" dir="t"/>
+    </dgm:scene3d>
+    <dgm:sp3d/>
+    <dgm:txPr/>
+    <dgm:style>
+      <a:lnRef idx="2">
+        <a:scrgbClr r="0" g="0" b="0"/>
+      </a:lnRef>
+      <a:fillRef idx="1">
+        <a:scrgbClr r="0" g="0" b="0"/>
+      </a:fillRef>
+      <a:effectRef idx="0">
+        <a:scrgbClr r="0" g="0" b="0"/>
+      </a:effectRef>
+      <a:fontRef idx="minor">
+        <a:schemeClr val="lt1"/>
+      </a:fontRef>
+    </dgm:style>
+  </dgm:styleLbl>
+  <dgm:styleLbl name="node3">
+    <dgm:scene3d>
+      <a:camera prst="orthographicFront"/>
+      <a:lightRig rig="threePt" dir="t"/>
+    </dgm:scene3d>
+    <dgm:sp3d/>
+    <dgm:txPr/>
+    <dgm:style>
+      <a:lnRef idx="2">
+        <a:scrgbClr r="0" g="0" b="0"/>
+      </a:lnRef>
+      <a:fillRef idx="1">
+        <a:scrgbClr r="0" g="0" b="0"/>
+      </a:fillRef>
+      <a:effectRef idx="0">
+        <a:scrgbClr r="0" g="0" b="0"/>
+      </a:effectRef>
+      <a:fontRef idx="minor">
+        <a:schemeClr val="lt1"/>
+      </a:fontRef>
+    </dgm:style>
+  </dgm:styleLbl>
+  <dgm:styleLbl name="node4">
+    <dgm:scene3d>
+      <a:camera prst="orthographicFront"/>
+      <a:lightRig rig="threePt" dir="t"/>
+    </dgm:scene3d>
+    <dgm:sp3d/>
+    <dgm:txPr/>
+    <dgm:style>
+      <a:lnRef idx="2">
+        <a:scrgbClr r="0" g="0" b="0"/>
+      </a:lnRef>
+      <a:fillRef idx="1">
+        <a:scrgbClr r="0" g="0" b="0"/>
+      </a:fillRef>
+      <a:effectRef idx="0">
+        <a:scrgbClr r="0" g="0" b="0"/>
+      </a:effectRef>
+      <a:fontRef idx="minor">
+        <a:schemeClr val="lt1"/>
+      </a:fontRef>
+    </dgm:style>
+  </dgm:styleLbl>
+  <dgm:styleLbl name="fgImgPlace1">
+    <dgm:scene3d>
+      <a:camera prst="orthographicFront"/>
+      <a:lightRig rig="threePt" dir="t"/>
+    </dgm:scene3d>
+    <dgm:sp3d/>
+    <dgm:txPr/>
+    <dgm:style>
+      <a:lnRef idx="2">
+        <a:scrgbClr r="0" g="0" b="0"/>
+      </a:lnRef>
+      <a:fillRef idx="1">
+        <a:scrgbClr r="0" g="0" b="0"/>
+      </a:fillRef>
+      <a:effectRef idx="0">
+        <a:scrgbClr r="0" g="0" b="0"/>
+      </a:effectRef>
+      <a:fontRef idx="minor"/>
+    </dgm:style>
+  </dgm:styleLbl>
+  <dgm:styleLbl name="alignImgPlace1">
+    <dgm:scene3d>
+      <a:camera prst="orthographicFront"/>
+      <a:lightRig rig="threePt" dir="t"/>
+    </dgm:scene3d>
+    <dgm:sp3d/>
+    <dgm:txPr/>
+    <dgm:style>
+      <a:lnRef idx="2">
+        <a:scrgbClr r="0" g="0" b="0"/>
+      </a:lnRef>
+      <a:fillRef idx="1">
+        <a:scrgbClr r="0" g="0" b="0"/>
+      </a:fillRef>
+      <a:effectRef idx="0">
+        <a:scrgbClr r="0" g="0" b="0"/>
+      </a:effectRef>
+      <a:fontRef idx="minor"/>
+    </dgm:style>
+  </dgm:styleLbl>
+  <dgm:styleLbl name="bgImgPlace1">
+    <dgm:scene3d>
+      <a:camera prst="orthographicFront"/>
+      <a:lightRig rig="threePt" dir="t"/>
+    </dgm:scene3d>
+    <dgm:sp3d/>
+    <dgm:txPr/>
+    <dgm:style>
+      <a:lnRef idx="2">
+        <a:scrgbClr r="0" g="0" b="0"/>
+      </a:lnRef>
+      <a:fillRef idx="1">
+        <a:scrgbClr r="0" g="0" b="0"/>
+      </a:fillRef>
+      <a:effectRef idx="0">
+        <a:scrgbClr r="0" g="0" b="0"/>
+      </a:effectRef>
+      <a:fontRef idx="minor"/>
+    </dgm:style>
+  </dgm:styleLbl>
+  <dgm:styleLbl name="sibTrans2D1">
+    <dgm:scene3d>
+      <a:camera prst="orthographicFront"/>
+      <a:lightRig rig="threePt" dir="t"/>
+    </dgm:scene3d>
+    <dgm:sp3d/>
+    <dgm:txPr/>
+    <dgm:style>
+      <a:lnRef idx="0">
+        <a:scrgbClr r="0" g="0" b="0"/>
+      </a:lnRef>
+      <a:fillRef idx="1">
+        <a:scrgbClr r="0" g="0" b="0"/>
+      </a:fillRef>
+      <a:effectRef idx="0">
+        <a:scrgbClr r="0" g="0" b="0"/>
+      </a:effectRef>
+      <a:fontRef idx="minor">
+        <a:schemeClr val="lt1"/>
+      </a:fontRef>
+    </dgm:style>
+  </dgm:styleLbl>
+  <dgm:styleLbl name="fgSibTrans2D1">
+    <dgm:scene3d>
+      <a:camera prst="orthographicFront"/>
+      <a:lightRig rig="threePt" dir="t"/>
+    </dgm:scene3d>
+    <dgm:sp3d/>
+    <dgm:txPr/>
+    <dgm:style>
+      <a:lnRef idx="0">
+        <a:scrgbClr r="0" g="0" b="0"/>
+      </a:lnRef>
+      <a:fillRef idx="1">
+        <a:scrgbClr r="0" g="0" b="0"/>
+      </a:fillRef>
+      <a:effectRef idx="0">
+        <a:scrgbClr r="0" g="0" b="0"/>
+      </a:effectRef>
+      <a:fontRef idx="minor">
+        <a:schemeClr val="lt1"/>
+      </a:fontRef>
+    </dgm:style>
+  </dgm:styleLbl>
+  <dgm:styleLbl name="bgSibTrans2D1">
+    <dgm:scene3d>
+      <a:camera prst="orthographicFront"/>
+      <a:lightRig rig="threePt" dir="t"/>
+    </dgm:scene3d>
+    <dgm:sp3d/>
+    <dgm:txPr/>
+    <dgm:style>
+      <a:lnRef idx="0">
+        <a:scrgbClr r="0" g="0" b="0"/>
+      </a:lnRef>
+      <a:fillRef idx="1">
+        <a:scrgbClr r="0" g="0" b="0"/>
+      </a:fillRef>
+      <a:effectRef idx="0">
+        <a:scrgbClr r="0" g="0" b="0"/>
+      </a:effectRef>
+      <a:fontRef idx="minor">
+        <a:schemeClr val="lt1"/>
+      </a:fontRef>
+    </dgm:style>
+  </dgm:styleLbl>
+  <dgm:styleLbl name="sibTrans1D1">
+    <dgm:scene3d>
+      <a:camera prst="orthographicFront"/>
+      <a:lightRig rig="threePt" dir="t"/>
+    </dgm:scene3d>
+    <dgm:sp3d/>
+    <dgm:txPr/>
+    <dgm:style>
+      <a:lnRef idx="1">
+        <a:scrgbClr r="0" g="0" b="0"/>
+      </a:lnRef>
+      <a:fillRef idx="0">
+        <a:scrgbClr r="0" g="0" b="0"/>
+      </a:fillRef>
+      <a:effectRef idx="0">
+        <a:scrgbClr r="0" g="0" b="0"/>
+      </a:effectRef>
+      <a:fontRef idx="minor"/>
+    </dgm:style>
+  </dgm:styleLbl>
+  <dgm:styleLbl name="callout">
+    <dgm:scene3d>
+      <a:camera prst="orthographicFront"/>
+      <a:lightRig rig="threePt" dir="t"/>
+    </dgm:scene3d>
+    <dgm:sp3d/>
+    <dgm:txPr/>
+    <dgm:style>
+      <a:lnRef idx="2">
+        <a:scrgbClr r="0" g="0" b="0"/>
+      </a:lnRef>
+      <a:fillRef idx="1">
+        <a:scrgbClr r="0" g="0" b="0"/>
+      </a:fillRef>
+      <a:effectRef idx="0">
+        <a:scrgbClr r="0" g="0" b="0"/>
+      </a:effectRef>
+      <a:fontRef idx="minor"/>
+    </dgm:style>
+  </dgm:styleLbl>
+  <dgm:styleLbl name="asst0">
+    <dgm:scene3d>
+      <a:camera prst="orthographicFront"/>
+      <a:lightRig rig="threePt" dir="t"/>
+    </dgm:scene3d>
+    <dgm:sp3d/>
+    <dgm:txPr/>
+    <dgm:style>
+      <a:lnRef idx="2">
+        <a:scrgbClr r="0" g="0" b="0"/>
+      </a:lnRef>
+      <a:fillRef idx="1">
+        <a:scrgbClr r="0" g="0" b="0"/>
+      </a:fillRef>
+      <a:effectRef idx="0">
+        <a:scrgbClr r="0" g="0" b="0"/>
+      </a:effectRef>
+      <a:fontRef idx="minor">
+        <a:schemeClr val="lt1"/>
+      </a:fontRef>
+    </dgm:style>
+  </dgm:styleLbl>
+  <dgm:styleLbl name="asst1">
+    <dgm:scene3d>
+      <a:camera prst="orthographicFront"/>
+      <a:lightRig rig="threePt" dir="t"/>
+    </dgm:scene3d>
+    <dgm:sp3d/>
+    <dgm:txPr/>
+    <dgm:style>
+      <a:lnRef idx="2">
+        <a:scrgbClr r="0" g="0" b="0"/>
+      </a:lnRef>
+      <a:fillRef idx="1">
+        <a:scrgbClr r="0" g="0" b="0"/>
+      </a:fillRef>
+      <a:effectRef idx="0">
+        <a:scrgbClr r="0" g="0" b="0"/>
+      </a:effectRef>
+      <a:fontRef idx="minor">
+        <a:schemeClr val="lt1"/>
+      </a:fontRef>
+    </dgm:style>
+  </dgm:styleLbl>
+  <dgm:styleLbl name="asst2">
+    <dgm:scene3d>
+      <a:camera prst="orthographicFront"/>
+      <a:lightRig rig="threePt" dir="t"/>
+    </dgm:scene3d>
+    <dgm:sp3d/>
+    <dgm:txPr/>
+    <dgm:style>
+      <a:lnRef idx="2">
+        <a:scrgbClr r="0" g="0" b="0"/>
+      </a:lnRef>
+      <a:fillRef idx="1">
+        <a:scrgbClr r="0" g="0" b="0"/>
+      </a:fillRef>
+      <a:effectRef idx="0">
+        <a:scrgbClr r="0" g="0" b="0"/>
+      </a:effectRef>
+      <a:fontRef idx="minor">
+        <a:schemeClr val="lt1"/>
+      </a:fontRef>
+    </dgm:style>
+  </dgm:styleLbl>
+  <dgm:styleLbl name="asst3">
+    <dgm:scene3d>
+      <a:camera prst="orthographicFront"/>
+      <a:lightRig rig="threePt" dir="t"/>
+    </dgm:scene3d>
+    <dgm:sp3d/>
+    <dgm:txPr/>
+    <dgm:style>
+      <a:lnRef idx="2">
+        <a:scrgbClr r="0" g="0" b="0"/>
+      </a:lnRef>
+      <a:fillRef idx="1">
+        <a:scrgbClr r="0" g="0" b="0"/>
+      </a:fillRef>
+      <a:effectRef idx="0">
+        <a:scrgbClr r="0" g="0" b="0"/>
+      </a:effectRef>
+      <a:fontRef idx="minor">
+        <a:schemeClr val="lt1"/>
+      </a:fontRef>
+    </dgm:style>
+  </dgm:styleLbl>
+  <dgm:styleLbl name="asst4">
+    <dgm:scene3d>
+      <a:camera prst="orthographicFront"/>
+      <a:lightRig rig="threePt" dir="t"/>
+    </dgm:scene3d>
+    <dgm:sp3d/>
+    <dgm:txPr/>
+    <dgm:style>
+      <a:lnRef idx="2">
+        <a:scrgbClr r="0" g="0" b="0"/>
+      </a:lnRef>
+      <a:fillRef idx="1">
+        <a:scrgbClr r="0" g="0" b="0"/>
+      </a:fillRef>
+      <a:effectRef idx="0">
+        <a:scrgbClr r="0" g="0" b="0"/>
+      </a:effectRef>
+      <a:fontRef idx="minor">
+        <a:schemeClr val="lt1"/>
+      </a:fontRef>
+    </dgm:style>
+  </dgm:styleLbl>
+  <dgm:styleLbl name="parChTrans2D1">
+    <dgm:scene3d>
+      <a:camera prst="orthographicFront"/>
+      <a:lightRig rig="threePt" dir="t"/>
+    </dgm:scene3d>
+    <dgm:sp3d/>
+    <dgm:txPr/>
+    <dgm:style>
+      <a:lnRef idx="2">
+        <a:scrgbClr r="0" g="0" b="0"/>
+      </a:lnRef>
+      <a:fillRef idx="1">
+        <a:scrgbClr r="0" g="0" b="0"/>
+      </a:fillRef>
+      <a:effectRef idx="0">
+        <a:scrgbClr r="0" g="0" b="0"/>
+      </a:effectRef>
+      <a:fontRef idx="minor">
+        <a:schemeClr val="lt1"/>
+      </a:fontRef>
+    </dgm:style>
+  </dgm:styleLbl>
+  <dgm:styleLbl name="parChTrans2D2">
+    <dgm:scene3d>
+      <a:camera prst="orthographicFront"/>
+      <a:lightRig rig="threePt" dir="t"/>
+    </dgm:scene3d>
+    <dgm:sp3d/>
+    <dgm:txPr/>
+    <dgm:style>
+      <a:lnRef idx="2">
+        <a:scrgbClr r="0" g="0" b="0"/>
+      </a:lnRef>
+      <a:fillRef idx="1">
+        <a:scrgbClr r="0" g="0" b="0"/>
+      </a:fillRef>
+      <a:effectRef idx="0">
+        <a:scrgbClr r="0" g="0" b="0"/>
+      </a:effectRef>
+      <a:fontRef idx="minor">
+        <a:schemeClr val="lt1"/>
+      </a:fontRef>
+    </dgm:style>
+  </dgm:styleLbl>
+  <dgm:styleLbl name="parChTrans2D3">
+    <dgm:scene3d>
+      <a:camera prst="orthographicFront"/>
+      <a:lightRig rig="threePt" dir="t"/>
+    </dgm:scene3d>
+    <dgm:sp3d/>
+    <dgm:txPr/>
+    <dgm:style>
+      <a:lnRef idx="2">
+        <a:scrgbClr r="0" g="0" b="0"/>
+      </a:lnRef>
+      <a:fillRef idx="1">
+        <a:scrgbClr r="0" g="0" b="0"/>
+      </a:fillRef>
+      <a:effectRef idx="0">
+        <a:scrgbClr r="0" g="0" b="0"/>
+      </a:effectRef>
+      <a:fontRef idx="minor">
+        <a:schemeClr val="lt1"/>
+      </a:fontRef>
+    </dgm:style>
+  </dgm:styleLbl>
+  <dgm:styleLbl name="parChTrans2D4">
+    <dgm:scene3d>
+      <a:camera prst="orthographicFront"/>
+      <a:lightRig rig="threePt" dir="t"/>
+    </dgm:scene3d>
+    <dgm:sp3d/>
+    <dgm:txPr/>
+    <dgm:style>
+      <a:lnRef idx="2">
+        <a:scrgbClr r="0" g="0" b="0"/>
+      </a:lnRef>
+      <a:fillRef idx="1">
+        <a:scrgbClr r="0" g="0" b="0"/>
+      </a:fillRef>
+      <a:effectRef idx="0">
+        <a:scrgbClr r="0" g="0" b="0"/>
+      </a:effectRef>
+      <a:fontRef idx="minor">
+        <a:schemeClr val="lt1"/>
+      </a:fontRef>
+    </dgm:style>
+  </dgm:styleLbl>
+  <dgm:styleLbl name="parChTrans1D1">
+    <dgm:scene3d>
+      <a:camera prst="orthographicFront"/>
+      <a:lightRig rig="threePt" dir="t"/>
+    </dgm:scene3d>
+    <dgm:sp3d/>
+    <dgm:txPr/>
+    <dgm:style>
+      <a:lnRef idx="2">
+        <a:scrgbClr r="0" g="0" b="0"/>
+      </a:lnRef>
+      <a:fillRef idx="0">
+        <a:scrgbClr r="0" g="0" b="0"/>
+      </a:fillRef>
+      <a:effectRef idx="0">
+        <a:scrgbClr r="0" g="0" b="0"/>
+      </a:effectRef>
+      <a:fontRef idx="minor"/>
+    </dgm:style>
+  </dgm:styleLbl>
+  <dgm:styleLbl name="parChTrans1D2">
+    <dgm:scene3d>
+      <a:camera prst="orthographicFront"/>
+      <a:lightRig rig="threePt" dir="t"/>
+    </dgm:scene3d>
+    <dgm:sp3d/>
+    <dgm:txPr/>
+    <dgm:style>
+      <a:lnRef idx="2">
+        <a:scrgbClr r="0" g="0" b="0"/>
+      </a:lnRef>
+      <a:fillRef idx="0">
+        <a:scrgbClr r="0" g="0" b="0"/>
+      </a:fillRef>
+      <a:effectRef idx="0">
+        <a:scrgbClr r="0" g="0" b="0"/>
+      </a:effectRef>
+      <a:fontRef idx="minor"/>
+    </dgm:style>
+  </dgm:styleLbl>
+  <dgm:styleLbl name="parChTrans1D3">
+    <dgm:scene3d>
+      <a:camera prst="orthographicFront"/>
+      <a:lightRig rig="threePt" dir="t"/>
+    </dgm:scene3d>
+    <dgm:sp3d/>
+    <dgm:txPr/>
+    <dgm:style>
+      <a:lnRef idx="2">
+        <a:scrgbClr r="0" g="0" b="0"/>
+      </a:lnRef>
+      <a:fillRef idx="0">
+        <a:scrgbClr r="0" g="0" b="0"/>
+      </a:fillRef>
+      <a:effectRef idx="0">
+        <a:scrgbClr r="0" g="0" b="0"/>
+      </a:effectRef>
+      <a:fontRef idx="minor"/>
+    </dgm:style>
+  </dgm:styleLbl>
+  <dgm:styleLbl name="parChTrans1D4">
+    <dgm:scene3d>
+      <a:camera prst="orthographicFront"/>
+      <a:lightRig rig="threePt" dir="t"/>
+    </dgm:scene3d>
+    <dgm:sp3d/>
+    <dgm:txPr/>
+    <dgm:style>
+      <a:lnRef idx="2">
+        <a:scrgbClr r="0" g="0" b="0"/>
+      </a:lnRef>
+      <a:fillRef idx="0">
+        <a:scrgbClr r="0" g="0" b="0"/>
+      </a:fillRef>
+      <a:effectRef idx="0">
+        <a:scrgbClr r="0" g="0" b="0"/>
+      </a:effectRef>
+      <a:fontRef idx="minor"/>
+    </dgm:style>
+  </dgm:styleLbl>
+  <dgm:styleLbl name="fgAcc1">
+    <dgm:scene3d>
+      <a:camera prst="orthographicFront"/>
+      <a:lightRig rig="threePt" dir="t"/>
+    </dgm:scene3d>
+    <dgm:sp3d/>
+    <dgm:txPr/>
+    <dgm:style>
+      <a:lnRef idx="2">
+        <a:scrgbClr r="0" g="0" b="0"/>
+      </a:lnRef>
+      <a:fillRef idx="1">
+        <a:scrgbClr r="0" g="0" b="0"/>
+      </a:fillRef>
+      <a:effectRef idx="0">
+        <a:scrgbClr r="0" g="0" b="0"/>
+      </a:effectRef>
+      <a:fontRef idx="minor"/>
+    </dgm:style>
+  </dgm:styleLbl>
+  <dgm:styleLbl name="conFgAcc1">
+    <dgm:scene3d>
+      <a:camera prst="orthographicFront"/>
+      <a:lightRig rig="threePt" dir="t"/>
+    </dgm:scene3d>
+    <dgm:sp3d/>
+    <dgm:txPr/>
+    <dgm:style>
+      <a:lnRef idx="2">
+        <a:scrgbClr r="0" g="0" b="0"/>
+      </a:lnRef>
+      <a:fillRef idx="1">
+        <a:scrgbClr r="0" g="0" b="0"/>
+      </a:fillRef>
+      <a:effectRef idx="0">
+        <a:scrgbClr r="0" g="0" b="0"/>
+      </a:effectRef>
+      <a:fontRef idx="minor"/>
+    </dgm:style>
+  </dgm:styleLbl>
+  <dgm:styleLbl name="alignAcc1">
+    <dgm:scene3d>
+      <a:camera prst="orthographicFront"/>
+      <a:lightRig rig="threePt" dir="t"/>
+    </dgm:scene3d>
+    <dgm:sp3d/>
+    <dgm:txPr/>
+    <dgm:style>
+      <a:lnRef idx="2">
+        <a:scrgbClr r="0" g="0" b="0"/>
+      </a:lnRef>
+      <a:fillRef idx="1">
+        <a:scrgbClr r="0" g="0" b="0"/>
+      </a:fillRef>
+      <a:effectRef idx="0">
+        <a:scrgbClr r="0" g="0" b="0"/>
+      </a:effectRef>
+      <a:fontRef idx="minor"/>
+    </dgm:style>
+  </dgm:styleLbl>
+  <dgm:styleLbl name="trAlignAcc1">
+    <dgm:scene3d>
+      <a:camera prst="orthographicFront"/>
+      <a:lightRig rig="threePt" dir="t"/>
+    </dgm:scene3d>
+    <dgm:sp3d/>
+    <dgm:txPr/>
+    <dgm:style>
+      <a:lnRef idx="1">
+        <a:scrgbClr r="0" g="0" b="0"/>
+      </a:lnRef>
+      <a:fillRef idx="1">
+        <a:scrgbClr r="0" g="0" b="0"/>
+      </a:fillRef>
+      <a:effectRef idx="0">
+        <a:scrgbClr r="0" g="0" b="0"/>
+      </a:effectRef>
+      <a:fontRef idx="minor"/>
+    </dgm:style>
+  </dgm:styleLbl>
+  <dgm:styleLbl name="bgAcc1">
+    <dgm:scene3d>
+      <a:camera prst="orthographicFront"/>
+      <a:lightRig rig="threePt" dir="t"/>
+    </dgm:scene3d>
+    <dgm:sp3d/>
+    <dgm:txPr/>
+    <dgm:style>
+      <a:lnRef idx="2">
+        <a:scrgbClr r="0" g="0" b="0"/>
+      </a:lnRef>
+      <a:fillRef idx="1">
+        <a:scrgbClr r="0" g="0" b="0"/>
+      </a:fillRef>
+      <a:effectRef idx="0">
+        <a:scrgbClr r="0" g="0" b="0"/>
+      </a:effectRef>
+      <a:fontRef idx="minor"/>
+    </dgm:style>
+  </dgm:styleLbl>
+  <dgm:styleLbl name="solidFgAcc1">
+    <dgm:scene3d>
+      <a:camera prst="orthographicFront"/>
+      <a:lightRig rig="threePt" dir="t"/>
+    </dgm:scene3d>
+    <dgm:sp3d/>
+    <dgm:txPr/>
+    <dgm:style>
+      <a:lnRef idx="2">
+        <a:scrgbClr r="0" g="0" b="0"/>
+      </a:lnRef>
+      <a:fillRef idx="1">
+        <a:scrgbClr r="0" g="0" b="0"/>
+      </a:fillRef>
+      <a:effectRef idx="0">
+        <a:scrgbClr r="0" g="0" b="0"/>
+      </a:effectRef>
+      <a:fontRef idx="minor"/>
+    </dgm:style>
+  </dgm:styleLbl>
+  <dgm:styleLbl name="solidAlignAcc1">
+    <dgm:scene3d>
+      <a:camera prst="orthographicFront"/>
+      <a:lightRig rig="threePt" dir="t"/>
+    </dgm:scene3d>
+    <dgm:sp3d/>
+    <dgm:txPr/>
+    <dgm:style>
+      <a:lnRef idx="2">
+        <a:scrgbClr r="0" g="0" b="0"/>
+      </a:lnRef>
+      <a:fillRef idx="1">
+        <a:scrgbClr r="0" g="0" b="0"/>
+      </a:fillRef>
+      <a:effectRef idx="0">
+        <a:scrgbClr r="0" g="0" b="0"/>
+      </a:effectRef>
+      <a:fontRef idx="minor"/>
+    </dgm:style>
+  </dgm:styleLbl>
+  <dgm:styleLbl name="solidBgAcc1">
+    <dgm:scene3d>
+      <a:camera prst="orthographicFront"/>
+      <a:lightRig rig="threePt" dir="t"/>
+    </dgm:scene3d>
+    <dgm:sp3d/>
+    <dgm:txPr/>
+    <dgm:style>
+      <a:lnRef idx="2">
+        <a:scrgbClr r="0" g="0" b="0"/>
+      </a:lnRef>
+      <a:fillRef idx="1">
+        <a:scrgbClr r="0" g="0" b="0"/>
+      </a:fillRef>
+      <a:effectRef idx="0">
+        <a:scrgbClr r="0" g="0" b="0"/>
+      </a:effectRef>
+      <a:fontRef idx="minor"/>
+    </dgm:style>
+  </dgm:styleLbl>
+  <dgm:styleLbl name="fgAccFollowNode1">
+    <dgm:scene3d>
+      <a:camera prst="orthographicFront"/>
+      <a:lightRig rig="threePt" dir="t"/>
+    </dgm:scene3d>
+    <dgm:sp3d/>
+    <dgm:txPr/>
+    <dgm:style>
+      <a:lnRef idx="2">
+        <a:scrgbClr r="0" g="0" b="0"/>
+      </a:lnRef>
+      <a:fillRef idx="1">
+        <a:scrgbClr r="0" g="0" b="0"/>
+      </a:fillRef>
+      <a:effectRef idx="0">
+        <a:scrgbClr r="0" g="0" b="0"/>
+      </a:effectRef>
+      <a:fontRef idx="minor"/>
+    </dgm:style>
+  </dgm:styleLbl>
+  <dgm:styleLbl name="alignAccFollowNode1">
+    <dgm:scene3d>
+      <a:camera prst="orthographicFront"/>
+      <a:lightRig rig="threePt" dir="t"/>
+    </dgm:scene3d>
+    <dgm:sp3d/>
+    <dgm:txPr/>
+    <dgm:style>
+      <a:lnRef idx="2">
+        <a:scrgbClr r="0" g="0" b="0"/>
+      </a:lnRef>
+      <a:fillRef idx="1">
+        <a:scrgbClr r="0" g="0" b="0"/>
+      </a:fillRef>
+      <a:effectRef idx="0">
+        <a:scrgbClr r="0" g="0" b="0"/>
+      </a:effectRef>
+      <a:fontRef idx="minor"/>
+    </dgm:style>
+  </dgm:styleLbl>
+  <dgm:styleLbl name="bgAccFollowNode1">
+    <dgm:scene3d>
+      <a:camera prst="orthographicFront"/>
+      <a:lightRig rig="threePt" dir="t"/>
+    </dgm:scene3d>
+    <dgm:sp3d/>
+    <dgm:txPr/>
+    <dgm:style>
+      <a:lnRef idx="2">
+        <a:scrgbClr r="0" g="0" b="0"/>
+      </a:lnRef>
+      <a:fillRef idx="1">
+        <a:scrgbClr r="0" g="0" b="0"/>
+      </a:fillRef>
+      <a:effectRef idx="0">
+        <a:scrgbClr r="0" g="0" b="0"/>
+      </a:effectRef>
+      <a:fontRef idx="minor"/>
+    </dgm:style>
+  </dgm:styleLbl>
+  <dgm:styleLbl name="fgAcc0">
+    <dgm:scene3d>
+      <a:camera prst="orthographicFront"/>
+      <a:lightRig rig="threePt" dir="t"/>
+    </dgm:scene3d>
+    <dgm:sp3d/>
+    <dgm:txPr/>
+    <dgm:style>
+      <a:lnRef idx="2">
+        <a:scrgbClr r="0" g="0" b="0"/>
+      </a:lnRef>
+      <a:fillRef idx="1">
+        <a:scrgbClr r="0" g="0" b="0"/>
+      </a:fillRef>
+      <a:effectRef idx="0">
+        <a:scrgbClr r="0" g="0" b="0"/>
+      </a:effectRef>
+      <a:fontRef idx="minor"/>
+    </dgm:style>
+  </dgm:styleLbl>
+  <dgm:styleLbl name="fgAcc2">
+    <dgm:scene3d>
+      <a:camera prst="orthographicFront"/>
+      <a:lightRig rig="threePt" dir="t"/>
+    </dgm:scene3d>
+    <dgm:sp3d/>
+    <dgm:txPr/>
+    <dgm:style>
+      <a:lnRef idx="2">
+        <a:scrgbClr r="0" g="0" b="0"/>
+      </a:lnRef>
+      <a:fillRef idx="1">
+        <a:scrgbClr r="0" g="0" b="0"/>
+      </a:fillRef>
+      <a:effectRef idx="0">
+        <a:scrgbClr r="0" g="0" b="0"/>
+      </a:effectRef>
+      <a:fontRef idx="minor"/>
+    </dgm:style>
+  </dgm:styleLbl>
+  <dgm:styleLbl name="fgAcc3">
+    <dgm:scene3d>
+      <a:camera prst="orthographicFront"/>
+      <a:lightRig rig="threePt" dir="t"/>
+    </dgm:scene3d>
+    <dgm:sp3d/>
+    <dgm:txPr/>
+    <dgm:style>
+      <a:lnRef idx="2">
+        <a:scrgbClr r="0" g="0" b="0"/>
+      </a:lnRef>
+      <a:fillRef idx="1">
+        <a:scrgbClr r="0" g="0" b="0"/>
+      </a:fillRef>
+      <a:effectRef idx="0">
+        <a:scrgbClr r="0" g="0" b="0"/>
+      </a:effectRef>
+      <a:fontRef idx="minor"/>
+    </dgm:style>
+  </dgm:styleLbl>
+  <dgm:styleLbl name="fgAcc4">
+    <dgm:scene3d>
+      <a:camera prst="orthographicFront"/>
+      <a:lightRig rig="threePt" dir="t"/>
+    </dgm:scene3d>
+    <dgm:sp3d/>
+    <dgm:txPr/>
+    <dgm:style>
+      <a:lnRef idx="2">
+        <a:scrgbClr r="0" g="0" b="0"/>
+      </a:lnRef>
+      <a:fillRef idx="1">
+        <a:scrgbClr r="0" g="0" b="0"/>
+      </a:fillRef>
+      <a:effectRef idx="0">
+        <a:scrgbClr r="0" g="0" b="0"/>
+      </a:effectRef>
+      <a:fontRef idx="minor"/>
+    </dgm:style>
+  </dgm:styleLbl>
+  <dgm:styleLbl name="bgShp">
+    <dgm:scene3d>
+      <a:camera prst="orthographicFront"/>
+      <a:lightRig rig="threePt" dir="t"/>
+    </dgm:scene3d>
+    <dgm:sp3d/>
+    <dgm:txPr/>
+    <dgm:style>
+      <a:lnRef idx="0">
+        <a:scrgbClr r="0" g="0" b="0"/>
+      </a:lnRef>
+      <a:fillRef idx="1">
+        <a:scrgbClr r="0" g="0" b="0"/>
+      </a:fillRef>
+      <a:effectRef idx="0">
+        <a:scrgbClr r="0" g="0" b="0"/>
+      </a:effectRef>
+      <a:fontRef idx="minor"/>
+    </dgm:style>
+  </dgm:styleLbl>
+  <dgm:styleLbl name="dkBgShp">
+    <dgm:scene3d>
+      <a:camera prst="orthographicFront"/>
+      <a:lightRig rig="threePt" dir="t"/>
+    </dgm:scene3d>
+    <dgm:sp3d/>
+    <dgm:txPr/>
+    <dgm:style>
+      <a:lnRef idx="0">
+        <a:scrgbClr r="0" g="0" b="0"/>
+      </a:lnRef>
+      <a:fillRef idx="1">
+        <a:scrgbClr r="0" g="0" b="0"/>
+      </a:fillRef>
+      <a:effectRef idx="0">
+        <a:scrgbClr r="0" g="0" b="0"/>
+      </a:effectRef>
+      <a:fontRef idx="minor"/>
+    </dgm:style>
+  </dgm:styleLbl>
+  <dgm:styleLbl name="trBgShp">
+    <dgm:scene3d>
+      <a:camera prst="orthographicFront"/>
+      <a:lightRig rig="threePt" dir="t"/>
+    </dgm:scene3d>
+    <dgm:sp3d/>
+    <dgm:txPr/>
+    <dgm:style>
+      <a:lnRef idx="0">
+        <a:scrgbClr r="0" g="0" b="0"/>
+      </a:lnRef>
+      <a:fillRef idx="1">
+        <a:scrgbClr r="0" g="0" b="0"/>
+      </a:fillRef>
+      <a:effectRef idx="0">
+        <a:scrgbClr r="0" g="0" b="0"/>
+      </a:effectRef>
+      <a:fontRef idx="minor"/>
+    </dgm:style>
+  </dgm:styleLbl>
+  <dgm:styleLbl name="fgShp">
+    <dgm:scene3d>
+      <a:camera prst="orthographicFront"/>
+      <a:lightRig rig="threePt" dir="t"/>
+    </dgm:scene3d>
+    <dgm:sp3d/>
+    <dgm:txPr/>
+    <dgm:style>
+      <a:lnRef idx="2">
+        <a:scrgbClr r="0" g="0" b="0"/>
+      </a:lnRef>
+      <a:fillRef idx="1">
+        <a:scrgbClr r="0" g="0" b="0"/>
+      </a:fillRef>
+      <a:effectRef idx="0">
+        <a:scrgbClr r="0" g="0" b="0"/>
+      </a:effectRef>
+      <a:fontRef idx="minor"/>
+    </dgm:style>
+  </dgm:styleLbl>
+  <dgm:styleLbl name="revTx">
+    <dgm:scene3d>
+      <a:camera prst="orthographicFront"/>
+      <a:lightRig rig="threePt" dir="t"/>
+    </dgm:scene3d>
+    <dgm:sp3d/>
+    <dgm:txPr/>
+    <dgm:style>
+      <a:lnRef idx="0">
+        <a:scrgbClr r="0" g="0" b="0"/>
+      </a:lnRef>
+      <a:fillRef idx="0">
+        <a:scrgbClr r="0" g="0" b="0"/>
+      </a:fillRef>
+      <a:effectRef idx="0">
+        <a:scrgbClr r="0" g="0" b="0"/>
+      </a:effectRef>
+      <a:fontRef idx="minor"/>
+    </dgm:style>
+  </dgm:styleLbl>
+</dgm:styleDef>
+</file>
+
 <file path=ppt/handoutMasters/handoutMaster1.xml><?xml version="1.0" encoding="utf-8"?>
 <p:handoutMaster xmlns:a="http://schemas.openxmlformats.org/drawingml/2006/main" xmlns:r="http://schemas.openxmlformats.org/officeDocument/2006/relationships" xmlns:p="http://schemas.openxmlformats.org/presentationml/2006/main">
   <p:cSld>
@@ -218,7 +5517,7 @@
           <a:p>
             <a:fld id="{312E7B4A-039C-48A2-9B2C-AF16AA3873D8}" type="datetimeFigureOut">
               <a:rPr lang="en-US" smtClean="0"/>
-              <a:t>1/17/2015</a:t>
+              <a:t>1/18/2015</a:t>
             </a:fld>
             <a:endParaRPr lang="en-US"/>
           </a:p>
@@ -383,7 +5682,7 @@
           <a:p>
             <a:fld id="{DA005A0C-54D9-45AA-87D4-C551D08DFCE1}" type="datetimeFigureOut">
               <a:rPr lang="en-US" smtClean="0"/>
-              <a:t>1/17/2015</a:t>
+              <a:t>1/18/2015</a:t>
             </a:fld>
             <a:endParaRPr lang="en-US"/>
           </a:p>
@@ -902,7 +6201,7 @@
           <a:p>
             <a:fld id="{4CFD207A-07DF-40AD-A916-9872E089CE7A}" type="slidenum">
               <a:rPr lang="en-US" smtClean="0"/>
-              <a:t>5</a:t>
+              <a:t>6</a:t>
             </a:fld>
             <a:endParaRPr lang="en-US"/>
           </a:p>
@@ -990,7 +6289,7 @@
           <a:p>
             <a:fld id="{4CFD207A-07DF-40AD-A916-9872E089CE7A}" type="slidenum">
               <a:rPr lang="en-US" smtClean="0"/>
-              <a:t>8</a:t>
+              <a:t>9</a:t>
             </a:fld>
             <a:endParaRPr lang="en-US"/>
           </a:p>
@@ -1078,7 +6377,7 @@
           <a:p>
             <a:fld id="{4CFD207A-07DF-40AD-A916-9872E089CE7A}" type="slidenum">
               <a:rPr lang="en-US" smtClean="0"/>
-              <a:t>11</a:t>
+              <a:t>12</a:t>
             </a:fld>
             <a:endParaRPr lang="en-US"/>
           </a:p>
@@ -1088,6 +6387,270 @@
     <p:extLst>
       <p:ext uri="{BB962C8B-B14F-4D97-AF65-F5344CB8AC3E}">
         <p14:creationId xmlns:p14="http://schemas.microsoft.com/office/powerpoint/2010/main" val="185891986"/>
+      </p:ext>
+    </p:extLst>
+  </p:cSld>
+  <p:clrMapOvr>
+    <a:masterClrMapping/>
+  </p:clrMapOvr>
+</p:notes>
+</file>
+
+<file path=ppt/notesSlides/notesSlide6.xml><?xml version="1.0" encoding="utf-8"?>
+<p:notes xmlns:a="http://schemas.openxmlformats.org/drawingml/2006/main" xmlns:r="http://schemas.openxmlformats.org/officeDocument/2006/relationships" xmlns:p="http://schemas.openxmlformats.org/presentationml/2006/main">
+  <p:cSld>
+    <p:spTree>
+      <p:nvGrpSpPr>
+        <p:cNvPr id="1" name=""/>
+        <p:cNvGrpSpPr/>
+        <p:nvPr/>
+      </p:nvGrpSpPr>
+      <p:grpSpPr>
+        <a:xfrm>
+          <a:off x="0" y="0"/>
+          <a:ext cx="0" cy="0"/>
+          <a:chOff x="0" y="0"/>
+          <a:chExt cx="0" cy="0"/>
+        </a:xfrm>
+      </p:grpSpPr>
+      <p:sp>
+        <p:nvSpPr>
+          <p:cNvPr id="2" name="Slide Image Placeholder 1"/>
+          <p:cNvSpPr>
+            <a:spLocks noGrp="1" noRot="1" noChangeAspect="1"/>
+          </p:cNvSpPr>
+          <p:nvPr>
+            <p:ph type="sldImg"/>
+          </p:nvPr>
+        </p:nvSpPr>
+        <p:spPr/>
+      </p:sp>
+      <p:sp>
+        <p:nvSpPr>
+          <p:cNvPr id="3" name="Notes Placeholder 2"/>
+          <p:cNvSpPr>
+            <a:spLocks noGrp="1"/>
+          </p:cNvSpPr>
+          <p:nvPr>
+            <p:ph type="body" idx="1"/>
+          </p:nvPr>
+        </p:nvSpPr>
+        <p:spPr/>
+        <p:txBody>
+          <a:bodyPr/>
+          <a:lstStyle/>
+          <a:p>
+            <a:r>
+              <a:rPr lang="en-US" dirty="0" smtClean="0"/>
+              <a:t>04aModelValidation</a:t>
+            </a:r>
+            <a:endParaRPr lang="en-US" dirty="0"/>
+          </a:p>
+        </p:txBody>
+      </p:sp>
+      <p:sp>
+        <p:nvSpPr>
+          <p:cNvPr id="4" name="Slide Number Placeholder 3"/>
+          <p:cNvSpPr>
+            <a:spLocks noGrp="1"/>
+          </p:cNvSpPr>
+          <p:nvPr>
+            <p:ph type="sldNum" sz="quarter" idx="10"/>
+          </p:nvPr>
+        </p:nvSpPr>
+        <p:spPr/>
+        <p:txBody>
+          <a:bodyPr/>
+          <a:lstStyle/>
+          <a:p>
+            <a:fld id="{4CFD207A-07DF-40AD-A916-9872E089CE7A}" type="slidenum">
+              <a:rPr lang="en-US" smtClean="0"/>
+              <a:t>17</a:t>
+            </a:fld>
+            <a:endParaRPr lang="en-US"/>
+          </a:p>
+        </p:txBody>
+      </p:sp>
+    </p:spTree>
+    <p:extLst>
+      <p:ext uri="{BB962C8B-B14F-4D97-AF65-F5344CB8AC3E}">
+        <p14:creationId xmlns:p14="http://schemas.microsoft.com/office/powerpoint/2010/main" val="1497731515"/>
+      </p:ext>
+    </p:extLst>
+  </p:cSld>
+  <p:clrMapOvr>
+    <a:masterClrMapping/>
+  </p:clrMapOvr>
+</p:notes>
+</file>
+
+<file path=ppt/notesSlides/notesSlide7.xml><?xml version="1.0" encoding="utf-8"?>
+<p:notes xmlns:a="http://schemas.openxmlformats.org/drawingml/2006/main" xmlns:r="http://schemas.openxmlformats.org/officeDocument/2006/relationships" xmlns:p="http://schemas.openxmlformats.org/presentationml/2006/main">
+  <p:cSld>
+    <p:spTree>
+      <p:nvGrpSpPr>
+        <p:cNvPr id="1" name=""/>
+        <p:cNvGrpSpPr/>
+        <p:nvPr/>
+      </p:nvGrpSpPr>
+      <p:grpSpPr>
+        <a:xfrm>
+          <a:off x="0" y="0"/>
+          <a:ext cx="0" cy="0"/>
+          <a:chOff x="0" y="0"/>
+          <a:chExt cx="0" cy="0"/>
+        </a:xfrm>
+      </p:grpSpPr>
+      <p:sp>
+        <p:nvSpPr>
+          <p:cNvPr id="2" name="Slide Image Placeholder 1"/>
+          <p:cNvSpPr>
+            <a:spLocks noGrp="1" noRot="1" noChangeAspect="1"/>
+          </p:cNvSpPr>
+          <p:nvPr>
+            <p:ph type="sldImg"/>
+          </p:nvPr>
+        </p:nvSpPr>
+        <p:spPr/>
+      </p:sp>
+      <p:sp>
+        <p:nvSpPr>
+          <p:cNvPr id="3" name="Notes Placeholder 2"/>
+          <p:cNvSpPr>
+            <a:spLocks noGrp="1"/>
+          </p:cNvSpPr>
+          <p:nvPr>
+            <p:ph type="body" idx="1"/>
+          </p:nvPr>
+        </p:nvSpPr>
+        <p:spPr/>
+        <p:txBody>
+          <a:bodyPr/>
+          <a:lstStyle/>
+          <a:p>
+            <a:r>
+              <a:rPr lang="en-US" dirty="0" smtClean="0"/>
+              <a:t>04aModelValidation</a:t>
+            </a:r>
+            <a:endParaRPr lang="en-US" dirty="0"/>
+          </a:p>
+        </p:txBody>
+      </p:sp>
+      <p:sp>
+        <p:nvSpPr>
+          <p:cNvPr id="4" name="Slide Number Placeholder 3"/>
+          <p:cNvSpPr>
+            <a:spLocks noGrp="1"/>
+          </p:cNvSpPr>
+          <p:nvPr>
+            <p:ph type="sldNum" sz="quarter" idx="10"/>
+          </p:nvPr>
+        </p:nvSpPr>
+        <p:spPr/>
+        <p:txBody>
+          <a:bodyPr/>
+          <a:lstStyle/>
+          <a:p>
+            <a:fld id="{4CFD207A-07DF-40AD-A916-9872E089CE7A}" type="slidenum">
+              <a:rPr lang="en-US" smtClean="0"/>
+              <a:t>20</a:t>
+            </a:fld>
+            <a:endParaRPr lang="en-US"/>
+          </a:p>
+        </p:txBody>
+      </p:sp>
+    </p:spTree>
+    <p:extLst>
+      <p:ext uri="{BB962C8B-B14F-4D97-AF65-F5344CB8AC3E}">
+        <p14:creationId xmlns:p14="http://schemas.microsoft.com/office/powerpoint/2010/main" val="769303396"/>
+      </p:ext>
+    </p:extLst>
+  </p:cSld>
+  <p:clrMapOvr>
+    <a:masterClrMapping/>
+  </p:clrMapOvr>
+</p:notes>
+</file>
+
+<file path=ppt/notesSlides/notesSlide8.xml><?xml version="1.0" encoding="utf-8"?>
+<p:notes xmlns:a="http://schemas.openxmlformats.org/drawingml/2006/main" xmlns:r="http://schemas.openxmlformats.org/officeDocument/2006/relationships" xmlns:p="http://schemas.openxmlformats.org/presentationml/2006/main">
+  <p:cSld>
+    <p:spTree>
+      <p:nvGrpSpPr>
+        <p:cNvPr id="1" name=""/>
+        <p:cNvGrpSpPr/>
+        <p:nvPr/>
+      </p:nvGrpSpPr>
+      <p:grpSpPr>
+        <a:xfrm>
+          <a:off x="0" y="0"/>
+          <a:ext cx="0" cy="0"/>
+          <a:chOff x="0" y="0"/>
+          <a:chExt cx="0" cy="0"/>
+        </a:xfrm>
+      </p:grpSpPr>
+      <p:sp>
+        <p:nvSpPr>
+          <p:cNvPr id="2" name="Slide Image Placeholder 1"/>
+          <p:cNvSpPr>
+            <a:spLocks noGrp="1" noRot="1" noChangeAspect="1"/>
+          </p:cNvSpPr>
+          <p:nvPr>
+            <p:ph type="sldImg"/>
+          </p:nvPr>
+        </p:nvSpPr>
+        <p:spPr/>
+      </p:sp>
+      <p:sp>
+        <p:nvSpPr>
+          <p:cNvPr id="3" name="Notes Placeholder 2"/>
+          <p:cNvSpPr>
+            <a:spLocks noGrp="1"/>
+          </p:cNvSpPr>
+          <p:nvPr>
+            <p:ph type="body" idx="1"/>
+          </p:nvPr>
+        </p:nvSpPr>
+        <p:spPr/>
+        <p:txBody>
+          <a:bodyPr/>
+          <a:lstStyle/>
+          <a:p>
+            <a:r>
+              <a:rPr lang="en-US" dirty="0" smtClean="0"/>
+              <a:t>04aModelValidation</a:t>
+            </a:r>
+            <a:endParaRPr lang="en-US" dirty="0"/>
+          </a:p>
+        </p:txBody>
+      </p:sp>
+      <p:sp>
+        <p:nvSpPr>
+          <p:cNvPr id="4" name="Slide Number Placeholder 3"/>
+          <p:cNvSpPr>
+            <a:spLocks noGrp="1"/>
+          </p:cNvSpPr>
+          <p:nvPr>
+            <p:ph type="sldNum" sz="quarter" idx="10"/>
+          </p:nvPr>
+        </p:nvSpPr>
+        <p:spPr/>
+        <p:txBody>
+          <a:bodyPr/>
+          <a:lstStyle/>
+          <a:p>
+            <a:fld id="{4CFD207A-07DF-40AD-A916-9872E089CE7A}" type="slidenum">
+              <a:rPr lang="en-US" smtClean="0"/>
+              <a:t>24</a:t>
+            </a:fld>
+            <a:endParaRPr lang="en-US"/>
+          </a:p>
+        </p:txBody>
+      </p:sp>
+    </p:spTree>
+    <p:extLst>
+      <p:ext uri="{BB962C8B-B14F-4D97-AF65-F5344CB8AC3E}">
+        <p14:creationId xmlns:p14="http://schemas.microsoft.com/office/powerpoint/2010/main" val="1994520179"/>
       </p:ext>
     </p:extLst>
   </p:cSld>
@@ -3869,15 +9432,7 @@
             <a:pPr marL="914400" indent="-914400"/>
             <a:r>
               <a:rPr lang="en-US" dirty="0" smtClean="0"/>
-              <a:t>05 </a:t>
-            </a:r>
-            <a:r>
-              <a:rPr lang="en-US" dirty="0" smtClean="0"/>
-              <a:t>| </a:t>
-            </a:r>
-            <a:r>
-              <a:rPr lang="en-US" dirty="0" smtClean="0"/>
-              <a:t>Security</a:t>
+              <a:t>05 | Security</a:t>
             </a:r>
             <a:endParaRPr lang="en-US" dirty="0"/>
           </a:p>
@@ -3971,12 +9526,12 @@
       </p:grpSpPr>
       <p:sp>
         <p:nvSpPr>
-          <p:cNvPr id="2" name="Title 1"/>
+          <p:cNvPr id="5" name="Text Placeholder 4"/>
           <p:cNvSpPr>
             <a:spLocks noGrp="1"/>
           </p:cNvSpPr>
           <p:nvPr>
-            <p:ph type="title"/>
+            <p:ph type="body" sz="quarter" idx="10"/>
           </p:nvPr>
         </p:nvSpPr>
         <p:spPr/>
@@ -3994,12 +9549,12 @@
       </p:sp>
       <p:sp>
         <p:nvSpPr>
-          <p:cNvPr id="3" name="Content Placeholder 2"/>
+          <p:cNvPr id="4" name="Subtitle 3"/>
           <p:cNvSpPr>
             <a:spLocks noGrp="1"/>
           </p:cNvSpPr>
           <p:nvPr>
-            <p:ph sz="quarter" idx="10"/>
+            <p:ph type="subTitle" idx="1"/>
           </p:nvPr>
         </p:nvSpPr>
         <p:spPr/>
@@ -4009,54 +9564,16 @@
           <a:p>
             <a:r>
               <a:rPr lang="en-US" dirty="0" smtClean="0"/>
-              <a:t>Authorization generates a token</a:t>
-            </a:r>
-          </a:p>
-          <a:p>
-            <a:r>
-              <a:rPr lang="en-US" dirty="0" smtClean="0"/>
-              <a:t>Tokens given access to resources</a:t>
-            </a:r>
-          </a:p>
-          <a:p>
-            <a:r>
-              <a:rPr lang="en-US" dirty="0" smtClean="0"/>
-              <a:t>Protects revealing password to app if token is generated by a third-party (i.e. Facebook, Google, Microsoft Account, Twitter, etc.)</a:t>
-            </a:r>
-          </a:p>
-          <a:p>
-            <a:r>
-              <a:rPr lang="en-US" dirty="0" smtClean="0"/>
-              <a:t>A controller with support is generated in the Web API template when you select “individual accounts”</a:t>
-            </a:r>
-          </a:p>
-          <a:p>
-            <a:r>
-              <a:rPr lang="en-US" dirty="0" smtClean="0"/>
-              <a:t>Token is passed in the header</a:t>
-            </a:r>
-          </a:p>
-          <a:p>
-            <a:r>
-              <a:rPr lang="en-US" dirty="0" smtClean="0"/>
-              <a:t>Can also create your own provider/parser</a:t>
-            </a:r>
-          </a:p>
-          <a:p>
-            <a:endParaRPr lang="en-US" dirty="0" smtClean="0"/>
-          </a:p>
-          <a:p>
-            <a:endParaRPr lang="en-US" dirty="0" smtClean="0"/>
-          </a:p>
-          <a:p>
-            <a:endParaRPr lang="en-US" dirty="0" smtClean="0"/>
+              <a:t>You do hang onto your tokens, don’t you?</a:t>
+            </a:r>
+            <a:endParaRPr lang="en-US" dirty="0"/>
           </a:p>
         </p:txBody>
       </p:sp>
     </p:spTree>
     <p:extLst>
       <p:ext uri="{BB962C8B-B14F-4D97-AF65-F5344CB8AC3E}">
-        <p14:creationId xmlns:p14="http://schemas.microsoft.com/office/powerpoint/2010/main" val="3698866908"/>
+        <p14:creationId xmlns:p14="http://schemas.microsoft.com/office/powerpoint/2010/main" val="2034678663"/>
       </p:ext>
     </p:extLst>
   </p:cSld>
@@ -4092,7 +9609,7 @@
       </p:grpSpPr>
       <p:sp>
         <p:nvSpPr>
-          <p:cNvPr id="4" name="Title 3"/>
+          <p:cNvPr id="2" name="Title 1"/>
           <p:cNvSpPr>
             <a:spLocks noGrp="1"/>
           </p:cNvSpPr>
@@ -4102,23 +9619,82 @@
         </p:nvSpPr>
         <p:spPr/>
         <p:txBody>
-          <a:bodyPr>
-            <a:normAutofit/>
-          </a:bodyPr>
+          <a:bodyPr/>
           <a:lstStyle/>
           <a:p>
             <a:r>
-              <a:rPr lang="en-US" b="1" dirty="0" smtClean="0"/>
+              <a:rPr lang="en-US" dirty="0" smtClean="0"/>
               <a:t>Token-based Authentication</a:t>
             </a:r>
-            <a:endParaRPr lang="en-US" b="1" dirty="0"/>
+            <a:endParaRPr lang="en-US" dirty="0"/>
+          </a:p>
+        </p:txBody>
+      </p:sp>
+      <p:sp>
+        <p:nvSpPr>
+          <p:cNvPr id="3" name="Content Placeholder 2"/>
+          <p:cNvSpPr>
+            <a:spLocks noGrp="1"/>
+          </p:cNvSpPr>
+          <p:nvPr>
+            <p:ph sz="quarter" idx="10"/>
+          </p:nvPr>
+        </p:nvSpPr>
+        <p:spPr/>
+        <p:txBody>
+          <a:bodyPr/>
+          <a:lstStyle/>
+          <a:p>
+            <a:r>
+              <a:rPr lang="en-US" dirty="0" smtClean="0"/>
+              <a:t>Authorization generates a token</a:t>
+            </a:r>
+          </a:p>
+          <a:p>
+            <a:r>
+              <a:rPr lang="en-US" dirty="0" smtClean="0"/>
+              <a:t>Tokens given access to resources</a:t>
+            </a:r>
+          </a:p>
+          <a:p>
+            <a:r>
+              <a:rPr lang="en-US" dirty="0" smtClean="0"/>
+              <a:t>Protects revealing password to app if token is generated by a third-party (i.e. Facebook, Google, Microsoft Account, Twitter, etc.)</a:t>
+            </a:r>
+          </a:p>
+          <a:p>
+            <a:r>
+              <a:rPr lang="en-US" dirty="0" smtClean="0"/>
+              <a:t>A controller with support is generated in the Web API template when you select “individual accounts”</a:t>
+            </a:r>
+          </a:p>
+          <a:p>
+            <a:r>
+              <a:rPr lang="en-US" dirty="0" smtClean="0"/>
+              <a:t>Token is passed in the header</a:t>
+            </a:r>
+          </a:p>
+          <a:p>
+            <a:r>
+              <a:rPr lang="en-US" dirty="0" smtClean="0"/>
+              <a:t>Can also create your own provider/parser</a:t>
+            </a:r>
+          </a:p>
+          <a:p>
+            <a:endParaRPr lang="en-US" dirty="0" smtClean="0"/>
+          </a:p>
+          <a:p>
+            <a:endParaRPr lang="en-US" dirty="0" smtClean="0"/>
+          </a:p>
+          <a:p>
+            <a:endParaRPr lang="en-US" dirty="0" smtClean="0"/>
           </a:p>
         </p:txBody>
       </p:sp>
     </p:spTree>
     <p:extLst>
       <p:ext uri="{BB962C8B-B14F-4D97-AF65-F5344CB8AC3E}">
-        <p14:creationId xmlns:p14="http://schemas.microsoft.com/office/powerpoint/2010/main" val="390858725"/>
+        <p14:creationId xmlns:p14="http://schemas.microsoft.com/office/powerpoint/2010/main" val="3698866908"/>
       </p:ext>
     </p:extLst>
   </p:cSld>
@@ -4154,54 +9730,33 @@
       </p:grpSpPr>
       <p:sp>
         <p:nvSpPr>
-          <p:cNvPr id="5" name="Text Placeholder 4"/>
+          <p:cNvPr id="4" name="Title 3"/>
           <p:cNvSpPr>
             <a:spLocks noGrp="1"/>
           </p:cNvSpPr>
           <p:nvPr>
-            <p:ph type="body" sz="quarter" idx="10"/>
+            <p:ph type="title"/>
           </p:nvPr>
         </p:nvSpPr>
         <p:spPr/>
         <p:txBody>
-          <a:bodyPr/>
+          <a:bodyPr>
+            <a:normAutofit/>
+          </a:bodyPr>
           <a:lstStyle/>
           <a:p>
             <a:r>
-              <a:rPr lang="en-US" dirty="0" smtClean="0"/>
-              <a:t>Authorization Filters</a:t>
-            </a:r>
-            <a:endParaRPr lang="en-US" dirty="0"/>
-          </a:p>
-        </p:txBody>
-      </p:sp>
-      <p:sp>
-        <p:nvSpPr>
-          <p:cNvPr id="4" name="Subtitle 3"/>
-          <p:cNvSpPr>
-            <a:spLocks noGrp="1"/>
-          </p:cNvSpPr>
-          <p:nvPr>
-            <p:ph type="subTitle" idx="1"/>
-          </p:nvPr>
-        </p:nvSpPr>
-        <p:spPr/>
-        <p:txBody>
-          <a:bodyPr/>
-          <a:lstStyle/>
-          <a:p>
-            <a:r>
-              <a:rPr lang="en-US" dirty="0" smtClean="0"/>
-              <a:t>Attribute it to security</a:t>
-            </a:r>
-            <a:endParaRPr lang="en-US" dirty="0"/>
+              <a:rPr lang="en-US" b="1" dirty="0" smtClean="0"/>
+              <a:t>Token-based Authentication</a:t>
+            </a:r>
+            <a:endParaRPr lang="en-US" b="1" dirty="0"/>
           </a:p>
         </p:txBody>
       </p:sp>
     </p:spTree>
     <p:extLst>
       <p:ext uri="{BB962C8B-B14F-4D97-AF65-F5344CB8AC3E}">
-        <p14:creationId xmlns:p14="http://schemas.microsoft.com/office/powerpoint/2010/main" val="704507945"/>
+        <p14:creationId xmlns:p14="http://schemas.microsoft.com/office/powerpoint/2010/main" val="390858725"/>
       </p:ext>
     </p:extLst>
   </p:cSld>
@@ -4252,7 +9807,7 @@
           <a:p>
             <a:r>
               <a:rPr lang="en-US" dirty="0" smtClean="0"/>
-              <a:t>Custom Authorization Filters</a:t>
+              <a:t>Authorization Filters</a:t>
             </a:r>
             <a:endParaRPr lang="en-US" dirty="0"/>
           </a:p>
@@ -4275,7 +9830,7 @@
           <a:p>
             <a:r>
               <a:rPr lang="en-US" dirty="0" smtClean="0"/>
-              <a:t>Security done your way</a:t>
+              <a:t>Attribute it to security</a:t>
             </a:r>
             <a:endParaRPr lang="en-US" dirty="0"/>
           </a:p>
@@ -4284,7 +9839,7 @@
     </p:spTree>
     <p:extLst>
       <p:ext uri="{BB962C8B-B14F-4D97-AF65-F5344CB8AC3E}">
-        <p14:creationId xmlns:p14="http://schemas.microsoft.com/office/powerpoint/2010/main" val="3698693145"/>
+        <p14:creationId xmlns:p14="http://schemas.microsoft.com/office/powerpoint/2010/main" val="704507945"/>
       </p:ext>
     </p:extLst>
   </p:cSld>
@@ -4320,12 +9875,12 @@
       </p:grpSpPr>
       <p:sp>
         <p:nvSpPr>
-          <p:cNvPr id="5" name="Text Placeholder 4"/>
+          <p:cNvPr id="2" name="Title 1"/>
           <p:cNvSpPr>
             <a:spLocks noGrp="1"/>
           </p:cNvSpPr>
           <p:nvPr>
-            <p:ph type="body" sz="quarter" idx="10"/>
+            <p:ph type="title"/>
           </p:nvPr>
         </p:nvSpPr>
         <p:spPr/>
@@ -4335,7 +9890,7 @@
           <a:p>
             <a:r>
               <a:rPr lang="en-US" dirty="0" smtClean="0"/>
-              <a:t>Role-based Authorization</a:t>
+              <a:t>Authorization Filters</a:t>
             </a:r>
             <a:endParaRPr lang="en-US" dirty="0"/>
           </a:p>
@@ -4343,12 +9898,12 @@
       </p:sp>
       <p:sp>
         <p:nvSpPr>
-          <p:cNvPr id="4" name="Subtitle 3"/>
+          <p:cNvPr id="3" name="Content Placeholder 2"/>
           <p:cNvSpPr>
             <a:spLocks noGrp="1"/>
           </p:cNvSpPr>
           <p:nvPr>
-            <p:ph type="subTitle" idx="1"/>
+            <p:ph sz="quarter" idx="10"/>
           </p:nvPr>
         </p:nvSpPr>
         <p:spPr/>
@@ -4358,16 +9913,63 @@
           <a:p>
             <a:r>
               <a:rPr lang="en-US" dirty="0" smtClean="0"/>
-              <a:t>A role-playing API</a:t>
-            </a:r>
-            <a:endParaRPr lang="en-US" dirty="0"/>
+              <a:t>Authorize is based on existing user and roles</a:t>
+            </a:r>
+          </a:p>
+          <a:p>
+            <a:r>
+              <a:rPr lang="en-US" dirty="0" err="1" smtClean="0"/>
+              <a:t>AuthorizationFilter</a:t>
+            </a:r>
+            <a:r>
+              <a:rPr lang="en-US" dirty="0" smtClean="0"/>
+              <a:t> enables more complex (synchronous) scenarios </a:t>
+            </a:r>
+          </a:p>
+          <a:p>
+            <a:r>
+              <a:rPr lang="en-US" dirty="0" err="1" smtClean="0"/>
+              <a:t>IAuthorizationFilter</a:t>
+            </a:r>
+            <a:r>
+              <a:rPr lang="en-US" dirty="0" smtClean="0"/>
+              <a:t> allows for asynchronous logic </a:t>
+            </a:r>
+          </a:p>
+          <a:p>
+            <a:r>
+              <a:rPr lang="en-US" dirty="0" smtClean="0"/>
+              <a:t>Can be applied at action, controller, or global level</a:t>
+            </a:r>
+          </a:p>
+          <a:p>
+            <a:r>
+              <a:rPr lang="en-US" dirty="0" smtClean="0"/>
+              <a:t>Authorize is the only function “out of the box” </a:t>
+            </a:r>
+          </a:p>
+          <a:p>
+            <a:r>
+              <a:rPr lang="en-US" dirty="0" smtClean="0"/>
+              <a:t>Filters require customization</a:t>
+            </a:r>
+            <a:endParaRPr lang="en-US" dirty="0" smtClean="0"/>
+          </a:p>
+          <a:p>
+            <a:endParaRPr lang="en-US" dirty="0" smtClean="0"/>
+          </a:p>
+          <a:p>
+            <a:endParaRPr lang="en-US" dirty="0" smtClean="0"/>
+          </a:p>
+          <a:p>
+            <a:endParaRPr lang="en-US" dirty="0" smtClean="0"/>
           </a:p>
         </p:txBody>
       </p:sp>
     </p:spTree>
     <p:extLst>
       <p:ext uri="{BB962C8B-B14F-4D97-AF65-F5344CB8AC3E}">
-        <p14:creationId xmlns:p14="http://schemas.microsoft.com/office/powerpoint/2010/main" val="189486742"/>
+        <p14:creationId xmlns:p14="http://schemas.microsoft.com/office/powerpoint/2010/main" val="1939565177"/>
       </p:ext>
     </p:extLst>
   </p:cSld>
@@ -4418,7 +10020,7 @@
           <a:p>
             <a:r>
               <a:rPr lang="en-US" dirty="0" smtClean="0"/>
-              <a:t>Preventing Cross-Site Request Forgery</a:t>
+              <a:t>Custom Authorization Filters</a:t>
             </a:r>
             <a:endParaRPr lang="en-US" dirty="0"/>
           </a:p>
@@ -4441,7 +10043,7 @@
           <a:p>
             <a:r>
               <a:rPr lang="en-US" dirty="0" smtClean="0"/>
-              <a:t>Your public service anti-XSRF message</a:t>
+              <a:t>Security done your way</a:t>
             </a:r>
             <a:endParaRPr lang="en-US" dirty="0"/>
           </a:p>
@@ -4450,7 +10052,7 @@
     </p:spTree>
     <p:extLst>
       <p:ext uri="{BB962C8B-B14F-4D97-AF65-F5344CB8AC3E}">
-        <p14:creationId xmlns:p14="http://schemas.microsoft.com/office/powerpoint/2010/main" val="4065454788"/>
+        <p14:creationId xmlns:p14="http://schemas.microsoft.com/office/powerpoint/2010/main" val="3698693145"/>
       </p:ext>
     </p:extLst>
   </p:cSld>
@@ -4484,10 +10086,381 @@
           <a:chExt cx="0" cy="0"/>
         </a:xfrm>
       </p:grpSpPr>
+      <p:sp>
+        <p:nvSpPr>
+          <p:cNvPr id="2" name="Title 1"/>
+          <p:cNvSpPr>
+            <a:spLocks noGrp="1"/>
+          </p:cNvSpPr>
+          <p:nvPr>
+            <p:ph type="title"/>
+          </p:nvPr>
+        </p:nvSpPr>
+        <p:spPr/>
+        <p:txBody>
+          <a:bodyPr/>
+          <a:lstStyle/>
+          <a:p>
+            <a:r>
+              <a:rPr lang="en-US" dirty="0" smtClean="0"/>
+              <a:t>Custom Authorization Filters</a:t>
+            </a:r>
+            <a:endParaRPr lang="en-US" dirty="0"/>
+          </a:p>
+        </p:txBody>
+      </p:sp>
+      <p:sp>
+        <p:nvSpPr>
+          <p:cNvPr id="3" name="Content Placeholder 2"/>
+          <p:cNvSpPr>
+            <a:spLocks noGrp="1"/>
+          </p:cNvSpPr>
+          <p:nvPr>
+            <p:ph sz="quarter" idx="10"/>
+          </p:nvPr>
+        </p:nvSpPr>
+        <p:spPr/>
+        <p:txBody>
+          <a:bodyPr/>
+          <a:lstStyle/>
+          <a:p>
+            <a:r>
+              <a:rPr lang="en-US" dirty="0" smtClean="0"/>
+              <a:t>More specific than message handler</a:t>
+            </a:r>
+            <a:endParaRPr lang="en-US" dirty="0" smtClean="0"/>
+          </a:p>
+          <a:p>
+            <a:r>
+              <a:rPr lang="en-US" dirty="0" smtClean="0"/>
+              <a:t>Typically derive from </a:t>
+            </a:r>
+            <a:r>
+              <a:rPr lang="en-US" dirty="0" err="1" smtClean="0"/>
+              <a:t>AuthorizationFilterAttribute</a:t>
+            </a:r>
+            <a:endParaRPr lang="en-US" dirty="0" smtClean="0"/>
+          </a:p>
+          <a:p>
+            <a:r>
+              <a:rPr lang="en-US" dirty="0" smtClean="0"/>
+              <a:t>For asynchronous tasks, implement </a:t>
+            </a:r>
+            <a:r>
+              <a:rPr lang="en-US" dirty="0" err="1" smtClean="0"/>
+              <a:t>IAuthorizationFilter</a:t>
+            </a:r>
+            <a:endParaRPr lang="en-US" dirty="0" smtClean="0"/>
+          </a:p>
+          <a:p>
+            <a:r>
+              <a:rPr lang="en-US" dirty="0" smtClean="0"/>
+              <a:t>Override </a:t>
+            </a:r>
+            <a:r>
+              <a:rPr lang="en-US" dirty="0" err="1" smtClean="0"/>
+              <a:t>OnAuthorization</a:t>
+            </a:r>
+            <a:r>
+              <a:rPr lang="en-US" dirty="0" smtClean="0"/>
+              <a:t> </a:t>
+            </a:r>
+          </a:p>
+          <a:p>
+            <a:endParaRPr lang="en-US" dirty="0" smtClean="0"/>
+          </a:p>
+          <a:p>
+            <a:endParaRPr lang="en-US" dirty="0" smtClean="0"/>
+          </a:p>
+          <a:p>
+            <a:endParaRPr lang="en-US" dirty="0" smtClean="0"/>
+          </a:p>
+          <a:p>
+            <a:endParaRPr lang="en-US" dirty="0" smtClean="0"/>
+          </a:p>
+        </p:txBody>
+      </p:sp>
     </p:spTree>
     <p:extLst>
       <p:ext uri="{BB962C8B-B14F-4D97-AF65-F5344CB8AC3E}">
-        <p14:creationId xmlns:p14="http://schemas.microsoft.com/office/powerpoint/2010/main" val="898363405"/>
+        <p14:creationId xmlns:p14="http://schemas.microsoft.com/office/powerpoint/2010/main" val="1739306052"/>
+      </p:ext>
+    </p:extLst>
+  </p:cSld>
+  <p:clrMapOvr>
+    <a:masterClrMapping/>
+  </p:clrMapOvr>
+  <p:timing>
+    <p:tnLst>
+      <p:par>
+        <p:cTn id="1" dur="indefinite" restart="never" nodeType="tmRoot"/>
+      </p:par>
+    </p:tnLst>
+  </p:timing>
+</p:sld>
+</file>
+
+<file path=ppt/slides/slide17.xml><?xml version="1.0" encoding="utf-8"?>
+<p:sld xmlns:a="http://schemas.openxmlformats.org/drawingml/2006/main" xmlns:r="http://schemas.openxmlformats.org/officeDocument/2006/relationships" xmlns:p="http://schemas.openxmlformats.org/presentationml/2006/main">
+  <p:cSld>
+    <p:spTree>
+      <p:nvGrpSpPr>
+        <p:cNvPr id="1" name=""/>
+        <p:cNvGrpSpPr/>
+        <p:nvPr/>
+      </p:nvGrpSpPr>
+      <p:grpSpPr>
+        <a:xfrm>
+          <a:off x="0" y="0"/>
+          <a:ext cx="0" cy="0"/>
+          <a:chOff x="0" y="0"/>
+          <a:chExt cx="0" cy="0"/>
+        </a:xfrm>
+      </p:grpSpPr>
+      <p:sp>
+        <p:nvSpPr>
+          <p:cNvPr id="4" name="Title 3"/>
+          <p:cNvSpPr>
+            <a:spLocks noGrp="1"/>
+          </p:cNvSpPr>
+          <p:nvPr>
+            <p:ph type="title"/>
+          </p:nvPr>
+        </p:nvSpPr>
+        <p:spPr/>
+        <p:txBody>
+          <a:bodyPr>
+            <a:normAutofit/>
+          </a:bodyPr>
+          <a:lstStyle/>
+          <a:p>
+            <a:r>
+              <a:rPr lang="en-US" b="1" dirty="0" smtClean="0"/>
+              <a:t>Custom Authorization Filters</a:t>
+            </a:r>
+            <a:endParaRPr lang="en-US" b="1" dirty="0"/>
+          </a:p>
+        </p:txBody>
+      </p:sp>
+    </p:spTree>
+    <p:extLst>
+      <p:ext uri="{BB962C8B-B14F-4D97-AF65-F5344CB8AC3E}">
+        <p14:creationId xmlns:p14="http://schemas.microsoft.com/office/powerpoint/2010/main" val="920121662"/>
+      </p:ext>
+    </p:extLst>
+  </p:cSld>
+  <p:clrMapOvr>
+    <a:masterClrMapping/>
+  </p:clrMapOvr>
+  <p:timing>
+    <p:tnLst>
+      <p:par>
+        <p:cTn id="1" dur="indefinite" restart="never" nodeType="tmRoot"/>
+      </p:par>
+    </p:tnLst>
+  </p:timing>
+</p:sld>
+</file>
+
+<file path=ppt/slides/slide18.xml><?xml version="1.0" encoding="utf-8"?>
+<p:sld xmlns:a="http://schemas.openxmlformats.org/drawingml/2006/main" xmlns:r="http://schemas.openxmlformats.org/officeDocument/2006/relationships" xmlns:p="http://schemas.openxmlformats.org/presentationml/2006/main">
+  <p:cSld>
+    <p:spTree>
+      <p:nvGrpSpPr>
+        <p:cNvPr id="1" name=""/>
+        <p:cNvGrpSpPr/>
+        <p:nvPr/>
+      </p:nvGrpSpPr>
+      <p:grpSpPr>
+        <a:xfrm>
+          <a:off x="0" y="0"/>
+          <a:ext cx="0" cy="0"/>
+          <a:chOff x="0" y="0"/>
+          <a:chExt cx="0" cy="0"/>
+        </a:xfrm>
+      </p:grpSpPr>
+      <p:sp>
+        <p:nvSpPr>
+          <p:cNvPr id="5" name="Text Placeholder 4"/>
+          <p:cNvSpPr>
+            <a:spLocks noGrp="1"/>
+          </p:cNvSpPr>
+          <p:nvPr>
+            <p:ph type="body" sz="quarter" idx="10"/>
+          </p:nvPr>
+        </p:nvSpPr>
+        <p:spPr/>
+        <p:txBody>
+          <a:bodyPr/>
+          <a:lstStyle/>
+          <a:p>
+            <a:r>
+              <a:rPr lang="en-US" dirty="0" smtClean="0"/>
+              <a:t>Role-based Authorization</a:t>
+            </a:r>
+            <a:endParaRPr lang="en-US" dirty="0"/>
+          </a:p>
+        </p:txBody>
+      </p:sp>
+      <p:sp>
+        <p:nvSpPr>
+          <p:cNvPr id="4" name="Subtitle 3"/>
+          <p:cNvSpPr>
+            <a:spLocks noGrp="1"/>
+          </p:cNvSpPr>
+          <p:nvPr>
+            <p:ph type="subTitle" idx="1"/>
+          </p:nvPr>
+        </p:nvSpPr>
+        <p:spPr/>
+        <p:txBody>
+          <a:bodyPr/>
+          <a:lstStyle/>
+          <a:p>
+            <a:r>
+              <a:rPr lang="en-US" dirty="0" smtClean="0"/>
+              <a:t>A role-playing API</a:t>
+            </a:r>
+            <a:endParaRPr lang="en-US" dirty="0"/>
+          </a:p>
+        </p:txBody>
+      </p:sp>
+    </p:spTree>
+    <p:extLst>
+      <p:ext uri="{BB962C8B-B14F-4D97-AF65-F5344CB8AC3E}">
+        <p14:creationId xmlns:p14="http://schemas.microsoft.com/office/powerpoint/2010/main" val="189486742"/>
+      </p:ext>
+    </p:extLst>
+  </p:cSld>
+  <p:clrMapOvr>
+    <a:masterClrMapping/>
+  </p:clrMapOvr>
+  <p:timing>
+    <p:tnLst>
+      <p:par>
+        <p:cTn id="1" dur="indefinite" restart="never" nodeType="tmRoot"/>
+      </p:par>
+    </p:tnLst>
+  </p:timing>
+</p:sld>
+</file>
+
+<file path=ppt/slides/slide19.xml><?xml version="1.0" encoding="utf-8"?>
+<p:sld xmlns:a="http://schemas.openxmlformats.org/drawingml/2006/main" xmlns:r="http://schemas.openxmlformats.org/officeDocument/2006/relationships" xmlns:p="http://schemas.openxmlformats.org/presentationml/2006/main">
+  <p:cSld>
+    <p:spTree>
+      <p:nvGrpSpPr>
+        <p:cNvPr id="1" name=""/>
+        <p:cNvGrpSpPr/>
+        <p:nvPr/>
+      </p:nvGrpSpPr>
+      <p:grpSpPr>
+        <a:xfrm>
+          <a:off x="0" y="0"/>
+          <a:ext cx="0" cy="0"/>
+          <a:chOff x="0" y="0"/>
+          <a:chExt cx="0" cy="0"/>
+        </a:xfrm>
+      </p:grpSpPr>
+      <p:sp>
+        <p:nvSpPr>
+          <p:cNvPr id="2" name="Title 1"/>
+          <p:cNvSpPr>
+            <a:spLocks noGrp="1"/>
+          </p:cNvSpPr>
+          <p:nvPr>
+            <p:ph type="title"/>
+          </p:nvPr>
+        </p:nvSpPr>
+        <p:spPr/>
+        <p:txBody>
+          <a:bodyPr/>
+          <a:lstStyle/>
+          <a:p>
+            <a:r>
+              <a:rPr lang="en-US" dirty="0" smtClean="0"/>
+              <a:t>Role-based Authorization</a:t>
+            </a:r>
+            <a:endParaRPr lang="en-US" dirty="0"/>
+          </a:p>
+        </p:txBody>
+      </p:sp>
+      <p:sp>
+        <p:nvSpPr>
+          <p:cNvPr id="3" name="Content Placeholder 2"/>
+          <p:cNvSpPr>
+            <a:spLocks noGrp="1"/>
+          </p:cNvSpPr>
+          <p:nvPr>
+            <p:ph sz="quarter" idx="10"/>
+          </p:nvPr>
+        </p:nvSpPr>
+        <p:spPr/>
+        <p:txBody>
+          <a:bodyPr/>
+          <a:lstStyle/>
+          <a:p>
+            <a:r>
+              <a:rPr lang="en-US" dirty="0" smtClean="0"/>
+              <a:t>Authorize allows you to specify users</a:t>
+            </a:r>
+          </a:p>
+          <a:p>
+            <a:r>
+              <a:rPr lang="en-US" dirty="0" smtClean="0"/>
+              <a:t>This doesn’t scale well</a:t>
+            </a:r>
+          </a:p>
+          <a:p>
+            <a:r>
+              <a:rPr lang="en-US" dirty="0" smtClean="0"/>
+              <a:t>Roles provide a scalable means of authorization access to resources</a:t>
+            </a:r>
+          </a:p>
+          <a:p>
+            <a:r>
+              <a:rPr lang="en-US" dirty="0" smtClean="0"/>
+              <a:t>Use attribute-based to lock down entire resource</a:t>
+            </a:r>
+          </a:p>
+          <a:p>
+            <a:r>
+              <a:rPr lang="en-US" dirty="0" smtClean="0"/>
+              <a:t>Use </a:t>
+            </a:r>
+            <a:r>
+              <a:rPr lang="en-US" dirty="0" err="1" smtClean="0"/>
+              <a:t>IsInRole</a:t>
+            </a:r>
+            <a:r>
+              <a:rPr lang="en-US" dirty="0" smtClean="0"/>
+              <a:t> for custom logic based on roles</a:t>
+            </a:r>
+          </a:p>
+          <a:p>
+            <a:r>
+              <a:rPr lang="en-US" dirty="0" smtClean="0"/>
+              <a:t>Set up roles in your authentication logic</a:t>
+            </a:r>
+          </a:p>
+          <a:p>
+            <a:endParaRPr lang="en-US" dirty="0" smtClean="0"/>
+          </a:p>
+          <a:p>
+            <a:endParaRPr lang="en-US" dirty="0" smtClean="0"/>
+          </a:p>
+          <a:p>
+            <a:endParaRPr lang="en-US" dirty="0" smtClean="0"/>
+          </a:p>
+          <a:p>
+            <a:endParaRPr lang="en-US" dirty="0" smtClean="0"/>
+          </a:p>
+        </p:txBody>
+      </p:sp>
+    </p:spTree>
+    <p:extLst>
+      <p:ext uri="{BB962C8B-B14F-4D97-AF65-F5344CB8AC3E}">
+        <p14:creationId xmlns:p14="http://schemas.microsoft.com/office/powerpoint/2010/main" val="2788881825"/>
       </p:ext>
     </p:extLst>
   </p:cSld>
@@ -4609,6 +10582,504 @@
     <p:extLst>
       <p:ext uri="{BB962C8B-B14F-4D97-AF65-F5344CB8AC3E}">
         <p14:creationId xmlns:p14="http://schemas.microsoft.com/office/powerpoint/2010/main" val="318349970"/>
+      </p:ext>
+    </p:extLst>
+  </p:cSld>
+  <p:clrMapOvr>
+    <a:masterClrMapping/>
+  </p:clrMapOvr>
+  <p:timing>
+    <p:tnLst>
+      <p:par>
+        <p:cTn id="1" dur="indefinite" restart="never" nodeType="tmRoot"/>
+      </p:par>
+    </p:tnLst>
+  </p:timing>
+</p:sld>
+</file>
+
+<file path=ppt/slides/slide20.xml><?xml version="1.0" encoding="utf-8"?>
+<p:sld xmlns:a="http://schemas.openxmlformats.org/drawingml/2006/main" xmlns:r="http://schemas.openxmlformats.org/officeDocument/2006/relationships" xmlns:p="http://schemas.openxmlformats.org/presentationml/2006/main">
+  <p:cSld>
+    <p:spTree>
+      <p:nvGrpSpPr>
+        <p:cNvPr id="1" name=""/>
+        <p:cNvGrpSpPr/>
+        <p:nvPr/>
+      </p:nvGrpSpPr>
+      <p:grpSpPr>
+        <a:xfrm>
+          <a:off x="0" y="0"/>
+          <a:ext cx="0" cy="0"/>
+          <a:chOff x="0" y="0"/>
+          <a:chExt cx="0" cy="0"/>
+        </a:xfrm>
+      </p:grpSpPr>
+      <p:sp>
+        <p:nvSpPr>
+          <p:cNvPr id="4" name="Title 3"/>
+          <p:cNvSpPr>
+            <a:spLocks noGrp="1"/>
+          </p:cNvSpPr>
+          <p:nvPr>
+            <p:ph type="title"/>
+          </p:nvPr>
+        </p:nvSpPr>
+        <p:spPr/>
+        <p:txBody>
+          <a:bodyPr>
+            <a:normAutofit/>
+          </a:bodyPr>
+          <a:lstStyle/>
+          <a:p>
+            <a:r>
+              <a:rPr lang="en-US" b="1" dirty="0" smtClean="0"/>
+              <a:t>Role-based Authorization</a:t>
+            </a:r>
+            <a:endParaRPr lang="en-US" b="1" dirty="0"/>
+          </a:p>
+        </p:txBody>
+      </p:sp>
+    </p:spTree>
+    <p:extLst>
+      <p:ext uri="{BB962C8B-B14F-4D97-AF65-F5344CB8AC3E}">
+        <p14:creationId xmlns:p14="http://schemas.microsoft.com/office/powerpoint/2010/main" val="4074057666"/>
+      </p:ext>
+    </p:extLst>
+  </p:cSld>
+  <p:clrMapOvr>
+    <a:masterClrMapping/>
+  </p:clrMapOvr>
+  <p:timing>
+    <p:tnLst>
+      <p:par>
+        <p:cTn id="1" dur="indefinite" restart="never" nodeType="tmRoot"/>
+      </p:par>
+    </p:tnLst>
+  </p:timing>
+</p:sld>
+</file>
+
+<file path=ppt/slides/slide21.xml><?xml version="1.0" encoding="utf-8"?>
+<p:sld xmlns:a="http://schemas.openxmlformats.org/drawingml/2006/main" xmlns:r="http://schemas.openxmlformats.org/officeDocument/2006/relationships" xmlns:p="http://schemas.openxmlformats.org/presentationml/2006/main">
+  <p:cSld>
+    <p:spTree>
+      <p:nvGrpSpPr>
+        <p:cNvPr id="1" name=""/>
+        <p:cNvGrpSpPr/>
+        <p:nvPr/>
+      </p:nvGrpSpPr>
+      <p:grpSpPr>
+        <a:xfrm>
+          <a:off x="0" y="0"/>
+          <a:ext cx="0" cy="0"/>
+          <a:chOff x="0" y="0"/>
+          <a:chExt cx="0" cy="0"/>
+        </a:xfrm>
+      </p:grpSpPr>
+      <p:sp>
+        <p:nvSpPr>
+          <p:cNvPr id="5" name="Text Placeholder 4"/>
+          <p:cNvSpPr>
+            <a:spLocks noGrp="1"/>
+          </p:cNvSpPr>
+          <p:nvPr>
+            <p:ph type="body" sz="quarter" idx="10"/>
+          </p:nvPr>
+        </p:nvSpPr>
+        <p:spPr/>
+        <p:txBody>
+          <a:bodyPr/>
+          <a:lstStyle/>
+          <a:p>
+            <a:r>
+              <a:rPr lang="en-US" dirty="0" smtClean="0"/>
+              <a:t>Preventing Cross-Site Request Forgery</a:t>
+            </a:r>
+            <a:endParaRPr lang="en-US" dirty="0"/>
+          </a:p>
+        </p:txBody>
+      </p:sp>
+      <p:sp>
+        <p:nvSpPr>
+          <p:cNvPr id="4" name="Subtitle 3"/>
+          <p:cNvSpPr>
+            <a:spLocks noGrp="1"/>
+          </p:cNvSpPr>
+          <p:nvPr>
+            <p:ph type="subTitle" idx="1"/>
+          </p:nvPr>
+        </p:nvSpPr>
+        <p:spPr/>
+        <p:txBody>
+          <a:bodyPr/>
+          <a:lstStyle/>
+          <a:p>
+            <a:r>
+              <a:rPr lang="en-US" dirty="0" smtClean="0"/>
+              <a:t>Your public service anti-XSRF message</a:t>
+            </a:r>
+            <a:endParaRPr lang="en-US" dirty="0"/>
+          </a:p>
+        </p:txBody>
+      </p:sp>
+    </p:spTree>
+    <p:extLst>
+      <p:ext uri="{BB962C8B-B14F-4D97-AF65-F5344CB8AC3E}">
+        <p14:creationId xmlns:p14="http://schemas.microsoft.com/office/powerpoint/2010/main" val="4065454788"/>
+      </p:ext>
+    </p:extLst>
+  </p:cSld>
+  <p:clrMapOvr>
+    <a:masterClrMapping/>
+  </p:clrMapOvr>
+  <p:timing>
+    <p:tnLst>
+      <p:par>
+        <p:cTn id="1" dur="indefinite" restart="never" nodeType="tmRoot"/>
+      </p:par>
+    </p:tnLst>
+  </p:timing>
+</p:sld>
+</file>
+
+<file path=ppt/slides/slide22.xml><?xml version="1.0" encoding="utf-8"?>
+<p:sld xmlns:a="http://schemas.openxmlformats.org/drawingml/2006/main" xmlns:r="http://schemas.openxmlformats.org/officeDocument/2006/relationships" xmlns:p="http://schemas.openxmlformats.org/presentationml/2006/main">
+  <p:cSld>
+    <p:spTree>
+      <p:nvGrpSpPr>
+        <p:cNvPr id="1" name=""/>
+        <p:cNvGrpSpPr/>
+        <p:nvPr/>
+      </p:nvGrpSpPr>
+      <p:grpSpPr>
+        <a:xfrm>
+          <a:off x="0" y="0"/>
+          <a:ext cx="0" cy="0"/>
+          <a:chOff x="0" y="0"/>
+          <a:chExt cx="0" cy="0"/>
+        </a:xfrm>
+      </p:grpSpPr>
+      <p:sp>
+        <p:nvSpPr>
+          <p:cNvPr id="2" name="Title 1"/>
+          <p:cNvSpPr>
+            <a:spLocks noGrp="1"/>
+          </p:cNvSpPr>
+          <p:nvPr>
+            <p:ph type="title"/>
+          </p:nvPr>
+        </p:nvSpPr>
+        <p:spPr/>
+        <p:txBody>
+          <a:bodyPr>
+            <a:normAutofit fontScale="90000"/>
+          </a:bodyPr>
+          <a:lstStyle/>
+          <a:p>
+            <a:r>
+              <a:rPr lang="en-US" dirty="0" smtClean="0"/>
+              <a:t>Cross-Site Request Forgery</a:t>
+            </a:r>
+            <a:br>
+              <a:rPr lang="en-US" dirty="0" smtClean="0"/>
+            </a:br>
+            <a:r>
+              <a:rPr lang="en-US" dirty="0" smtClean="0"/>
+              <a:t>(CSRF)</a:t>
+            </a:r>
+            <a:endParaRPr lang="en-US" dirty="0"/>
+          </a:p>
+        </p:txBody>
+      </p:sp>
+      <p:sp>
+        <p:nvSpPr>
+          <p:cNvPr id="3" name="Content Placeholder 2"/>
+          <p:cNvSpPr>
+            <a:spLocks noGrp="1"/>
+          </p:cNvSpPr>
+          <p:nvPr>
+            <p:ph sz="quarter" idx="10"/>
+          </p:nvPr>
+        </p:nvSpPr>
+        <p:spPr/>
+        <p:txBody>
+          <a:bodyPr/>
+          <a:lstStyle/>
+          <a:p>
+            <a:r>
+              <a:rPr lang="en-US" dirty="0" smtClean="0"/>
+              <a:t>Malicious attack </a:t>
+            </a:r>
+          </a:p>
+          <a:p>
+            <a:r>
+              <a:rPr lang="en-US" dirty="0" smtClean="0"/>
+              <a:t>Post to your site from third-party site</a:t>
+            </a:r>
+          </a:p>
+          <a:p>
+            <a:r>
+              <a:rPr lang="en-US" dirty="0" smtClean="0"/>
+              <a:t>Takes advantage of the cookie generated for the user</a:t>
+            </a:r>
+          </a:p>
+          <a:p>
+            <a:r>
+              <a:rPr lang="en-US" dirty="0" smtClean="0"/>
+              <a:t>To prevent, use anti-forgery tokens</a:t>
+            </a:r>
+          </a:p>
+          <a:p>
+            <a:r>
+              <a:rPr lang="en-US" dirty="0" smtClean="0"/>
+              <a:t>Documents on two different sites cannot access each other’s content, so you can embed token in the page on your site but malicious site won’t know what it is </a:t>
+            </a:r>
+          </a:p>
+          <a:p>
+            <a:r>
+              <a:rPr lang="en-US" dirty="0" smtClean="0"/>
+              <a:t>Especially important if you enable CORS (cross-origin resource sharing)</a:t>
+            </a:r>
+          </a:p>
+          <a:p>
+            <a:endParaRPr lang="en-US" dirty="0" smtClean="0"/>
+          </a:p>
+          <a:p>
+            <a:endParaRPr lang="en-US" dirty="0" smtClean="0"/>
+          </a:p>
+          <a:p>
+            <a:endParaRPr lang="en-US" dirty="0" smtClean="0"/>
+          </a:p>
+          <a:p>
+            <a:endParaRPr lang="en-US" dirty="0" smtClean="0"/>
+          </a:p>
+          <a:p>
+            <a:endParaRPr lang="en-US" dirty="0" smtClean="0"/>
+          </a:p>
+        </p:txBody>
+      </p:sp>
+    </p:spTree>
+    <p:extLst>
+      <p:ext uri="{BB962C8B-B14F-4D97-AF65-F5344CB8AC3E}">
+        <p14:creationId xmlns:p14="http://schemas.microsoft.com/office/powerpoint/2010/main" val="645902919"/>
+      </p:ext>
+    </p:extLst>
+  </p:cSld>
+  <p:clrMapOvr>
+    <a:masterClrMapping/>
+  </p:clrMapOvr>
+  <p:timing>
+    <p:tnLst>
+      <p:par>
+        <p:cTn id="1" dur="indefinite" restart="never" nodeType="tmRoot"/>
+      </p:par>
+    </p:tnLst>
+  </p:timing>
+</p:sld>
+</file>
+
+<file path=ppt/slides/slide23.xml><?xml version="1.0" encoding="utf-8"?>
+<p:sld xmlns:a="http://schemas.openxmlformats.org/drawingml/2006/main" xmlns:r="http://schemas.openxmlformats.org/officeDocument/2006/relationships" xmlns:p="http://schemas.openxmlformats.org/presentationml/2006/main">
+  <p:cSld>
+    <p:spTree>
+      <p:nvGrpSpPr>
+        <p:cNvPr id="1" name=""/>
+        <p:cNvGrpSpPr/>
+        <p:nvPr/>
+      </p:nvGrpSpPr>
+      <p:grpSpPr>
+        <a:xfrm>
+          <a:off x="0" y="0"/>
+          <a:ext cx="0" cy="0"/>
+          <a:chOff x="0" y="0"/>
+          <a:chExt cx="0" cy="0"/>
+        </a:xfrm>
+      </p:grpSpPr>
+      <p:sp>
+        <p:nvSpPr>
+          <p:cNvPr id="2" name="Title 1"/>
+          <p:cNvSpPr>
+            <a:spLocks noGrp="1"/>
+          </p:cNvSpPr>
+          <p:nvPr>
+            <p:ph type="title"/>
+          </p:nvPr>
+        </p:nvSpPr>
+        <p:spPr/>
+        <p:txBody>
+          <a:bodyPr>
+            <a:normAutofit/>
+          </a:bodyPr>
+          <a:lstStyle/>
+          <a:p>
+            <a:r>
+              <a:rPr lang="en-US" dirty="0" smtClean="0"/>
+              <a:t>Anti-Forgery</a:t>
+            </a:r>
+            <a:endParaRPr lang="en-US" dirty="0"/>
+          </a:p>
+        </p:txBody>
+      </p:sp>
+      <p:sp>
+        <p:nvSpPr>
+          <p:cNvPr id="3" name="Content Placeholder 2"/>
+          <p:cNvSpPr>
+            <a:spLocks noGrp="1"/>
+          </p:cNvSpPr>
+          <p:nvPr>
+            <p:ph sz="quarter" idx="10"/>
+          </p:nvPr>
+        </p:nvSpPr>
+        <p:spPr/>
+        <p:txBody>
+          <a:bodyPr/>
+          <a:lstStyle/>
+          <a:p>
+            <a:pPr marL="0" indent="0">
+              <a:buNone/>
+            </a:pPr>
+            <a:endParaRPr lang="en-US" dirty="0" smtClean="0"/>
+          </a:p>
+          <a:p>
+            <a:endParaRPr lang="en-US" dirty="0" smtClean="0"/>
+          </a:p>
+          <a:p>
+            <a:endParaRPr lang="en-US" dirty="0" smtClean="0"/>
+          </a:p>
+          <a:p>
+            <a:endParaRPr lang="en-US" dirty="0" smtClean="0"/>
+          </a:p>
+          <a:p>
+            <a:endParaRPr lang="en-US" dirty="0" smtClean="0"/>
+          </a:p>
+        </p:txBody>
+      </p:sp>
+      <p:graphicFrame>
+        <p:nvGraphicFramePr>
+          <p:cNvPr id="4" name="Diagram 3"/>
+          <p:cNvGraphicFramePr/>
+          <p:nvPr>
+            <p:extLst>
+              <p:ext uri="{D42A27DB-BD31-4B8C-83A1-F6EECF244321}">
+                <p14:modId xmlns:p14="http://schemas.microsoft.com/office/powerpoint/2010/main" val="3091490015"/>
+              </p:ext>
+            </p:extLst>
+          </p:nvPr>
+        </p:nvGraphicFramePr>
+        <p:xfrm>
+          <a:off x="1066800" y="1005840"/>
+          <a:ext cx="10048240" cy="5162973"/>
+        </p:xfrm>
+        <a:graphic>
+          <a:graphicData uri="http://schemas.openxmlformats.org/drawingml/2006/diagram">
+            <dgm:relIds xmlns:dgm="http://schemas.openxmlformats.org/drawingml/2006/diagram" xmlns:r="http://schemas.openxmlformats.org/officeDocument/2006/relationships" r:dm="rId2" r:lo="rId3" r:qs="rId4" r:cs="rId5"/>
+          </a:graphicData>
+        </a:graphic>
+      </p:graphicFrame>
+    </p:spTree>
+    <p:extLst>
+      <p:ext uri="{BB962C8B-B14F-4D97-AF65-F5344CB8AC3E}">
+        <p14:creationId xmlns:p14="http://schemas.microsoft.com/office/powerpoint/2010/main" val="4221699451"/>
+      </p:ext>
+    </p:extLst>
+  </p:cSld>
+  <p:clrMapOvr>
+    <a:masterClrMapping/>
+  </p:clrMapOvr>
+  <p:timing>
+    <p:tnLst>
+      <p:par>
+        <p:cTn id="1" dur="indefinite" restart="never" nodeType="tmRoot"/>
+      </p:par>
+    </p:tnLst>
+  </p:timing>
+</p:sld>
+</file>
+
+<file path=ppt/slides/slide24.xml><?xml version="1.0" encoding="utf-8"?>
+<p:sld xmlns:a="http://schemas.openxmlformats.org/drawingml/2006/main" xmlns:r="http://schemas.openxmlformats.org/officeDocument/2006/relationships" xmlns:p="http://schemas.openxmlformats.org/presentationml/2006/main">
+  <p:cSld>
+    <p:spTree>
+      <p:nvGrpSpPr>
+        <p:cNvPr id="1" name=""/>
+        <p:cNvGrpSpPr/>
+        <p:nvPr/>
+      </p:nvGrpSpPr>
+      <p:grpSpPr>
+        <a:xfrm>
+          <a:off x="0" y="0"/>
+          <a:ext cx="0" cy="0"/>
+          <a:chOff x="0" y="0"/>
+          <a:chExt cx="0" cy="0"/>
+        </a:xfrm>
+      </p:grpSpPr>
+      <p:sp>
+        <p:nvSpPr>
+          <p:cNvPr id="4" name="Title 3"/>
+          <p:cNvSpPr>
+            <a:spLocks noGrp="1"/>
+          </p:cNvSpPr>
+          <p:nvPr>
+            <p:ph type="title"/>
+          </p:nvPr>
+        </p:nvSpPr>
+        <p:spPr/>
+        <p:txBody>
+          <a:bodyPr>
+            <a:normAutofit/>
+          </a:bodyPr>
+          <a:lstStyle/>
+          <a:p>
+            <a:r>
+              <a:rPr lang="en-US" b="1" dirty="0" smtClean="0"/>
+              <a:t>Anti-Forgery Tokens</a:t>
+            </a:r>
+            <a:endParaRPr lang="en-US" b="1" dirty="0"/>
+          </a:p>
+        </p:txBody>
+      </p:sp>
+    </p:spTree>
+    <p:extLst>
+      <p:ext uri="{BB962C8B-B14F-4D97-AF65-F5344CB8AC3E}">
+        <p14:creationId xmlns:p14="http://schemas.microsoft.com/office/powerpoint/2010/main" val="2780592284"/>
+      </p:ext>
+    </p:extLst>
+  </p:cSld>
+  <p:clrMapOvr>
+    <a:masterClrMapping/>
+  </p:clrMapOvr>
+  <p:timing>
+    <p:tnLst>
+      <p:par>
+        <p:cTn id="1" dur="indefinite" restart="never" nodeType="tmRoot"/>
+      </p:par>
+    </p:tnLst>
+  </p:timing>
+</p:sld>
+</file>
+
+<file path=ppt/slides/slide25.xml><?xml version="1.0" encoding="utf-8"?>
+<p:sld xmlns:a="http://schemas.openxmlformats.org/drawingml/2006/main" xmlns:r="http://schemas.openxmlformats.org/officeDocument/2006/relationships" xmlns:p="http://schemas.openxmlformats.org/presentationml/2006/main">
+  <p:cSld>
+    <p:spTree>
+      <p:nvGrpSpPr>
+        <p:cNvPr id="1" name=""/>
+        <p:cNvGrpSpPr/>
+        <p:nvPr/>
+      </p:nvGrpSpPr>
+      <p:grpSpPr>
+        <a:xfrm>
+          <a:off x="0" y="0"/>
+          <a:ext cx="0" cy="0"/>
+          <a:chOff x="0" y="0"/>
+          <a:chExt cx="0" cy="0"/>
+        </a:xfrm>
+      </p:grpSpPr>
+    </p:spTree>
+    <p:extLst>
+      <p:ext uri="{BB962C8B-B14F-4D97-AF65-F5344CB8AC3E}">
+        <p14:creationId xmlns:p14="http://schemas.microsoft.com/office/powerpoint/2010/main" val="898363405"/>
       </p:ext>
     </p:extLst>
   </p:cSld>
@@ -4748,6 +11219,91 @@
           </a:p>
         </p:txBody>
       </p:sp>
+      <p:graphicFrame>
+        <p:nvGraphicFramePr>
+          <p:cNvPr id="6" name="Content Placeholder 5"/>
+          <p:cNvGraphicFramePr>
+            <a:graphicFrameLocks noGrp="1"/>
+          </p:cNvGraphicFramePr>
+          <p:nvPr>
+            <p:ph sz="quarter" idx="10"/>
+            <p:extLst>
+              <p:ext uri="{D42A27DB-BD31-4B8C-83A1-F6EECF244321}">
+                <p14:modId xmlns:p14="http://schemas.microsoft.com/office/powerpoint/2010/main" val="319780396"/>
+              </p:ext>
+            </p:extLst>
+          </p:nvPr>
+        </p:nvGraphicFramePr>
+        <p:xfrm>
+          <a:off x="518159" y="2052319"/>
+          <a:ext cx="11081703" cy="4504373"/>
+        </p:xfrm>
+        <a:graphic>
+          <a:graphicData uri="http://schemas.openxmlformats.org/drawingml/2006/diagram">
+            <dgm:relIds xmlns:dgm="http://schemas.openxmlformats.org/drawingml/2006/diagram" xmlns:r="http://schemas.openxmlformats.org/officeDocument/2006/relationships" r:dm="rId2" r:lo="rId3" r:qs="rId4" r:cs="rId5"/>
+          </a:graphicData>
+        </a:graphic>
+      </p:graphicFrame>
+    </p:spTree>
+    <p:extLst>
+      <p:ext uri="{BB962C8B-B14F-4D97-AF65-F5344CB8AC3E}">
+        <p14:creationId xmlns:p14="http://schemas.microsoft.com/office/powerpoint/2010/main" val="2212586811"/>
+      </p:ext>
+    </p:extLst>
+  </p:cSld>
+  <p:clrMapOvr>
+    <a:masterClrMapping/>
+  </p:clrMapOvr>
+  <p:timing>
+    <p:tnLst>
+      <p:par>
+        <p:cTn id="1" dur="indefinite" restart="never" nodeType="tmRoot"/>
+      </p:par>
+    </p:tnLst>
+  </p:timing>
+</p:sld>
+</file>
+
+<file path=ppt/slides/slide5.xml><?xml version="1.0" encoding="utf-8"?>
+<p:sld xmlns:a="http://schemas.openxmlformats.org/drawingml/2006/main" xmlns:r="http://schemas.openxmlformats.org/officeDocument/2006/relationships" xmlns:p="http://schemas.openxmlformats.org/presentationml/2006/main">
+  <p:cSld>
+    <p:spTree>
+      <p:nvGrpSpPr>
+        <p:cNvPr id="1" name=""/>
+        <p:cNvGrpSpPr/>
+        <p:nvPr/>
+      </p:nvGrpSpPr>
+      <p:grpSpPr>
+        <a:xfrm>
+          <a:off x="0" y="0"/>
+          <a:ext cx="0" cy="0"/>
+          <a:chOff x="0" y="0"/>
+          <a:chExt cx="0" cy="0"/>
+        </a:xfrm>
+      </p:grpSpPr>
+      <p:sp>
+        <p:nvSpPr>
+          <p:cNvPr id="2" name="Title 1"/>
+          <p:cNvSpPr>
+            <a:spLocks noGrp="1"/>
+          </p:cNvSpPr>
+          <p:nvPr>
+            <p:ph type="title"/>
+          </p:nvPr>
+        </p:nvSpPr>
+        <p:spPr/>
+        <p:txBody>
+          <a:bodyPr/>
+          <a:lstStyle/>
+          <a:p>
+            <a:r>
+              <a:rPr lang="en-US" dirty="0" smtClean="0"/>
+              <a:t>Authentication in the Host</a:t>
+            </a:r>
+            <a:endParaRPr lang="en-US" dirty="0"/>
+          </a:p>
+        </p:txBody>
+      </p:sp>
       <p:sp>
         <p:nvSpPr>
           <p:cNvPr id="3" name="Content Placeholder 2"/>
@@ -4773,7 +11329,6 @@
               <a:rPr lang="en-US" dirty="0" smtClean="0"/>
               <a:t>Usually MVC or other app as “wrapper” </a:t>
             </a:r>
-            <a:endParaRPr lang="en-US" dirty="0" smtClean="0"/>
           </a:p>
           <a:p>
             <a:endParaRPr lang="en-US" dirty="0" smtClean="0"/>
@@ -4827,7 +11382,7 @@
 </p:sld>
 </file>
 
-<file path=ppt/slides/slide5.xml><?xml version="1.0" encoding="utf-8"?>
+<file path=ppt/slides/slide6.xml><?xml version="1.0" encoding="utf-8"?>
 <p:sld xmlns:a="http://schemas.openxmlformats.org/drawingml/2006/main" xmlns:r="http://schemas.openxmlformats.org/officeDocument/2006/relationships" xmlns:p="http://schemas.openxmlformats.org/presentationml/2006/main">
   <p:cSld>
     <p:spTree>
@@ -4873,89 +11428,6 @@
     <p:extLst>
       <p:ext uri="{BB962C8B-B14F-4D97-AF65-F5344CB8AC3E}">
         <p14:creationId xmlns:p14="http://schemas.microsoft.com/office/powerpoint/2010/main" val="2139232386"/>
-      </p:ext>
-    </p:extLst>
-  </p:cSld>
-  <p:clrMapOvr>
-    <a:masterClrMapping/>
-  </p:clrMapOvr>
-  <p:timing>
-    <p:tnLst>
-      <p:par>
-        <p:cTn id="1" dur="indefinite" restart="never" nodeType="tmRoot"/>
-      </p:par>
-    </p:tnLst>
-  </p:timing>
-</p:sld>
-</file>
-
-<file path=ppt/slides/slide6.xml><?xml version="1.0" encoding="utf-8"?>
-<p:sld xmlns:a="http://schemas.openxmlformats.org/drawingml/2006/main" xmlns:r="http://schemas.openxmlformats.org/officeDocument/2006/relationships" xmlns:p="http://schemas.openxmlformats.org/presentationml/2006/main">
-  <p:cSld>
-    <p:spTree>
-      <p:nvGrpSpPr>
-        <p:cNvPr id="1" name=""/>
-        <p:cNvGrpSpPr/>
-        <p:nvPr/>
-      </p:nvGrpSpPr>
-      <p:grpSpPr>
-        <a:xfrm>
-          <a:off x="0" y="0"/>
-          <a:ext cx="0" cy="0"/>
-          <a:chOff x="0" y="0"/>
-          <a:chExt cx="0" cy="0"/>
-        </a:xfrm>
-      </p:grpSpPr>
-      <p:sp>
-        <p:nvSpPr>
-          <p:cNvPr id="5" name="Text Placeholder 4"/>
-          <p:cNvSpPr>
-            <a:spLocks noGrp="1"/>
-          </p:cNvSpPr>
-          <p:nvPr>
-            <p:ph type="body" sz="quarter" idx="10"/>
-          </p:nvPr>
-        </p:nvSpPr>
-        <p:spPr/>
-        <p:txBody>
-          <a:bodyPr/>
-          <a:lstStyle/>
-          <a:p>
-            <a:r>
-              <a:rPr lang="en-US" dirty="0" smtClean="0"/>
-              <a:t>Authentication using Message Handlers</a:t>
-            </a:r>
-            <a:endParaRPr lang="en-US" dirty="0"/>
-          </a:p>
-        </p:txBody>
-      </p:sp>
-      <p:sp>
-        <p:nvSpPr>
-          <p:cNvPr id="4" name="Subtitle 3"/>
-          <p:cNvSpPr>
-            <a:spLocks noGrp="1"/>
-          </p:cNvSpPr>
-          <p:nvPr>
-            <p:ph type="subTitle" idx="1"/>
-          </p:nvPr>
-        </p:nvSpPr>
-        <p:spPr/>
-        <p:txBody>
-          <a:bodyPr/>
-          <a:lstStyle/>
-          <a:p>
-            <a:r>
-              <a:rPr lang="en-US" dirty="0" smtClean="0"/>
-              <a:t>Fine-grained control</a:t>
-            </a:r>
-            <a:endParaRPr lang="en-US" dirty="0"/>
-          </a:p>
-        </p:txBody>
-      </p:sp>
-    </p:spTree>
-    <p:extLst>
-      <p:ext uri="{BB962C8B-B14F-4D97-AF65-F5344CB8AC3E}">
-        <p14:creationId xmlns:p14="http://schemas.microsoft.com/office/powerpoint/2010/main" val="1421069262"/>
       </p:ext>
     </p:extLst>
   </p:cSld>
@@ -4991,12 +11463,12 @@
       </p:grpSpPr>
       <p:sp>
         <p:nvSpPr>
-          <p:cNvPr id="2" name="Title 1"/>
+          <p:cNvPr id="5" name="Text Placeholder 4"/>
           <p:cNvSpPr>
             <a:spLocks noGrp="1"/>
           </p:cNvSpPr>
           <p:nvPr>
-            <p:ph type="title"/>
+            <p:ph type="body" sz="quarter" idx="10"/>
           </p:nvPr>
         </p:nvSpPr>
         <p:spPr/>
@@ -5014,12 +11486,12 @@
       </p:sp>
       <p:sp>
         <p:nvSpPr>
-          <p:cNvPr id="3" name="Content Placeholder 2"/>
+          <p:cNvPr id="4" name="Subtitle 3"/>
           <p:cNvSpPr>
             <a:spLocks noGrp="1"/>
           </p:cNvSpPr>
           <p:nvPr>
-            <p:ph sz="quarter" idx="10"/>
+            <p:ph type="subTitle" idx="1"/>
           </p:nvPr>
         </p:nvSpPr>
         <p:spPr/>
@@ -5029,67 +11501,16 @@
           <a:p>
             <a:r>
               <a:rPr lang="en-US" dirty="0" smtClean="0"/>
-              <a:t>Derive from </a:t>
-            </a:r>
-            <a:r>
-              <a:rPr lang="en-US" dirty="0" err="1" smtClean="0"/>
-              <a:t>DelegatingHandler</a:t>
-            </a:r>
-            <a:endParaRPr lang="en-US" dirty="0" smtClean="0"/>
-          </a:p>
-          <a:p>
-            <a:r>
-              <a:rPr lang="en-US" dirty="0" smtClean="0"/>
-              <a:t>Override </a:t>
-            </a:r>
-            <a:r>
-              <a:rPr lang="en-US" dirty="0" err="1" smtClean="0"/>
-              <a:t>SendAsync</a:t>
-            </a:r>
-            <a:r>
-              <a:rPr lang="en-US" dirty="0" smtClean="0"/>
-              <a:t> </a:t>
-            </a:r>
-          </a:p>
-          <a:p>
-            <a:r>
-              <a:rPr lang="en-US" dirty="0" smtClean="0"/>
-              <a:t>Look for credentials as needed</a:t>
-            </a:r>
-          </a:p>
-          <a:p>
-            <a:r>
-              <a:rPr lang="en-US" dirty="0" smtClean="0"/>
-              <a:t>If the user is authorized, create an identity </a:t>
-            </a:r>
-          </a:p>
-          <a:p>
-            <a:r>
-              <a:rPr lang="en-US" dirty="0" smtClean="0"/>
-              <a:t>Create a principal based on the identity </a:t>
-            </a:r>
-          </a:p>
-          <a:p>
-            <a:r>
-              <a:rPr lang="en-US" dirty="0" smtClean="0"/>
-              <a:t>Set the current user for the context (you may also set the thread principal, but this will affect how other operations are performed)</a:t>
-            </a:r>
-          </a:p>
-          <a:p>
-            <a:endParaRPr lang="en-US" dirty="0" smtClean="0"/>
-          </a:p>
-          <a:p>
-            <a:endParaRPr lang="en-US" dirty="0" smtClean="0"/>
-          </a:p>
-          <a:p>
-            <a:endParaRPr lang="en-US" dirty="0" smtClean="0"/>
+              <a:t>Fine-grained control</a:t>
+            </a:r>
+            <a:endParaRPr lang="en-US" dirty="0"/>
           </a:p>
         </p:txBody>
       </p:sp>
     </p:spTree>
     <p:extLst>
       <p:ext uri="{BB962C8B-B14F-4D97-AF65-F5344CB8AC3E}">
-        <p14:creationId xmlns:p14="http://schemas.microsoft.com/office/powerpoint/2010/main" val="1965492518"/>
+        <p14:creationId xmlns:p14="http://schemas.microsoft.com/office/powerpoint/2010/main" val="1421069262"/>
       </p:ext>
     </p:extLst>
   </p:cSld>
@@ -5125,7 +11546,7 @@
       </p:grpSpPr>
       <p:sp>
         <p:nvSpPr>
-          <p:cNvPr id="4" name="Title 3"/>
+          <p:cNvPr id="2" name="Title 1"/>
           <p:cNvSpPr>
             <a:spLocks noGrp="1"/>
           </p:cNvSpPr>
@@ -5135,23 +11556,95 @@
         </p:nvSpPr>
         <p:spPr/>
         <p:txBody>
-          <a:bodyPr>
-            <a:normAutofit/>
-          </a:bodyPr>
+          <a:bodyPr/>
           <a:lstStyle/>
           <a:p>
             <a:r>
-              <a:rPr lang="en-US" b="1" dirty="0" smtClean="0"/>
-              <a:t>Authentication Using Message Handlers</a:t>
-            </a:r>
-            <a:endParaRPr lang="en-US" b="1" dirty="0"/>
+              <a:rPr lang="en-US" dirty="0" smtClean="0"/>
+              <a:t>Authentication using Message Handlers</a:t>
+            </a:r>
+            <a:endParaRPr lang="en-US" dirty="0"/>
+          </a:p>
+        </p:txBody>
+      </p:sp>
+      <p:sp>
+        <p:nvSpPr>
+          <p:cNvPr id="3" name="Content Placeholder 2"/>
+          <p:cNvSpPr>
+            <a:spLocks noGrp="1"/>
+          </p:cNvSpPr>
+          <p:nvPr>
+            <p:ph sz="quarter" idx="10"/>
+          </p:nvPr>
+        </p:nvSpPr>
+        <p:spPr/>
+        <p:txBody>
+          <a:bodyPr/>
+          <a:lstStyle/>
+          <a:p>
+            <a:r>
+              <a:rPr lang="en-US" dirty="0" smtClean="0"/>
+              <a:t>Derive from </a:t>
+            </a:r>
+            <a:r>
+              <a:rPr lang="en-US" dirty="0" err="1" smtClean="0"/>
+              <a:t>DelegatingHandler</a:t>
+            </a:r>
+            <a:endParaRPr lang="en-US" dirty="0" smtClean="0"/>
+          </a:p>
+          <a:p>
+            <a:r>
+              <a:rPr lang="en-US" dirty="0" smtClean="0"/>
+              <a:t>Override </a:t>
+            </a:r>
+            <a:r>
+              <a:rPr lang="en-US" dirty="0" err="1" smtClean="0"/>
+              <a:t>SendAsync</a:t>
+            </a:r>
+            <a:r>
+              <a:rPr lang="en-US" dirty="0" smtClean="0"/>
+              <a:t> </a:t>
+            </a:r>
+          </a:p>
+          <a:p>
+            <a:r>
+              <a:rPr lang="en-US" dirty="0" smtClean="0"/>
+              <a:t>Look for credentials as needed</a:t>
+            </a:r>
+          </a:p>
+          <a:p>
+            <a:r>
+              <a:rPr lang="en-US" dirty="0" smtClean="0"/>
+              <a:t>If the user is authorized, create an identity </a:t>
+            </a:r>
+          </a:p>
+          <a:p>
+            <a:r>
+              <a:rPr lang="en-US" dirty="0" smtClean="0"/>
+              <a:t>Create a principal based on the identity </a:t>
+            </a:r>
+          </a:p>
+          <a:p>
+            <a:r>
+              <a:rPr lang="en-US" dirty="0" smtClean="0"/>
+              <a:t>Set the current user for the context (you may also set the thread principal, but this will affect how other operations are performed)</a:t>
+            </a:r>
+          </a:p>
+          <a:p>
+            <a:endParaRPr lang="en-US" dirty="0" smtClean="0"/>
+          </a:p>
+          <a:p>
+            <a:endParaRPr lang="en-US" dirty="0" smtClean="0"/>
+          </a:p>
+          <a:p>
+            <a:endParaRPr lang="en-US" dirty="0" smtClean="0"/>
           </a:p>
         </p:txBody>
       </p:sp>
     </p:spTree>
     <p:extLst>
       <p:ext uri="{BB962C8B-B14F-4D97-AF65-F5344CB8AC3E}">
-        <p14:creationId xmlns:p14="http://schemas.microsoft.com/office/powerpoint/2010/main" val="728035221"/>
+        <p14:creationId xmlns:p14="http://schemas.microsoft.com/office/powerpoint/2010/main" val="1965492518"/>
       </p:ext>
     </p:extLst>
   </p:cSld>
@@ -5187,54 +11680,33 @@
       </p:grpSpPr>
       <p:sp>
         <p:nvSpPr>
-          <p:cNvPr id="5" name="Text Placeholder 4"/>
+          <p:cNvPr id="4" name="Title 3"/>
           <p:cNvSpPr>
             <a:spLocks noGrp="1"/>
           </p:cNvSpPr>
           <p:nvPr>
-            <p:ph type="body" sz="quarter" idx="10"/>
+            <p:ph type="title"/>
           </p:nvPr>
         </p:nvSpPr>
         <p:spPr/>
         <p:txBody>
-          <a:bodyPr/>
+          <a:bodyPr>
+            <a:normAutofit/>
+          </a:bodyPr>
           <a:lstStyle/>
           <a:p>
             <a:r>
-              <a:rPr lang="en-US" dirty="0" smtClean="0"/>
-              <a:t>Token-based Authentication</a:t>
-            </a:r>
-            <a:endParaRPr lang="en-US" dirty="0"/>
-          </a:p>
-        </p:txBody>
-      </p:sp>
-      <p:sp>
-        <p:nvSpPr>
-          <p:cNvPr id="4" name="Subtitle 3"/>
-          <p:cNvSpPr>
-            <a:spLocks noGrp="1"/>
-          </p:cNvSpPr>
-          <p:nvPr>
-            <p:ph type="subTitle" idx="1"/>
-          </p:nvPr>
-        </p:nvSpPr>
-        <p:spPr/>
-        <p:txBody>
-          <a:bodyPr/>
-          <a:lstStyle/>
-          <a:p>
-            <a:r>
-              <a:rPr lang="en-US" dirty="0" smtClean="0"/>
-              <a:t>You do hang onto your tokens, don’t you?</a:t>
-            </a:r>
-            <a:endParaRPr lang="en-US" dirty="0"/>
+              <a:rPr lang="en-US" b="1" dirty="0" smtClean="0"/>
+              <a:t>Authentication Using Message Handlers</a:t>
+            </a:r>
+            <a:endParaRPr lang="en-US" b="1" dirty="0"/>
           </a:p>
         </p:txBody>
       </p:sp>
     </p:spTree>
     <p:extLst>
       <p:ext uri="{BB962C8B-B14F-4D97-AF65-F5344CB8AC3E}">
-        <p14:creationId xmlns:p14="http://schemas.microsoft.com/office/powerpoint/2010/main" val="2034678663"/>
+        <p14:creationId xmlns:p14="http://schemas.microsoft.com/office/powerpoint/2010/main" val="728035221"/>
       </p:ext>
     </p:extLst>
   </p:cSld>
@@ -6059,28 +12531,6 @@
 </file>
 
 <file path=customXml/item1.xml><?xml version="1.0" encoding="utf-8"?>
-<p:properties xmlns:p="http://schemas.microsoft.com/office/2006/metadata/properties" xmlns:xsi="http://www.w3.org/2001/XMLSchema-instance" xmlns:pc="http://schemas.microsoft.com/office/infopath/2007/PartnerControls">
-  <documentManagement>
-    <TaxCatchAll xmlns="230e9df3-be65-4c73-a93b-d1236ebd677e"/>
-    <PublishingExpirationDate xmlns="http://schemas.microsoft.com/sharepoint/v3" xsi:nil="true"/>
-    <PublishingStartDate xmlns="http://schemas.microsoft.com/sharepoint/v3" xsi:nil="true"/>
-    <TaxKeywordTaxHTField xmlns="230e9df3-be65-4c73-a93b-d1236ebd677e">
-      <Terms xmlns="http://schemas.microsoft.com/office/infopath/2007/PartnerControls"/>
-    </TaxKeywordTaxHTField>
-  </documentManagement>
-</p:properties>
-</file>
-
-<file path=customXml/item2.xml><?xml version="1.0" encoding="utf-8"?>
-<?mso-contentType ?>
-<FormTemplates xmlns="http://schemas.microsoft.com/sharepoint/v3/contenttype/forms">
-  <Display>DocumentLibraryForm</Display>
-  <Edit>DocumentLibraryForm</Edit>
-  <New>DocumentLibraryForm</New>
-</FormTemplates>
-</file>
-
-<file path=customXml/item3.xml><?xml version="1.0" encoding="utf-8"?>
 <ct:contentTypeSchema xmlns:ct="http://schemas.microsoft.com/office/2006/metadata/contentType" xmlns:ma="http://schemas.microsoft.com/office/2006/metadata/properties/metaAttributes" ct:_="" ma:_="" ma:contentTypeName="Document" ma:contentTypeID="0x010100496889825850D44592AC5D2F43187AE4" ma:contentTypeVersion="5" ma:contentTypeDescription="Create a new document." ma:contentTypeScope="" ma:versionID="fde90edb5a63ba841bca516fd2abaf95">
   <xsd:schema xmlns:xsd="http://www.w3.org/2001/XMLSchema" xmlns:xs="http://www.w3.org/2001/XMLSchema" xmlns:p="http://schemas.microsoft.com/office/2006/metadata/properties" xmlns:ns1="http://schemas.microsoft.com/sharepoint/v3" xmlns:ns2="230e9df3-be65-4c73-a93b-d1236ebd677e" xmlns:ns3="27aa9422-7f1f-4c84-9cdf-302b1a67e513" targetNamespace="http://schemas.microsoft.com/office/2006/metadata/properties" ma:root="true" ma:fieldsID="5e7808ae941cc340dbe51a3031959734" ns1:_="" ns2:_="" ns3:_="">
     <xsd:import namespace="http://schemas.microsoft.com/sharepoint/v3"/>
@@ -6262,33 +12712,29 @@
 </ct:contentTypeSchema>
 </file>
 
-<file path=customXml/itemProps1.xml><?xml version="1.0" encoding="utf-8"?>
-<ds:datastoreItem xmlns:ds="http://schemas.openxmlformats.org/officeDocument/2006/customXml" ds:itemID="{7025FDD9-4C58-4084-9F89-0E6ADD6FFF55}">
-  <ds:schemaRefs>
-    <ds:schemaRef ds:uri="27aa9422-7f1f-4c84-9cdf-302b1a67e513"/>
-    <ds:schemaRef ds:uri="http://schemas.microsoft.com/office/2006/documentManagement/types"/>
-    <ds:schemaRef ds:uri="http://schemas.microsoft.com/office/2006/metadata/properties"/>
-    <ds:schemaRef ds:uri="http://purl.org/dc/elements/1.1/"/>
-    <ds:schemaRef ds:uri="230e9df3-be65-4c73-a93b-d1236ebd677e"/>
-    <ds:schemaRef ds:uri="http://purl.org/dc/terms/"/>
-    <ds:schemaRef ds:uri="http://schemas.openxmlformats.org/package/2006/metadata/core-properties"/>
-    <ds:schemaRef ds:uri="http://purl.org/dc/dcmitype/"/>
-    <ds:schemaRef ds:uri="http://schemas.microsoft.com/office/infopath/2007/PartnerControls"/>
-    <ds:schemaRef ds:uri="http://schemas.microsoft.com/sharepoint/v3"/>
-    <ds:schemaRef ds:uri="http://www.w3.org/XML/1998/namespace"/>
-  </ds:schemaRefs>
-</ds:datastoreItem>
+<file path=customXml/item2.xml><?xml version="1.0" encoding="utf-8"?>
+<?mso-contentType ?>
+<FormTemplates xmlns="http://schemas.microsoft.com/sharepoint/v3/contenttype/forms">
+  <Display>DocumentLibraryForm</Display>
+  <Edit>DocumentLibraryForm</Edit>
+  <New>DocumentLibraryForm</New>
+</FormTemplates>
 </file>
 
-<file path=customXml/itemProps2.xml><?xml version="1.0" encoding="utf-8"?>
-<ds:datastoreItem xmlns:ds="http://schemas.openxmlformats.org/officeDocument/2006/customXml" ds:itemID="{B0CA13EC-1D3C-4D6F-8D1C-E8A452CFC79A}">
-  <ds:schemaRefs>
-    <ds:schemaRef ds:uri="http://schemas.microsoft.com/sharepoint/v3/contenttype/forms"/>
-  </ds:schemaRefs>
-</ds:datastoreItem>
+<file path=customXml/item3.xml><?xml version="1.0" encoding="utf-8"?>
+<p:properties xmlns:p="http://schemas.microsoft.com/office/2006/metadata/properties" xmlns:xsi="http://www.w3.org/2001/XMLSchema-instance" xmlns:pc="http://schemas.microsoft.com/office/infopath/2007/PartnerControls">
+  <documentManagement>
+    <TaxCatchAll xmlns="230e9df3-be65-4c73-a93b-d1236ebd677e"/>
+    <PublishingExpirationDate xmlns="http://schemas.microsoft.com/sharepoint/v3" xsi:nil="true"/>
+    <PublishingStartDate xmlns="http://schemas.microsoft.com/sharepoint/v3" xsi:nil="true"/>
+    <TaxKeywordTaxHTField xmlns="230e9df3-be65-4c73-a93b-d1236ebd677e">
+      <Terms xmlns="http://schemas.microsoft.com/office/infopath/2007/PartnerControls"/>
+    </TaxKeywordTaxHTField>
+  </documentManagement>
+</p:properties>
 </file>
 
-<file path=customXml/itemProps3.xml><?xml version="1.0" encoding="utf-8"?>
+<file path=customXml/itemProps1.xml><?xml version="1.0" encoding="utf-8"?>
 <ds:datastoreItem xmlns:ds="http://schemas.openxmlformats.org/officeDocument/2006/customXml" ds:itemID="{3253B29C-1CCD-4FE8-A1C4-023A0910DF96}">
   <ds:schemaRefs>
     <ds:schemaRef ds:uri="http://schemas.microsoft.com/office/2006/metadata/contentType"/>
@@ -6306,4 +12752,30 @@
     <ds:schemaRef ds:uri="http://schemas.microsoft.com/internal/obd"/>
   </ds:schemaRefs>
 </ds:datastoreItem>
+</file>
+
+<file path=customXml/itemProps2.xml><?xml version="1.0" encoding="utf-8"?>
+<ds:datastoreItem xmlns:ds="http://schemas.openxmlformats.org/officeDocument/2006/customXml" ds:itemID="{B0CA13EC-1D3C-4D6F-8D1C-E8A452CFC79A}">
+  <ds:schemaRefs>
+    <ds:schemaRef ds:uri="http://schemas.microsoft.com/sharepoint/v3/contenttype/forms"/>
+  </ds:schemaRefs>
+</ds:datastoreItem>
+</file>
+
+<file path=customXml/itemProps3.xml><?xml version="1.0" encoding="utf-8"?>
+<ds:datastoreItem xmlns:ds="http://schemas.openxmlformats.org/officeDocument/2006/customXml" ds:itemID="{7025FDD9-4C58-4084-9F89-0E6ADD6FFF55}">
+  <ds:schemaRefs>
+    <ds:schemaRef ds:uri="27aa9422-7f1f-4c84-9cdf-302b1a67e513"/>
+    <ds:schemaRef ds:uri="http://schemas.microsoft.com/office/2006/documentManagement/types"/>
+    <ds:schemaRef ds:uri="http://schemas.microsoft.com/office/2006/metadata/properties"/>
+    <ds:schemaRef ds:uri="http://purl.org/dc/elements/1.1/"/>
+    <ds:schemaRef ds:uri="230e9df3-be65-4c73-a93b-d1236ebd677e"/>
+    <ds:schemaRef ds:uri="http://purl.org/dc/terms/"/>
+    <ds:schemaRef ds:uri="http://schemas.openxmlformats.org/package/2006/metadata/core-properties"/>
+    <ds:schemaRef ds:uri="http://purl.org/dc/dcmitype/"/>
+    <ds:schemaRef ds:uri="http://schemas.microsoft.com/office/infopath/2007/PartnerControls"/>
+    <ds:schemaRef ds:uri="http://schemas.microsoft.com/sharepoint/v3"/>
+    <ds:schemaRef ds:uri="http://www.w3.org/XML/1998/namespace"/>
+  </ds:schemaRefs>
+</ds:datastoreItem>
 </file>
--- a/Slides/Module 5 - Security.pptx
+++ b/Slides/Module 5 - Security.pptx
@@ -1954,6 +1954,13 @@
         </dgm:presLayoutVars>
       </dgm:prSet>
       <dgm:spPr/>
+      <dgm:t>
+        <a:bodyPr/>
+        <a:lstStyle/>
+        <a:p>
+          <a:endParaRPr lang="en-US"/>
+        </a:p>
+      </dgm:t>
     </dgm:pt>
     <dgm:pt modelId="{818E3E3C-BF92-43DB-A208-ED261EC3C09B}" type="pres">
       <dgm:prSet presAssocID="{AFA071F6-7EF2-4F74-B5EE-DD52C72114F1}" presName="composite" presStyleCnt="0"/>
@@ -1968,6 +1975,13 @@
         </dgm:presLayoutVars>
       </dgm:prSet>
       <dgm:spPr/>
+      <dgm:t>
+        <a:bodyPr/>
+        <a:lstStyle/>
+        <a:p>
+          <a:endParaRPr lang="en-US"/>
+        </a:p>
+      </dgm:t>
     </dgm:pt>
     <dgm:pt modelId="{13D0EDCA-7D2E-4650-B5FB-B0703A265533}" type="pres">
       <dgm:prSet presAssocID="{AFA071F6-7EF2-4F74-B5EE-DD52C72114F1}" presName="desTx" presStyleLbl="alignAccFollowNode1" presStyleIdx="0" presStyleCnt="2">
@@ -2001,6 +2015,13 @@
         </dgm:presLayoutVars>
       </dgm:prSet>
       <dgm:spPr/>
+      <dgm:t>
+        <a:bodyPr/>
+        <a:lstStyle/>
+        <a:p>
+          <a:endParaRPr lang="en-US"/>
+        </a:p>
+      </dgm:t>
     </dgm:pt>
     <dgm:pt modelId="{B39D1642-51E2-4813-9A53-B36BD38A6FBA}" type="pres">
       <dgm:prSet presAssocID="{B1BEE06B-3BEE-4C75-8FDB-48B98ECBCBE8}" presName="desTx" presStyleLbl="alignAccFollowNode1" presStyleIdx="1" presStyleCnt="2">
@@ -2019,19 +2040,19 @@
     </dgm:pt>
   </dgm:ptLst>
   <dgm:cxnLst>
+    <dgm:cxn modelId="{09031446-D3B4-41AB-BA81-C1146C465884}" srcId="{B1BEE06B-3BEE-4C75-8FDB-48B98ECBCBE8}" destId="{481A1CCF-B158-4714-B633-DB4E2D50A228}" srcOrd="1" destOrd="0" parTransId="{1790179E-8A34-40DB-B5F7-F12F41EE5798}" sibTransId="{A8380287-FA12-48FF-980B-684777C6D41A}"/>
+    <dgm:cxn modelId="{0E18997C-3901-437F-BF79-83EE88AE2265}" type="presOf" srcId="{27811450-7AC5-41F0-999A-8C470E18F47A}" destId="{677B158A-961F-4309-A4AE-601C96F6B9AF}" srcOrd="0" destOrd="0" presId="urn:microsoft.com/office/officeart/2005/8/layout/hList1"/>
+    <dgm:cxn modelId="{EC2B5C1C-60B1-4C22-AB48-164404DA036E}" srcId="{AFA071F6-7EF2-4F74-B5EE-DD52C72114F1}" destId="{E43BAD91-7CED-4EAB-8DF0-4A825615657B}" srcOrd="1" destOrd="0" parTransId="{A75C05D3-8C2B-4E28-A85D-524EC888B882}" sibTransId="{F75BE70E-5C3D-49F5-AC32-F0E716CA7DDF}"/>
+    <dgm:cxn modelId="{A154BCE6-D07C-4C2D-940F-F3C120B15708}" type="presOf" srcId="{E43BAD91-7CED-4EAB-8DF0-4A825615657B}" destId="{13D0EDCA-7D2E-4650-B5FB-B0703A265533}" srcOrd="0" destOrd="1" presId="urn:microsoft.com/office/officeart/2005/8/layout/hList1"/>
+    <dgm:cxn modelId="{7A08EDC1-FB72-4AB0-84B2-5D88A89DA7A1}" srcId="{27811450-7AC5-41F0-999A-8C470E18F47A}" destId="{B1BEE06B-3BEE-4C75-8FDB-48B98ECBCBE8}" srcOrd="1" destOrd="0" parTransId="{B2A02638-00A2-44FD-BFD8-14292C4F21DB}" sibTransId="{BE93465C-A638-4705-9773-CD7FCBF0455B}"/>
+    <dgm:cxn modelId="{F63153F6-D0B1-4273-8BA2-2B74825908EB}" type="presOf" srcId="{AFA071F6-7EF2-4F74-B5EE-DD52C72114F1}" destId="{D21A0A06-46F2-412A-B95C-626CD4067840}" srcOrd="0" destOrd="0" presId="urn:microsoft.com/office/officeart/2005/8/layout/hList1"/>
     <dgm:cxn modelId="{541D5544-6996-4FD4-A012-F6B5E1F5E1C2}" srcId="{27811450-7AC5-41F0-999A-8C470E18F47A}" destId="{AFA071F6-7EF2-4F74-B5EE-DD52C72114F1}" srcOrd="0" destOrd="0" parTransId="{6C88D73B-0099-48B1-AA31-8260D9F4657E}" sibTransId="{6B3D8A41-D3BF-4EC0-9F42-B060D171D558}"/>
-    <dgm:cxn modelId="{0B269893-B109-48A7-8546-53F7BB263645}" type="presOf" srcId="{BA23EB45-F1B7-436B-98FB-2539014A0F3A}" destId="{13D0EDCA-7D2E-4650-B5FB-B0703A265533}" srcOrd="0" destOrd="0" presId="urn:microsoft.com/office/officeart/2005/8/layout/hList1"/>
-    <dgm:cxn modelId="{EC2B5C1C-60B1-4C22-AB48-164404DA036E}" srcId="{AFA071F6-7EF2-4F74-B5EE-DD52C72114F1}" destId="{E43BAD91-7CED-4EAB-8DF0-4A825615657B}" srcOrd="1" destOrd="0" parTransId="{A75C05D3-8C2B-4E28-A85D-524EC888B882}" sibTransId="{F75BE70E-5C3D-49F5-AC32-F0E716CA7DDF}"/>
-    <dgm:cxn modelId="{0E18997C-3901-437F-BF79-83EE88AE2265}" type="presOf" srcId="{27811450-7AC5-41F0-999A-8C470E18F47A}" destId="{677B158A-961F-4309-A4AE-601C96F6B9AF}" srcOrd="0" destOrd="0" presId="urn:microsoft.com/office/officeart/2005/8/layout/hList1"/>
-    <dgm:cxn modelId="{F29C9103-4A6E-4C1B-9A64-BEB0AA9CBF0D}" type="presOf" srcId="{481A1CCF-B158-4714-B633-DB4E2D50A228}" destId="{B39D1642-51E2-4813-9A53-B36BD38A6FBA}" srcOrd="0" destOrd="1" presId="urn:microsoft.com/office/officeart/2005/8/layout/hList1"/>
     <dgm:cxn modelId="{91B219B9-52D5-4CD6-9681-2D2FAB33A41D}" type="presOf" srcId="{B1BEE06B-3BEE-4C75-8FDB-48B98ECBCBE8}" destId="{145224FD-767E-4F63-89F9-0B6FFD8A37AD}" srcOrd="0" destOrd="0" presId="urn:microsoft.com/office/officeart/2005/8/layout/hList1"/>
     <dgm:cxn modelId="{B5F39BAE-6A09-4379-976F-A890437E335C}" srcId="{AFA071F6-7EF2-4F74-B5EE-DD52C72114F1}" destId="{BA23EB45-F1B7-436B-98FB-2539014A0F3A}" srcOrd="0" destOrd="0" parTransId="{F46D7761-55B4-4102-896D-0322E9B593EE}" sibTransId="{15FF9EC6-700E-46D6-8136-0651A88BBF2F}"/>
-    <dgm:cxn modelId="{A154BCE6-D07C-4C2D-940F-F3C120B15708}" type="presOf" srcId="{E43BAD91-7CED-4EAB-8DF0-4A825615657B}" destId="{13D0EDCA-7D2E-4650-B5FB-B0703A265533}" srcOrd="0" destOrd="1" presId="urn:microsoft.com/office/officeart/2005/8/layout/hList1"/>
-    <dgm:cxn modelId="{09031446-D3B4-41AB-BA81-C1146C465884}" srcId="{B1BEE06B-3BEE-4C75-8FDB-48B98ECBCBE8}" destId="{481A1CCF-B158-4714-B633-DB4E2D50A228}" srcOrd="1" destOrd="0" parTransId="{1790179E-8A34-40DB-B5F7-F12F41EE5798}" sibTransId="{A8380287-FA12-48FF-980B-684777C6D41A}"/>
-    <dgm:cxn modelId="{F63153F6-D0B1-4273-8BA2-2B74825908EB}" type="presOf" srcId="{AFA071F6-7EF2-4F74-B5EE-DD52C72114F1}" destId="{D21A0A06-46F2-412A-B95C-626CD4067840}" srcOrd="0" destOrd="0" presId="urn:microsoft.com/office/officeart/2005/8/layout/hList1"/>
+    <dgm:cxn modelId="{F29C9103-4A6E-4C1B-9A64-BEB0AA9CBF0D}" type="presOf" srcId="{481A1CCF-B158-4714-B633-DB4E2D50A228}" destId="{B39D1642-51E2-4813-9A53-B36BD38A6FBA}" srcOrd="0" destOrd="1" presId="urn:microsoft.com/office/officeart/2005/8/layout/hList1"/>
+    <dgm:cxn modelId="{0B269893-B109-48A7-8546-53F7BB263645}" type="presOf" srcId="{BA23EB45-F1B7-436B-98FB-2539014A0F3A}" destId="{13D0EDCA-7D2E-4650-B5FB-B0703A265533}" srcOrd="0" destOrd="0" presId="urn:microsoft.com/office/officeart/2005/8/layout/hList1"/>
+    <dgm:cxn modelId="{8013EDFE-9413-4E6B-8464-15494CA1493E}" type="presOf" srcId="{DCA56374-9D24-48E9-BF2B-ED93C40D22F7}" destId="{B39D1642-51E2-4813-9A53-B36BD38A6FBA}" srcOrd="0" destOrd="0" presId="urn:microsoft.com/office/officeart/2005/8/layout/hList1"/>
     <dgm:cxn modelId="{6E91A267-90F6-46BD-A690-7EAF0AE69C23}" srcId="{B1BEE06B-3BEE-4C75-8FDB-48B98ECBCBE8}" destId="{DCA56374-9D24-48E9-BF2B-ED93C40D22F7}" srcOrd="0" destOrd="0" parTransId="{0BFF1D5C-6C53-435C-8367-8340DD3EDE88}" sibTransId="{0CD076A2-AB80-437B-BF3E-F479F4A80DB2}"/>
-    <dgm:cxn modelId="{7A08EDC1-FB72-4AB0-84B2-5D88A89DA7A1}" srcId="{27811450-7AC5-41F0-999A-8C470E18F47A}" destId="{B1BEE06B-3BEE-4C75-8FDB-48B98ECBCBE8}" srcOrd="1" destOrd="0" parTransId="{B2A02638-00A2-44FD-BFD8-14292C4F21DB}" sibTransId="{BE93465C-A638-4705-9773-CD7FCBF0455B}"/>
-    <dgm:cxn modelId="{8013EDFE-9413-4E6B-8464-15494CA1493E}" type="presOf" srcId="{DCA56374-9D24-48E9-BF2B-ED93C40D22F7}" destId="{B39D1642-51E2-4813-9A53-B36BD38A6FBA}" srcOrd="0" destOrd="0" presId="urn:microsoft.com/office/officeart/2005/8/layout/hList1"/>
     <dgm:cxn modelId="{5395D455-EC3A-4D2E-A585-73777149EFED}" type="presParOf" srcId="{677B158A-961F-4309-A4AE-601C96F6B9AF}" destId="{818E3E3C-BF92-43DB-A208-ED261EC3C09B}" srcOrd="0" destOrd="0" presId="urn:microsoft.com/office/officeart/2005/8/layout/hList1"/>
     <dgm:cxn modelId="{F66A2653-AEDA-4938-B9E3-191E6493EDB7}" type="presParOf" srcId="{818E3E3C-BF92-43DB-A208-ED261EC3C09B}" destId="{D21A0A06-46F2-412A-B95C-626CD4067840}" srcOrd="0" destOrd="0" presId="urn:microsoft.com/office/officeart/2005/8/layout/hList1"/>
     <dgm:cxn modelId="{95075647-1409-447A-B1BF-83AA427223ED}" type="presParOf" srcId="{818E3E3C-BF92-43DB-A208-ED261EC3C09B}" destId="{13D0EDCA-7D2E-4650-B5FB-B0703A265533}" srcOrd="1" destOrd="0" presId="urn:microsoft.com/office/officeart/2005/8/layout/hList1"/>
@@ -2195,10 +2216,24 @@
     <dgm:pt modelId="{7B5BEC94-FB9D-48EF-9F78-33C7ECC5A3D0}" type="pres">
       <dgm:prSet presAssocID="{9B60FC5C-976B-4FEC-B170-5B695ADAF9F9}" presName="sibTrans" presStyleLbl="sibTrans2D1" presStyleIdx="0" presStyleCnt="2"/>
       <dgm:spPr/>
+      <dgm:t>
+        <a:bodyPr/>
+        <a:lstStyle/>
+        <a:p>
+          <a:endParaRPr lang="en-US"/>
+        </a:p>
+      </dgm:t>
     </dgm:pt>
     <dgm:pt modelId="{1D22A377-72D9-47F4-958E-503F2458C9CD}" type="pres">
       <dgm:prSet presAssocID="{9B60FC5C-976B-4FEC-B170-5B695ADAF9F9}" presName="connectorText" presStyleLbl="sibTrans2D1" presStyleIdx="0" presStyleCnt="2"/>
       <dgm:spPr/>
+      <dgm:t>
+        <a:bodyPr/>
+        <a:lstStyle/>
+        <a:p>
+          <a:endParaRPr lang="en-US"/>
+        </a:p>
+      </dgm:t>
     </dgm:pt>
     <dgm:pt modelId="{A610DF8B-7328-4CC9-8333-D74211E77DE0}" type="pres">
       <dgm:prSet presAssocID="{48875C3A-2D22-4B95-B80D-A3FFE719C4FC}" presName="node" presStyleLbl="node1" presStyleIdx="1" presStyleCnt="3">
@@ -2207,14 +2242,35 @@
         </dgm:presLayoutVars>
       </dgm:prSet>
       <dgm:spPr/>
+      <dgm:t>
+        <a:bodyPr/>
+        <a:lstStyle/>
+        <a:p>
+          <a:endParaRPr lang="en-US"/>
+        </a:p>
+      </dgm:t>
     </dgm:pt>
     <dgm:pt modelId="{616397AC-10CC-4B6F-8A9F-11386032CDE8}" type="pres">
       <dgm:prSet presAssocID="{4AA52FBD-E771-447D-B72A-3F16BB215228}" presName="sibTrans" presStyleLbl="sibTrans2D1" presStyleIdx="1" presStyleCnt="2"/>
       <dgm:spPr/>
+      <dgm:t>
+        <a:bodyPr/>
+        <a:lstStyle/>
+        <a:p>
+          <a:endParaRPr lang="en-US"/>
+        </a:p>
+      </dgm:t>
     </dgm:pt>
     <dgm:pt modelId="{2FF07BC7-AB51-42DC-9DF3-8392B8D17C15}" type="pres">
       <dgm:prSet presAssocID="{4AA52FBD-E771-447D-B72A-3F16BB215228}" presName="connectorText" presStyleLbl="sibTrans2D1" presStyleIdx="1" presStyleCnt="2"/>
       <dgm:spPr/>
+      <dgm:t>
+        <a:bodyPr/>
+        <a:lstStyle/>
+        <a:p>
+          <a:endParaRPr lang="en-US"/>
+        </a:p>
+      </dgm:t>
     </dgm:pt>
     <dgm:pt modelId="{C15E63F9-90D9-4CBF-AB63-D817DA3BF610}" type="pres">
       <dgm:prSet presAssocID="{035B2524-89ED-4A66-A3FF-D9E61437648A}" presName="node" presStyleLbl="node1" presStyleIdx="2" presStyleCnt="3">
@@ -2223,20 +2279,27 @@
         </dgm:presLayoutVars>
       </dgm:prSet>
       <dgm:spPr/>
+      <dgm:t>
+        <a:bodyPr/>
+        <a:lstStyle/>
+        <a:p>
+          <a:endParaRPr lang="en-US"/>
+        </a:p>
+      </dgm:t>
     </dgm:pt>
   </dgm:ptLst>
   <dgm:cxnLst>
     <dgm:cxn modelId="{2F687472-B62F-49AC-8B87-82359470A056}" type="presOf" srcId="{035B2524-89ED-4A66-A3FF-D9E61437648A}" destId="{C15E63F9-90D9-4CBF-AB63-D817DA3BF610}" srcOrd="0" destOrd="0" presId="urn:microsoft.com/office/officeart/2005/8/layout/process1"/>
-    <dgm:cxn modelId="{9F8814B3-D8A8-42FD-960E-DD983DD153B8}" type="presOf" srcId="{4AA52FBD-E771-447D-B72A-3F16BB215228}" destId="{616397AC-10CC-4B6F-8A9F-11386032CDE8}" srcOrd="0" destOrd="0" presId="urn:microsoft.com/office/officeart/2005/8/layout/process1"/>
+    <dgm:cxn modelId="{02BB50B4-31BB-4B55-A199-D63F052EE15B}" srcId="{1461A073-E3AF-47A6-9B32-221AD4676478}" destId="{48875C3A-2D22-4B95-B80D-A3FFE719C4FC}" srcOrd="1" destOrd="0" parTransId="{66D5EC1C-DB66-4623-9FA0-9276D4A4438E}" sibTransId="{4AA52FBD-E771-447D-B72A-3F16BB215228}"/>
+    <dgm:cxn modelId="{85CCC59D-D03F-4404-9EE3-AE2248C5EA91}" srcId="{1461A073-E3AF-47A6-9B32-221AD4676478}" destId="{035B2524-89ED-4A66-A3FF-D9E61437648A}" srcOrd="2" destOrd="0" parTransId="{4C20D806-436F-469A-90DD-A1135747EAE7}" sibTransId="{F9FDE8CE-02DB-45DB-81AE-34B502B845FE}"/>
     <dgm:cxn modelId="{A9B89775-E372-4332-9C0E-30BE7B34A326}" type="presOf" srcId="{9B60FC5C-976B-4FEC-B170-5B695ADAF9F9}" destId="{7B5BEC94-FB9D-48EF-9F78-33C7ECC5A3D0}" srcOrd="0" destOrd="0" presId="urn:microsoft.com/office/officeart/2005/8/layout/process1"/>
-    <dgm:cxn modelId="{ACA73A6E-2103-4D34-BA80-1B9C3369F65A}" type="presOf" srcId="{C86B6D5E-A068-46A8-B79B-07CCC7D96EC1}" destId="{DE5201E9-963A-418D-AA1A-90B1AC79ABFC}" srcOrd="0" destOrd="0" presId="urn:microsoft.com/office/officeart/2005/8/layout/process1"/>
-    <dgm:cxn modelId="{503E635C-066B-4793-B3FD-8B20E6B6A226}" srcId="{1461A073-E3AF-47A6-9B32-221AD4676478}" destId="{C86B6D5E-A068-46A8-B79B-07CCC7D96EC1}" srcOrd="0" destOrd="0" parTransId="{E7B9B4E9-2F15-4513-9439-72304EE795F0}" sibTransId="{9B60FC5C-976B-4FEC-B170-5B695ADAF9F9}"/>
-    <dgm:cxn modelId="{02BB50B4-31BB-4B55-A199-D63F052EE15B}" srcId="{1461A073-E3AF-47A6-9B32-221AD4676478}" destId="{48875C3A-2D22-4B95-B80D-A3FFE719C4FC}" srcOrd="1" destOrd="0" parTransId="{66D5EC1C-DB66-4623-9FA0-9276D4A4438E}" sibTransId="{4AA52FBD-E771-447D-B72A-3F16BB215228}"/>
-    <dgm:cxn modelId="{EAA8AA3C-3B88-4A88-B599-29E804E5E5CB}" type="presOf" srcId="{4AA52FBD-E771-447D-B72A-3F16BB215228}" destId="{2FF07BC7-AB51-42DC-9DF3-8392B8D17C15}" srcOrd="1" destOrd="0" presId="urn:microsoft.com/office/officeart/2005/8/layout/process1"/>
-    <dgm:cxn modelId="{B6F38C67-D91C-4272-9A4E-B3CE5E4D7D00}" type="presOf" srcId="{9B60FC5C-976B-4FEC-B170-5B695ADAF9F9}" destId="{1D22A377-72D9-47F4-958E-503F2458C9CD}" srcOrd="1" destOrd="0" presId="urn:microsoft.com/office/officeart/2005/8/layout/process1"/>
-    <dgm:cxn modelId="{85CCC59D-D03F-4404-9EE3-AE2248C5EA91}" srcId="{1461A073-E3AF-47A6-9B32-221AD4676478}" destId="{035B2524-89ED-4A66-A3FF-D9E61437648A}" srcOrd="2" destOrd="0" parTransId="{4C20D806-436F-469A-90DD-A1135747EAE7}" sibTransId="{F9FDE8CE-02DB-45DB-81AE-34B502B845FE}"/>
     <dgm:cxn modelId="{C1698151-62C7-422F-A211-FAD712B1F61D}" type="presOf" srcId="{48875C3A-2D22-4B95-B80D-A3FFE719C4FC}" destId="{A610DF8B-7328-4CC9-8333-D74211E77DE0}" srcOrd="0" destOrd="0" presId="urn:microsoft.com/office/officeart/2005/8/layout/process1"/>
     <dgm:cxn modelId="{6BAC266B-D897-4231-A70C-E39C55351CDA}" type="presOf" srcId="{1461A073-E3AF-47A6-9B32-221AD4676478}" destId="{82229AF0-22B0-4CF3-90F8-B29B366307C6}" srcOrd="0" destOrd="0" presId="urn:microsoft.com/office/officeart/2005/8/layout/process1"/>
+    <dgm:cxn modelId="{ACA73A6E-2103-4D34-BA80-1B9C3369F65A}" type="presOf" srcId="{C86B6D5E-A068-46A8-B79B-07CCC7D96EC1}" destId="{DE5201E9-963A-418D-AA1A-90B1AC79ABFC}" srcOrd="0" destOrd="0" presId="urn:microsoft.com/office/officeart/2005/8/layout/process1"/>
+    <dgm:cxn modelId="{B6F38C67-D91C-4272-9A4E-B3CE5E4D7D00}" type="presOf" srcId="{9B60FC5C-976B-4FEC-B170-5B695ADAF9F9}" destId="{1D22A377-72D9-47F4-958E-503F2458C9CD}" srcOrd="1" destOrd="0" presId="urn:microsoft.com/office/officeart/2005/8/layout/process1"/>
+    <dgm:cxn modelId="{9F8814B3-D8A8-42FD-960E-DD983DD153B8}" type="presOf" srcId="{4AA52FBD-E771-447D-B72A-3F16BB215228}" destId="{616397AC-10CC-4B6F-8A9F-11386032CDE8}" srcOrd="0" destOrd="0" presId="urn:microsoft.com/office/officeart/2005/8/layout/process1"/>
+    <dgm:cxn modelId="{503E635C-066B-4793-B3FD-8B20E6B6A226}" srcId="{1461A073-E3AF-47A6-9B32-221AD4676478}" destId="{C86B6D5E-A068-46A8-B79B-07CCC7D96EC1}" srcOrd="0" destOrd="0" parTransId="{E7B9B4E9-2F15-4513-9439-72304EE795F0}" sibTransId="{9B60FC5C-976B-4FEC-B170-5B695ADAF9F9}"/>
+    <dgm:cxn modelId="{EAA8AA3C-3B88-4A88-B599-29E804E5E5CB}" type="presOf" srcId="{4AA52FBD-E771-447D-B72A-3F16BB215228}" destId="{2FF07BC7-AB51-42DC-9DF3-8392B8D17C15}" srcOrd="1" destOrd="0" presId="urn:microsoft.com/office/officeart/2005/8/layout/process1"/>
     <dgm:cxn modelId="{BFB6C65B-EFC6-4407-957B-0A0A817ED14D}" type="presParOf" srcId="{82229AF0-22B0-4CF3-90F8-B29B366307C6}" destId="{DE5201E9-963A-418D-AA1A-90B1AC79ABFC}" srcOrd="0" destOrd="0" presId="urn:microsoft.com/office/officeart/2005/8/layout/process1"/>
     <dgm:cxn modelId="{8F481DEF-A8AC-41D9-B5B4-29FBD86D373E}" type="presParOf" srcId="{82229AF0-22B0-4CF3-90F8-B29B366307C6}" destId="{7B5BEC94-FB9D-48EF-9F78-33C7ECC5A3D0}" srcOrd="1" destOrd="0" presId="urn:microsoft.com/office/officeart/2005/8/layout/process1"/>
     <dgm:cxn modelId="{B34C0F67-1DF6-4C7B-A750-6447D8D6B27D}" type="presParOf" srcId="{7B5BEC94-FB9D-48EF-9F78-33C7ECC5A3D0}" destId="{1D22A377-72D9-47F4-958E-503F2458C9CD}" srcOrd="0" destOrd="0" presId="urn:microsoft.com/office/officeart/2005/8/layout/process1"/>
@@ -5517,7 +5580,7 @@
           <a:p>
             <a:fld id="{312E7B4A-039C-48A2-9B2C-AF16AA3873D8}" type="datetimeFigureOut">
               <a:rPr lang="en-US" smtClean="0"/>
-              <a:t>1/18/2015</a:t>
+              <a:t>1/28/2015</a:t>
             </a:fld>
             <a:endParaRPr lang="en-US"/>
           </a:p>
@@ -5682,7 +5745,7 @@
           <a:p>
             <a:fld id="{DA005A0C-54D9-45AA-87D4-C551D08DFCE1}" type="datetimeFigureOut">
               <a:rPr lang="en-US" smtClean="0"/>
-              <a:t>1/18/2015</a:t>
+              <a:t>1/28/2015</a:t>
             </a:fld>
             <a:endParaRPr lang="en-US"/>
           </a:p>
@@ -6178,9 +6241,44 @@
           <a:p>
             <a:r>
               <a:rPr lang="en-US" dirty="0" smtClean="0"/>
-              <a:t>04aModelValidation</a:t>
-            </a:r>
-            <a:endParaRPr lang="en-US" dirty="0"/>
+              <a:t>05aHostAuthentication – show /</a:t>
+            </a:r>
+            <a:r>
+              <a:rPr lang="en-US" dirty="0" err="1" smtClean="0"/>
+              <a:t>api</a:t>
+            </a:r>
+            <a:r>
+              <a:rPr lang="en-US" dirty="0" smtClean="0"/>
+              <a:t>/</a:t>
+            </a:r>
+            <a:r>
+              <a:rPr lang="en-US" dirty="0" err="1" smtClean="0"/>
+              <a:t>auth</a:t>
+            </a:r>
+            <a:r>
+              <a:rPr lang="en-US" dirty="0" smtClean="0"/>
+              <a:t> and /</a:t>
+            </a:r>
+            <a:r>
+              <a:rPr lang="en-US" dirty="0" err="1" smtClean="0"/>
+              <a:t>api</a:t>
+            </a:r>
+            <a:r>
+              <a:rPr lang="en-US" dirty="0" smtClean="0"/>
+              <a:t>/</a:t>
+            </a:r>
+            <a:r>
+              <a:rPr lang="en-US" dirty="0" err="1" smtClean="0"/>
+              <a:t>auth</a:t>
+            </a:r>
+            <a:r>
+              <a:rPr lang="en-US" dirty="0" smtClean="0"/>
+              <a:t>/secured,</a:t>
+            </a:r>
+            <a:r>
+              <a:rPr lang="en-US" baseline="0" dirty="0" smtClean="0"/>
+              <a:t> then register, log in, and show again</a:t>
+            </a:r>
           </a:p>
         </p:txBody>
       </p:sp>
@@ -6266,8 +6364,23 @@
           <a:p>
             <a:r>
               <a:rPr lang="en-US" dirty="0" smtClean="0"/>
-              <a:t>04aModelValidation</a:t>
-            </a:r>
+              <a:t>05bMessageHandlerAuthentication – add </a:t>
+            </a:r>
+            <a:r>
+              <a:rPr lang="en-US" dirty="0" err="1" smtClean="0"/>
+              <a:t>UserName</a:t>
+            </a:r>
+            <a:r>
+              <a:rPr lang="en-US" dirty="0" smtClean="0"/>
+              <a:t> to headers to authenticate</a:t>
+            </a:r>
+            <a:r>
+              <a:rPr lang="en-US" baseline="0" dirty="0" smtClean="0"/>
+              <a:t> </a:t>
+            </a:r>
+            <a:endParaRPr lang="en-US" dirty="0" smtClean="0"/>
+          </a:p>
+          <a:p>
             <a:endParaRPr lang="en-US" dirty="0"/>
           </a:p>
         </p:txBody>
@@ -6354,7 +6467,47 @@
           <a:p>
             <a:r>
               <a:rPr lang="en-US" dirty="0" smtClean="0"/>
-              <a:t>04aModelValidation</a:t>
+              <a:t>05cTokenBasedAuthentication</a:t>
+            </a:r>
+          </a:p>
+          <a:p>
+            <a:r>
+              <a:rPr lang="en-US" dirty="0" smtClean="0"/>
+              <a:t>POST</a:t>
+            </a:r>
+            <a:r>
+              <a:rPr lang="en-US" baseline="0" dirty="0" smtClean="0"/>
+              <a:t> /</a:t>
+            </a:r>
+            <a:r>
+              <a:rPr lang="en-US" baseline="0" dirty="0" err="1" smtClean="0"/>
+              <a:t>api</a:t>
+            </a:r>
+            <a:r>
+              <a:rPr lang="en-US" baseline="0" dirty="0" smtClean="0"/>
+              <a:t>/account/Register (Email, Password, </a:t>
+            </a:r>
+            <a:r>
+              <a:rPr lang="en-US" baseline="0" dirty="0" err="1" smtClean="0"/>
+              <a:t>ConfirmPassword</a:t>
+            </a:r>
+            <a:r>
+              <a:rPr lang="en-US" baseline="0" dirty="0" smtClean="0"/>
+              <a:t>)</a:t>
+            </a:r>
+          </a:p>
+          <a:p>
+            <a:r>
+              <a:rPr lang="en-US" baseline="0" dirty="0" smtClean="0"/>
+              <a:t>Checkout source in the </a:t>
+            </a:r>
+            <a:r>
+              <a:rPr lang="en-US" baseline="0" dirty="0" err="1" smtClean="0"/>
+              <a:t>Index.cshtml</a:t>
+            </a:r>
+            <a:r>
+              <a:rPr lang="en-US" baseline="0" dirty="0" smtClean="0"/>
+              <a:t> </a:t>
             </a:r>
             <a:endParaRPr lang="en-US" dirty="0"/>
           </a:p>
@@ -6442,7 +6595,48 @@
           <a:p>
             <a:r>
               <a:rPr lang="en-US" dirty="0" smtClean="0"/>
-              <a:t>04aModelValidation</a:t>
+              <a:t>05dAuthorizationFilter</a:t>
+            </a:r>
+          </a:p>
+          <a:p>
+            <a:r>
+              <a:rPr lang="en-US" dirty="0" smtClean="0"/>
+              <a:t>/</a:t>
+            </a:r>
+            <a:r>
+              <a:rPr lang="en-US" dirty="0" err="1" smtClean="0"/>
+              <a:t>api</a:t>
+            </a:r>
+            <a:r>
+              <a:rPr lang="en-US" dirty="0" smtClean="0"/>
+              <a:t>/</a:t>
+            </a:r>
+            <a:r>
+              <a:rPr lang="en-US" dirty="0" err="1" smtClean="0"/>
+              <a:t>auth</a:t>
+            </a:r>
+            <a:endParaRPr lang="en-US" dirty="0" smtClean="0"/>
+          </a:p>
+          <a:p>
+            <a:r>
+              <a:rPr lang="en-US" dirty="0" smtClean="0"/>
+              <a:t>/</a:t>
+            </a:r>
+            <a:r>
+              <a:rPr lang="en-US" dirty="0" err="1" smtClean="0"/>
+              <a:t>api</a:t>
+            </a:r>
+            <a:r>
+              <a:rPr lang="en-US" dirty="0" smtClean="0"/>
+              <a:t>/</a:t>
+            </a:r>
+            <a:r>
+              <a:rPr lang="en-US" dirty="0" err="1" smtClean="0"/>
+              <a:t>auth</a:t>
+            </a:r>
+            <a:r>
+              <a:rPr lang="en-US" dirty="0" smtClean="0"/>
+              <a:t>/secured</a:t>
             </a:r>
             <a:endParaRPr lang="en-US" dirty="0"/>
           </a:p>
@@ -6530,7 +6724,65 @@
           <a:p>
             <a:r>
               <a:rPr lang="en-US" dirty="0" smtClean="0"/>
-              <a:t>04aModelValidation</a:t>
+              <a:t>05eRoleBasedAuthorization – roles of </a:t>
+            </a:r>
+            <a:r>
+              <a:rPr lang="en-US" dirty="0" err="1" smtClean="0"/>
+              <a:t>ivision</a:t>
+            </a:r>
+            <a:r>
+              <a:rPr lang="en-US" dirty="0" smtClean="0"/>
+              <a:t> (@ivision.com), Microsoft (@Microsoft.com) or admin (admin@) </a:t>
+            </a:r>
+          </a:p>
+          <a:p>
+            <a:r>
+              <a:rPr lang="en-US" dirty="0" smtClean="0"/>
+              <a:t>/</a:t>
+            </a:r>
+            <a:r>
+              <a:rPr lang="en-US" dirty="0" err="1" smtClean="0"/>
+              <a:t>api</a:t>
+            </a:r>
+            <a:r>
+              <a:rPr lang="en-US" dirty="0" smtClean="0"/>
+              <a:t>/widgets,</a:t>
+            </a:r>
+            <a:r>
+              <a:rPr lang="en-US" baseline="0" dirty="0" smtClean="0"/>
+              <a:t> /</a:t>
+            </a:r>
+            <a:r>
+              <a:rPr lang="en-US" baseline="0" dirty="0" err="1" smtClean="0"/>
+              <a:t>api</a:t>
+            </a:r>
+            <a:r>
+              <a:rPr lang="en-US" baseline="0" dirty="0" smtClean="0"/>
+              <a:t>/widgets/</a:t>
+            </a:r>
+            <a:r>
+              <a:rPr lang="en-US" baseline="0" dirty="0" err="1" smtClean="0"/>
+              <a:t>ivision</a:t>
+            </a:r>
+            <a:r>
+              <a:rPr lang="en-US" baseline="0" dirty="0" smtClean="0"/>
+              <a:t>, /</a:t>
+            </a:r>
+            <a:r>
+              <a:rPr lang="en-US" baseline="0" dirty="0" err="1" smtClean="0"/>
+              <a:t>api</a:t>
+            </a:r>
+            <a:r>
+              <a:rPr lang="en-US" baseline="0" dirty="0" smtClean="0"/>
+              <a:t>/widgets/Microsoft, /</a:t>
+            </a:r>
+            <a:r>
+              <a:rPr lang="en-US" baseline="0" dirty="0" err="1" smtClean="0"/>
+              <a:t>api</a:t>
+            </a:r>
+            <a:r>
+              <a:rPr lang="en-US" baseline="0" dirty="0" smtClean="0"/>
+              <a:t>/widgets/all</a:t>
             </a:r>
             <a:endParaRPr lang="en-US" dirty="0"/>
           </a:p>
@@ -6618,7 +6870,31 @@
           <a:p>
             <a:r>
               <a:rPr lang="en-US" dirty="0" smtClean="0"/>
-              <a:t>04aModelValidation</a:t>
+              <a:t>05fAntiForgery</a:t>
+            </a:r>
+            <a:r>
+              <a:rPr lang="en-US" baseline="0" dirty="0" smtClean="0"/>
+              <a:t> – show </a:t>
+            </a:r>
+            <a:r>
+              <a:rPr lang="en-US" baseline="0" dirty="0" err="1" smtClean="0"/>
+              <a:t>ForgeryController</a:t>
+            </a:r>
+            <a:r>
+              <a:rPr lang="en-US" baseline="0" dirty="0" smtClean="0"/>
+              <a:t>, </a:t>
+            </a:r>
+            <a:r>
+              <a:rPr lang="en-US" baseline="0" dirty="0" err="1" smtClean="0"/>
+              <a:t>Index.cshtml</a:t>
+            </a:r>
+            <a:r>
+              <a:rPr lang="en-US" baseline="0" dirty="0" smtClean="0"/>
+              <a:t>, and </a:t>
+            </a:r>
+            <a:r>
+              <a:rPr lang="en-US" baseline="0" smtClean="0"/>
+              <a:t>AntiForgeryHandler</a:t>
             </a:r>
             <a:endParaRPr lang="en-US" dirty="0"/>
           </a:p>
@@ -9953,7 +10229,6 @@
               <a:rPr lang="en-US" dirty="0" smtClean="0"/>
               <a:t>Filters require customization</a:t>
             </a:r>
-            <a:endParaRPr lang="en-US" dirty="0" smtClean="0"/>
           </a:p>
           <a:p>
             <a:endParaRPr lang="en-US" dirty="0" smtClean="0"/>
@@ -10128,7 +10403,6 @@
               <a:rPr lang="en-US" dirty="0" smtClean="0"/>
               <a:t>More specific than message handler</a:t>
             </a:r>
-            <a:endParaRPr lang="en-US" dirty="0" smtClean="0"/>
           </a:p>
           <a:p>
             <a:r>
@@ -12531,6 +12805,28 @@
 </file>
 
 <file path=customXml/item1.xml><?xml version="1.0" encoding="utf-8"?>
+<p:properties xmlns:p="http://schemas.microsoft.com/office/2006/metadata/properties" xmlns:xsi="http://www.w3.org/2001/XMLSchema-instance" xmlns:pc="http://schemas.microsoft.com/office/infopath/2007/PartnerControls">
+  <documentManagement>
+    <TaxCatchAll xmlns="230e9df3-be65-4c73-a93b-d1236ebd677e"/>
+    <PublishingExpirationDate xmlns="http://schemas.microsoft.com/sharepoint/v3" xsi:nil="true"/>
+    <PublishingStartDate xmlns="http://schemas.microsoft.com/sharepoint/v3" xsi:nil="true"/>
+    <TaxKeywordTaxHTField xmlns="230e9df3-be65-4c73-a93b-d1236ebd677e">
+      <Terms xmlns="http://schemas.microsoft.com/office/infopath/2007/PartnerControls"/>
+    </TaxKeywordTaxHTField>
+  </documentManagement>
+</p:properties>
+</file>
+
+<file path=customXml/item2.xml><?xml version="1.0" encoding="utf-8"?>
+<?mso-contentType ?>
+<FormTemplates xmlns="http://schemas.microsoft.com/sharepoint/v3/contenttype/forms">
+  <Display>DocumentLibraryForm</Display>
+  <Edit>DocumentLibraryForm</Edit>
+  <New>DocumentLibraryForm</New>
+</FormTemplates>
+</file>
+
+<file path=customXml/item3.xml><?xml version="1.0" encoding="utf-8"?>
 <ct:contentTypeSchema xmlns:ct="http://schemas.microsoft.com/office/2006/metadata/contentType" xmlns:ma="http://schemas.microsoft.com/office/2006/metadata/properties/metaAttributes" ct:_="" ma:_="" ma:contentTypeName="Document" ma:contentTypeID="0x010100496889825850D44592AC5D2F43187AE4" ma:contentTypeVersion="5" ma:contentTypeDescription="Create a new document." ma:contentTypeScope="" ma:versionID="fde90edb5a63ba841bca516fd2abaf95">
   <xsd:schema xmlns:xsd="http://www.w3.org/2001/XMLSchema" xmlns:xs="http://www.w3.org/2001/XMLSchema" xmlns:p="http://schemas.microsoft.com/office/2006/metadata/properties" xmlns:ns1="http://schemas.microsoft.com/sharepoint/v3" xmlns:ns2="230e9df3-be65-4c73-a93b-d1236ebd677e" xmlns:ns3="27aa9422-7f1f-4c84-9cdf-302b1a67e513" targetNamespace="http://schemas.microsoft.com/office/2006/metadata/properties" ma:root="true" ma:fieldsID="5e7808ae941cc340dbe51a3031959734" ns1:_="" ns2:_="" ns3:_="">
     <xsd:import namespace="http://schemas.microsoft.com/sharepoint/v3"/>
@@ -12712,29 +13008,33 @@
 </ct:contentTypeSchema>
 </file>
 
-<file path=customXml/item2.xml><?xml version="1.0" encoding="utf-8"?>
-<?mso-contentType ?>
-<FormTemplates xmlns="http://schemas.microsoft.com/sharepoint/v3/contenttype/forms">
-  <Display>DocumentLibraryForm</Display>
-  <Edit>DocumentLibraryForm</Edit>
-  <New>DocumentLibraryForm</New>
-</FormTemplates>
+<file path=customXml/itemProps1.xml><?xml version="1.0" encoding="utf-8"?>
+<ds:datastoreItem xmlns:ds="http://schemas.openxmlformats.org/officeDocument/2006/customXml" ds:itemID="{7025FDD9-4C58-4084-9F89-0E6ADD6FFF55}">
+  <ds:schemaRefs>
+    <ds:schemaRef ds:uri="27aa9422-7f1f-4c84-9cdf-302b1a67e513"/>
+    <ds:schemaRef ds:uri="http://schemas.microsoft.com/office/2006/documentManagement/types"/>
+    <ds:schemaRef ds:uri="http://schemas.microsoft.com/office/2006/metadata/properties"/>
+    <ds:schemaRef ds:uri="http://purl.org/dc/elements/1.1/"/>
+    <ds:schemaRef ds:uri="230e9df3-be65-4c73-a93b-d1236ebd677e"/>
+    <ds:schemaRef ds:uri="http://purl.org/dc/terms/"/>
+    <ds:schemaRef ds:uri="http://schemas.openxmlformats.org/package/2006/metadata/core-properties"/>
+    <ds:schemaRef ds:uri="http://purl.org/dc/dcmitype/"/>
+    <ds:schemaRef ds:uri="http://schemas.microsoft.com/office/infopath/2007/PartnerControls"/>
+    <ds:schemaRef ds:uri="http://schemas.microsoft.com/sharepoint/v3"/>
+    <ds:schemaRef ds:uri="http://www.w3.org/XML/1998/namespace"/>
+  </ds:schemaRefs>
+</ds:datastoreItem>
 </file>
 
-<file path=customXml/item3.xml><?xml version="1.0" encoding="utf-8"?>
-<p:properties xmlns:p="http://schemas.microsoft.com/office/2006/metadata/properties" xmlns:xsi="http://www.w3.org/2001/XMLSchema-instance" xmlns:pc="http://schemas.microsoft.com/office/infopath/2007/PartnerControls">
-  <documentManagement>
-    <TaxCatchAll xmlns="230e9df3-be65-4c73-a93b-d1236ebd677e"/>
-    <PublishingExpirationDate xmlns="http://schemas.microsoft.com/sharepoint/v3" xsi:nil="true"/>
-    <PublishingStartDate xmlns="http://schemas.microsoft.com/sharepoint/v3" xsi:nil="true"/>
-    <TaxKeywordTaxHTField xmlns="230e9df3-be65-4c73-a93b-d1236ebd677e">
-      <Terms xmlns="http://schemas.microsoft.com/office/infopath/2007/PartnerControls"/>
-    </TaxKeywordTaxHTField>
-  </documentManagement>
-</p:properties>
+<file path=customXml/itemProps2.xml><?xml version="1.0" encoding="utf-8"?>
+<ds:datastoreItem xmlns:ds="http://schemas.openxmlformats.org/officeDocument/2006/customXml" ds:itemID="{B0CA13EC-1D3C-4D6F-8D1C-E8A452CFC79A}">
+  <ds:schemaRefs>
+    <ds:schemaRef ds:uri="http://schemas.microsoft.com/sharepoint/v3/contenttype/forms"/>
+  </ds:schemaRefs>
+</ds:datastoreItem>
 </file>
 
-<file path=customXml/itemProps1.xml><?xml version="1.0" encoding="utf-8"?>
+<file path=customXml/itemProps3.xml><?xml version="1.0" encoding="utf-8"?>
 <ds:datastoreItem xmlns:ds="http://schemas.openxmlformats.org/officeDocument/2006/customXml" ds:itemID="{3253B29C-1CCD-4FE8-A1C4-023A0910DF96}">
   <ds:schemaRefs>
     <ds:schemaRef ds:uri="http://schemas.microsoft.com/office/2006/metadata/contentType"/>
@@ -12752,30 +13052,4 @@
     <ds:schemaRef ds:uri="http://schemas.microsoft.com/internal/obd"/>
   </ds:schemaRefs>
 </ds:datastoreItem>
-</file>
-
-<file path=customXml/itemProps2.xml><?xml version="1.0" encoding="utf-8"?>
-<ds:datastoreItem xmlns:ds="http://schemas.openxmlformats.org/officeDocument/2006/customXml" ds:itemID="{B0CA13EC-1D3C-4D6F-8D1C-E8A452CFC79A}">
-  <ds:schemaRefs>
-    <ds:schemaRef ds:uri="http://schemas.microsoft.com/sharepoint/v3/contenttype/forms"/>
-  </ds:schemaRefs>
-</ds:datastoreItem>
-</file>
-
-<file path=customXml/itemProps3.xml><?xml version="1.0" encoding="utf-8"?>
-<ds:datastoreItem xmlns:ds="http://schemas.openxmlformats.org/officeDocument/2006/customXml" ds:itemID="{7025FDD9-4C58-4084-9F89-0E6ADD6FFF55}">
-  <ds:schemaRefs>
-    <ds:schemaRef ds:uri="27aa9422-7f1f-4c84-9cdf-302b1a67e513"/>
-    <ds:schemaRef ds:uri="http://schemas.microsoft.com/office/2006/documentManagement/types"/>
-    <ds:schemaRef ds:uri="http://schemas.microsoft.com/office/2006/metadata/properties"/>
-    <ds:schemaRef ds:uri="http://purl.org/dc/elements/1.1/"/>
-    <ds:schemaRef ds:uri="230e9df3-be65-4c73-a93b-d1236ebd677e"/>
-    <ds:schemaRef ds:uri="http://purl.org/dc/terms/"/>
-    <ds:schemaRef ds:uri="http://schemas.openxmlformats.org/package/2006/metadata/core-properties"/>
-    <ds:schemaRef ds:uri="http://purl.org/dc/dcmitype/"/>
-    <ds:schemaRef ds:uri="http://schemas.microsoft.com/office/infopath/2007/PartnerControls"/>
-    <ds:schemaRef ds:uri="http://schemas.microsoft.com/sharepoint/v3"/>
-    <ds:schemaRef ds:uri="http://www.w3.org/XML/1998/namespace"/>
-  </ds:schemaRefs>
-</ds:datastoreItem>
 </file>
--- a/Slides/Module 5 - Security.pptx
+++ b/Slides/Module 5 - Security.pptx
@@ -2690,379 +2690,6 @@
       <dsp:cNvGrpSpPr/>
     </dsp:nvGrpSpPr>
     <dsp:grpSpPr/>
-    <dsp:sp modelId="{DE5201E9-963A-418D-AA1A-90B1AC79ABFC}">
-      <dsp:nvSpPr>
-        <dsp:cNvPr id="0" name=""/>
-        <dsp:cNvSpPr/>
-      </dsp:nvSpPr>
-      <dsp:spPr>
-        <a:xfrm>
-          <a:off x="8831" y="1789598"/>
-          <a:ext cx="2639625" cy="1583775"/>
-        </a:xfrm>
-        <a:prstGeom prst="roundRect">
-          <a:avLst>
-            <a:gd name="adj" fmla="val 10000"/>
-          </a:avLst>
-        </a:prstGeom>
-        <a:solidFill>
-          <a:schemeClr val="accent4">
-            <a:hueOff val="0"/>
-            <a:satOff val="0"/>
-            <a:lumOff val="0"/>
-            <a:alphaOff val="0"/>
-          </a:schemeClr>
-        </a:solidFill>
-        <a:ln w="25400" cap="flat" cmpd="sng" algn="ctr">
-          <a:solidFill>
-            <a:schemeClr val="lt1">
-              <a:hueOff val="0"/>
-              <a:satOff val="0"/>
-              <a:lumOff val="0"/>
-              <a:alphaOff val="0"/>
-            </a:schemeClr>
-          </a:solidFill>
-          <a:prstDash val="solid"/>
-        </a:ln>
-        <a:effectLst/>
-      </dsp:spPr>
-      <dsp:style>
-        <a:lnRef idx="2">
-          <a:scrgbClr r="0" g="0" b="0"/>
-        </a:lnRef>
-        <a:fillRef idx="1">
-          <a:scrgbClr r="0" g="0" b="0"/>
-        </a:fillRef>
-        <a:effectRef idx="0">
-          <a:scrgbClr r="0" g="0" b="0"/>
-        </a:effectRef>
-        <a:fontRef idx="minor">
-          <a:schemeClr val="lt1"/>
-        </a:fontRef>
-      </dsp:style>
-      <dsp:txBody>
-        <a:bodyPr spcFirstLastPara="0" vert="horz" wrap="square" lIns="106680" tIns="106680" rIns="106680" bIns="106680" numCol="1" spcCol="1270" anchor="ctr" anchorCtr="0">
-          <a:noAutofit/>
-        </a:bodyPr>
-        <a:lstStyle/>
-        <a:p>
-          <a:pPr lvl="0" algn="ctr" defTabSz="1244600">
-            <a:lnSpc>
-              <a:spcPct val="90000"/>
-            </a:lnSpc>
-            <a:spcBef>
-              <a:spcPct val="0"/>
-            </a:spcBef>
-            <a:spcAft>
-              <a:spcPct val="35000"/>
-            </a:spcAft>
-          </a:pPr>
-          <a:r>
-            <a:rPr lang="en-US" sz="2800" kern="1200" dirty="0" smtClean="0"/>
-            <a:t>Generate Token on Server and Send to Page</a:t>
-          </a:r>
-          <a:endParaRPr lang="en-US" sz="2800" kern="1200" dirty="0"/>
-        </a:p>
-      </dsp:txBody>
-      <dsp:txXfrm>
-        <a:off x="55218" y="1835985"/>
-        <a:ext cx="2546851" cy="1491001"/>
-      </dsp:txXfrm>
-    </dsp:sp>
-    <dsp:sp modelId="{7B5BEC94-FB9D-48EF-9F78-33C7ECC5A3D0}">
-      <dsp:nvSpPr>
-        <dsp:cNvPr id="0" name=""/>
-        <dsp:cNvSpPr/>
-      </dsp:nvSpPr>
-      <dsp:spPr>
-        <a:xfrm>
-          <a:off x="2912419" y="2254172"/>
-          <a:ext cx="559600" cy="654627"/>
-        </a:xfrm>
-        <a:prstGeom prst="rightArrow">
-          <a:avLst>
-            <a:gd name="adj1" fmla="val 60000"/>
-            <a:gd name="adj2" fmla="val 50000"/>
-          </a:avLst>
-        </a:prstGeom>
-        <a:solidFill>
-          <a:schemeClr val="accent4">
-            <a:hueOff val="0"/>
-            <a:satOff val="0"/>
-            <a:lumOff val="0"/>
-            <a:alphaOff val="0"/>
-          </a:schemeClr>
-        </a:solidFill>
-        <a:ln>
-          <a:noFill/>
-        </a:ln>
-        <a:effectLst/>
-      </dsp:spPr>
-      <dsp:style>
-        <a:lnRef idx="0">
-          <a:scrgbClr r="0" g="0" b="0"/>
-        </a:lnRef>
-        <a:fillRef idx="1">
-          <a:scrgbClr r="0" g="0" b="0"/>
-        </a:fillRef>
-        <a:effectRef idx="0">
-          <a:scrgbClr r="0" g="0" b="0"/>
-        </a:effectRef>
-        <a:fontRef idx="minor">
-          <a:schemeClr val="lt1"/>
-        </a:fontRef>
-      </dsp:style>
-      <dsp:txBody>
-        <a:bodyPr spcFirstLastPara="0" vert="horz" wrap="square" lIns="0" tIns="0" rIns="0" bIns="0" numCol="1" spcCol="1270" anchor="ctr" anchorCtr="0">
-          <a:noAutofit/>
-        </a:bodyPr>
-        <a:lstStyle/>
-        <a:p>
-          <a:pPr lvl="0" algn="ctr" defTabSz="1022350">
-            <a:lnSpc>
-              <a:spcPct val="90000"/>
-            </a:lnSpc>
-            <a:spcBef>
-              <a:spcPct val="0"/>
-            </a:spcBef>
-            <a:spcAft>
-              <a:spcPct val="35000"/>
-            </a:spcAft>
-          </a:pPr>
-          <a:endParaRPr lang="en-US" sz="2300" kern="1200"/>
-        </a:p>
-      </dsp:txBody>
-      <dsp:txXfrm>
-        <a:off x="2912419" y="2385097"/>
-        <a:ext cx="391720" cy="392777"/>
-      </dsp:txXfrm>
-    </dsp:sp>
-    <dsp:sp modelId="{A610DF8B-7328-4CC9-8333-D74211E77DE0}">
-      <dsp:nvSpPr>
-        <dsp:cNvPr id="0" name=""/>
-        <dsp:cNvSpPr/>
-      </dsp:nvSpPr>
-      <dsp:spPr>
-        <a:xfrm>
-          <a:off x="3704307" y="1789598"/>
-          <a:ext cx="2639625" cy="1583775"/>
-        </a:xfrm>
-        <a:prstGeom prst="roundRect">
-          <a:avLst>
-            <a:gd name="adj" fmla="val 10000"/>
-          </a:avLst>
-        </a:prstGeom>
-        <a:solidFill>
-          <a:schemeClr val="accent4">
-            <a:hueOff val="-2232385"/>
-            <a:satOff val="13449"/>
-            <a:lumOff val="1078"/>
-            <a:alphaOff val="0"/>
-          </a:schemeClr>
-        </a:solidFill>
-        <a:ln w="25400" cap="flat" cmpd="sng" algn="ctr">
-          <a:solidFill>
-            <a:schemeClr val="lt1">
-              <a:hueOff val="0"/>
-              <a:satOff val="0"/>
-              <a:lumOff val="0"/>
-              <a:alphaOff val="0"/>
-            </a:schemeClr>
-          </a:solidFill>
-          <a:prstDash val="solid"/>
-        </a:ln>
-        <a:effectLst/>
-      </dsp:spPr>
-      <dsp:style>
-        <a:lnRef idx="2">
-          <a:scrgbClr r="0" g="0" b="0"/>
-        </a:lnRef>
-        <a:fillRef idx="1">
-          <a:scrgbClr r="0" g="0" b="0"/>
-        </a:fillRef>
-        <a:effectRef idx="0">
-          <a:scrgbClr r="0" g="0" b="0"/>
-        </a:effectRef>
-        <a:fontRef idx="minor">
-          <a:schemeClr val="lt1"/>
-        </a:fontRef>
-      </dsp:style>
-      <dsp:txBody>
-        <a:bodyPr spcFirstLastPara="0" vert="horz" wrap="square" lIns="106680" tIns="106680" rIns="106680" bIns="106680" numCol="1" spcCol="1270" anchor="ctr" anchorCtr="0">
-          <a:noAutofit/>
-        </a:bodyPr>
-        <a:lstStyle/>
-        <a:p>
-          <a:pPr lvl="0" algn="ctr" defTabSz="1244600">
-            <a:lnSpc>
-              <a:spcPct val="90000"/>
-            </a:lnSpc>
-            <a:spcBef>
-              <a:spcPct val="0"/>
-            </a:spcBef>
-            <a:spcAft>
-              <a:spcPct val="35000"/>
-            </a:spcAft>
-          </a:pPr>
-          <a:r>
-            <a:rPr lang="en-US" sz="2800" kern="1200" dirty="0" smtClean="0"/>
-            <a:t>Add Token to Header in Requests</a:t>
-          </a:r>
-          <a:endParaRPr lang="en-US" sz="2800" kern="1200" dirty="0"/>
-        </a:p>
-      </dsp:txBody>
-      <dsp:txXfrm>
-        <a:off x="3750694" y="1835985"/>
-        <a:ext cx="2546851" cy="1491001"/>
-      </dsp:txXfrm>
-    </dsp:sp>
-    <dsp:sp modelId="{616397AC-10CC-4B6F-8A9F-11386032CDE8}">
-      <dsp:nvSpPr>
-        <dsp:cNvPr id="0" name=""/>
-        <dsp:cNvSpPr/>
-      </dsp:nvSpPr>
-      <dsp:spPr>
-        <a:xfrm>
-          <a:off x="6607895" y="2254172"/>
-          <a:ext cx="559600" cy="654627"/>
-        </a:xfrm>
-        <a:prstGeom prst="rightArrow">
-          <a:avLst>
-            <a:gd name="adj1" fmla="val 60000"/>
-            <a:gd name="adj2" fmla="val 50000"/>
-          </a:avLst>
-        </a:prstGeom>
-        <a:solidFill>
-          <a:schemeClr val="accent4">
-            <a:hueOff val="-4464770"/>
-            <a:satOff val="26899"/>
-            <a:lumOff val="2156"/>
-            <a:alphaOff val="0"/>
-          </a:schemeClr>
-        </a:solidFill>
-        <a:ln>
-          <a:noFill/>
-        </a:ln>
-        <a:effectLst/>
-      </dsp:spPr>
-      <dsp:style>
-        <a:lnRef idx="0">
-          <a:scrgbClr r="0" g="0" b="0"/>
-        </a:lnRef>
-        <a:fillRef idx="1">
-          <a:scrgbClr r="0" g="0" b="0"/>
-        </a:fillRef>
-        <a:effectRef idx="0">
-          <a:scrgbClr r="0" g="0" b="0"/>
-        </a:effectRef>
-        <a:fontRef idx="minor">
-          <a:schemeClr val="lt1"/>
-        </a:fontRef>
-      </dsp:style>
-      <dsp:txBody>
-        <a:bodyPr spcFirstLastPara="0" vert="horz" wrap="square" lIns="0" tIns="0" rIns="0" bIns="0" numCol="1" spcCol="1270" anchor="ctr" anchorCtr="0">
-          <a:noAutofit/>
-        </a:bodyPr>
-        <a:lstStyle/>
-        <a:p>
-          <a:pPr lvl="0" algn="ctr" defTabSz="1022350">
-            <a:lnSpc>
-              <a:spcPct val="90000"/>
-            </a:lnSpc>
-            <a:spcBef>
-              <a:spcPct val="0"/>
-            </a:spcBef>
-            <a:spcAft>
-              <a:spcPct val="35000"/>
-            </a:spcAft>
-          </a:pPr>
-          <a:endParaRPr lang="en-US" sz="2300" kern="1200"/>
-        </a:p>
-      </dsp:txBody>
-      <dsp:txXfrm>
-        <a:off x="6607895" y="2385097"/>
-        <a:ext cx="391720" cy="392777"/>
-      </dsp:txXfrm>
-    </dsp:sp>
-    <dsp:sp modelId="{C15E63F9-90D9-4CBF-AB63-D817DA3BF610}">
-      <dsp:nvSpPr>
-        <dsp:cNvPr id="0" name=""/>
-        <dsp:cNvSpPr/>
-      </dsp:nvSpPr>
-      <dsp:spPr>
-        <a:xfrm>
-          <a:off x="7399782" y="1789598"/>
-          <a:ext cx="2639625" cy="1583775"/>
-        </a:xfrm>
-        <a:prstGeom prst="roundRect">
-          <a:avLst>
-            <a:gd name="adj" fmla="val 10000"/>
-          </a:avLst>
-        </a:prstGeom>
-        <a:solidFill>
-          <a:schemeClr val="accent4">
-            <a:hueOff val="-4464770"/>
-            <a:satOff val="26899"/>
-            <a:lumOff val="2156"/>
-            <a:alphaOff val="0"/>
-          </a:schemeClr>
-        </a:solidFill>
-        <a:ln w="25400" cap="flat" cmpd="sng" algn="ctr">
-          <a:solidFill>
-            <a:schemeClr val="lt1">
-              <a:hueOff val="0"/>
-              <a:satOff val="0"/>
-              <a:lumOff val="0"/>
-              <a:alphaOff val="0"/>
-            </a:schemeClr>
-          </a:solidFill>
-          <a:prstDash val="solid"/>
-        </a:ln>
-        <a:effectLst/>
-      </dsp:spPr>
-      <dsp:style>
-        <a:lnRef idx="2">
-          <a:scrgbClr r="0" g="0" b="0"/>
-        </a:lnRef>
-        <a:fillRef idx="1">
-          <a:scrgbClr r="0" g="0" b="0"/>
-        </a:fillRef>
-        <a:effectRef idx="0">
-          <a:scrgbClr r="0" g="0" b="0"/>
-        </a:effectRef>
-        <a:fontRef idx="minor">
-          <a:schemeClr val="lt1"/>
-        </a:fontRef>
-      </dsp:style>
-      <dsp:txBody>
-        <a:bodyPr spcFirstLastPara="0" vert="horz" wrap="square" lIns="106680" tIns="106680" rIns="106680" bIns="106680" numCol="1" spcCol="1270" anchor="ctr" anchorCtr="0">
-          <a:noAutofit/>
-        </a:bodyPr>
-        <a:lstStyle/>
-        <a:p>
-          <a:pPr lvl="0" algn="ctr" defTabSz="1244600">
-            <a:lnSpc>
-              <a:spcPct val="90000"/>
-            </a:lnSpc>
-            <a:spcBef>
-              <a:spcPct val="0"/>
-            </a:spcBef>
-            <a:spcAft>
-              <a:spcPct val="35000"/>
-            </a:spcAft>
-          </a:pPr>
-          <a:r>
-            <a:rPr lang="en-US" sz="2800" kern="1200" dirty="0" smtClean="0"/>
-            <a:t>Validate Token on Server</a:t>
-          </a:r>
-          <a:endParaRPr lang="en-US" sz="2800" kern="1200" dirty="0"/>
-        </a:p>
-      </dsp:txBody>
-      <dsp:txXfrm>
-        <a:off x="7446169" y="1835985"/>
-        <a:ext cx="2546851" cy="1491001"/>
-      </dsp:txXfrm>
-    </dsp:sp>
   </dsp:spTree>
 </dsp:drawing>
 </file>
@@ -5580,7 +5207,7 @@
           <a:p>
             <a:fld id="{312E7B4A-039C-48A2-9B2C-AF16AA3873D8}" type="datetimeFigureOut">
               <a:rPr lang="en-US" smtClean="0"/>
-              <a:t>1/28/2015</a:t>
+              <a:t>2/2/2015</a:t>
             </a:fld>
             <a:endParaRPr lang="en-US"/>
           </a:p>
@@ -5745,7 +5372,7 @@
           <a:p>
             <a:fld id="{DA005A0C-54D9-45AA-87D4-C551D08DFCE1}" type="datetimeFigureOut">
               <a:rPr lang="en-US" smtClean="0"/>
-              <a:t>1/28/2015</a:t>
+              <a:t>2/2/2015</a:t>
             </a:fld>
             <a:endParaRPr lang="en-US"/>
           </a:p>
@@ -12805,28 +12432,6 @@
 </file>
 
 <file path=customXml/item1.xml><?xml version="1.0" encoding="utf-8"?>
-<p:properties xmlns:p="http://schemas.microsoft.com/office/2006/metadata/properties" xmlns:xsi="http://www.w3.org/2001/XMLSchema-instance" xmlns:pc="http://schemas.microsoft.com/office/infopath/2007/PartnerControls">
-  <documentManagement>
-    <TaxCatchAll xmlns="230e9df3-be65-4c73-a93b-d1236ebd677e"/>
-    <PublishingExpirationDate xmlns="http://schemas.microsoft.com/sharepoint/v3" xsi:nil="true"/>
-    <PublishingStartDate xmlns="http://schemas.microsoft.com/sharepoint/v3" xsi:nil="true"/>
-    <TaxKeywordTaxHTField xmlns="230e9df3-be65-4c73-a93b-d1236ebd677e">
-      <Terms xmlns="http://schemas.microsoft.com/office/infopath/2007/PartnerControls"/>
-    </TaxKeywordTaxHTField>
-  </documentManagement>
-</p:properties>
-</file>
-
-<file path=customXml/item2.xml><?xml version="1.0" encoding="utf-8"?>
-<?mso-contentType ?>
-<FormTemplates xmlns="http://schemas.microsoft.com/sharepoint/v3/contenttype/forms">
-  <Display>DocumentLibraryForm</Display>
-  <Edit>DocumentLibraryForm</Edit>
-  <New>DocumentLibraryForm</New>
-</FormTemplates>
-</file>
-
-<file path=customXml/item3.xml><?xml version="1.0" encoding="utf-8"?>
 <ct:contentTypeSchema xmlns:ct="http://schemas.microsoft.com/office/2006/metadata/contentType" xmlns:ma="http://schemas.microsoft.com/office/2006/metadata/properties/metaAttributes" ct:_="" ma:_="" ma:contentTypeName="Document" ma:contentTypeID="0x010100496889825850D44592AC5D2F43187AE4" ma:contentTypeVersion="5" ma:contentTypeDescription="Create a new document." ma:contentTypeScope="" ma:versionID="fde90edb5a63ba841bca516fd2abaf95">
   <xsd:schema xmlns:xsd="http://www.w3.org/2001/XMLSchema" xmlns:xs="http://www.w3.org/2001/XMLSchema" xmlns:p="http://schemas.microsoft.com/office/2006/metadata/properties" xmlns:ns1="http://schemas.microsoft.com/sharepoint/v3" xmlns:ns2="230e9df3-be65-4c73-a93b-d1236ebd677e" xmlns:ns3="27aa9422-7f1f-4c84-9cdf-302b1a67e513" targetNamespace="http://schemas.microsoft.com/office/2006/metadata/properties" ma:root="true" ma:fieldsID="5e7808ae941cc340dbe51a3031959734" ns1:_="" ns2:_="" ns3:_="">
     <xsd:import namespace="http://schemas.microsoft.com/sharepoint/v3"/>
@@ -13008,33 +12613,29 @@
 </ct:contentTypeSchema>
 </file>
 
-<file path=customXml/itemProps1.xml><?xml version="1.0" encoding="utf-8"?>
-<ds:datastoreItem xmlns:ds="http://schemas.openxmlformats.org/officeDocument/2006/customXml" ds:itemID="{7025FDD9-4C58-4084-9F89-0E6ADD6FFF55}">
-  <ds:schemaRefs>
-    <ds:schemaRef ds:uri="27aa9422-7f1f-4c84-9cdf-302b1a67e513"/>
-    <ds:schemaRef ds:uri="http://schemas.microsoft.com/office/2006/documentManagement/types"/>
-    <ds:schemaRef ds:uri="http://schemas.microsoft.com/office/2006/metadata/properties"/>
-    <ds:schemaRef ds:uri="http://purl.org/dc/elements/1.1/"/>
-    <ds:schemaRef ds:uri="230e9df3-be65-4c73-a93b-d1236ebd677e"/>
-    <ds:schemaRef ds:uri="http://purl.org/dc/terms/"/>
-    <ds:schemaRef ds:uri="http://schemas.openxmlformats.org/package/2006/metadata/core-properties"/>
-    <ds:schemaRef ds:uri="http://purl.org/dc/dcmitype/"/>
-    <ds:schemaRef ds:uri="http://schemas.microsoft.com/office/infopath/2007/PartnerControls"/>
-    <ds:schemaRef ds:uri="http://schemas.microsoft.com/sharepoint/v3"/>
-    <ds:schemaRef ds:uri="http://www.w3.org/XML/1998/namespace"/>
-  </ds:schemaRefs>
-</ds:datastoreItem>
+<file path=customXml/item2.xml><?xml version="1.0" encoding="utf-8"?>
+<?mso-contentType ?>
+<FormTemplates xmlns="http://schemas.microsoft.com/sharepoint/v3/contenttype/forms">
+  <Display>DocumentLibraryForm</Display>
+  <Edit>DocumentLibraryForm</Edit>
+  <New>DocumentLibraryForm</New>
+</FormTemplates>
 </file>
 
-<file path=customXml/itemProps2.xml><?xml version="1.0" encoding="utf-8"?>
-<ds:datastoreItem xmlns:ds="http://schemas.openxmlformats.org/officeDocument/2006/customXml" ds:itemID="{B0CA13EC-1D3C-4D6F-8D1C-E8A452CFC79A}">
-  <ds:schemaRefs>
-    <ds:schemaRef ds:uri="http://schemas.microsoft.com/sharepoint/v3/contenttype/forms"/>
-  </ds:schemaRefs>
-</ds:datastoreItem>
+<file path=customXml/item3.xml><?xml version="1.0" encoding="utf-8"?>
+<p:properties xmlns:p="http://schemas.microsoft.com/office/2006/metadata/properties" xmlns:xsi="http://www.w3.org/2001/XMLSchema-instance" xmlns:pc="http://schemas.microsoft.com/office/infopath/2007/PartnerControls">
+  <documentManagement>
+    <TaxCatchAll xmlns="230e9df3-be65-4c73-a93b-d1236ebd677e"/>
+    <PublishingExpirationDate xmlns="http://schemas.microsoft.com/sharepoint/v3" xsi:nil="true"/>
+    <PublishingStartDate xmlns="http://schemas.microsoft.com/sharepoint/v3" xsi:nil="true"/>
+    <TaxKeywordTaxHTField xmlns="230e9df3-be65-4c73-a93b-d1236ebd677e">
+      <Terms xmlns="http://schemas.microsoft.com/office/infopath/2007/PartnerControls"/>
+    </TaxKeywordTaxHTField>
+  </documentManagement>
+</p:properties>
 </file>
 
-<file path=customXml/itemProps3.xml><?xml version="1.0" encoding="utf-8"?>
+<file path=customXml/itemProps1.xml><?xml version="1.0" encoding="utf-8"?>
 <ds:datastoreItem xmlns:ds="http://schemas.openxmlformats.org/officeDocument/2006/customXml" ds:itemID="{3253B29C-1CCD-4FE8-A1C4-023A0910DF96}">
   <ds:schemaRefs>
     <ds:schemaRef ds:uri="http://schemas.microsoft.com/office/2006/metadata/contentType"/>
@@ -13052,4 +12653,30 @@
     <ds:schemaRef ds:uri="http://schemas.microsoft.com/internal/obd"/>
   </ds:schemaRefs>
 </ds:datastoreItem>
+</file>
+
+<file path=customXml/itemProps2.xml><?xml version="1.0" encoding="utf-8"?>
+<ds:datastoreItem xmlns:ds="http://schemas.openxmlformats.org/officeDocument/2006/customXml" ds:itemID="{B0CA13EC-1D3C-4D6F-8D1C-E8A452CFC79A}">
+  <ds:schemaRefs>
+    <ds:schemaRef ds:uri="http://schemas.microsoft.com/sharepoint/v3/contenttype/forms"/>
+  </ds:schemaRefs>
+</ds:datastoreItem>
+</file>
+
+<file path=customXml/itemProps3.xml><?xml version="1.0" encoding="utf-8"?>
+<ds:datastoreItem xmlns:ds="http://schemas.openxmlformats.org/officeDocument/2006/customXml" ds:itemID="{7025FDD9-4C58-4084-9F89-0E6ADD6FFF55}">
+  <ds:schemaRefs>
+    <ds:schemaRef ds:uri="27aa9422-7f1f-4c84-9cdf-302b1a67e513"/>
+    <ds:schemaRef ds:uri="http://schemas.microsoft.com/office/2006/documentManagement/types"/>
+    <ds:schemaRef ds:uri="http://schemas.microsoft.com/office/2006/metadata/properties"/>
+    <ds:schemaRef ds:uri="http://purl.org/dc/elements/1.1/"/>
+    <ds:schemaRef ds:uri="230e9df3-be65-4c73-a93b-d1236ebd677e"/>
+    <ds:schemaRef ds:uri="http://purl.org/dc/terms/"/>
+    <ds:schemaRef ds:uri="http://schemas.openxmlformats.org/package/2006/metadata/core-properties"/>
+    <ds:schemaRef ds:uri="http://purl.org/dc/dcmitype/"/>
+    <ds:schemaRef ds:uri="http://schemas.microsoft.com/office/infopath/2007/PartnerControls"/>
+    <ds:schemaRef ds:uri="http://schemas.microsoft.com/sharepoint/v3"/>
+    <ds:schemaRef ds:uri="http://www.w3.org/XML/1998/namespace"/>
+  </ds:schemaRefs>
+</ds:datastoreItem>
 </file>